--- a/ClassMaterials/EventBasedGameLoop/Slides/EventBasedGameLoop.pptx
+++ b/ClassMaterials/EventBasedGameLoop/Slides/EventBasedGameLoop.pptx
@@ -5,10 +5,10 @@
     <p:sldMasterId id="2147484629" r:id="rId1"/>
   </p:sldMasterIdLst>
   <p:notesMasterIdLst>
-    <p:notesMasterId r:id="rId20"/>
+    <p:notesMasterId r:id="rId21"/>
   </p:notesMasterIdLst>
   <p:handoutMasterIdLst>
-    <p:handoutMasterId r:id="rId21"/>
+    <p:handoutMasterId r:id="rId22"/>
   </p:handoutMasterIdLst>
   <p:sldIdLst>
     <p:sldId id="256" r:id="rId2"/>
@@ -25,10 +25,11 @@
     <p:sldId id="301" r:id="rId13"/>
     <p:sldId id="302" r:id="rId14"/>
     <p:sldId id="303" r:id="rId15"/>
-    <p:sldId id="309" r:id="rId16"/>
-    <p:sldId id="310" r:id="rId17"/>
-    <p:sldId id="311" r:id="rId18"/>
-    <p:sldId id="294" r:id="rId19"/>
+    <p:sldId id="312" r:id="rId16"/>
+    <p:sldId id="309" r:id="rId17"/>
+    <p:sldId id="310" r:id="rId18"/>
+    <p:sldId id="311" r:id="rId19"/>
+    <p:sldId id="294" r:id="rId20"/>
   </p:sldIdLst>
   <p:sldSz cx="9144000" cy="6858000" type="screen4x3"/>
   <p:notesSz cx="6881813" cy="9296400"/>
@@ -2041,7 +2042,7 @@
                 <a:latin typeface="Calibri"/>
                 <a:ea typeface="+mn-ea"/>
               </a:rPr>
-              <a:t>16</a:t>
+              <a:t>17</a:t>
             </a:fld>
             <a:endParaRPr lang="en-US" sz="1800" b="0" strike="noStrike" spc="-1">
               <a:solidFill>
@@ -2151,7 +2152,7 @@
             <a:fld id="{4EE02099-3122-448C-8379-2F83E5A8613A}" type="slidenum">
               <a:rPr lang="en-US"/>
               <a:pPr/>
-              <a:t>18</a:t>
+              <a:t>19</a:t>
             </a:fld>
             <a:endParaRPr lang="en-US"/>
           </a:p>
@@ -5384,11 +5385,7 @@
             </a:pPr>
             <a:r>
               <a:rPr lang="en-US" sz="2500" dirty="0" smtClean="0"/>
-              <a:t>Main Game Loop with </a:t>
-            </a:r>
-            <a:r>
-              <a:rPr lang="en-US" sz="2500" dirty="0" smtClean="0"/>
-              <a:t>Timers </a:t>
+              <a:t>Main Game Loop with Timers </a:t>
             </a:r>
           </a:p>
           <a:p>
@@ -5535,14 +5532,50 @@
         </p:blipFill>
         <p:spPr>
           <a:xfrm>
-            <a:off x="321754" y="685800"/>
-            <a:ext cx="8452731" cy="5486400"/>
+            <a:off x="838200" y="216877"/>
+            <a:ext cx="7069645" cy="4588682"/>
           </a:xfrm>
           <a:prstGeom prst="rect">
             <a:avLst/>
           </a:prstGeom>
         </p:spPr>
       </p:pic>
+      <p:sp>
+        <p:nvSpPr>
+          <p:cNvPr id="2" name="TextBox 1"/>
+          <p:cNvSpPr txBox="1"/>
+          <p:nvPr/>
+        </p:nvSpPr>
+        <p:spPr>
+          <a:xfrm>
+            <a:off x="533400" y="4935414"/>
+            <a:ext cx="7848600" cy="646331"/>
+          </a:xfrm>
+          <a:prstGeom prst="rect">
+            <a:avLst/>
+          </a:prstGeom>
+          <a:noFill/>
+        </p:spPr>
+        <p:txBody>
+          <a:bodyPr wrap="square" rtlCol="0">
+            <a:spAutoFit/>
+          </a:bodyPr>
+          <a:lstStyle/>
+          <a:p>
+            <a:r>
+              <a:rPr lang="en-US" dirty="0" smtClean="0"/>
+              <a:t>1. You can meet virtually to discuss and create design</a:t>
+            </a:r>
+          </a:p>
+          <a:p>
+            <a:r>
+              <a:rPr lang="en-US" dirty="0" smtClean="0"/>
+              <a:t>2. We suggest you screen share and allow remote control via MS Teams</a:t>
+            </a:r>
+            <a:endParaRPr lang="en-US" dirty="0"/>
+          </a:p>
+        </p:txBody>
+      </p:sp>
     </p:spTree>
     <p:extLst>
       <p:ext uri="{BB962C8B-B14F-4D97-AF65-F5344CB8AC3E}">
@@ -5553,6 +5586,13 @@
   <p:clrMapOvr>
     <a:masterClrMapping/>
   </p:clrMapOvr>
+  <p:timing>
+    <p:tnLst>
+      <p:par>
+        <p:cTn id="1" dur="indefinite" restart="never" nodeType="tmRoot"/>
+      </p:par>
+    </p:tnLst>
+  </p:timing>
 </p:sld>
 </file>
 
@@ -5590,20 +5630,44 @@
           </a:xfrm>
         </p:spPr>
         <p:txBody>
-          <a:bodyPr/>
+          <a:bodyPr>
+            <a:normAutofit/>
+          </a:bodyPr>
           <a:lstStyle/>
           <a:p>
             <a:r>
-              <a:rPr lang="en-US" dirty="0" smtClean="0"/>
-              <a:t>Next, we will show you how to read/write with files so you can get started on this early if you want.</a:t>
-            </a:r>
-          </a:p>
-          <a:p>
-            <a:r>
-              <a:rPr lang="en-US" dirty="0" smtClean="0"/>
-              <a:t>We will talk more about Exceptions after Exam2</a:t>
-            </a:r>
-            <a:endParaRPr lang="en-US" dirty="0"/>
+              <a:rPr lang="en-US" sz="2800" dirty="0" smtClean="0"/>
+              <a:t>We will </a:t>
+            </a:r>
+            <a:r>
+              <a:rPr lang="en-US" sz="2800" dirty="0" smtClean="0"/>
+              <a:t>show you how to read/write with files so you can get started on this early if you want.</a:t>
+            </a:r>
+          </a:p>
+          <a:p>
+            <a:r>
+              <a:rPr lang="en-US" sz="2800" dirty="0" smtClean="0"/>
+              <a:t>We will talk more about Exceptions after </a:t>
+            </a:r>
+            <a:r>
+              <a:rPr lang="en-US" sz="2800" dirty="0" smtClean="0"/>
+              <a:t>Exam2</a:t>
+            </a:r>
+          </a:p>
+          <a:p>
+            <a:r>
+              <a:rPr lang="en-US" sz="2800" dirty="0" smtClean="0"/>
+              <a:t>There </a:t>
+            </a:r>
+            <a:r>
+              <a:rPr lang="en-US" sz="2800" dirty="0" smtClean="0"/>
+              <a:t>will be a separate training video for working remotely together and using </a:t>
+            </a:r>
+            <a:r>
+              <a:rPr lang="en-US" sz="2800" dirty="0" err="1" smtClean="0"/>
+              <a:t>git</a:t>
+            </a:r>
+            <a:endParaRPr lang="en-US" sz="2800" dirty="0"/>
           </a:p>
         </p:txBody>
       </p:sp>
@@ -5641,6 +5705,13 @@
   <p:clrMapOvr>
     <a:masterClrMapping/>
   </p:clrMapOvr>
+  <p:timing>
+    <p:tnLst>
+      <p:par>
+        <p:cTn id="1" dur="indefinite" restart="never" nodeType="tmRoot"/>
+      </p:par>
+    </p:tnLst>
+  </p:timing>
 </p:sld>
 </file>
 
@@ -6770,6 +6841,13 @@
   <p:clrMapOvr>
     <a:masterClrMapping/>
   </p:clrMapOvr>
+  <p:timing>
+    <p:tnLst>
+      <p:par>
+        <p:cTn id="1" dur="indefinite" restart="never" nodeType="tmRoot"/>
+      </p:par>
+    </p:tnLst>
+  </p:timing>
 </p:sld>
 </file>
 
@@ -6831,7 +6909,7 @@
               </a:lnSpc>
             </a:pPr>
             <a:r>
-              <a:rPr lang="en-US" sz="4400" b="0" strike="noStrike" spc="-1">
+              <a:rPr lang="en-US" sz="4400" b="0" strike="noStrike" spc="-1" dirty="0" smtClean="0">
                 <a:solidFill>
                   <a:srgbClr val="000000"/>
                 </a:solidFill>
@@ -6843,9 +6921,24 @@
                 <a:latin typeface="Calibri"/>
                 <a:ea typeface="DejaVu Sans"/>
               </a:rPr>
-              <a:t>Exception – What, When, Why, How?</a:t>
-            </a:r>
-            <a:endParaRPr lang="en-US" sz="1800" b="0" strike="noStrike" spc="-1">
+              <a:t>Exceptions </a:t>
+            </a:r>
+            <a:r>
+              <a:rPr lang="en-US" sz="4400" b="0" strike="noStrike" spc="-1" dirty="0">
+                <a:solidFill>
+                  <a:srgbClr val="000000"/>
+                </a:solidFill>
+                <a:uFill>
+                  <a:solidFill>
+                    <a:srgbClr val="FFFFFF"/>
+                  </a:solidFill>
+                </a:uFill>
+                <a:latin typeface="Calibri"/>
+                <a:ea typeface="DejaVu Sans"/>
+              </a:rPr>
+              <a:t>– What, When, Why, How?</a:t>
+            </a:r>
+            <a:endParaRPr lang="en-US" sz="1800" b="0" strike="noStrike" spc="-1" dirty="0">
               <a:solidFill>
                 <a:srgbClr val="000000"/>
               </a:solidFill>
@@ -6905,7 +6998,7 @@
               <a:buChar char="•"/>
             </a:pPr>
             <a:r>
-              <a:rPr lang="en-US" sz="3200" b="0" strike="noStrike" spc="-1" dirty="0">
+              <a:rPr lang="en-US" sz="3200" b="0" strike="noStrike" spc="-1" dirty="0" smtClean="0">
                 <a:solidFill>
                   <a:srgbClr val="000000"/>
                 </a:solidFill>
@@ -6917,63 +7010,11 @@
                 <a:latin typeface="Calibri"/>
                 <a:ea typeface="DejaVu Sans"/>
               </a:rPr>
-              <a:t>What:</a:t>
-            </a:r>
-            <a:endParaRPr lang="en-US" sz="1800" b="0" strike="noStrike" spc="-1" dirty="0">
-              <a:solidFill>
-                <a:srgbClr val="000000"/>
-              </a:solidFill>
-              <a:uFill>
-                <a:solidFill>
-                  <a:srgbClr val="FFFFFF"/>
-                </a:solidFill>
-              </a:uFill>
-              <a:latin typeface="Arial"/>
-            </a:endParaRPr>
-          </a:p>
-          <a:p>
-            <a:pPr marL="743040" lvl="1" indent="-284760">
-              <a:lnSpc>
-                <a:spcPct val="100000"/>
-              </a:lnSpc>
-              <a:buClr>
-                <a:srgbClr val="000000"/>
-              </a:buClr>
-              <a:buFont typeface="Arial"/>
-              <a:buChar char="–"/>
-            </a:pPr>
-            <a:r>
-              <a:rPr lang="en-US" sz="2800" b="0" strike="noStrike" spc="-1" dirty="0">
-                <a:solidFill>
-                  <a:srgbClr val="000000"/>
-                </a:solidFill>
-                <a:uFill>
-                  <a:solidFill>
-                    <a:srgbClr val="FFFFFF"/>
-                  </a:solidFill>
-                </a:uFill>
-                <a:latin typeface="Calibri"/>
-                <a:ea typeface="DejaVu Sans"/>
-              </a:rPr>
-              <a:t>Used to signal that something in the code has gone wrong</a:t>
-            </a:r>
-            <a:endParaRPr lang="en-US" sz="1800" b="0" strike="noStrike" spc="-1" dirty="0">
-              <a:solidFill>
-                <a:srgbClr val="000000"/>
-              </a:solidFill>
-              <a:uFill>
-                <a:solidFill>
-                  <a:srgbClr val="FFFFFF"/>
-                </a:solidFill>
-              </a:uFill>
-              <a:latin typeface="Arial"/>
-            </a:endParaRPr>
-          </a:p>
-          <a:p>
-            <a:pPr marL="343080" indent="-342000">
-              <a:lnSpc>
-                <a:spcPct val="100000"/>
-              </a:lnSpc>
+              <a:t>Examples from today’s class:</a:t>
+            </a:r>
+          </a:p>
+          <a:p>
+            <a:pPr marL="800280" lvl="1" indent="-342000">
               <a:buClr>
                 <a:srgbClr val="000000"/>
               </a:buClr>
@@ -6981,7 +7022,7 @@
               <a:buChar char="•"/>
             </a:pPr>
             <a:r>
-              <a:rPr lang="en-US" sz="3200" b="0" strike="noStrike" spc="-1" dirty="0">
+              <a:rPr lang="en-US" sz="3200" spc="-1" dirty="0" err="1" smtClean="0">
                 <a:solidFill>
                   <a:srgbClr val="000000"/>
                 </a:solidFill>
@@ -6990,12 +7031,11 @@
                     <a:srgbClr val="FFFFFF"/>
                   </a:solidFill>
                 </a:uFill>
-                <a:latin typeface="Calibri"/>
                 <a:ea typeface="DejaVu Sans"/>
               </a:rPr>
-              <a:t>When:</a:t>
-            </a:r>
-            <a:endParaRPr lang="en-US" sz="1800" b="0" strike="noStrike" spc="-1" dirty="0">
+              <a:t>ConcurrentModificationException</a:t>
+            </a:r>
+            <a:endParaRPr lang="en-US" sz="3200" spc="-1" dirty="0" smtClean="0">
               <a:solidFill>
                 <a:srgbClr val="000000"/>
               </a:solidFill>
@@ -7004,52 +7044,11 @@
                   <a:srgbClr val="FFFFFF"/>
                 </a:solidFill>
               </a:uFill>
-              <a:latin typeface="Arial"/>
+              <a:ea typeface="DejaVu Sans"/>
             </a:endParaRPr>
           </a:p>
           <a:p>
-            <a:pPr marL="743040" lvl="1" indent="-284760">
-              <a:lnSpc>
-                <a:spcPct val="100000"/>
-              </a:lnSpc>
-              <a:buClr>
-                <a:srgbClr val="000000"/>
-              </a:buClr>
-              <a:buFont typeface="Arial"/>
-              <a:buChar char="–"/>
-            </a:pPr>
-            <a:r>
-              <a:rPr lang="en-US" sz="2800" b="0" strike="noStrike" spc="-1" dirty="0">
-                <a:solidFill>
-                  <a:srgbClr val="000000"/>
-                </a:solidFill>
-                <a:uFill>
-                  <a:solidFill>
-                    <a:srgbClr val="FFFFFF"/>
-                  </a:solidFill>
-                </a:uFill>
-                <a:latin typeface="Calibri"/>
-                <a:ea typeface="DejaVu Sans"/>
-              </a:rPr>
-              <a:t>An error has occurred that cannot be handled in the current code</a:t>
-            </a:r>
-            <a:endParaRPr lang="en-US" sz="1800" b="0" strike="noStrike" spc="-1" dirty="0">
-              <a:solidFill>
-                <a:srgbClr val="000000"/>
-              </a:solidFill>
-              <a:uFill>
-                <a:solidFill>
-                  <a:srgbClr val="FFFFFF"/>
-                </a:solidFill>
-              </a:uFill>
-              <a:latin typeface="Arial"/>
-            </a:endParaRPr>
-          </a:p>
-          <a:p>
-            <a:pPr marL="343080" indent="-342000">
-              <a:lnSpc>
-                <a:spcPct val="100000"/>
-              </a:lnSpc>
+            <a:pPr marL="800280" lvl="1" indent="-342000">
               <a:buClr>
                 <a:srgbClr val="000000"/>
               </a:buClr>
@@ -7057,7 +7056,7 @@
               <a:buChar char="•"/>
             </a:pPr>
             <a:r>
-              <a:rPr lang="en-US" sz="3200" b="0" strike="noStrike" spc="-1" dirty="0">
+              <a:rPr lang="en-US" sz="3200" spc="-1" dirty="0" err="1" smtClean="0">
                 <a:solidFill>
                   <a:srgbClr val="000000"/>
                 </a:solidFill>
@@ -7066,12 +7065,11 @@
                     <a:srgbClr val="FFFFFF"/>
                   </a:solidFill>
                 </a:uFill>
-                <a:latin typeface="Calibri"/>
                 <a:ea typeface="DejaVu Sans"/>
               </a:rPr>
-              <a:t>Why:</a:t>
-            </a:r>
-            <a:endParaRPr lang="en-US" sz="1800" b="0" strike="noStrike" spc="-1" dirty="0">
+              <a:t>FileNotFoundException</a:t>
+            </a:r>
+            <a:endParaRPr lang="en-US" sz="3200" spc="-1" dirty="0">
               <a:solidFill>
                 <a:srgbClr val="000000"/>
               </a:solidFill>
@@ -7080,45 +7078,7 @@
                   <a:srgbClr val="FFFFFF"/>
                 </a:solidFill>
               </a:uFill>
-              <a:latin typeface="Arial"/>
-            </a:endParaRPr>
-          </a:p>
-          <a:p>
-            <a:pPr marL="743040" lvl="1" indent="-284760">
-              <a:lnSpc>
-                <a:spcPct val="100000"/>
-              </a:lnSpc>
-              <a:buClr>
-                <a:srgbClr val="000000"/>
-              </a:buClr>
-              <a:buFont typeface="Arial"/>
-              <a:buChar char="–"/>
-            </a:pPr>
-            <a:r>
-              <a:rPr lang="en-US" sz="2800" b="0" strike="noStrike" spc="-1" dirty="0">
-                <a:solidFill>
-                  <a:srgbClr val="000000"/>
-                </a:solidFill>
-                <a:uFill>
-                  <a:solidFill>
-                    <a:srgbClr val="FFFFFF"/>
-                  </a:solidFill>
-                </a:uFill>
-                <a:latin typeface="Calibri"/>
-                <a:ea typeface="DejaVu Sans"/>
-              </a:rPr>
-              <a:t>Breaks the execution flow and passes exception up the stack</a:t>
-            </a:r>
-            <a:endParaRPr lang="en-US" sz="1800" b="0" strike="noStrike" spc="-1" dirty="0">
-              <a:solidFill>
-                <a:srgbClr val="000000"/>
-              </a:solidFill>
-              <a:uFill>
-                <a:solidFill>
-                  <a:srgbClr val="FFFFFF"/>
-                </a:solidFill>
-              </a:uFill>
-              <a:latin typeface="Arial"/>
+              <a:ea typeface="DejaVu Sans"/>
             </a:endParaRPr>
           </a:p>
         </p:txBody>
@@ -7126,7 +7086,7 @@
     </p:spTree>
     <p:extLst>
       <p:ext uri="{BB962C8B-B14F-4D97-AF65-F5344CB8AC3E}">
-        <p14:creationId xmlns:p14="http://schemas.microsoft.com/office/powerpoint/2010/main" val="1552529554"/>
+        <p14:creationId xmlns:p14="http://schemas.microsoft.com/office/powerpoint/2010/main" val="3781742455"/>
       </p:ext>
     </p:extLst>
   </p:cSld>
@@ -7182,7 +7142,7 @@
       </p:grpSpPr>
       <p:sp>
         <p:nvSpPr>
-          <p:cNvPr id="164" name="CustomShape 1"/>
+          <p:cNvPr id="162" name="CustomShape 1"/>
           <p:cNvSpPr/>
           <p:nvPr/>
         </p:nvSpPr>
@@ -7221,7 +7181,7 @@
               </a:lnSpc>
             </a:pPr>
             <a:r>
-              <a:rPr lang="en-US" sz="4400" b="0" strike="noStrike" spc="-1" dirty="0">
+              <a:rPr lang="en-US" sz="4400" b="0" strike="noStrike" spc="-1" dirty="0" smtClean="0">
                 <a:solidFill>
                   <a:srgbClr val="000000"/>
                 </a:solidFill>
@@ -7233,7 +7193,22 @@
                 <a:latin typeface="Calibri"/>
                 <a:ea typeface="DejaVu Sans"/>
               </a:rPr>
-              <a:t>Exception – How?</a:t>
+              <a:t>Exceptions </a:t>
+            </a:r>
+            <a:r>
+              <a:rPr lang="en-US" sz="4400" b="0" strike="noStrike" spc="-1" dirty="0">
+                <a:solidFill>
+                  <a:srgbClr val="000000"/>
+                </a:solidFill>
+                <a:uFill>
+                  <a:solidFill>
+                    <a:srgbClr val="FFFFFF"/>
+                  </a:solidFill>
+                </a:uFill>
+                <a:latin typeface="Calibri"/>
+                <a:ea typeface="DejaVu Sans"/>
+              </a:rPr>
+              <a:t>– What, When, Why, How?</a:t>
             </a:r>
             <a:endParaRPr lang="en-US" sz="1800" b="0" strike="noStrike" spc="-1" dirty="0">
               <a:solidFill>
@@ -7251,14 +7226,14 @@
       </p:sp>
       <p:sp>
         <p:nvSpPr>
-          <p:cNvPr id="165" name="CustomShape 2"/>
+          <p:cNvPr id="163" name="CustomShape 2"/>
           <p:cNvSpPr/>
           <p:nvPr/>
         </p:nvSpPr>
         <p:spPr>
           <a:xfrm>
             <a:off x="457200" y="1600200"/>
-            <a:ext cx="8228520" cy="4951800"/>
+            <a:ext cx="8228520" cy="4524840"/>
           </a:xfrm>
           <a:prstGeom prst="rect">
             <a:avLst/>
@@ -7295,7 +7270,7 @@
               <a:buChar char="•"/>
             </a:pPr>
             <a:r>
-              <a:rPr lang="en-US" sz="3200" b="0" strike="noStrike" spc="-1" dirty="0" smtClean="0">
+              <a:rPr lang="en-US" sz="3200" b="0" strike="noStrike" spc="-1" dirty="0">
                 <a:solidFill>
                   <a:srgbClr val="000000"/>
                 </a:solidFill>
@@ -7307,10 +7282,33 @@
                 <a:latin typeface="Calibri"/>
                 <a:ea typeface="DejaVu Sans"/>
               </a:rPr>
-              <a:t>Handling </a:t>
-            </a:r>
-            <a:r>
-              <a:rPr lang="en-US" sz="3200" b="0" strike="noStrike" spc="-1" dirty="0">
+              <a:t>What:</a:t>
+            </a:r>
+            <a:endParaRPr lang="en-US" sz="1800" b="0" strike="noStrike" spc="-1" dirty="0">
+              <a:solidFill>
+                <a:srgbClr val="000000"/>
+              </a:solidFill>
+              <a:uFill>
+                <a:solidFill>
+                  <a:srgbClr val="FFFFFF"/>
+                </a:solidFill>
+              </a:uFill>
+              <a:latin typeface="Arial"/>
+            </a:endParaRPr>
+          </a:p>
+          <a:p>
+            <a:pPr marL="743040" lvl="1" indent="-284760">
+              <a:lnSpc>
+                <a:spcPct val="100000"/>
+              </a:lnSpc>
+              <a:buClr>
+                <a:srgbClr val="000000"/>
+              </a:buClr>
+              <a:buFont typeface="Arial"/>
+              <a:buChar char="–"/>
+            </a:pPr>
+            <a:r>
+              <a:rPr lang="en-US" sz="2800" b="0" strike="noStrike" spc="-1" dirty="0">
                 <a:solidFill>
                   <a:srgbClr val="000000"/>
                 </a:solidFill>
@@ -7322,235 +7320,7 @@
                 <a:latin typeface="Calibri"/>
                 <a:ea typeface="DejaVu Sans"/>
               </a:rPr>
-              <a:t>(catching) an exception:</a:t>
-            </a:r>
-            <a:endParaRPr lang="en-US" sz="1800" b="0" strike="noStrike" spc="-1" dirty="0">
-              <a:solidFill>
-                <a:srgbClr val="000000"/>
-              </a:solidFill>
-              <a:uFill>
-                <a:solidFill>
-                  <a:srgbClr val="FFFFFF"/>
-                </a:solidFill>
-              </a:uFill>
-              <a:latin typeface="Arial"/>
-            </a:endParaRPr>
-          </a:p>
-          <a:p>
-            <a:pPr>
-              <a:lnSpc>
-                <a:spcPct val="100000"/>
-              </a:lnSpc>
-            </a:pPr>
-            <a:r>
-              <a:rPr lang="en-US" sz="2800" b="0" strike="noStrike" spc="-1" dirty="0">
-                <a:solidFill>
-                  <a:srgbClr val="000000"/>
-                </a:solidFill>
-                <a:uFill>
-                  <a:solidFill>
-                    <a:srgbClr val="FFFFFF"/>
-                  </a:solidFill>
-                </a:uFill>
-                <a:latin typeface="Calibri"/>
-                <a:ea typeface="DejaVu Sans"/>
-              </a:rPr>
-              <a:t>try {</a:t>
-            </a:r>
-            <a:endParaRPr lang="en-US" sz="1800" b="0" strike="noStrike" spc="-1" dirty="0">
-              <a:solidFill>
-                <a:srgbClr val="000000"/>
-              </a:solidFill>
-              <a:uFill>
-                <a:solidFill>
-                  <a:srgbClr val="FFFFFF"/>
-                </a:solidFill>
-              </a:uFill>
-              <a:latin typeface="Arial"/>
-            </a:endParaRPr>
-          </a:p>
-          <a:p>
-            <a:pPr>
-              <a:lnSpc>
-                <a:spcPct val="100000"/>
-              </a:lnSpc>
-            </a:pPr>
-            <a:r>
-              <a:rPr lang="en-US" sz="2800" b="0" strike="noStrike" spc="-1" dirty="0">
-                <a:solidFill>
-                  <a:srgbClr val="000000"/>
-                </a:solidFill>
-                <a:uFill>
-                  <a:solidFill>
-                    <a:srgbClr val="FFFFFF"/>
-                  </a:solidFill>
-                </a:uFill>
-                <a:latin typeface="Calibri"/>
-                <a:ea typeface="DejaVu Sans"/>
-              </a:rPr>
-              <a:t>	//code that could throw an exception</a:t>
-            </a:r>
-            <a:endParaRPr lang="en-US" sz="1800" b="0" strike="noStrike" spc="-1" dirty="0">
-              <a:solidFill>
-                <a:srgbClr val="000000"/>
-              </a:solidFill>
-              <a:uFill>
-                <a:solidFill>
-                  <a:srgbClr val="FFFFFF"/>
-                </a:solidFill>
-              </a:uFill>
-              <a:latin typeface="Arial"/>
-            </a:endParaRPr>
-          </a:p>
-          <a:p>
-            <a:pPr>
-              <a:lnSpc>
-                <a:spcPct val="100000"/>
-              </a:lnSpc>
-            </a:pPr>
-            <a:r>
-              <a:rPr lang="en-US" sz="2800" b="0" strike="noStrike" spc="-1" dirty="0">
-                <a:solidFill>
-                  <a:srgbClr val="000000"/>
-                </a:solidFill>
-                <a:uFill>
-                  <a:solidFill>
-                    <a:srgbClr val="FFFFFF"/>
-                  </a:solidFill>
-                </a:uFill>
-                <a:latin typeface="Calibri"/>
-                <a:ea typeface="DejaVu Sans"/>
-              </a:rPr>
-              <a:t>}</a:t>
-            </a:r>
-            <a:endParaRPr lang="en-US" sz="1800" b="0" strike="noStrike" spc="-1" dirty="0">
-              <a:solidFill>
-                <a:srgbClr val="000000"/>
-              </a:solidFill>
-              <a:uFill>
-                <a:solidFill>
-                  <a:srgbClr val="FFFFFF"/>
-                </a:solidFill>
-              </a:uFill>
-              <a:latin typeface="Arial"/>
-            </a:endParaRPr>
-          </a:p>
-          <a:p>
-            <a:pPr>
-              <a:lnSpc>
-                <a:spcPct val="100000"/>
-              </a:lnSpc>
-            </a:pPr>
-            <a:r>
-              <a:rPr lang="en-US" sz="2800" b="0" strike="noStrike" spc="-1" dirty="0">
-                <a:solidFill>
-                  <a:srgbClr val="000000"/>
-                </a:solidFill>
-                <a:uFill>
-                  <a:solidFill>
-                    <a:srgbClr val="FFFFFF"/>
-                  </a:solidFill>
-                </a:uFill>
-                <a:latin typeface="Calibri"/>
-                <a:ea typeface="DejaVu Sans"/>
-              </a:rPr>
-              <a:t>catch (</a:t>
-            </a:r>
-            <a:r>
-              <a:rPr lang="en-US" sz="2800" b="0" strike="noStrike" spc="-1" dirty="0" err="1">
-                <a:solidFill>
-                  <a:srgbClr val="000000"/>
-                </a:solidFill>
-                <a:uFill>
-                  <a:solidFill>
-                    <a:srgbClr val="FFFFFF"/>
-                  </a:solidFill>
-                </a:uFill>
-                <a:latin typeface="Calibri"/>
-                <a:ea typeface="DejaVu Sans"/>
-              </a:rPr>
-              <a:t>ExceptionType</a:t>
-            </a:r>
-            <a:r>
-              <a:rPr lang="en-US" sz="2800" b="0" strike="noStrike" spc="-1" dirty="0">
-                <a:solidFill>
-                  <a:srgbClr val="000000"/>
-                </a:solidFill>
-                <a:uFill>
-                  <a:solidFill>
-                    <a:srgbClr val="FFFFFF"/>
-                  </a:solidFill>
-                </a:uFill>
-                <a:latin typeface="Calibri"/>
-                <a:ea typeface="DejaVu Sans"/>
-              </a:rPr>
-              <a:t> ex) {</a:t>
-            </a:r>
-            <a:endParaRPr lang="en-US" sz="1800" b="0" strike="noStrike" spc="-1" dirty="0">
-              <a:solidFill>
-                <a:srgbClr val="000000"/>
-              </a:solidFill>
-              <a:uFill>
-                <a:solidFill>
-                  <a:srgbClr val="FFFFFF"/>
-                </a:solidFill>
-              </a:uFill>
-              <a:latin typeface="Arial"/>
-            </a:endParaRPr>
-          </a:p>
-          <a:p>
-            <a:pPr>
-              <a:lnSpc>
-                <a:spcPct val="100000"/>
-              </a:lnSpc>
-            </a:pPr>
-            <a:r>
-              <a:rPr lang="en-US" sz="2800" b="0" strike="noStrike" spc="-1" dirty="0">
-                <a:solidFill>
-                  <a:srgbClr val="000000"/>
-                </a:solidFill>
-                <a:uFill>
-                  <a:solidFill>
-                    <a:srgbClr val="FFFFFF"/>
-                  </a:solidFill>
-                </a:uFill>
-                <a:latin typeface="Calibri"/>
-                <a:ea typeface="DejaVu Sans"/>
-              </a:rPr>
-              <a:t>	//code to handle exception</a:t>
-            </a:r>
-            <a:endParaRPr lang="en-US" sz="1800" b="0" strike="noStrike" spc="-1" dirty="0">
-              <a:solidFill>
-                <a:srgbClr val="000000"/>
-              </a:solidFill>
-              <a:uFill>
-                <a:solidFill>
-                  <a:srgbClr val="FFFFFF"/>
-                </a:solidFill>
-              </a:uFill>
-              <a:latin typeface="Arial"/>
-            </a:endParaRPr>
-          </a:p>
-          <a:p>
-            <a:pPr>
-              <a:lnSpc>
-                <a:spcPct val="100000"/>
-              </a:lnSpc>
-            </a:pPr>
-            <a:r>
-              <a:rPr lang="en-US" sz="2800" b="0" strike="noStrike" spc="-1" dirty="0">
-                <a:solidFill>
-                  <a:srgbClr val="000000"/>
-                </a:solidFill>
-                <a:uFill>
-                  <a:solidFill>
-                    <a:srgbClr val="FFFFFF"/>
-                  </a:solidFill>
-                </a:uFill>
-                <a:latin typeface="Calibri"/>
-                <a:ea typeface="DejaVu Sans"/>
-              </a:rPr>
-              <a:t>}</a:t>
+              <a:t>Used to signal that something in the code has gone wrong</a:t>
             </a:r>
             <a:endParaRPr lang="en-US" sz="1800" b="0" strike="noStrike" spc="-1" dirty="0">
               <a:solidFill>
@@ -7588,7 +7358,7 @@
                 <a:latin typeface="Calibri"/>
                 <a:ea typeface="DejaVu Sans"/>
               </a:rPr>
-              <a:t>When caught you can:</a:t>
+              <a:t>When:</a:t>
             </a:r>
             <a:endParaRPr lang="en-US" sz="1800" b="0" strike="noStrike" spc="-1" dirty="0">
               <a:solidFill>
@@ -7626,7 +7396,7 @@
                 <a:latin typeface="Calibri"/>
                 <a:ea typeface="DejaVu Sans"/>
               </a:rPr>
-              <a:t>Recover from the error OR exit gracefully</a:t>
+              <a:t>An error has occurred that cannot be handled in the current code</a:t>
             </a:r>
             <a:endParaRPr lang="en-US" sz="1800" b="0" strike="noStrike" spc="-1" dirty="0">
               <a:solidFill>
@@ -7641,11 +7411,31 @@
             </a:endParaRPr>
           </a:p>
           <a:p>
-            <a:pPr>
+            <a:pPr marL="343080" indent="-342000">
               <a:lnSpc>
                 <a:spcPct val="100000"/>
               </a:lnSpc>
+              <a:buClr>
+                <a:srgbClr val="000000"/>
+              </a:buClr>
+              <a:buFont typeface="Arial"/>
+              <a:buChar char="•"/>
             </a:pPr>
+            <a:r>
+              <a:rPr lang="en-US" sz="3200" b="0" strike="noStrike" spc="-1" dirty="0">
+                <a:solidFill>
+                  <a:srgbClr val="000000"/>
+                </a:solidFill>
+                <a:uFill>
+                  <a:solidFill>
+                    <a:srgbClr val="FFFFFF"/>
+                  </a:solidFill>
+                </a:uFill>
+                <a:latin typeface="Calibri"/>
+                <a:ea typeface="DejaVu Sans"/>
+              </a:rPr>
+              <a:t>Why:</a:t>
+            </a:r>
             <a:endParaRPr lang="en-US" sz="1800" b="0" strike="noStrike" spc="-1" dirty="0">
               <a:solidFill>
                 <a:srgbClr val="000000"/>
@@ -7659,11 +7449,31 @@
             </a:endParaRPr>
           </a:p>
           <a:p>
-            <a:pPr>
+            <a:pPr marL="743040" lvl="1" indent="-284760">
               <a:lnSpc>
                 <a:spcPct val="100000"/>
               </a:lnSpc>
+              <a:buClr>
+                <a:srgbClr val="000000"/>
+              </a:buClr>
+              <a:buFont typeface="Arial"/>
+              <a:buChar char="–"/>
             </a:pPr>
+            <a:r>
+              <a:rPr lang="en-US" sz="2800" b="0" strike="noStrike" spc="-1" dirty="0">
+                <a:solidFill>
+                  <a:srgbClr val="000000"/>
+                </a:solidFill>
+                <a:uFill>
+                  <a:solidFill>
+                    <a:srgbClr val="FFFFFF"/>
+                  </a:solidFill>
+                </a:uFill>
+                <a:latin typeface="Calibri"/>
+                <a:ea typeface="DejaVu Sans"/>
+              </a:rPr>
+              <a:t>Breaks the execution flow and passes exception up the stack</a:t>
+            </a:r>
             <a:endParaRPr lang="en-US" sz="1800" b="0" strike="noStrike" spc="-1" dirty="0">
               <a:solidFill>
                 <a:srgbClr val="000000"/>
@@ -7681,7 +7491,7 @@
     </p:spTree>
     <p:extLst>
       <p:ext uri="{BB962C8B-B14F-4D97-AF65-F5344CB8AC3E}">
-        <p14:creationId xmlns:p14="http://schemas.microsoft.com/office/powerpoint/2010/main" val="1909027823"/>
+        <p14:creationId xmlns:p14="http://schemas.microsoft.com/office/powerpoint/2010/main" val="1552529554"/>
       </p:ext>
     </p:extLst>
   </p:cSld>
@@ -7737,13 +7547,580 @@
       </p:grpSpPr>
       <p:sp>
         <p:nvSpPr>
+          <p:cNvPr id="164" name="CustomShape 1"/>
+          <p:cNvSpPr/>
+          <p:nvPr/>
+        </p:nvSpPr>
+        <p:spPr>
+          <a:xfrm>
+            <a:off x="457200" y="274680"/>
+            <a:ext cx="8228520" cy="1141920"/>
+          </a:xfrm>
+          <a:prstGeom prst="rect">
+            <a:avLst/>
+          </a:prstGeom>
+          <a:noFill/>
+          <a:ln>
+            <a:noFill/>
+          </a:ln>
+        </p:spPr>
+        <p:style>
+          <a:lnRef idx="0">
+            <a:scrgbClr r="0" g="0" b="0"/>
+          </a:lnRef>
+          <a:fillRef idx="0">
+            <a:scrgbClr r="0" g="0" b="0"/>
+          </a:fillRef>
+          <a:effectRef idx="0">
+            <a:scrgbClr r="0" g="0" b="0"/>
+          </a:effectRef>
+          <a:fontRef idx="minor"/>
+        </p:style>
+        <p:txBody>
+          <a:bodyPr lIns="90000" tIns="45000" rIns="90000" bIns="45000" anchor="ctr"/>
+          <a:lstStyle/>
+          <a:p>
+            <a:pPr algn="ctr">
+              <a:lnSpc>
+                <a:spcPct val="100000"/>
+              </a:lnSpc>
+            </a:pPr>
+            <a:r>
+              <a:rPr lang="en-US" sz="4400" b="0" strike="noStrike" spc="-1" dirty="0" smtClean="0">
+                <a:solidFill>
+                  <a:srgbClr val="000000"/>
+                </a:solidFill>
+                <a:uFill>
+                  <a:solidFill>
+                    <a:srgbClr val="FFFFFF"/>
+                  </a:solidFill>
+                </a:uFill>
+                <a:latin typeface="Calibri"/>
+                <a:ea typeface="DejaVu Sans"/>
+              </a:rPr>
+              <a:t>Exceptions </a:t>
+            </a:r>
+            <a:r>
+              <a:rPr lang="en-US" sz="4400" b="0" strike="noStrike" spc="-1" dirty="0">
+                <a:solidFill>
+                  <a:srgbClr val="000000"/>
+                </a:solidFill>
+                <a:uFill>
+                  <a:solidFill>
+                    <a:srgbClr val="FFFFFF"/>
+                  </a:solidFill>
+                </a:uFill>
+                <a:latin typeface="Calibri"/>
+                <a:ea typeface="DejaVu Sans"/>
+              </a:rPr>
+              <a:t>– How?</a:t>
+            </a:r>
+            <a:endParaRPr lang="en-US" sz="1800" b="0" strike="noStrike" spc="-1" dirty="0">
+              <a:solidFill>
+                <a:srgbClr val="000000"/>
+              </a:solidFill>
+              <a:uFill>
+                <a:solidFill>
+                  <a:srgbClr val="FFFFFF"/>
+                </a:solidFill>
+              </a:uFill>
+              <a:latin typeface="Arial"/>
+            </a:endParaRPr>
+          </a:p>
+        </p:txBody>
+      </p:sp>
+      <p:sp>
+        <p:nvSpPr>
+          <p:cNvPr id="165" name="CustomShape 2"/>
+          <p:cNvSpPr/>
+          <p:nvPr/>
+        </p:nvSpPr>
+        <p:spPr>
+          <a:xfrm>
+            <a:off x="457200" y="1600200"/>
+            <a:ext cx="8228520" cy="4951800"/>
+          </a:xfrm>
+          <a:prstGeom prst="rect">
+            <a:avLst/>
+          </a:prstGeom>
+          <a:noFill/>
+          <a:ln>
+            <a:noFill/>
+          </a:ln>
+        </p:spPr>
+        <p:style>
+          <a:lnRef idx="0">
+            <a:scrgbClr r="0" g="0" b="0"/>
+          </a:lnRef>
+          <a:fillRef idx="0">
+            <a:scrgbClr r="0" g="0" b="0"/>
+          </a:fillRef>
+          <a:effectRef idx="0">
+            <a:scrgbClr r="0" g="0" b="0"/>
+          </a:effectRef>
+          <a:fontRef idx="minor"/>
+        </p:style>
+        <p:txBody>
+          <a:bodyPr lIns="90000" tIns="45000" rIns="90000" bIns="45000"/>
+          <a:lstStyle/>
+          <a:p>
+            <a:pPr marL="343080" indent="-342000">
+              <a:lnSpc>
+                <a:spcPct val="100000"/>
+              </a:lnSpc>
+              <a:buClr>
+                <a:srgbClr val="000000"/>
+              </a:buClr>
+              <a:buFont typeface="Arial"/>
+              <a:buChar char="•"/>
+            </a:pPr>
+            <a:r>
+              <a:rPr lang="en-US" sz="3200" b="0" strike="noStrike" spc="-1" dirty="0" smtClean="0">
+                <a:solidFill>
+                  <a:srgbClr val="000000"/>
+                </a:solidFill>
+                <a:uFill>
+                  <a:solidFill>
+                    <a:srgbClr val="FFFFFF"/>
+                  </a:solidFill>
+                </a:uFill>
+                <a:latin typeface="Calibri"/>
+                <a:ea typeface="DejaVu Sans"/>
+              </a:rPr>
+              <a:t>Handling </a:t>
+            </a:r>
+            <a:r>
+              <a:rPr lang="en-US" sz="3200" b="0" strike="noStrike" spc="-1" dirty="0">
+                <a:solidFill>
+                  <a:srgbClr val="000000"/>
+                </a:solidFill>
+                <a:uFill>
+                  <a:solidFill>
+                    <a:srgbClr val="FFFFFF"/>
+                  </a:solidFill>
+                </a:uFill>
+                <a:latin typeface="Calibri"/>
+                <a:ea typeface="DejaVu Sans"/>
+              </a:rPr>
+              <a:t>(catching) an exception:</a:t>
+            </a:r>
+            <a:endParaRPr lang="en-US" sz="1800" b="0" strike="noStrike" spc="-1" dirty="0">
+              <a:solidFill>
+                <a:srgbClr val="000000"/>
+              </a:solidFill>
+              <a:uFill>
+                <a:solidFill>
+                  <a:srgbClr val="FFFFFF"/>
+                </a:solidFill>
+              </a:uFill>
+              <a:latin typeface="Arial"/>
+            </a:endParaRPr>
+          </a:p>
+          <a:p>
+            <a:pPr>
+              <a:lnSpc>
+                <a:spcPct val="100000"/>
+              </a:lnSpc>
+            </a:pPr>
+            <a:r>
+              <a:rPr lang="en-US" sz="2800" b="0" strike="noStrike" spc="-1" dirty="0">
+                <a:solidFill>
+                  <a:srgbClr val="000000"/>
+                </a:solidFill>
+                <a:uFill>
+                  <a:solidFill>
+                    <a:srgbClr val="FFFFFF"/>
+                  </a:solidFill>
+                </a:uFill>
+                <a:latin typeface="Calibri"/>
+                <a:ea typeface="DejaVu Sans"/>
+              </a:rPr>
+              <a:t>try {</a:t>
+            </a:r>
+            <a:endParaRPr lang="en-US" sz="1800" b="0" strike="noStrike" spc="-1" dirty="0">
+              <a:solidFill>
+                <a:srgbClr val="000000"/>
+              </a:solidFill>
+              <a:uFill>
+                <a:solidFill>
+                  <a:srgbClr val="FFFFFF"/>
+                </a:solidFill>
+              </a:uFill>
+              <a:latin typeface="Arial"/>
+            </a:endParaRPr>
+          </a:p>
+          <a:p>
+            <a:pPr>
+              <a:lnSpc>
+                <a:spcPct val="100000"/>
+              </a:lnSpc>
+            </a:pPr>
+            <a:r>
+              <a:rPr lang="en-US" sz="2800" b="0" strike="noStrike" spc="-1" dirty="0">
+                <a:solidFill>
+                  <a:srgbClr val="000000"/>
+                </a:solidFill>
+                <a:uFill>
+                  <a:solidFill>
+                    <a:srgbClr val="FFFFFF"/>
+                  </a:solidFill>
+                </a:uFill>
+                <a:latin typeface="Calibri"/>
+                <a:ea typeface="DejaVu Sans"/>
+              </a:rPr>
+              <a:t>	//code that could throw an exception</a:t>
+            </a:r>
+            <a:endParaRPr lang="en-US" sz="1800" b="0" strike="noStrike" spc="-1" dirty="0">
+              <a:solidFill>
+                <a:srgbClr val="000000"/>
+              </a:solidFill>
+              <a:uFill>
+                <a:solidFill>
+                  <a:srgbClr val="FFFFFF"/>
+                </a:solidFill>
+              </a:uFill>
+              <a:latin typeface="Arial"/>
+            </a:endParaRPr>
+          </a:p>
+          <a:p>
+            <a:pPr>
+              <a:lnSpc>
+                <a:spcPct val="100000"/>
+              </a:lnSpc>
+            </a:pPr>
+            <a:r>
+              <a:rPr lang="en-US" sz="2800" b="0" strike="noStrike" spc="-1" dirty="0">
+                <a:solidFill>
+                  <a:srgbClr val="000000"/>
+                </a:solidFill>
+                <a:uFill>
+                  <a:solidFill>
+                    <a:srgbClr val="FFFFFF"/>
+                  </a:solidFill>
+                </a:uFill>
+                <a:latin typeface="Calibri"/>
+                <a:ea typeface="DejaVu Sans"/>
+              </a:rPr>
+              <a:t>}</a:t>
+            </a:r>
+            <a:endParaRPr lang="en-US" sz="1800" b="0" strike="noStrike" spc="-1" dirty="0">
+              <a:solidFill>
+                <a:srgbClr val="000000"/>
+              </a:solidFill>
+              <a:uFill>
+                <a:solidFill>
+                  <a:srgbClr val="FFFFFF"/>
+                </a:solidFill>
+              </a:uFill>
+              <a:latin typeface="Arial"/>
+            </a:endParaRPr>
+          </a:p>
+          <a:p>
+            <a:pPr>
+              <a:lnSpc>
+                <a:spcPct val="100000"/>
+              </a:lnSpc>
+            </a:pPr>
+            <a:r>
+              <a:rPr lang="en-US" sz="2800" b="0" strike="noStrike" spc="-1" dirty="0">
+                <a:solidFill>
+                  <a:srgbClr val="000000"/>
+                </a:solidFill>
+                <a:uFill>
+                  <a:solidFill>
+                    <a:srgbClr val="FFFFFF"/>
+                  </a:solidFill>
+                </a:uFill>
+                <a:latin typeface="Calibri"/>
+                <a:ea typeface="DejaVu Sans"/>
+              </a:rPr>
+              <a:t>catch (</a:t>
+            </a:r>
+            <a:r>
+              <a:rPr lang="en-US" sz="2800" b="0" strike="noStrike" spc="-1" dirty="0" err="1">
+                <a:solidFill>
+                  <a:srgbClr val="000000"/>
+                </a:solidFill>
+                <a:uFill>
+                  <a:solidFill>
+                    <a:srgbClr val="FFFFFF"/>
+                  </a:solidFill>
+                </a:uFill>
+                <a:latin typeface="Calibri"/>
+                <a:ea typeface="DejaVu Sans"/>
+              </a:rPr>
+              <a:t>ExceptionType</a:t>
+            </a:r>
+            <a:r>
+              <a:rPr lang="en-US" sz="2800" b="0" strike="noStrike" spc="-1" dirty="0">
+                <a:solidFill>
+                  <a:srgbClr val="000000"/>
+                </a:solidFill>
+                <a:uFill>
+                  <a:solidFill>
+                    <a:srgbClr val="FFFFFF"/>
+                  </a:solidFill>
+                </a:uFill>
+                <a:latin typeface="Calibri"/>
+                <a:ea typeface="DejaVu Sans"/>
+              </a:rPr>
+              <a:t> ex) {</a:t>
+            </a:r>
+            <a:endParaRPr lang="en-US" sz="1800" b="0" strike="noStrike" spc="-1" dirty="0">
+              <a:solidFill>
+                <a:srgbClr val="000000"/>
+              </a:solidFill>
+              <a:uFill>
+                <a:solidFill>
+                  <a:srgbClr val="FFFFFF"/>
+                </a:solidFill>
+              </a:uFill>
+              <a:latin typeface="Arial"/>
+            </a:endParaRPr>
+          </a:p>
+          <a:p>
+            <a:pPr>
+              <a:lnSpc>
+                <a:spcPct val="100000"/>
+              </a:lnSpc>
+            </a:pPr>
+            <a:r>
+              <a:rPr lang="en-US" sz="2800" b="0" strike="noStrike" spc="-1" dirty="0">
+                <a:solidFill>
+                  <a:srgbClr val="000000"/>
+                </a:solidFill>
+                <a:uFill>
+                  <a:solidFill>
+                    <a:srgbClr val="FFFFFF"/>
+                  </a:solidFill>
+                </a:uFill>
+                <a:latin typeface="Calibri"/>
+                <a:ea typeface="DejaVu Sans"/>
+              </a:rPr>
+              <a:t>	//code to handle exception</a:t>
+            </a:r>
+            <a:endParaRPr lang="en-US" sz="1800" b="0" strike="noStrike" spc="-1" dirty="0">
+              <a:solidFill>
+                <a:srgbClr val="000000"/>
+              </a:solidFill>
+              <a:uFill>
+                <a:solidFill>
+                  <a:srgbClr val="FFFFFF"/>
+                </a:solidFill>
+              </a:uFill>
+              <a:latin typeface="Arial"/>
+            </a:endParaRPr>
+          </a:p>
+          <a:p>
+            <a:pPr>
+              <a:lnSpc>
+                <a:spcPct val="100000"/>
+              </a:lnSpc>
+            </a:pPr>
+            <a:r>
+              <a:rPr lang="en-US" sz="2800" b="0" strike="noStrike" spc="-1" dirty="0">
+                <a:solidFill>
+                  <a:srgbClr val="000000"/>
+                </a:solidFill>
+                <a:uFill>
+                  <a:solidFill>
+                    <a:srgbClr val="FFFFFF"/>
+                  </a:solidFill>
+                </a:uFill>
+                <a:latin typeface="Calibri"/>
+                <a:ea typeface="DejaVu Sans"/>
+              </a:rPr>
+              <a:t>}</a:t>
+            </a:r>
+            <a:endParaRPr lang="en-US" sz="1800" b="0" strike="noStrike" spc="-1" dirty="0">
+              <a:solidFill>
+                <a:srgbClr val="000000"/>
+              </a:solidFill>
+              <a:uFill>
+                <a:solidFill>
+                  <a:srgbClr val="FFFFFF"/>
+                </a:solidFill>
+              </a:uFill>
+              <a:latin typeface="Arial"/>
+            </a:endParaRPr>
+          </a:p>
+          <a:p>
+            <a:pPr marL="343080" indent="-342000">
+              <a:lnSpc>
+                <a:spcPct val="100000"/>
+              </a:lnSpc>
+              <a:buClr>
+                <a:srgbClr val="000000"/>
+              </a:buClr>
+              <a:buFont typeface="Arial"/>
+              <a:buChar char="•"/>
+            </a:pPr>
+            <a:r>
+              <a:rPr lang="en-US" sz="3200" b="0" strike="noStrike" spc="-1" dirty="0">
+                <a:solidFill>
+                  <a:srgbClr val="000000"/>
+                </a:solidFill>
+                <a:uFill>
+                  <a:solidFill>
+                    <a:srgbClr val="FFFFFF"/>
+                  </a:solidFill>
+                </a:uFill>
+                <a:latin typeface="Calibri"/>
+                <a:ea typeface="DejaVu Sans"/>
+              </a:rPr>
+              <a:t>When caught you can:</a:t>
+            </a:r>
+            <a:endParaRPr lang="en-US" sz="1800" b="0" strike="noStrike" spc="-1" dirty="0">
+              <a:solidFill>
+                <a:srgbClr val="000000"/>
+              </a:solidFill>
+              <a:uFill>
+                <a:solidFill>
+                  <a:srgbClr val="FFFFFF"/>
+                </a:solidFill>
+              </a:uFill>
+              <a:latin typeface="Arial"/>
+            </a:endParaRPr>
+          </a:p>
+          <a:p>
+            <a:pPr marL="743040" lvl="1" indent="-284760">
+              <a:lnSpc>
+                <a:spcPct val="100000"/>
+              </a:lnSpc>
+              <a:buClr>
+                <a:srgbClr val="000000"/>
+              </a:buClr>
+              <a:buFont typeface="Arial"/>
+              <a:buChar char="–"/>
+            </a:pPr>
+            <a:r>
+              <a:rPr lang="en-US" sz="2800" b="0" strike="noStrike" spc="-1" dirty="0">
+                <a:solidFill>
+                  <a:srgbClr val="000000"/>
+                </a:solidFill>
+                <a:uFill>
+                  <a:solidFill>
+                    <a:srgbClr val="FFFFFF"/>
+                  </a:solidFill>
+                </a:uFill>
+                <a:latin typeface="Calibri"/>
+                <a:ea typeface="DejaVu Sans"/>
+              </a:rPr>
+              <a:t>Recover from the error OR exit </a:t>
+            </a:r>
+            <a:r>
+              <a:rPr lang="en-US" sz="2800" b="0" strike="noStrike" spc="-1" dirty="0" smtClean="0">
+                <a:solidFill>
+                  <a:srgbClr val="000000"/>
+                </a:solidFill>
+                <a:uFill>
+                  <a:solidFill>
+                    <a:srgbClr val="FFFFFF"/>
+                  </a:solidFill>
+                </a:uFill>
+                <a:latin typeface="Calibri"/>
+                <a:ea typeface="DejaVu Sans"/>
+              </a:rPr>
+              <a:t>gracefully</a:t>
+            </a:r>
+            <a:endParaRPr lang="en-US" sz="1800" b="0" strike="noStrike" spc="-1" dirty="0">
+              <a:solidFill>
+                <a:srgbClr val="000000"/>
+              </a:solidFill>
+              <a:uFill>
+                <a:solidFill>
+                  <a:srgbClr val="FFFFFF"/>
+                </a:solidFill>
+              </a:uFill>
+              <a:latin typeface="Arial"/>
+            </a:endParaRPr>
+          </a:p>
+          <a:p>
+            <a:pPr>
+              <a:lnSpc>
+                <a:spcPct val="100000"/>
+              </a:lnSpc>
+            </a:pPr>
+            <a:endParaRPr lang="en-US" sz="1800" b="0" strike="noStrike" spc="-1" dirty="0">
+              <a:solidFill>
+                <a:srgbClr val="000000"/>
+              </a:solidFill>
+              <a:uFill>
+                <a:solidFill>
+                  <a:srgbClr val="FFFFFF"/>
+                </a:solidFill>
+              </a:uFill>
+              <a:latin typeface="Arial"/>
+            </a:endParaRPr>
+          </a:p>
+        </p:txBody>
+      </p:sp>
+    </p:spTree>
+    <p:extLst>
+      <p:ext uri="{BB962C8B-B14F-4D97-AF65-F5344CB8AC3E}">
+        <p14:creationId xmlns:p14="http://schemas.microsoft.com/office/powerpoint/2010/main" val="1909027823"/>
+      </p:ext>
+    </p:extLst>
+  </p:cSld>
+  <p:clrMapOvr>
+    <a:masterClrMapping/>
+  </p:clrMapOvr>
+  <p:timing>
+    <p:tnLst>
+      <p:par>
+        <p:cTn id="1" dur="indefinite" restart="never" nodeType="tmRoot">
+          <p:childTnLst>
+            <p:seq>
+              <p:cTn id="2" nodeType="mainSeq"/>
+              <p:prevCondLst>
+                <p:cond evt="onPrev" delay="0">
+                  <p:tgtEl>
+                    <p:sldTgt/>
+                  </p:tgtEl>
+                </p:cond>
+              </p:prevCondLst>
+              <p:nextCondLst>
+                <p:cond evt="onNext" delay="0">
+                  <p:tgtEl>
+                    <p:sldTgt/>
+                  </p:tgtEl>
+                </p:cond>
+              </p:nextCondLst>
+            </p:seq>
+          </p:childTnLst>
+        </p:cTn>
+      </p:par>
+    </p:tnLst>
+  </p:timing>
+</p:sld>
+</file>
+
+<file path=ppt/slides/slide18.xml><?xml version="1.0" encoding="utf-8"?>
+<p:sld xmlns:a="http://schemas.openxmlformats.org/drawingml/2006/main" xmlns:r="http://schemas.openxmlformats.org/officeDocument/2006/relationships" xmlns:p="http://schemas.openxmlformats.org/presentationml/2006/main">
+  <p:cSld>
+    <p:spTree>
+      <p:nvGrpSpPr>
+        <p:cNvPr id="1" name=""/>
+        <p:cNvGrpSpPr/>
+        <p:nvPr/>
+      </p:nvGrpSpPr>
+      <p:grpSpPr>
+        <a:xfrm>
+          <a:off x="0" y="0"/>
+          <a:ext cx="0" cy="0"/>
+          <a:chOff x="0" y="0"/>
+          <a:chExt cx="0" cy="0"/>
+        </a:xfrm>
+      </p:grpSpPr>
+      <p:sp>
+        <p:nvSpPr>
           <p:cNvPr id="186" name="CustomShape 1"/>
           <p:cNvSpPr/>
           <p:nvPr/>
         </p:nvSpPr>
         <p:spPr>
           <a:xfrm>
-            <a:off x="457200" y="1600200"/>
+            <a:off x="457200" y="1219200"/>
             <a:ext cx="8228520" cy="4524840"/>
           </a:xfrm>
           <a:prstGeom prst="rect">
@@ -7980,7 +8357,7 @@
               <a:t> </a:t>
             </a:r>
             <a:r>
-              <a:rPr lang="en-US" sz="2800" b="0" strike="noStrike" spc="-1" dirty="0">
+              <a:rPr lang="en-US" sz="2800" b="0" strike="noStrike" spc="-1" dirty="0" smtClean="0">
                 <a:solidFill>
                   <a:srgbClr val="000000"/>
                 </a:solidFill>
@@ -7994,7 +8371,48 @@
               </a:rPr>
               <a:t>problems</a:t>
             </a:r>
-            <a:endParaRPr lang="en-US" sz="1800" b="0" strike="noStrike" spc="-1" dirty="0">
+          </a:p>
+          <a:p>
+            <a:pPr marL="801720" lvl="1" indent="-284760">
+              <a:lnSpc>
+                <a:spcPct val="100000"/>
+              </a:lnSpc>
+              <a:buClr>
+                <a:srgbClr val="000000"/>
+              </a:buClr>
+              <a:buFont typeface="Arial"/>
+              <a:buChar char="–"/>
+            </a:pPr>
+            <a:r>
+              <a:rPr lang="en-US" sz="2800" spc="-1" dirty="0" smtClean="0">
+                <a:solidFill>
+                  <a:srgbClr val="000000"/>
+                </a:solidFill>
+                <a:uFill>
+                  <a:solidFill>
+                    <a:srgbClr val="FFFFFF"/>
+                  </a:solidFill>
+                </a:uFill>
+                <a:latin typeface="Calibri"/>
+                <a:ea typeface="ＭＳ Ｐゴシック"/>
+              </a:rPr>
+              <a:t>Example: </a:t>
+            </a:r>
+            <a:r>
+              <a:rPr lang="en-US" sz="2800" spc="-1" dirty="0" err="1" smtClean="0">
+                <a:solidFill>
+                  <a:srgbClr val="000000"/>
+                </a:solidFill>
+                <a:uFill>
+                  <a:solidFill>
+                    <a:srgbClr val="FFFFFF"/>
+                  </a:solidFill>
+                </a:uFill>
+                <a:ea typeface="DejaVu Sans"/>
+              </a:rPr>
+              <a:t>FileNotFoundException</a:t>
+            </a:r>
+            <a:endParaRPr lang="en-US" sz="2800" spc="-1" dirty="0">
               <a:solidFill>
                 <a:srgbClr val="000000"/>
               </a:solidFill>
@@ -8003,14 +8421,19 @@
                   <a:srgbClr val="FFFFFF"/>
                 </a:solidFill>
               </a:uFill>
-              <a:latin typeface="Arial"/>
+              <a:ea typeface="DejaVu Sans"/>
             </a:endParaRPr>
           </a:p>
           <a:p>
-            <a:pPr>
+            <a:pPr marL="801720" lvl="1" indent="-284760">
               <a:lnSpc>
                 <a:spcPct val="100000"/>
               </a:lnSpc>
+              <a:buClr>
+                <a:srgbClr val="000000"/>
+              </a:buClr>
+              <a:buFont typeface="Arial"/>
+              <a:buChar char="–"/>
             </a:pPr>
             <a:endParaRPr lang="en-US" sz="1800" b="0" strike="noStrike" spc="-1" dirty="0">
               <a:solidFill>
@@ -8036,7 +8459,7 @@
               <a:buAutoNum type="arabicPeriod" startAt="2"/>
             </a:pPr>
             <a:r>
-              <a:rPr lang="en-US" sz="3200" b="1" strike="noStrike" spc="-1" dirty="0">
+              <a:rPr lang="en-US" sz="3200" b="1" strike="noStrike" spc="-1" dirty="0" smtClean="0">
                 <a:solidFill>
                   <a:srgbClr val="800000"/>
                 </a:solidFill>
@@ -8048,7 +8471,22 @@
                 <a:latin typeface="Calibri"/>
                 <a:ea typeface="ＭＳ Ｐゴシック"/>
               </a:rPr>
-              <a:t>Unchecked exceptions</a:t>
+              <a:t>Unchecked </a:t>
+            </a:r>
+            <a:r>
+              <a:rPr lang="en-US" sz="3200" b="1" strike="noStrike" spc="-1" dirty="0">
+                <a:solidFill>
+                  <a:srgbClr val="800000"/>
+                </a:solidFill>
+                <a:uFill>
+                  <a:solidFill>
+                    <a:srgbClr val="FFFFFF"/>
+                  </a:solidFill>
+                </a:uFill>
+                <a:latin typeface="Calibri"/>
+                <a:ea typeface="ＭＳ Ｐゴシック"/>
+              </a:rPr>
+              <a:t>exceptions</a:t>
             </a:r>
             <a:r>
               <a:rPr lang="en-US" sz="3200" b="0" strike="noStrike" spc="-1" dirty="0">
@@ -8186,6 +8624,66 @@
               </a:rPr>
               <a:t>Error</a:t>
             </a:r>
+          </a:p>
+          <a:p>
+            <a:pPr marL="801720" lvl="1" indent="-284760">
+              <a:buClr>
+                <a:srgbClr val="000000"/>
+              </a:buClr>
+              <a:buFont typeface="Arial"/>
+              <a:buChar char="–"/>
+            </a:pPr>
+            <a:r>
+              <a:rPr lang="en-US" sz="2800" spc="-1" dirty="0">
+                <a:solidFill>
+                  <a:srgbClr val="000000"/>
+                </a:solidFill>
+                <a:uFill>
+                  <a:solidFill>
+                    <a:srgbClr val="FFFFFF"/>
+                  </a:solidFill>
+                </a:uFill>
+                <a:ea typeface="ＭＳ Ｐゴシック"/>
+              </a:rPr>
+              <a:t>Example: </a:t>
+            </a:r>
+            <a:r>
+              <a:rPr lang="en-US" sz="2800" spc="-1" dirty="0" err="1" smtClean="0">
+                <a:solidFill>
+                  <a:srgbClr val="000000"/>
+                </a:solidFill>
+                <a:uFill>
+                  <a:solidFill>
+                    <a:srgbClr val="FFFFFF"/>
+                  </a:solidFill>
+                </a:uFill>
+                <a:ea typeface="DejaVu Sans"/>
+              </a:rPr>
+              <a:t>ConcurrentModificationException</a:t>
+            </a:r>
+            <a:endParaRPr lang="en-US" sz="2800" spc="-1" dirty="0">
+              <a:solidFill>
+                <a:srgbClr val="000000"/>
+              </a:solidFill>
+              <a:uFill>
+                <a:solidFill>
+                  <a:srgbClr val="FFFFFF"/>
+                </a:solidFill>
+              </a:uFill>
+              <a:ea typeface="DejaVu Sans"/>
+            </a:endParaRPr>
+          </a:p>
+          <a:p>
+            <a:pPr marL="801720" lvl="1" indent="-284760">
+              <a:lnSpc>
+                <a:spcPct val="100000"/>
+              </a:lnSpc>
+              <a:buClr>
+                <a:srgbClr val="000000"/>
+              </a:buClr>
+              <a:buFont typeface="Arial"/>
+              <a:buChar char="–"/>
+            </a:pPr>
             <a:endParaRPr lang="en-US" sz="1800" b="0" strike="noStrike" spc="-1" dirty="0">
               <a:solidFill>
                 <a:srgbClr val="000000"/>
@@ -8503,7 +9001,7 @@
 </p:sld>
 </file>
 
-<file path=ppt/slides/slide18.xml><?xml version="1.0" encoding="utf-8"?>
+<file path=ppt/slides/slide19.xml><?xml version="1.0" encoding="utf-8"?>
 <p:sld xmlns:a="http://schemas.openxmlformats.org/drawingml/2006/main" xmlns:r="http://schemas.openxmlformats.org/officeDocument/2006/relationships" xmlns:p="http://schemas.openxmlformats.org/presentationml/2006/main">
   <p:cSld>
     <p:spTree>
@@ -8662,26 +9160,14 @@
             <a:pPr lvl="1"/>
             <a:r>
               <a:rPr lang="en-US" dirty="0" smtClean="0"/>
-              <a:t>Learn </a:t>
-            </a:r>
+              <a:t>Learn how to avoid common project errors</a:t>
+            </a:r>
+          </a:p>
+          <a:p>
+            <a:pPr lvl="1"/>
             <a:r>
               <a:rPr lang="en-US" dirty="0" smtClean="0"/>
-              <a:t>how to avoid common project </a:t>
-            </a:r>
-            <a:r>
-              <a:rPr lang="en-US" dirty="0" smtClean="0"/>
-              <a:t>errors</a:t>
-            </a:r>
-          </a:p>
-          <a:p>
-            <a:pPr lvl="1"/>
-            <a:r>
-              <a:rPr lang="en-US" dirty="0" smtClean="0"/>
-              <a:t>Learn </a:t>
-            </a:r>
-            <a:r>
-              <a:rPr lang="en-US" dirty="0" smtClean="0"/>
-              <a:t>how to setup a timer to create events</a:t>
+              <a:t>Learn how to setup a timer to create events</a:t>
             </a:r>
           </a:p>
           <a:p>
@@ -8694,7 +9180,6 @@
               <a:rPr lang="en-US" dirty="0" smtClean="0"/>
               <a:t>live-coding</a:t>
             </a:r>
-            <a:endParaRPr lang="en-US" dirty="0" smtClean="0"/>
           </a:p>
           <a:p>
             <a:pPr lvl="1"/>
@@ -8723,7 +9208,6 @@
               <a:rPr lang="en-US" dirty="0" smtClean="0"/>
               <a:t>Required for Milestone 1</a:t>
             </a:r>
-            <a:endParaRPr lang="en-US" dirty="0" smtClean="0"/>
           </a:p>
         </p:txBody>
       </p:sp>
@@ -8737,6 +9221,13 @@
   <p:clrMapOvr>
     <a:masterClrMapping/>
   </p:clrMapOvr>
+  <p:timing>
+    <p:tnLst>
+      <p:par>
+        <p:cTn id="1" dur="indefinite" restart="never" nodeType="tmRoot"/>
+      </p:par>
+    </p:tnLst>
+  </p:timing>
 </p:sld>
 </file>
 
@@ -8809,6 +9300,13 @@
   <p:clrMapOvr>
     <a:masterClrMapping/>
   </p:clrMapOvr>
+  <p:timing>
+    <p:tnLst>
+      <p:par>
+        <p:cTn id="1" dur="indefinite" restart="never" nodeType="tmRoot"/>
+      </p:par>
+    </p:tnLst>
+  </p:timing>
 </p:sld>
 </file>
 
@@ -9273,13 +9771,13 @@
   <p:clrMapOvr>
     <a:masterClrMapping/>
   </p:clrMapOvr>
-  <mc:AlternateContent xmlns:mc="http://schemas.openxmlformats.org/markup-compatibility/2006">
-    <mc:Choice xmlns:p14="http://schemas.microsoft.com/office/powerpoint/2010/main" Requires="p14">
+  <mc:AlternateContent xmlns:mc="http://schemas.openxmlformats.org/markup-compatibility/2006" xmlns:p14="http://schemas.microsoft.com/office/powerpoint/2010/main">
+    <mc:Choice Requires="p14">
       <p:transition spd="med" p14:dur="700">
         <p:fade/>
       </p:transition>
     </mc:Choice>
-    <mc:Fallback>
+    <mc:Fallback xmlns="">
       <p:transition spd="med">
         <p:fade/>
       </p:transition>
@@ -9843,6 +10341,13 @@
   <p:clrMapOvr>
     <a:masterClrMapping/>
   </p:clrMapOvr>
+  <p:timing>
+    <p:tnLst>
+      <p:par>
+        <p:cTn id="1" dur="indefinite" restart="never" nodeType="tmRoot"/>
+      </p:par>
+    </p:tnLst>
+  </p:timing>
 </p:sld>
 </file>
 
@@ -9951,6 +10456,13 @@
   <p:clrMapOvr>
     <a:masterClrMapping/>
   </p:clrMapOvr>
+  <p:timing>
+    <p:tnLst>
+      <p:par>
+        <p:cTn id="1" dur="indefinite" restart="never" nodeType="tmRoot"/>
+      </p:par>
+    </p:tnLst>
+  </p:timing>
 </p:sld>
 </file>
 
@@ -10752,6 +11264,13 @@
   <p:clrMapOvr>
     <a:masterClrMapping/>
   </p:clrMapOvr>
+  <p:timing>
+    <p:tnLst>
+      <p:par>
+        <p:cTn id="1" dur="indefinite" restart="never" nodeType="tmRoot"/>
+      </p:par>
+    </p:tnLst>
+  </p:timing>
 </p:sld>
 </file>
 
@@ -10824,6 +11343,13 @@
   <p:clrMapOvr>
     <a:masterClrMapping/>
   </p:clrMapOvr>
+  <p:timing>
+    <p:tnLst>
+      <p:par>
+        <p:cTn id="1" dur="indefinite" restart="never" nodeType="tmRoot"/>
+      </p:par>
+    </p:tnLst>
+  </p:timing>
 </p:sld>
 </file>
 

--- a/ClassMaterials/EventBasedGameLoop/Slides/EventBasedGameLoop.pptx
+++ b/ClassMaterials/EventBasedGameLoop/Slides/EventBasedGameLoop.pptx
@@ -303,7 +303,7 @@
             <a:fld id="{68AFFCC9-E980-4A2E-8F84-91052C1F2C22}" type="datetime1">
               <a:rPr lang="en-US"/>
               <a:pPr/>
-              <a:t>4/23/2020</a:t>
+              <a:t>2/24/22</a:t>
             </a:fld>
             <a:endParaRPr lang="en-US"/>
           </a:p>
@@ -532,7 +532,7 @@
             <a:fld id="{C4411CED-79EF-4046-B79B-F8927B54B6B0}" type="datetime1">
               <a:rPr lang="en-US"/>
               <a:pPr/>
-              <a:t>4/23/2020</a:t>
+              <a:t>2/24/22</a:t>
             </a:fld>
             <a:endParaRPr lang="en-US"/>
           </a:p>
@@ -608,39 +608,37 @@
           <a:p>
             <a:pPr lvl="0"/>
             <a:r>
-              <a:rPr lang="en-US" noProof="0" smtClean="0"/>
+              <a:rPr lang="en-US" noProof="0"/>
               <a:t>Click to edit Master text styles</a:t>
             </a:r>
-            <a:endParaRPr lang="en-US" noProof="0"/>
           </a:p>
           <a:p>
             <a:pPr lvl="1"/>
             <a:r>
-              <a:rPr lang="en-US" noProof="0" smtClean="0"/>
+              <a:rPr lang="en-US" noProof="0"/>
               <a:t>Second level</a:t>
             </a:r>
           </a:p>
           <a:p>
             <a:pPr lvl="2"/>
             <a:r>
-              <a:rPr lang="en-US" noProof="0" smtClean="0"/>
+              <a:rPr lang="en-US" noProof="0"/>
               <a:t>Third level</a:t>
             </a:r>
           </a:p>
           <a:p>
             <a:pPr lvl="3"/>
             <a:r>
-              <a:rPr lang="en-US" noProof="0" smtClean="0"/>
+              <a:rPr lang="en-US" noProof="0"/>
               <a:t>Fourth level</a:t>
             </a:r>
           </a:p>
           <a:p>
             <a:pPr lvl="4"/>
             <a:r>
-              <a:rPr lang="en-US" noProof="0" smtClean="0"/>
+              <a:rPr lang="en-US" noProof="0"/>
               <a:t>Fifth level</a:t>
             </a:r>
-            <a:endParaRPr lang="en-US" noProof="0"/>
           </a:p>
         </p:txBody>
       </p:sp>
@@ -937,7 +935,7 @@
                 <a:spcPct val="0"/>
               </a:spcBef>
             </a:pPr>
-            <a:endParaRPr lang="en-US" dirty="0" smtClean="0"/>
+            <a:endParaRPr lang="en-US" dirty="0"/>
           </a:p>
         </p:txBody>
       </p:sp>
@@ -1025,11 +1023,11 @@
           <a:lstStyle/>
           <a:p>
             <a:r>
-              <a:rPr lang="en-US" dirty="0" smtClean="0"/>
+              <a:rPr lang="en-US" dirty="0"/>
               <a:t>Consider drawing a single diagram on the board showing separate thread of execution</a:t>
             </a:r>
             <a:r>
-              <a:rPr lang="en-US" baseline="0" dirty="0" smtClean="0"/>
+              <a:rPr lang="en-US" baseline="0" dirty="0"/>
               <a:t> as lines</a:t>
             </a:r>
             <a:endParaRPr lang="en-US" dirty="0"/>
@@ -1135,7 +1133,7 @@
               <a:defRPr/>
             </a:pPr>
             <a:r>
-              <a:rPr lang="en-US" dirty="0" smtClean="0"/>
+              <a:rPr lang="en-US" dirty="0"/>
               <a:t>Ask students:</a:t>
             </a:r>
           </a:p>
@@ -1158,11 +1156,11 @@
               <a:defRPr/>
             </a:pPr>
             <a:r>
-              <a:rPr lang="en-US" dirty="0" smtClean="0"/>
+              <a:rPr lang="en-US" dirty="0"/>
               <a:t>Imagine a list gets changed while you try to move through it,</a:t>
             </a:r>
             <a:r>
-              <a:rPr lang="en-US" baseline="0" dirty="0" smtClean="0"/>
+              <a:rPr lang="en-US" baseline="0" dirty="0"/>
               <a:t> what could go wrong?</a:t>
             </a:r>
           </a:p>
@@ -1185,7 +1183,7 @@
               <a:defRPr/>
             </a:pPr>
             <a:r>
-              <a:rPr lang="en-US" baseline="0" dirty="0" smtClean="0"/>
+              <a:rPr lang="en-US" baseline="0" dirty="0"/>
               <a:t>Read from bad location in memory, get into infinite loop, double visit, skip, etc.</a:t>
             </a:r>
             <a:endParaRPr lang="en-US" dirty="0"/>
@@ -1274,7 +1272,7 @@
           <a:lstStyle/>
           <a:p>
             <a:r>
-              <a:rPr lang="en-US" sz="1200" kern="1200" dirty="0" smtClean="0">
+              <a:rPr lang="en-US" sz="1200" kern="1200" dirty="0">
                 <a:solidFill>
                   <a:schemeClr val="tx1"/>
                 </a:solidFill>
@@ -1287,7 +1285,7 @@
           </a:p>
           <a:p>
             <a:r>
-              <a:rPr lang="en-US" sz="1200" kern="1200" dirty="0" smtClean="0">
+              <a:rPr lang="en-US" sz="1200" kern="1200" dirty="0">
                 <a:solidFill>
                   <a:schemeClr val="tx1"/>
                 </a:solidFill>
@@ -1298,7 +1296,7 @@
               <a:t> * </a:t>
             </a:r>
             <a:r>
-              <a:rPr lang="en-US" sz="1200" b="1" kern="1200" dirty="0" smtClean="0">
+              <a:rPr lang="en-US" sz="1200" b="1" kern="1200" dirty="0">
                 <a:solidFill>
                   <a:schemeClr val="tx1"/>
                 </a:solidFill>
@@ -1311,7 +1309,7 @@
           </a:p>
           <a:p>
             <a:r>
-              <a:rPr lang="en-US" sz="1200" kern="1200" dirty="0" smtClean="0">
+              <a:rPr lang="en-US" sz="1200" kern="1200" dirty="0">
                 <a:solidFill>
                   <a:schemeClr val="tx1"/>
                 </a:solidFill>
@@ -1322,7 +1320,7 @@
               <a:t> * </a:t>
             </a:r>
             <a:r>
-              <a:rPr lang="en-US" sz="1200" b="1" kern="1200" dirty="0" smtClean="0">
+              <a:rPr lang="en-US" sz="1200" b="1" kern="1200" dirty="0">
                 <a:solidFill>
                   <a:schemeClr val="tx1"/>
                 </a:solidFill>
@@ -1335,7 +1333,7 @@
           </a:p>
           <a:p>
             <a:r>
-              <a:rPr lang="en-US" sz="1200" kern="1200" dirty="0" smtClean="0">
+              <a:rPr lang="en-US" sz="1200" kern="1200" dirty="0">
                 <a:solidFill>
                   <a:schemeClr val="tx1"/>
                 </a:solidFill>
@@ -1346,7 +1344,7 @@
               <a:t> * </a:t>
             </a:r>
             <a:r>
-              <a:rPr lang="en-US" sz="1200" b="1" kern="1200" dirty="0" smtClean="0">
+              <a:rPr lang="en-US" sz="1200" b="1" kern="1200" dirty="0">
                 <a:solidFill>
                   <a:schemeClr val="tx1"/>
                 </a:solidFill>
@@ -1359,7 +1357,7 @@
           </a:p>
           <a:p>
             <a:r>
-              <a:rPr lang="en-US" sz="1200" kern="1200" dirty="0" smtClean="0">
+              <a:rPr lang="en-US" sz="1200" kern="1200" dirty="0">
                 <a:solidFill>
                   <a:schemeClr val="tx1"/>
                 </a:solidFill>
@@ -1370,7 +1368,7 @@
               <a:t> * </a:t>
             </a:r>
             <a:r>
-              <a:rPr lang="en-US" sz="1200" b="1" kern="1200" dirty="0" smtClean="0">
+              <a:rPr lang="en-US" sz="1200" b="1" kern="1200" dirty="0">
                 <a:solidFill>
                   <a:schemeClr val="tx1"/>
                 </a:solidFill>
@@ -1383,7 +1381,7 @@
           </a:p>
           <a:p>
             <a:r>
-              <a:rPr lang="en-US" sz="1200" kern="1200" dirty="0" smtClean="0">
+              <a:rPr lang="en-US" sz="1200" kern="1200" dirty="0">
                 <a:solidFill>
                   <a:schemeClr val="tx1"/>
                 </a:solidFill>
@@ -1394,7 +1392,7 @@
               <a:t> * </a:t>
             </a:r>
             <a:r>
-              <a:rPr lang="en-US" sz="1200" b="1" kern="1200" dirty="0" smtClean="0">
+              <a:rPr lang="en-US" sz="1200" b="1" kern="1200" dirty="0">
                 <a:solidFill>
                   <a:schemeClr val="tx1"/>
                 </a:solidFill>
@@ -1620,7 +1618,7 @@
           <a:bodyPr lIns="96480" tIns="48240" rIns="96480" bIns="48240"/>
           <a:lstStyle/>
           <a:p>
-            <a:endParaRPr lang="en-US" sz="2000" b="0" strike="noStrike" spc="-1" baseline="0" dirty="0" smtClean="0">
+            <a:endParaRPr lang="en-US" sz="2000" b="0" strike="noStrike" spc="-1" baseline="0" dirty="0">
               <a:solidFill>
                 <a:srgbClr val="000000"/>
               </a:solidFill>
@@ -1633,7 +1631,7 @@
             </a:endParaRPr>
           </a:p>
           <a:p>
-            <a:endParaRPr lang="en-US" sz="2000" b="0" strike="noStrike" spc="-1" baseline="0" dirty="0" smtClean="0">
+            <a:endParaRPr lang="en-US" sz="2000" b="0" strike="noStrike" spc="-1" baseline="0" dirty="0">
               <a:solidFill>
                 <a:srgbClr val="000000"/>
               </a:solidFill>
@@ -1817,7 +1815,7 @@
               <a:defRPr/>
             </a:pPr>
             <a:r>
-              <a:rPr lang="en-US" sz="1200" b="0" strike="noStrike" spc="-1" dirty="0" smtClean="0">
+              <a:rPr lang="en-US" sz="1200" b="0" strike="noStrike" spc="-1" dirty="0">
                 <a:solidFill>
                   <a:srgbClr val="000000"/>
                 </a:solidFill>
@@ -1831,7 +1829,7 @@
               <a:t>Can live-code a </a:t>
             </a:r>
             <a:r>
-              <a:rPr lang="en-US" sz="1200" b="0" strike="noStrike" spc="-1" baseline="0" dirty="0" smtClean="0">
+              <a:rPr lang="en-US" sz="1200" b="0" strike="noStrike" spc="-1" baseline="0" dirty="0">
                 <a:solidFill>
                   <a:srgbClr val="000000"/>
                 </a:solidFill>
@@ -1948,7 +1946,7 @@
           <a:lstStyle/>
           <a:p>
             <a:r>
-              <a:rPr lang="en-US" sz="2000" b="0" strike="noStrike" spc="-1" dirty="0" smtClean="0">
+              <a:rPr lang="en-US" sz="2000" b="0" strike="noStrike" spc="-1" dirty="0">
                 <a:solidFill>
                   <a:srgbClr val="000000"/>
                 </a:solidFill>
@@ -1962,7 +1960,7 @@
               <a:t>Try to read</a:t>
             </a:r>
             <a:r>
-              <a:rPr lang="en-US" sz="2000" b="0" strike="noStrike" spc="-1" baseline="0" dirty="0" smtClean="0">
+              <a:rPr lang="en-US" sz="2000" b="0" strike="noStrike" spc="-1" baseline="0" dirty="0">
                 <a:solidFill>
                   <a:srgbClr val="000000"/>
                 </a:solidFill>
@@ -2128,7 +2126,7 @@
           <a:bodyPr/>
           <a:lstStyle/>
           <a:p>
-            <a:endParaRPr lang="en-US" dirty="0" smtClean="0"/>
+            <a:endParaRPr lang="en-US" dirty="0"/>
           </a:p>
         </p:txBody>
       </p:sp>
@@ -2209,10 +2207,9 @@
           <a:lstStyle/>
           <a:p>
             <a:r>
-              <a:rPr lang="en-US" smtClean="0"/>
+              <a:rPr lang="en-US"/>
               <a:t>Click to edit Master title style</a:t>
             </a:r>
-            <a:endParaRPr lang="en-US"/>
           </a:p>
         </p:txBody>
       </p:sp>
@@ -2328,10 +2325,9 @@
           </a:lstStyle>
           <a:p>
             <a:r>
-              <a:rPr lang="en-US" smtClean="0"/>
+              <a:rPr lang="en-US"/>
               <a:t>Click to edit Master subtitle style</a:t>
             </a:r>
-            <a:endParaRPr lang="en-US"/>
           </a:p>
         </p:txBody>
       </p:sp>
@@ -2353,7 +2349,7 @@
             <a:fld id="{43E6E5DC-7A70-4CAB-B8CA-FD7CFBA6DDCF}" type="datetime1">
               <a:rPr lang="en-US" smtClean="0"/>
               <a:pPr/>
-              <a:t>4/23/2020</a:t>
+              <a:t>2/24/22</a:t>
             </a:fld>
             <a:endParaRPr lang="en-US"/>
           </a:p>
@@ -2451,10 +2447,9 @@
           <a:lstStyle/>
           <a:p>
             <a:r>
-              <a:rPr lang="en-US" smtClean="0"/>
+              <a:rPr lang="en-US"/>
               <a:t>Click to edit Master title style</a:t>
             </a:r>
-            <a:endParaRPr lang="en-US"/>
           </a:p>
         </p:txBody>
       </p:sp>
@@ -2475,38 +2470,37 @@
           <a:p>
             <a:pPr lvl="0"/>
             <a:r>
-              <a:rPr lang="en-US" smtClean="0"/>
+              <a:rPr lang="en-US"/>
               <a:t>Click to edit Master text styles</a:t>
             </a:r>
           </a:p>
           <a:p>
             <a:pPr lvl="1"/>
             <a:r>
-              <a:rPr lang="en-US" smtClean="0"/>
+              <a:rPr lang="en-US"/>
               <a:t>Second level</a:t>
             </a:r>
           </a:p>
           <a:p>
             <a:pPr lvl="2"/>
             <a:r>
-              <a:rPr lang="en-US" smtClean="0"/>
+              <a:rPr lang="en-US"/>
               <a:t>Third level</a:t>
             </a:r>
           </a:p>
           <a:p>
             <a:pPr lvl="3"/>
             <a:r>
-              <a:rPr lang="en-US" smtClean="0"/>
+              <a:rPr lang="en-US"/>
               <a:t>Fourth level</a:t>
             </a:r>
           </a:p>
           <a:p>
             <a:pPr lvl="4"/>
             <a:r>
-              <a:rPr lang="en-US" smtClean="0"/>
+              <a:rPr lang="en-US"/>
               <a:t>Fifth level</a:t>
             </a:r>
-            <a:endParaRPr lang="en-US"/>
           </a:p>
         </p:txBody>
       </p:sp>
@@ -2528,7 +2522,7 @@
             <a:fld id="{34C58A64-F6CF-4D4F-A14E-4E9A6689521C}" type="datetime1">
               <a:rPr lang="en-US" smtClean="0"/>
               <a:pPr/>
-              <a:t>4/23/2020</a:t>
+              <a:t>2/24/22</a:t>
             </a:fld>
             <a:endParaRPr lang="en-US"/>
           </a:p>
@@ -2631,10 +2625,9 @@
           <a:lstStyle/>
           <a:p>
             <a:r>
-              <a:rPr lang="en-US" smtClean="0"/>
+              <a:rPr lang="en-US"/>
               <a:t>Click to edit Master title style</a:t>
             </a:r>
-            <a:endParaRPr lang="en-US"/>
           </a:p>
         </p:txBody>
       </p:sp>
@@ -2660,38 +2653,37 @@
           <a:p>
             <a:pPr lvl="0"/>
             <a:r>
-              <a:rPr lang="en-US" smtClean="0"/>
+              <a:rPr lang="en-US"/>
               <a:t>Click to edit Master text styles</a:t>
             </a:r>
           </a:p>
           <a:p>
             <a:pPr lvl="1"/>
             <a:r>
-              <a:rPr lang="en-US" smtClean="0"/>
+              <a:rPr lang="en-US"/>
               <a:t>Second level</a:t>
             </a:r>
           </a:p>
           <a:p>
             <a:pPr lvl="2"/>
             <a:r>
-              <a:rPr lang="en-US" smtClean="0"/>
+              <a:rPr lang="en-US"/>
               <a:t>Third level</a:t>
             </a:r>
           </a:p>
           <a:p>
             <a:pPr lvl="3"/>
             <a:r>
-              <a:rPr lang="en-US" smtClean="0"/>
+              <a:rPr lang="en-US"/>
               <a:t>Fourth level</a:t>
             </a:r>
           </a:p>
           <a:p>
             <a:pPr lvl="4"/>
             <a:r>
-              <a:rPr lang="en-US" smtClean="0"/>
+              <a:rPr lang="en-US"/>
               <a:t>Fifth level</a:t>
             </a:r>
-            <a:endParaRPr lang="en-US"/>
           </a:p>
         </p:txBody>
       </p:sp>
@@ -2713,7 +2705,7 @@
             <a:fld id="{28A961FD-7946-4EF3-8B09-2E96C5099CE1}" type="datetime1">
               <a:rPr lang="en-US" smtClean="0"/>
               <a:pPr/>
-              <a:t>4/23/2020</a:t>
+              <a:t>2/24/22</a:t>
             </a:fld>
             <a:endParaRPr lang="en-US"/>
           </a:p>
@@ -2917,10 +2909,9 @@
           <a:lstStyle/>
           <a:p>
             <a:r>
-              <a:rPr lang="en-US" smtClean="0"/>
+              <a:rPr lang="en-US"/>
               <a:t>Click to edit Master title style</a:t>
             </a:r>
-            <a:endParaRPr lang="en-US"/>
           </a:p>
         </p:txBody>
       </p:sp>
@@ -2941,38 +2932,37 @@
           <a:p>
             <a:pPr lvl="0"/>
             <a:r>
-              <a:rPr lang="en-US" smtClean="0"/>
+              <a:rPr lang="en-US"/>
               <a:t>Click to edit Master text styles</a:t>
             </a:r>
           </a:p>
           <a:p>
             <a:pPr lvl="1"/>
             <a:r>
-              <a:rPr lang="en-US" smtClean="0"/>
+              <a:rPr lang="en-US"/>
               <a:t>Second level</a:t>
             </a:r>
           </a:p>
           <a:p>
             <a:pPr lvl="2"/>
             <a:r>
-              <a:rPr lang="en-US" smtClean="0"/>
+              <a:rPr lang="en-US"/>
               <a:t>Third level</a:t>
             </a:r>
           </a:p>
           <a:p>
             <a:pPr lvl="3"/>
             <a:r>
-              <a:rPr lang="en-US" smtClean="0"/>
+              <a:rPr lang="en-US"/>
               <a:t>Fourth level</a:t>
             </a:r>
           </a:p>
           <a:p>
             <a:pPr lvl="4"/>
             <a:r>
-              <a:rPr lang="en-US" smtClean="0"/>
+              <a:rPr lang="en-US"/>
               <a:t>Fifth level</a:t>
             </a:r>
-            <a:endParaRPr lang="en-US"/>
           </a:p>
         </p:txBody>
       </p:sp>
@@ -2994,7 +2984,7 @@
             <a:fld id="{410E03A8-3A50-4824-93B1-5AB2817A85E6}" type="datetime1">
               <a:rPr lang="en-US" smtClean="0"/>
               <a:pPr/>
-              <a:t>4/23/2020</a:t>
+              <a:t>2/24/22</a:t>
             </a:fld>
             <a:endParaRPr lang="en-US"/>
           </a:p>
@@ -3101,10 +3091,9 @@
           </a:lstStyle>
           <a:p>
             <a:r>
-              <a:rPr lang="en-US" smtClean="0"/>
+              <a:rPr lang="en-US"/>
               <a:t>Click to edit Master title style</a:t>
             </a:r>
-            <a:endParaRPr lang="en-US"/>
           </a:p>
         </p:txBody>
       </p:sp>
@@ -3221,7 +3210,7 @@
           <a:p>
             <a:pPr lvl="0"/>
             <a:r>
-              <a:rPr lang="en-US" smtClean="0"/>
+              <a:rPr lang="en-US"/>
               <a:t>Click to edit Master text styles</a:t>
             </a:r>
           </a:p>
@@ -3245,7 +3234,7 @@
             <a:fld id="{69EE78C3-2E3E-4EDD-A8FC-A11FEA9CDF04}" type="datetime1">
               <a:rPr lang="en-US" smtClean="0"/>
               <a:pPr/>
-              <a:t>4/23/2020</a:t>
+              <a:t>2/24/22</a:t>
             </a:fld>
             <a:endParaRPr lang="en-US"/>
           </a:p>
@@ -3343,10 +3332,9 @@
           <a:lstStyle/>
           <a:p>
             <a:r>
-              <a:rPr lang="en-US" smtClean="0"/>
+              <a:rPr lang="en-US"/>
               <a:t>Click to edit Master title style</a:t>
             </a:r>
-            <a:endParaRPr lang="en-US"/>
           </a:p>
         </p:txBody>
       </p:sp>
@@ -3400,38 +3388,37 @@
           <a:p>
             <a:pPr lvl="0"/>
             <a:r>
-              <a:rPr lang="en-US" smtClean="0"/>
+              <a:rPr lang="en-US"/>
               <a:t>Click to edit Master text styles</a:t>
             </a:r>
           </a:p>
           <a:p>
             <a:pPr lvl="1"/>
             <a:r>
-              <a:rPr lang="en-US" smtClean="0"/>
+              <a:rPr lang="en-US"/>
               <a:t>Second level</a:t>
             </a:r>
           </a:p>
           <a:p>
             <a:pPr lvl="2"/>
             <a:r>
-              <a:rPr lang="en-US" smtClean="0"/>
+              <a:rPr lang="en-US"/>
               <a:t>Third level</a:t>
             </a:r>
           </a:p>
           <a:p>
             <a:pPr lvl="3"/>
             <a:r>
-              <a:rPr lang="en-US" smtClean="0"/>
+              <a:rPr lang="en-US"/>
               <a:t>Fourth level</a:t>
             </a:r>
           </a:p>
           <a:p>
             <a:pPr lvl="4"/>
             <a:r>
-              <a:rPr lang="en-US" smtClean="0"/>
+              <a:rPr lang="en-US"/>
               <a:t>Fifth level</a:t>
             </a:r>
-            <a:endParaRPr lang="en-US"/>
           </a:p>
         </p:txBody>
       </p:sp>
@@ -3485,38 +3472,37 @@
           <a:p>
             <a:pPr lvl="0"/>
             <a:r>
-              <a:rPr lang="en-US" smtClean="0"/>
+              <a:rPr lang="en-US"/>
               <a:t>Click to edit Master text styles</a:t>
             </a:r>
           </a:p>
           <a:p>
             <a:pPr lvl="1"/>
             <a:r>
-              <a:rPr lang="en-US" smtClean="0"/>
+              <a:rPr lang="en-US"/>
               <a:t>Second level</a:t>
             </a:r>
           </a:p>
           <a:p>
             <a:pPr lvl="2"/>
             <a:r>
-              <a:rPr lang="en-US" smtClean="0"/>
+              <a:rPr lang="en-US"/>
               <a:t>Third level</a:t>
             </a:r>
           </a:p>
           <a:p>
             <a:pPr lvl="3"/>
             <a:r>
-              <a:rPr lang="en-US" smtClean="0"/>
+              <a:rPr lang="en-US"/>
               <a:t>Fourth level</a:t>
             </a:r>
           </a:p>
           <a:p>
             <a:pPr lvl="4"/>
             <a:r>
-              <a:rPr lang="en-US" smtClean="0"/>
+              <a:rPr lang="en-US"/>
               <a:t>Fifth level</a:t>
             </a:r>
-            <a:endParaRPr lang="en-US"/>
           </a:p>
         </p:txBody>
       </p:sp>
@@ -3538,7 +3524,7 @@
             <a:fld id="{9CAD6738-AE48-490E-BA60-16B31C3E5798}" type="datetime1">
               <a:rPr lang="en-US" smtClean="0"/>
               <a:pPr/>
-              <a:t>4/23/2020</a:t>
+              <a:t>2/24/22</a:t>
             </a:fld>
             <a:endParaRPr lang="en-US"/>
           </a:p>
@@ -3640,10 +3626,9 @@
           </a:lstStyle>
           <a:p>
             <a:r>
-              <a:rPr lang="en-US" smtClean="0"/>
+              <a:rPr lang="en-US"/>
               <a:t>Click to edit Master title style</a:t>
             </a:r>
-            <a:endParaRPr lang="en-US"/>
           </a:p>
         </p:txBody>
       </p:sp>
@@ -3706,7 +3691,7 @@
           <a:p>
             <a:pPr lvl="0"/>
             <a:r>
-              <a:rPr lang="en-US" smtClean="0"/>
+              <a:rPr lang="en-US"/>
               <a:t>Click to edit Master text styles</a:t>
             </a:r>
           </a:p>
@@ -3762,38 +3747,37 @@
           <a:p>
             <a:pPr lvl="0"/>
             <a:r>
-              <a:rPr lang="en-US" smtClean="0"/>
+              <a:rPr lang="en-US"/>
               <a:t>Click to edit Master text styles</a:t>
             </a:r>
           </a:p>
           <a:p>
             <a:pPr lvl="1"/>
             <a:r>
-              <a:rPr lang="en-US" smtClean="0"/>
+              <a:rPr lang="en-US"/>
               <a:t>Second level</a:t>
             </a:r>
           </a:p>
           <a:p>
             <a:pPr lvl="2"/>
             <a:r>
-              <a:rPr lang="en-US" smtClean="0"/>
+              <a:rPr lang="en-US"/>
               <a:t>Third level</a:t>
             </a:r>
           </a:p>
           <a:p>
             <a:pPr lvl="3"/>
             <a:r>
-              <a:rPr lang="en-US" smtClean="0"/>
+              <a:rPr lang="en-US"/>
               <a:t>Fourth level</a:t>
             </a:r>
           </a:p>
           <a:p>
             <a:pPr lvl="4"/>
             <a:r>
-              <a:rPr lang="en-US" smtClean="0"/>
+              <a:rPr lang="en-US"/>
               <a:t>Fifth level</a:t>
             </a:r>
-            <a:endParaRPr lang="en-US"/>
           </a:p>
         </p:txBody>
       </p:sp>
@@ -3856,7 +3840,7 @@
           <a:p>
             <a:pPr lvl="0"/>
             <a:r>
-              <a:rPr lang="en-US" smtClean="0"/>
+              <a:rPr lang="en-US"/>
               <a:t>Click to edit Master text styles</a:t>
             </a:r>
           </a:p>
@@ -3912,38 +3896,37 @@
           <a:p>
             <a:pPr lvl="0"/>
             <a:r>
-              <a:rPr lang="en-US" smtClean="0"/>
+              <a:rPr lang="en-US"/>
               <a:t>Click to edit Master text styles</a:t>
             </a:r>
           </a:p>
           <a:p>
             <a:pPr lvl="1"/>
             <a:r>
-              <a:rPr lang="en-US" smtClean="0"/>
+              <a:rPr lang="en-US"/>
               <a:t>Second level</a:t>
             </a:r>
           </a:p>
           <a:p>
             <a:pPr lvl="2"/>
             <a:r>
-              <a:rPr lang="en-US" smtClean="0"/>
+              <a:rPr lang="en-US"/>
               <a:t>Third level</a:t>
             </a:r>
           </a:p>
           <a:p>
             <a:pPr lvl="3"/>
             <a:r>
-              <a:rPr lang="en-US" smtClean="0"/>
+              <a:rPr lang="en-US"/>
               <a:t>Fourth level</a:t>
             </a:r>
           </a:p>
           <a:p>
             <a:pPr lvl="4"/>
             <a:r>
-              <a:rPr lang="en-US" smtClean="0"/>
+              <a:rPr lang="en-US"/>
               <a:t>Fifth level</a:t>
             </a:r>
-            <a:endParaRPr lang="en-US"/>
           </a:p>
         </p:txBody>
       </p:sp>
@@ -3965,7 +3948,7 @@
             <a:fld id="{12137309-80BC-4890-B91A-AB9885E172E5}" type="datetime1">
               <a:rPr lang="en-US" smtClean="0"/>
               <a:pPr/>
-              <a:t>4/23/2020</a:t>
+              <a:t>2/24/22</a:t>
             </a:fld>
             <a:endParaRPr lang="en-US"/>
           </a:p>
@@ -4063,10 +4046,9 @@
           <a:lstStyle/>
           <a:p>
             <a:r>
-              <a:rPr lang="en-US" smtClean="0"/>
+              <a:rPr lang="en-US"/>
               <a:t>Click to edit Master title style</a:t>
             </a:r>
-            <a:endParaRPr lang="en-US"/>
           </a:p>
         </p:txBody>
       </p:sp>
@@ -4088,7 +4070,7 @@
             <a:fld id="{79C16A63-0F78-4E9D-81E4-A84E1F25A0A3}" type="datetime1">
               <a:rPr lang="en-US" smtClean="0"/>
               <a:pPr/>
-              <a:t>4/23/2020</a:t>
+              <a:t>2/24/22</a:t>
             </a:fld>
             <a:endParaRPr lang="en-US"/>
           </a:p>
@@ -4188,7 +4170,7 @@
             <a:fld id="{DC5FF9E9-979C-4422-A1BB-1DC64426F0DA}" type="datetime1">
               <a:rPr lang="en-US" smtClean="0"/>
               <a:pPr/>
-              <a:t>4/23/2020</a:t>
+              <a:t>2/24/22</a:t>
             </a:fld>
             <a:endParaRPr lang="en-US"/>
           </a:p>
@@ -4295,10 +4277,9 @@
           </a:lstStyle>
           <a:p>
             <a:r>
-              <a:rPr lang="en-US" smtClean="0"/>
+              <a:rPr lang="en-US"/>
               <a:t>Click to edit Master title style</a:t>
             </a:r>
-            <a:endParaRPr lang="en-US"/>
           </a:p>
         </p:txBody>
       </p:sp>
@@ -4352,38 +4333,37 @@
           <a:p>
             <a:pPr lvl="0"/>
             <a:r>
-              <a:rPr lang="en-US" smtClean="0"/>
+              <a:rPr lang="en-US"/>
               <a:t>Click to edit Master text styles</a:t>
             </a:r>
           </a:p>
           <a:p>
             <a:pPr lvl="1"/>
             <a:r>
-              <a:rPr lang="en-US" smtClean="0"/>
+              <a:rPr lang="en-US"/>
               <a:t>Second level</a:t>
             </a:r>
           </a:p>
           <a:p>
             <a:pPr lvl="2"/>
             <a:r>
-              <a:rPr lang="en-US" smtClean="0"/>
+              <a:rPr lang="en-US"/>
               <a:t>Third level</a:t>
             </a:r>
           </a:p>
           <a:p>
             <a:pPr lvl="3"/>
             <a:r>
-              <a:rPr lang="en-US" smtClean="0"/>
+              <a:rPr lang="en-US"/>
               <a:t>Fourth level</a:t>
             </a:r>
           </a:p>
           <a:p>
             <a:pPr lvl="4"/>
             <a:r>
-              <a:rPr lang="en-US" smtClean="0"/>
+              <a:rPr lang="en-US"/>
               <a:t>Fifth level</a:t>
             </a:r>
-            <a:endParaRPr lang="en-US"/>
           </a:p>
         </p:txBody>
       </p:sp>
@@ -4446,7 +4426,7 @@
           <a:p>
             <a:pPr lvl="0"/>
             <a:r>
-              <a:rPr lang="en-US" smtClean="0"/>
+              <a:rPr lang="en-US"/>
               <a:t>Click to edit Master text styles</a:t>
             </a:r>
           </a:p>
@@ -4470,7 +4450,7 @@
             <a:fld id="{B9B7020D-910B-4676-A902-AD52382F28B6}" type="datetime1">
               <a:rPr lang="en-US" smtClean="0"/>
               <a:pPr/>
-              <a:t>4/23/2020</a:t>
+              <a:t>2/24/22</a:t>
             </a:fld>
             <a:endParaRPr lang="en-US"/>
           </a:p>
@@ -4577,10 +4557,9 @@
           </a:lstStyle>
           <a:p>
             <a:r>
-              <a:rPr lang="en-US" smtClean="0"/>
+              <a:rPr lang="en-US"/>
               <a:t>Click to edit Master title style</a:t>
             </a:r>
-            <a:endParaRPr lang="en-US"/>
           </a:p>
         </p:txBody>
       </p:sp>
@@ -4704,7 +4683,7 @@
           <a:p>
             <a:pPr lvl="0"/>
             <a:r>
-              <a:rPr lang="en-US" smtClean="0"/>
+              <a:rPr lang="en-US"/>
               <a:t>Click to edit Master text styles</a:t>
             </a:r>
           </a:p>
@@ -4728,7 +4707,7 @@
             <a:fld id="{4695FF79-924D-47D6-A727-6A03000C0C91}" type="datetime1">
               <a:rPr lang="en-US" smtClean="0"/>
               <a:pPr/>
-              <a:t>4/23/2020</a:t>
+              <a:t>2/24/22</a:t>
             </a:fld>
             <a:endParaRPr lang="en-US"/>
           </a:p>
@@ -4841,10 +4820,9 @@
           <a:lstStyle/>
           <a:p>
             <a:r>
-              <a:rPr lang="en-US" smtClean="0"/>
+              <a:rPr lang="en-US"/>
               <a:t>Click to edit Master title style</a:t>
             </a:r>
-            <a:endParaRPr lang="en-US"/>
           </a:p>
         </p:txBody>
       </p:sp>
@@ -4875,38 +4853,37 @@
           <a:p>
             <a:pPr lvl="0"/>
             <a:r>
-              <a:rPr lang="en-US" smtClean="0"/>
+              <a:rPr lang="en-US"/>
               <a:t>Click to edit Master text styles</a:t>
             </a:r>
           </a:p>
           <a:p>
             <a:pPr lvl="1"/>
             <a:r>
-              <a:rPr lang="en-US" smtClean="0"/>
+              <a:rPr lang="en-US"/>
               <a:t>Second level</a:t>
             </a:r>
           </a:p>
           <a:p>
             <a:pPr lvl="2"/>
             <a:r>
-              <a:rPr lang="en-US" smtClean="0"/>
+              <a:rPr lang="en-US"/>
               <a:t>Third level</a:t>
             </a:r>
           </a:p>
           <a:p>
             <a:pPr lvl="3"/>
             <a:r>
-              <a:rPr lang="en-US" smtClean="0"/>
+              <a:rPr lang="en-US"/>
               <a:t>Fourth level</a:t>
             </a:r>
           </a:p>
           <a:p>
             <a:pPr lvl="4"/>
             <a:r>
-              <a:rPr lang="en-US" smtClean="0"/>
+              <a:rPr lang="en-US"/>
               <a:t>Fifth level</a:t>
             </a:r>
-            <a:endParaRPr lang="en-US"/>
           </a:p>
         </p:txBody>
       </p:sp>
@@ -4946,7 +4923,7 @@
             <a:fld id="{A51E304D-C692-4D58-A925-D35D66927263}" type="datetime1">
               <a:rPr lang="en-US" smtClean="0"/>
               <a:pPr/>
-              <a:t>4/23/2020</a:t>
+              <a:t>2/24/22</a:t>
             </a:fld>
             <a:endParaRPr lang="en-US"/>
           </a:p>
@@ -5348,16 +5325,12 @@
               <a:defRPr/>
             </a:pPr>
             <a:r>
-              <a:rPr lang="en-US" dirty="0" smtClean="0">
+              <a:rPr lang="en-US" dirty="0">
                 <a:ea typeface="+mj-ea"/>
                 <a:cs typeface="+mj-cs"/>
               </a:rPr>
               <a:t>CSSE 220</a:t>
             </a:r>
-            <a:endParaRPr lang="en-US" dirty="0">
-              <a:ea typeface="+mj-ea"/>
-              <a:cs typeface="+mj-cs"/>
-            </a:endParaRPr>
           </a:p>
         </p:txBody>
       </p:sp>
@@ -5371,7 +5344,12 @@
             <p:ph type="subTitle" idx="1"/>
           </p:nvPr>
         </p:nvSpPr>
-        <p:spPr/>
+        <p:spPr>
+          <a:xfrm>
+            <a:off x="1371600" y="3116264"/>
+            <a:ext cx="6400800" cy="1752600"/>
+          </a:xfrm>
+        </p:spPr>
         <p:txBody>
           <a:bodyPr>
             <a:normAutofit/>
@@ -5384,7 +5362,7 @@
               </a:lnSpc>
             </a:pPr>
             <a:r>
-              <a:rPr lang="en-US" sz="2500" dirty="0" smtClean="0"/>
+              <a:rPr lang="en-US" sz="2500" dirty="0"/>
               <a:t>Main Game Loop with Timers </a:t>
             </a:r>
           </a:p>
@@ -5395,7 +5373,7 @@
               </a:lnSpc>
             </a:pPr>
             <a:r>
-              <a:rPr lang="en-US" sz="2500" dirty="0" smtClean="0"/>
+              <a:rPr lang="en-US" sz="2500" dirty="0"/>
               <a:t>File IO</a:t>
             </a:r>
           </a:p>
@@ -5416,71 +5394,100 @@
                 <a:spcPct val="90000"/>
               </a:lnSpc>
             </a:pPr>
-            <a:endParaRPr lang="en-US" sz="2500" dirty="0" smtClean="0"/>
-          </a:p>
-        </p:txBody>
-      </p:sp>
-      <p:sp>
-        <p:nvSpPr>
-          <p:cNvPr id="4" name="TextBox 3"/>
-          <p:cNvSpPr txBox="1"/>
+            <a:endParaRPr lang="en-US" sz="2500" dirty="0"/>
+          </a:p>
+        </p:txBody>
+      </p:sp>
+      <p:sp>
+        <p:nvSpPr>
+          <p:cNvPr id="5" name="Rectangle 4">
+            <a:extLst>
+              <a:ext uri="{FF2B5EF4-FFF2-40B4-BE49-F238E27FC236}">
+                <a16:creationId xmlns:a16="http://schemas.microsoft.com/office/drawing/2014/main" id="{87768FD9-82ED-694F-B79E-3B9B47C01CBD}"/>
+              </a:ext>
+            </a:extLst>
+          </p:cNvPr>
+          <p:cNvSpPr/>
           <p:nvPr/>
         </p:nvSpPr>
         <p:spPr>
           <a:xfrm>
-            <a:off x="285750" y="5946422"/>
-            <a:ext cx="8324850" cy="461665"/>
+            <a:off x="381000" y="5207003"/>
+            <a:ext cx="8534400" cy="1295400"/>
           </a:xfrm>
           <a:prstGeom prst="rect">
             <a:avLst/>
           </a:prstGeom>
+          <a:solidFill>
+            <a:schemeClr val="accent3"/>
+          </a:solidFill>
         </p:spPr>
         <p:style>
           <a:lnRef idx="2">
-            <a:schemeClr val="accent4">
+            <a:schemeClr val="accent3">
               <a:shade val="50000"/>
             </a:schemeClr>
           </a:lnRef>
           <a:fillRef idx="1">
-            <a:schemeClr val="accent4"/>
+            <a:schemeClr val="accent3"/>
           </a:fillRef>
           <a:effectRef idx="0">
-            <a:schemeClr val="accent4"/>
+            <a:schemeClr val="accent3"/>
           </a:effectRef>
           <a:fontRef idx="minor">
             <a:schemeClr val="lt1"/>
           </a:fontRef>
         </p:style>
         <p:txBody>
-          <a:bodyPr wrap="square">
-            <a:spAutoFit/>
-          </a:bodyPr>
+          <a:bodyPr rtlCol="0" anchor="ctr"/>
           <a:lstStyle/>
           <a:p>
-            <a:pPr>
-              <a:defRPr/>
+            <a:r>
+              <a:rPr lang="en-US" sz="2400" dirty="0">
+                <a:solidFill>
+                  <a:srgbClr val="FFFFFF"/>
+                </a:solidFill>
+              </a:rPr>
+              <a:t>The </a:t>
+            </a:r>
+            <a:r>
+              <a:rPr lang="en-US" sz="2400" i="1" dirty="0">
+                <a:solidFill>
+                  <a:srgbClr val="FFFFFF"/>
+                </a:solidFill>
+              </a:rPr>
+              <a:t>git</a:t>
+            </a:r>
+            <a:r>
+              <a:rPr lang="en-US" sz="2400" dirty="0">
+                <a:solidFill>
+                  <a:srgbClr val="FFFFFF"/>
+                </a:solidFill>
+              </a:rPr>
+              <a:t> projects for today are:</a:t>
+            </a:r>
+          </a:p>
+          <a:p>
+            <a:pPr marL="342900" indent="-342900">
+              <a:buFont typeface="Arial" panose="020B0604020202020204" pitchFamily="34" charset="0"/>
+              <a:buChar char="•"/>
             </a:pPr>
             <a:r>
-              <a:rPr lang="en-US" sz="2400" b="1" dirty="0"/>
-              <a:t>Checkout </a:t>
-            </a:r>
-            <a:r>
-              <a:rPr lang="en-US" sz="2400" b="1" i="1" dirty="0" err="1" smtClean="0"/>
-              <a:t>EventBasedGameLoop</a:t>
-            </a:r>
-            <a:r>
-              <a:rPr lang="en-US" sz="2400" b="1" i="1" dirty="0" smtClean="0"/>
-              <a:t> </a:t>
-            </a:r>
-            <a:r>
-              <a:rPr lang="en-US" sz="2400" b="1" dirty="0"/>
-              <a:t>project from </a:t>
-            </a:r>
-            <a:r>
-              <a:rPr lang="en-US" sz="2400" b="1" dirty="0" err="1" smtClean="0"/>
-              <a:t>Git</a:t>
-            </a:r>
-            <a:endParaRPr lang="en-US" sz="2400" b="1" dirty="0"/>
+              <a:rPr lang="en-US" sz="2400" i="1" dirty="0" err="1"/>
+              <a:t>PracticeEventBasedGameLoop</a:t>
+            </a:r>
+            <a:endParaRPr lang="en-US" sz="2400" i="1" dirty="0"/>
+          </a:p>
+          <a:p>
+            <a:pPr marL="342900" indent="-342900">
+              <a:buFont typeface="Arial" panose="020B0604020202020204" pitchFamily="34" charset="0"/>
+              <a:buChar char="•"/>
+            </a:pPr>
+            <a:r>
+              <a:rPr lang="en-US" sz="2400" i="1" dirty="0" err="1"/>
+              <a:t>PracticeEventBasedGameLoopSolution</a:t>
+            </a:r>
+            <a:endParaRPr lang="en-US" sz="2400" i="1" dirty="0"/>
           </a:p>
         </p:txBody>
       </p:sp>
@@ -5489,13 +5496,6 @@
   <p:clrMapOvr>
     <a:masterClrMapping/>
   </p:clrMapOvr>
-  <p:timing>
-    <p:tnLst>
-      <p:par>
-        <p:cTn id="1" dur="indefinite" restart="never" nodeType="tmRoot"/>
-      </p:par>
-    </p:tnLst>
-  </p:timing>
 </p:sld>
 </file>
 
@@ -5563,16 +5563,15 @@
           <a:lstStyle/>
           <a:p>
             <a:r>
-              <a:rPr lang="en-US" dirty="0" smtClean="0"/>
+              <a:rPr lang="en-US" dirty="0"/>
               <a:t>1. You can meet virtually to discuss and create design</a:t>
             </a:r>
           </a:p>
           <a:p>
             <a:r>
-              <a:rPr lang="en-US" dirty="0" smtClean="0"/>
+              <a:rPr lang="en-US" dirty="0"/>
               <a:t>2. We suggest you screen share and allow remote control via MS Teams</a:t>
             </a:r>
-            <a:endParaRPr lang="en-US" dirty="0"/>
           </a:p>
         </p:txBody>
       </p:sp>
@@ -5586,13 +5585,6 @@
   <p:clrMapOvr>
     <a:masterClrMapping/>
   </p:clrMapOvr>
-  <p:timing>
-    <p:tnLst>
-      <p:par>
-        <p:cTn id="1" dur="indefinite" restart="never" nodeType="tmRoot"/>
-      </p:par>
-    </p:tnLst>
-  </p:timing>
 </p:sld>
 </file>
 
@@ -5636,35 +5628,23 @@
           <a:lstStyle/>
           <a:p>
             <a:r>
-              <a:rPr lang="en-US" sz="2800" dirty="0" smtClean="0"/>
-              <a:t>We will </a:t>
-            </a:r>
-            <a:r>
-              <a:rPr lang="en-US" sz="2800" dirty="0" smtClean="0"/>
-              <a:t>show you how to read/write with files so you can get started on this early if you want.</a:t>
-            </a:r>
-          </a:p>
-          <a:p>
-            <a:r>
-              <a:rPr lang="en-US" sz="2800" dirty="0" smtClean="0"/>
-              <a:t>We will talk more about Exceptions after </a:t>
-            </a:r>
-            <a:r>
-              <a:rPr lang="en-US" sz="2800" dirty="0" smtClean="0"/>
-              <a:t>Exam2</a:t>
-            </a:r>
-          </a:p>
-          <a:p>
-            <a:r>
-              <a:rPr lang="en-US" sz="2800" dirty="0" smtClean="0"/>
-              <a:t>There </a:t>
-            </a:r>
-            <a:r>
-              <a:rPr lang="en-US" sz="2800" dirty="0" smtClean="0"/>
-              <a:t>will be a separate training video for working remotely together and using </a:t>
-            </a:r>
-            <a:r>
-              <a:rPr lang="en-US" sz="2800" dirty="0" err="1" smtClean="0"/>
+              <a:rPr lang="en-US" sz="2800" dirty="0"/>
+              <a:t>We will show you how to read/write with files so you can get started on this early if you want.</a:t>
+            </a:r>
+          </a:p>
+          <a:p>
+            <a:r>
+              <a:rPr lang="en-US" sz="2800" dirty="0"/>
+              <a:t>We will talk more about Exceptions after Exam2</a:t>
+            </a:r>
+          </a:p>
+          <a:p>
+            <a:r>
+              <a:rPr lang="en-US" sz="2800" dirty="0"/>
+              <a:t>There will be a separate training video for working remotely together and using </a:t>
+            </a:r>
+            <a:r>
+              <a:rPr lang="en-US" sz="2800" dirty="0" err="1"/>
               <a:t>git</a:t>
             </a:r>
             <a:endParaRPr lang="en-US" sz="2800" dirty="0"/>
@@ -5705,13 +5685,6 @@
   <p:clrMapOvr>
     <a:masterClrMapping/>
   </p:clrMapOvr>
-  <p:timing>
-    <p:tnLst>
-      <p:par>
-        <p:cTn id="1" dur="indefinite" restart="never" nodeType="tmRoot"/>
-      </p:par>
-    </p:tnLst>
-  </p:timing>
 </p:sld>
 </file>
 
@@ -6824,10 +6797,9 @@
           <a:lstStyle/>
           <a:p>
             <a:r>
-              <a:rPr lang="en-US" dirty="0" smtClean="0"/>
+              <a:rPr lang="en-US" dirty="0"/>
               <a:t>Live code a level loader</a:t>
             </a:r>
-            <a:endParaRPr lang="en-US" dirty="0"/>
           </a:p>
         </p:txBody>
       </p:sp>
@@ -6841,13 +6813,6 @@
   <p:clrMapOvr>
     <a:masterClrMapping/>
   </p:clrMapOvr>
-  <p:timing>
-    <p:tnLst>
-      <p:par>
-        <p:cTn id="1" dur="indefinite" restart="never" nodeType="tmRoot"/>
-      </p:par>
-    </p:tnLst>
-  </p:timing>
 </p:sld>
 </file>
 
@@ -6909,7 +6874,7 @@
               </a:lnSpc>
             </a:pPr>
             <a:r>
-              <a:rPr lang="en-US" sz="4400" b="0" strike="noStrike" spc="-1" dirty="0" smtClean="0">
+              <a:rPr lang="en-US" sz="4400" b="0" strike="noStrike" spc="-1" dirty="0">
                 <a:solidFill>
                   <a:srgbClr val="000000"/>
                 </a:solidFill>
@@ -6921,22 +6886,7 @@
                 <a:latin typeface="Calibri"/>
                 <a:ea typeface="DejaVu Sans"/>
               </a:rPr>
-              <a:t>Exceptions </a:t>
-            </a:r>
-            <a:r>
-              <a:rPr lang="en-US" sz="4400" b="0" strike="noStrike" spc="-1" dirty="0">
-                <a:solidFill>
-                  <a:srgbClr val="000000"/>
-                </a:solidFill>
-                <a:uFill>
-                  <a:solidFill>
-                    <a:srgbClr val="FFFFFF"/>
-                  </a:solidFill>
-                </a:uFill>
-                <a:latin typeface="Calibri"/>
-                <a:ea typeface="DejaVu Sans"/>
-              </a:rPr>
-              <a:t>– What, When, Why, How?</a:t>
+              <a:t>Exceptions – What, When, Why, How?</a:t>
             </a:r>
             <a:endParaRPr lang="en-US" sz="1800" b="0" strike="noStrike" spc="-1" dirty="0">
               <a:solidFill>
@@ -6998,7 +6948,7 @@
               <a:buChar char="•"/>
             </a:pPr>
             <a:r>
-              <a:rPr lang="en-US" sz="3200" b="0" strike="noStrike" spc="-1" dirty="0" smtClean="0">
+              <a:rPr lang="en-US" sz="3200" b="0" strike="noStrike" spc="-1" dirty="0">
                 <a:solidFill>
                   <a:srgbClr val="000000"/>
                 </a:solidFill>
@@ -7022,7 +6972,7 @@
               <a:buChar char="•"/>
             </a:pPr>
             <a:r>
-              <a:rPr lang="en-US" sz="3200" spc="-1" dirty="0" err="1" smtClean="0">
+              <a:rPr lang="en-US" sz="3200" spc="-1" dirty="0" err="1">
                 <a:solidFill>
                   <a:srgbClr val="000000"/>
                 </a:solidFill>
@@ -7035,7 +6985,7 @@
               </a:rPr>
               <a:t>ConcurrentModificationException</a:t>
             </a:r>
-            <a:endParaRPr lang="en-US" sz="3200" spc="-1" dirty="0" smtClean="0">
+            <a:endParaRPr lang="en-US" sz="3200" spc="-1" dirty="0">
               <a:solidFill>
                 <a:srgbClr val="000000"/>
               </a:solidFill>
@@ -7056,7 +7006,7 @@
               <a:buChar char="•"/>
             </a:pPr>
             <a:r>
-              <a:rPr lang="en-US" sz="3200" spc="-1" dirty="0" err="1" smtClean="0">
+              <a:rPr lang="en-US" sz="3200" spc="-1" dirty="0" err="1">
                 <a:solidFill>
                   <a:srgbClr val="000000"/>
                 </a:solidFill>
@@ -7181,7 +7131,7 @@
               </a:lnSpc>
             </a:pPr>
             <a:r>
-              <a:rPr lang="en-US" sz="4400" b="0" strike="noStrike" spc="-1" dirty="0" smtClean="0">
+              <a:rPr lang="en-US" sz="4400" b="0" strike="noStrike" spc="-1" dirty="0">
                 <a:solidFill>
                   <a:srgbClr val="000000"/>
                 </a:solidFill>
@@ -7193,22 +7143,7 @@
                 <a:latin typeface="Calibri"/>
                 <a:ea typeface="DejaVu Sans"/>
               </a:rPr>
-              <a:t>Exceptions </a:t>
-            </a:r>
-            <a:r>
-              <a:rPr lang="en-US" sz="4400" b="0" strike="noStrike" spc="-1" dirty="0">
-                <a:solidFill>
-                  <a:srgbClr val="000000"/>
-                </a:solidFill>
-                <a:uFill>
-                  <a:solidFill>
-                    <a:srgbClr val="FFFFFF"/>
-                  </a:solidFill>
-                </a:uFill>
-                <a:latin typeface="Calibri"/>
-                <a:ea typeface="DejaVu Sans"/>
-              </a:rPr>
-              <a:t>– What, When, Why, How?</a:t>
+              <a:t>Exceptions – What, When, Why, How?</a:t>
             </a:r>
             <a:endParaRPr lang="en-US" sz="1800" b="0" strike="noStrike" spc="-1" dirty="0">
               <a:solidFill>
@@ -7586,7 +7521,7 @@
               </a:lnSpc>
             </a:pPr>
             <a:r>
-              <a:rPr lang="en-US" sz="4400" b="0" strike="noStrike" spc="-1" dirty="0" smtClean="0">
+              <a:rPr lang="en-US" sz="4400" b="0" strike="noStrike" spc="-1" dirty="0">
                 <a:solidFill>
                   <a:srgbClr val="000000"/>
                 </a:solidFill>
@@ -7598,22 +7533,7 @@
                 <a:latin typeface="Calibri"/>
                 <a:ea typeface="DejaVu Sans"/>
               </a:rPr>
-              <a:t>Exceptions </a:t>
-            </a:r>
-            <a:r>
-              <a:rPr lang="en-US" sz="4400" b="0" strike="noStrike" spc="-1" dirty="0">
-                <a:solidFill>
-                  <a:srgbClr val="000000"/>
-                </a:solidFill>
-                <a:uFill>
-                  <a:solidFill>
-                    <a:srgbClr val="FFFFFF"/>
-                  </a:solidFill>
-                </a:uFill>
-                <a:latin typeface="Calibri"/>
-                <a:ea typeface="DejaVu Sans"/>
-              </a:rPr>
-              <a:t>– How?</a:t>
+              <a:t>Exceptions – How?</a:t>
             </a:r>
             <a:endParaRPr lang="en-US" sz="1800" b="0" strike="noStrike" spc="-1" dirty="0">
               <a:solidFill>
@@ -7675,7 +7595,7 @@
               <a:buChar char="•"/>
             </a:pPr>
             <a:r>
-              <a:rPr lang="en-US" sz="3200" b="0" strike="noStrike" spc="-1" dirty="0" smtClean="0">
+              <a:rPr lang="en-US" sz="3200" b="0" strike="noStrike" spc="-1" dirty="0">
                 <a:solidFill>
                   <a:srgbClr val="000000"/>
                 </a:solidFill>
@@ -7687,22 +7607,7 @@
                 <a:latin typeface="Calibri"/>
                 <a:ea typeface="DejaVu Sans"/>
               </a:rPr>
-              <a:t>Handling </a:t>
-            </a:r>
-            <a:r>
-              <a:rPr lang="en-US" sz="3200" b="0" strike="noStrike" spc="-1" dirty="0">
-                <a:solidFill>
-                  <a:srgbClr val="000000"/>
-                </a:solidFill>
-                <a:uFill>
-                  <a:solidFill>
-                    <a:srgbClr val="FFFFFF"/>
-                  </a:solidFill>
-                </a:uFill>
-                <a:latin typeface="Calibri"/>
-                <a:ea typeface="DejaVu Sans"/>
-              </a:rPr>
-              <a:t>(catching) an exception:</a:t>
+              <a:t>Handling (catching) an exception:</a:t>
             </a:r>
             <a:endParaRPr lang="en-US" sz="1800" b="0" strike="noStrike" spc="-1" dirty="0">
               <a:solidFill>
@@ -8006,22 +7911,7 @@
                 <a:latin typeface="Calibri"/>
                 <a:ea typeface="DejaVu Sans"/>
               </a:rPr>
-              <a:t>Recover from the error OR exit </a:t>
-            </a:r>
-            <a:r>
-              <a:rPr lang="en-US" sz="2800" b="0" strike="noStrike" spc="-1" dirty="0" smtClean="0">
-                <a:solidFill>
-                  <a:srgbClr val="000000"/>
-                </a:solidFill>
-                <a:uFill>
-                  <a:solidFill>
-                    <a:srgbClr val="FFFFFF"/>
-                  </a:solidFill>
-                </a:uFill>
-                <a:latin typeface="Calibri"/>
-                <a:ea typeface="DejaVu Sans"/>
-              </a:rPr>
-              <a:t>gracefully</a:t>
+              <a:t>Recover from the error OR exit gracefully</a:t>
             </a:r>
             <a:endParaRPr lang="en-US" sz="1800" b="0" strike="noStrike" spc="-1" dirty="0">
               <a:solidFill>
@@ -8357,7 +8247,7 @@
               <a:t> </a:t>
             </a:r>
             <a:r>
-              <a:rPr lang="en-US" sz="2800" b="0" strike="noStrike" spc="-1" dirty="0" smtClean="0">
+              <a:rPr lang="en-US" sz="2800" b="0" strike="noStrike" spc="-1" dirty="0">
                 <a:solidFill>
                   <a:srgbClr val="000000"/>
                 </a:solidFill>
@@ -8384,7 +8274,7 @@
               <a:buChar char="–"/>
             </a:pPr>
             <a:r>
-              <a:rPr lang="en-US" sz="2800" spc="-1" dirty="0" smtClean="0">
+              <a:rPr lang="en-US" sz="2800" spc="-1" dirty="0">
                 <a:solidFill>
                   <a:srgbClr val="000000"/>
                 </a:solidFill>
@@ -8399,7 +8289,7 @@
               <a:t>Example: </a:t>
             </a:r>
             <a:r>
-              <a:rPr lang="en-US" sz="2800" spc="-1" dirty="0" err="1" smtClean="0">
+              <a:rPr lang="en-US" sz="2800" spc="-1" dirty="0" err="1">
                 <a:solidFill>
                   <a:srgbClr val="000000"/>
                 </a:solidFill>
@@ -8459,7 +8349,7 @@
               <a:buAutoNum type="arabicPeriod" startAt="2"/>
             </a:pPr>
             <a:r>
-              <a:rPr lang="en-US" sz="3200" b="1" strike="noStrike" spc="-1" dirty="0" smtClean="0">
+              <a:rPr lang="en-US" sz="3200" b="1" strike="noStrike" spc="-1" dirty="0">
                 <a:solidFill>
                   <a:srgbClr val="800000"/>
                 </a:solidFill>
@@ -8471,22 +8361,7 @@
                 <a:latin typeface="Calibri"/>
                 <a:ea typeface="ＭＳ Ｐゴシック"/>
               </a:rPr>
-              <a:t>Unchecked </a:t>
-            </a:r>
-            <a:r>
-              <a:rPr lang="en-US" sz="3200" b="1" strike="noStrike" spc="-1" dirty="0">
-                <a:solidFill>
-                  <a:srgbClr val="800000"/>
-                </a:solidFill>
-                <a:uFill>
-                  <a:solidFill>
-                    <a:srgbClr val="FFFFFF"/>
-                  </a:solidFill>
-                </a:uFill>
-                <a:latin typeface="Calibri"/>
-                <a:ea typeface="ＭＳ Ｐゴシック"/>
-              </a:rPr>
-              <a:t>exceptions</a:t>
+              <a:t>Unchecked exceptions</a:t>
             </a:r>
             <a:r>
               <a:rPr lang="en-US" sz="3200" b="0" strike="noStrike" spc="-1" dirty="0">
@@ -8607,22 +8482,7 @@
                 <a:latin typeface="Calibri"/>
                 <a:ea typeface="ＭＳ Ｐゴシック"/>
               </a:rPr>
-              <a:t> or </a:t>
-            </a:r>
-            <a:r>
-              <a:rPr lang="en-US" sz="2800" b="0" strike="noStrike" spc="-1" dirty="0" smtClean="0">
-                <a:solidFill>
-                  <a:srgbClr val="000000"/>
-                </a:solidFill>
-                <a:uFill>
-                  <a:solidFill>
-                    <a:srgbClr val="FFFFFF"/>
-                  </a:solidFill>
-                </a:uFill>
-                <a:latin typeface="Calibri"/>
-                <a:ea typeface="ＭＳ Ｐゴシック"/>
-              </a:rPr>
-              <a:t>Error</a:t>
+              <a:t> or Error</a:t>
             </a:r>
           </a:p>
           <a:p>
@@ -8648,7 +8508,7 @@
               <a:t>Example: </a:t>
             </a:r>
             <a:r>
-              <a:rPr lang="en-US" sz="2800" spc="-1" dirty="0" err="1" smtClean="0">
+              <a:rPr lang="en-US" sz="2800" spc="-1" dirty="0" err="1">
                 <a:solidFill>
                   <a:srgbClr val="000000"/>
                 </a:solidFill>
@@ -9037,16 +8897,12 @@
               <a:defRPr/>
             </a:pPr>
             <a:r>
-              <a:rPr lang="en-US" dirty="0" smtClean="0">
+              <a:rPr lang="en-US" dirty="0">
                 <a:ea typeface="+mj-ea"/>
                 <a:cs typeface="+mj-cs"/>
               </a:rPr>
               <a:t>Team Project</a:t>
             </a:r>
-            <a:endParaRPr lang="en-US" dirty="0">
-              <a:ea typeface="+mj-ea"/>
-              <a:cs typeface="+mj-cs"/>
-            </a:endParaRPr>
           </a:p>
         </p:txBody>
       </p:sp>
@@ -9066,13 +8922,13 @@
           <a:lstStyle/>
           <a:p>
             <a:r>
-              <a:rPr lang="en-US" dirty="0" smtClean="0"/>
+              <a:rPr lang="en-US" dirty="0"/>
               <a:t>Work time</a:t>
             </a:r>
           </a:p>
           <a:p>
             <a:r>
-              <a:rPr lang="en-US" i="1" dirty="0" smtClean="0"/>
+              <a:rPr lang="en-US" i="1" dirty="0"/>
               <a:t>Be sure everyone is getting a chance to drive.</a:t>
             </a:r>
           </a:p>
@@ -9084,13 +8940,6 @@
     <a:masterClrMapping/>
   </p:clrMapOvr>
   <p:transition/>
-  <p:timing>
-    <p:tnLst>
-      <p:par>
-        <p:cTn id="1" dur="indefinite" restart="never" nodeType="tmRoot"/>
-      </p:par>
-    </p:tnLst>
-  </p:timing>
 </p:sld>
 </file>
 
@@ -9127,10 +8976,9 @@
           <a:lstStyle/>
           <a:p>
             <a:r>
-              <a:rPr lang="en-US" dirty="0" smtClean="0"/>
+              <a:rPr lang="en-US" dirty="0"/>
               <a:t>Objectives</a:t>
             </a:r>
-            <a:endParaRPr lang="en-US" dirty="0"/>
           </a:p>
         </p:txBody>
       </p:sp>
@@ -9152,21 +9000,21 @@
           <a:lstStyle/>
           <a:p>
             <a:r>
-              <a:rPr lang="en-US" dirty="0" smtClean="0"/>
+              <a:rPr lang="en-US" dirty="0"/>
               <a:t>Final Project Preparation/Kickoff</a:t>
             </a:r>
           </a:p>
           <a:p>
             <a:pPr lvl="1"/>
             <a:r>
-              <a:rPr lang="en-US" dirty="0" smtClean="0"/>
+              <a:rPr lang="en-US" dirty="0"/>
               <a:t>Learn how to avoid common project errors</a:t>
             </a:r>
           </a:p>
           <a:p>
             <a:pPr lvl="1"/>
             <a:r>
-              <a:rPr lang="en-US" dirty="0" smtClean="0"/>
+              <a:rPr lang="en-US" dirty="0"/>
               <a:t>Learn how to setup a timer to create events</a:t>
             </a:r>
           </a:p>
@@ -9174,17 +9022,13 @@
             <a:pPr lvl="2"/>
             <a:r>
               <a:rPr lang="en-US" dirty="0"/>
-              <a:t>Practice with </a:t>
-            </a:r>
-            <a:r>
-              <a:rPr lang="en-US" dirty="0" smtClean="0"/>
-              <a:t>live-coding</a:t>
+              <a:t>Practice with live-coding</a:t>
             </a:r>
           </a:p>
           <a:p>
             <a:pPr lvl="1"/>
             <a:r>
-              <a:rPr lang="en-US" dirty="0" smtClean="0"/>
+              <a:rPr lang="en-US" dirty="0"/>
               <a:t>Practice interaction between game elements</a:t>
             </a:r>
           </a:p>
@@ -9205,7 +9049,7 @@
           <a:p>
             <a:pPr lvl="2"/>
             <a:r>
-              <a:rPr lang="en-US" dirty="0" smtClean="0"/>
+              <a:rPr lang="en-US" dirty="0"/>
               <a:t>Required for Milestone 1</a:t>
             </a:r>
           </a:p>
@@ -9221,13 +9065,6 @@
   <p:clrMapOvr>
     <a:masterClrMapping/>
   </p:clrMapOvr>
-  <p:timing>
-    <p:tnLst>
-      <p:par>
-        <p:cTn id="1" dur="indefinite" restart="never" nodeType="tmRoot"/>
-      </p:par>
-    </p:tnLst>
-  </p:timing>
 </p:sld>
 </file>
 
@@ -9264,10 +9101,9 @@
           <a:lstStyle/>
           <a:p>
             <a:r>
-              <a:rPr lang="en-US" dirty="0" smtClean="0"/>
+              <a:rPr lang="en-US" dirty="0"/>
               <a:t>Final Project Introduction</a:t>
             </a:r>
-            <a:endParaRPr lang="en-US" dirty="0"/>
           </a:p>
         </p:txBody>
       </p:sp>
@@ -9300,13 +9136,6 @@
   <p:clrMapOvr>
     <a:masterClrMapping/>
   </p:clrMapOvr>
-  <p:timing>
-    <p:tnLst>
-      <p:par>
-        <p:cTn id="1" dur="indefinite" restart="never" nodeType="tmRoot"/>
-      </p:par>
-    </p:tnLst>
-  </p:timing>
 </p:sld>
 </file>
 
@@ -9343,10 +9172,9 @@
           <a:lstStyle/>
           <a:p>
             <a:r>
-              <a:rPr lang="en-US" dirty="0" smtClean="0"/>
+              <a:rPr lang="en-US" dirty="0"/>
               <a:t>Threads</a:t>
             </a:r>
-            <a:endParaRPr lang="en-US" dirty="0"/>
           </a:p>
         </p:txBody>
       </p:sp>
@@ -9373,61 +9201,61 @@
           <a:lstStyle/>
           <a:p>
             <a:r>
-              <a:rPr lang="en-US" dirty="0" smtClean="0"/>
+              <a:rPr lang="en-US" dirty="0"/>
               <a:t>Computers can run more than one thread of execution at the same time</a:t>
             </a:r>
           </a:p>
           <a:p>
             <a:pPr lvl="1"/>
             <a:r>
-              <a:rPr lang="en-US" dirty="0" smtClean="0"/>
+              <a:rPr lang="en-US" dirty="0"/>
               <a:t>Even single core processor can simulate this by timesharing (more about this in future courses)</a:t>
             </a:r>
           </a:p>
           <a:p>
             <a:r>
-              <a:rPr lang="en-US" dirty="0" smtClean="0"/>
+              <a:rPr lang="en-US" dirty="0"/>
               <a:t>Main starts every Java program</a:t>
             </a:r>
           </a:p>
           <a:p>
             <a:r>
-              <a:rPr lang="en-US" dirty="0" smtClean="0"/>
+              <a:rPr lang="en-US" dirty="0"/>
               <a:t>Graphics start a </a:t>
             </a:r>
             <a:r>
-              <a:rPr lang="en-US" i="1" dirty="0" smtClean="0"/>
+              <a:rPr lang="en-US" i="1" dirty="0"/>
               <a:t>separate</a:t>
             </a:r>
             <a:r>
-              <a:rPr lang="en-US" dirty="0" smtClean="0"/>
+              <a:rPr lang="en-US" dirty="0"/>
               <a:t> thread</a:t>
             </a:r>
           </a:p>
           <a:p>
             <a:r>
-              <a:rPr lang="en-US" dirty="0" smtClean="0"/>
+              <a:rPr lang="en-US" dirty="0"/>
               <a:t>Multiple threads can create very painful problems </a:t>
             </a:r>
           </a:p>
           <a:p>
             <a:pPr lvl="1"/>
             <a:r>
-              <a:rPr lang="en-US" dirty="0" smtClean="0"/>
+              <a:rPr lang="en-US" dirty="0"/>
               <a:t>Can be hard to debug (race conditions)</a:t>
             </a:r>
           </a:p>
           <a:p>
             <a:pPr lvl="1"/>
             <a:r>
-              <a:rPr lang="en-US" dirty="0" smtClean="0"/>
+              <a:rPr lang="en-US" dirty="0"/>
               <a:t>Example include </a:t>
             </a:r>
             <a:r>
-              <a:rPr lang="en-US" dirty="0" err="1" smtClean="0"/>
+              <a:rPr lang="en-US" dirty="0" err="1"/>
               <a:t>ConcurrentModificationExceptions</a:t>
             </a:r>
-            <a:endParaRPr lang="en-US" dirty="0" smtClean="0"/>
+            <a:endParaRPr lang="en-US" dirty="0"/>
           </a:p>
           <a:p>
             <a:pPr lvl="1"/>
@@ -9445,13 +9273,6 @@
   <p:clrMapOvr>
     <a:masterClrMapping/>
   </p:clrMapOvr>
-  <p:timing>
-    <p:tnLst>
-      <p:par>
-        <p:cTn id="1" dur="indefinite" restart="never" nodeType="tmRoot"/>
-      </p:par>
-    </p:tnLst>
-  </p:timing>
 </p:sld>
 </file>
 
@@ -9488,10 +9309,9 @@
           <a:lstStyle/>
           <a:p>
             <a:r>
-              <a:rPr lang="en-US" dirty="0" smtClean="0"/>
+              <a:rPr lang="en-US" dirty="0"/>
               <a:t>Main and Graphics Threads</a:t>
             </a:r>
-            <a:endParaRPr lang="en-US" dirty="0"/>
           </a:p>
         </p:txBody>
       </p:sp>
@@ -9518,30 +9338,29 @@
           <a:lstStyle/>
           <a:p>
             <a:r>
-              <a:rPr lang="en-US" sz="1800" dirty="0" smtClean="0"/>
+              <a:rPr lang="en-US" sz="1800" dirty="0"/>
               <a:t>Every program starts in main and begins executing one statement at a time</a:t>
             </a:r>
           </a:p>
           <a:p>
             <a:r>
-              <a:rPr lang="en-US" sz="1800" dirty="0" smtClean="0"/>
+              <a:rPr lang="en-US" sz="1800" dirty="0"/>
               <a:t>When we create a JFrame there is a second thread that runs at the same time (in parallel) and it will continue to run even if our main thread completes.</a:t>
             </a:r>
           </a:p>
           <a:p>
             <a:r>
-              <a:rPr lang="en-US" sz="1800" dirty="0" smtClean="0"/>
+              <a:rPr lang="en-US" sz="1800" dirty="0"/>
               <a:t>The setting for JFrame </a:t>
             </a:r>
             <a:r>
-              <a:rPr lang="en-US" sz="1800" dirty="0" err="1" smtClean="0"/>
+              <a:rPr lang="en-US" sz="1800" dirty="0" err="1"/>
               <a:t>setDefaultCloseOperation</a:t>
             </a:r>
             <a:r>
-              <a:rPr lang="en-US" sz="1800" dirty="0" smtClean="0"/>
+              <a:rPr lang="en-US" sz="1800" dirty="0"/>
               <a:t>() determines if the thread continues to run after closing the window.</a:t>
             </a:r>
-            <a:endParaRPr lang="en-US" sz="1800" dirty="0"/>
           </a:p>
         </p:txBody>
       </p:sp>
@@ -9678,10 +9497,9 @@
           <a:lstStyle/>
           <a:p>
             <a:r>
-              <a:rPr lang="en-US" dirty="0" smtClean="0"/>
+              <a:rPr lang="en-US" dirty="0"/>
               <a:t>Main Thread</a:t>
             </a:r>
-            <a:endParaRPr lang="en-US" dirty="0"/>
           </a:p>
         </p:txBody>
       </p:sp>
@@ -9716,10 +9534,9 @@
           <a:lstStyle/>
           <a:p>
             <a:r>
-              <a:rPr lang="en-US" dirty="0" smtClean="0"/>
+              <a:rPr lang="en-US" dirty="0"/>
               <a:t>Java Graphics Thread</a:t>
             </a:r>
-            <a:endParaRPr lang="en-US" dirty="0"/>
           </a:p>
         </p:txBody>
       </p:sp>
@@ -9754,7 +9571,7 @@
           <a:lstStyle/>
           <a:p>
             <a:r>
-              <a:rPr lang="en-US" dirty="0" err="1" smtClean="0"/>
+              <a:rPr lang="en-US" dirty="0" err="1"/>
               <a:t>JFrame.EXIT_ON_CLOSE</a:t>
             </a:r>
             <a:endParaRPr lang="en-US" dirty="0"/>
@@ -9783,13 +9600,6 @@
       </p:transition>
     </mc:Fallback>
   </mc:AlternateContent>
-  <p:timing>
-    <p:tnLst>
-      <p:par>
-        <p:cTn id="1" dur="indefinite" restart="never" nodeType="tmRoot"/>
-      </p:par>
-    </p:tnLst>
-  </p:timing>
 </p:sld>
 </file>
 
@@ -9828,10 +9638,9 @@
           <a:lstStyle/>
           <a:p>
             <a:r>
-              <a:rPr lang="en-US" dirty="0" smtClean="0"/>
+              <a:rPr lang="en-US" dirty="0"/>
               <a:t>Concurrent Modification Exceptions</a:t>
             </a:r>
-            <a:endParaRPr lang="en-US" dirty="0"/>
           </a:p>
         </p:txBody>
       </p:sp>
@@ -9853,26 +9662,26 @@
           <a:lstStyle/>
           <a:p>
             <a:r>
-              <a:rPr lang="en-US" dirty="0" smtClean="0"/>
+              <a:rPr lang="en-US" dirty="0"/>
               <a:t>Happens when you try to change something that is being used</a:t>
             </a:r>
           </a:p>
           <a:p>
             <a:r>
-              <a:rPr lang="en-US" dirty="0" smtClean="0"/>
+              <a:rPr lang="en-US" dirty="0"/>
               <a:t>Example:</a:t>
             </a:r>
           </a:p>
           <a:p>
             <a:pPr lvl="1"/>
             <a:r>
-              <a:rPr lang="en-US" dirty="0" smtClean="0"/>
+              <a:rPr lang="en-US" dirty="0"/>
               <a:t>Removing something from a list while the list is itself being iterated through (drawing/updating)</a:t>
             </a:r>
           </a:p>
           <a:p>
             <a:r>
-              <a:rPr lang="en-US" dirty="0" smtClean="0"/>
+              <a:rPr lang="en-US" dirty="0"/>
               <a:t>Why?</a:t>
             </a:r>
           </a:p>
@@ -10011,10 +9820,9 @@
           <a:lstStyle/>
           <a:p>
             <a:r>
-              <a:rPr lang="en-US" dirty="0" smtClean="0"/>
+              <a:rPr lang="en-US" dirty="0"/>
               <a:t>Main Thread</a:t>
             </a:r>
-            <a:endParaRPr lang="en-US" dirty="0"/>
           </a:p>
         </p:txBody>
       </p:sp>
@@ -10049,10 +9857,9 @@
           <a:lstStyle/>
           <a:p>
             <a:r>
-              <a:rPr lang="en-US" dirty="0" smtClean="0"/>
+              <a:rPr lang="en-US" dirty="0"/>
               <a:t>Java Graphics Thread</a:t>
             </a:r>
-            <a:endParaRPr lang="en-US" dirty="0"/>
           </a:p>
         </p:txBody>
       </p:sp>
@@ -10084,14 +9891,13 @@
           <a:lstStyle/>
           <a:p>
             <a:r>
-              <a:rPr lang="en-US" dirty="0" err="1" smtClean="0"/>
+              <a:rPr lang="en-US" dirty="0" err="1"/>
               <a:t>myList.remove</a:t>
             </a:r>
             <a:r>
-              <a:rPr lang="en-US" dirty="0" smtClean="0"/>
+              <a:rPr lang="en-US" dirty="0"/>
               <a:t>(0);</a:t>
             </a:r>
-            <a:endParaRPr lang="en-US" dirty="0"/>
           </a:p>
         </p:txBody>
       </p:sp>
@@ -10126,47 +9932,45 @@
           <a:lstStyle/>
           <a:p>
             <a:r>
-              <a:rPr lang="en-US" dirty="0" smtClean="0"/>
+              <a:rPr lang="en-US" dirty="0"/>
               <a:t>for (Item </a:t>
             </a:r>
             <a:r>
-              <a:rPr lang="en-US" dirty="0" err="1" smtClean="0"/>
+              <a:rPr lang="en-US" dirty="0" err="1"/>
               <a:t>item</a:t>
             </a:r>
             <a:r>
-              <a:rPr lang="en-US" dirty="0" smtClean="0"/>
+              <a:rPr lang="en-US" dirty="0"/>
               <a:t>: </a:t>
             </a:r>
             <a:r>
-              <a:rPr lang="en-US" dirty="0" err="1" smtClean="0"/>
+              <a:rPr lang="en-US" dirty="0" err="1"/>
               <a:t>myList</a:t>
             </a:r>
             <a:r>
-              <a:rPr lang="en-US" dirty="0" smtClean="0"/>
+              <a:rPr lang="en-US" dirty="0"/>
               <a:t>){</a:t>
             </a:r>
           </a:p>
           <a:p>
             <a:r>
-              <a:rPr lang="en-US" dirty="0" smtClean="0"/>
+              <a:rPr lang="en-US" dirty="0"/>
               <a:t>   </a:t>
             </a:r>
             <a:r>
-              <a:rPr lang="en-US" dirty="0" err="1" smtClean="0"/>
+              <a:rPr lang="en-US" dirty="0" err="1"/>
               <a:t>item.draw</a:t>
             </a:r>
             <a:r>
-              <a:rPr lang="en-US" dirty="0" smtClean="0"/>
+              <a:rPr lang="en-US" dirty="0"/>
               <a:t>();</a:t>
             </a:r>
-            <a:endParaRPr lang="en-US" dirty="0"/>
-          </a:p>
-          <a:p>
-            <a:r>
-              <a:rPr lang="en-US" dirty="0" smtClean="0"/>
+          </a:p>
+          <a:p>
+            <a:r>
+              <a:rPr lang="en-US" dirty="0"/>
               <a:t>}</a:t>
             </a:r>
-            <a:endParaRPr lang="en-US" dirty="0"/>
           </a:p>
         </p:txBody>
       </p:sp>
@@ -10341,13 +10145,6 @@
   <p:clrMapOvr>
     <a:masterClrMapping/>
   </p:clrMapOvr>
-  <p:timing>
-    <p:tnLst>
-      <p:par>
-        <p:cTn id="1" dur="indefinite" restart="never" nodeType="tmRoot"/>
-      </p:par>
-    </p:tnLst>
-  </p:timing>
 </p:sld>
 </file>
 
@@ -10384,10 +10181,9 @@
           <a:lstStyle/>
           <a:p>
             <a:r>
-              <a:rPr lang="en-US" dirty="0" smtClean="0"/>
+              <a:rPr lang="en-US" dirty="0"/>
               <a:t>Timer</a:t>
             </a:r>
-            <a:endParaRPr lang="en-US" dirty="0"/>
           </a:p>
         </p:txBody>
       </p:sp>
@@ -10407,42 +10203,41 @@
           <a:lstStyle/>
           <a:p>
             <a:r>
-              <a:rPr lang="en-US" dirty="0" smtClean="0"/>
+              <a:rPr lang="en-US" dirty="0"/>
               <a:t>An alternative to a thread that waits/sleeps</a:t>
             </a:r>
           </a:p>
           <a:p>
             <a:r>
-              <a:rPr lang="en-US" dirty="0" smtClean="0"/>
+              <a:rPr lang="en-US" dirty="0"/>
               <a:t>Creates events periodically</a:t>
             </a:r>
           </a:p>
           <a:p>
             <a:r>
-              <a:rPr lang="en-US" dirty="0" smtClean="0"/>
+              <a:rPr lang="en-US" dirty="0"/>
               <a:t>Allows main thread to finish</a:t>
             </a:r>
           </a:p>
           <a:p>
             <a:r>
-              <a:rPr lang="en-US" dirty="0" smtClean="0"/>
+              <a:rPr lang="en-US" dirty="0"/>
               <a:t>Designed to work in same thread as graphics</a:t>
             </a:r>
           </a:p>
           <a:p>
             <a:r>
-              <a:rPr lang="en-US" dirty="0" smtClean="0"/>
+              <a:rPr lang="en-US" dirty="0"/>
               <a:t>Superior approach for </a:t>
             </a:r>
             <a:r>
-              <a:rPr lang="en-US" dirty="0" err="1" smtClean="0"/>
+              <a:rPr lang="en-US" dirty="0" err="1"/>
               <a:t>ArcadeGame</a:t>
             </a:r>
             <a:r>
-              <a:rPr lang="en-US" dirty="0" smtClean="0"/>
+              <a:rPr lang="en-US" dirty="0"/>
               <a:t> project</a:t>
             </a:r>
-            <a:endParaRPr lang="en-US" dirty="0"/>
           </a:p>
         </p:txBody>
       </p:sp>
@@ -10456,13 +10251,6 @@
   <p:clrMapOvr>
     <a:masterClrMapping/>
   </p:clrMapOvr>
-  <p:timing>
-    <p:tnLst>
-      <p:par>
-        <p:cTn id="1" dur="indefinite" restart="never" nodeType="tmRoot"/>
-      </p:par>
-    </p:tnLst>
-  </p:timing>
 </p:sld>
 </file>
 
@@ -10499,10 +10287,9 @@
           <a:lstStyle/>
           <a:p>
             <a:r>
-              <a:rPr lang="en-US" dirty="0" smtClean="0"/>
+              <a:rPr lang="en-US" dirty="0"/>
               <a:t>Timer</a:t>
             </a:r>
-            <a:endParaRPr lang="en-US" dirty="0"/>
           </a:p>
         </p:txBody>
       </p:sp>
@@ -10639,10 +10426,9 @@
           <a:lstStyle/>
           <a:p>
             <a:r>
-              <a:rPr lang="en-US" dirty="0" smtClean="0"/>
+              <a:rPr lang="en-US" dirty="0"/>
               <a:t>Main Thread</a:t>
             </a:r>
-            <a:endParaRPr lang="en-US" dirty="0"/>
           </a:p>
         </p:txBody>
       </p:sp>
@@ -10677,10 +10463,9 @@
           <a:lstStyle/>
           <a:p>
             <a:r>
-              <a:rPr lang="en-US" dirty="0" smtClean="0"/>
+              <a:rPr lang="en-US" dirty="0"/>
               <a:t>Java Graphics Thread</a:t>
             </a:r>
-            <a:endParaRPr lang="en-US" dirty="0"/>
           </a:p>
         </p:txBody>
       </p:sp>
@@ -10806,51 +10591,42 @@
             </a:r>
             <a:r>
               <a:rPr lang="en-US" dirty="0"/>
-              <a:t>() {  </a:t>
-            </a:r>
-            <a:r>
-              <a:rPr lang="en-US" dirty="0" smtClean="0"/>
-              <a:t>  </a:t>
+              <a:t>() {    </a:t>
             </a:r>
           </a:p>
           <a:p>
             <a:r>
               <a:rPr lang="en-US" dirty="0"/>
-              <a:t> </a:t>
-            </a:r>
-            <a:r>
-              <a:rPr lang="en-US" dirty="0" smtClean="0"/>
-              <a:t>   </a:t>
-            </a:r>
-            <a:r>
-              <a:rPr lang="en-US" dirty="0" err="1" smtClean="0"/>
+              <a:t>    </a:t>
+            </a:r>
+            <a:r>
+              <a:rPr lang="en-US" dirty="0" err="1"/>
               <a:t>myComponent.updateState</a:t>
             </a:r>
             <a:r>
-              <a:rPr lang="en-US" dirty="0" smtClean="0"/>
+              <a:rPr lang="en-US" dirty="0"/>
               <a:t>();</a:t>
             </a:r>
           </a:p>
           <a:p>
             <a:r>
-              <a:rPr lang="en-US" dirty="0" smtClean="0"/>
+              <a:rPr lang="en-US" dirty="0"/>
               <a:t>    </a:t>
             </a:r>
             <a:r>
-              <a:rPr lang="en-US" dirty="0" err="1" smtClean="0"/>
+              <a:rPr lang="en-US" dirty="0" err="1"/>
               <a:t>myComponent.drawScreen</a:t>
             </a:r>
             <a:r>
-              <a:rPr lang="en-US" dirty="0" smtClean="0"/>
+              <a:rPr lang="en-US" dirty="0"/>
               <a:t>();</a:t>
             </a:r>
           </a:p>
           <a:p>
             <a:r>
-              <a:rPr lang="en-US" dirty="0" smtClean="0"/>
+              <a:rPr lang="en-US" dirty="0"/>
               <a:t>}</a:t>
             </a:r>
-            <a:endParaRPr lang="en-US" dirty="0"/>
           </a:p>
         </p:txBody>
       </p:sp>
@@ -10933,51 +10709,42 @@
             </a:r>
             <a:r>
               <a:rPr lang="en-US" dirty="0"/>
-              <a:t>() {  </a:t>
-            </a:r>
-            <a:r>
-              <a:rPr lang="en-US" dirty="0" smtClean="0"/>
-              <a:t>  </a:t>
+              <a:t>() {    </a:t>
             </a:r>
           </a:p>
           <a:p>
             <a:r>
               <a:rPr lang="en-US" dirty="0"/>
-              <a:t> </a:t>
-            </a:r>
-            <a:r>
-              <a:rPr lang="en-US" dirty="0" smtClean="0"/>
-              <a:t>   </a:t>
-            </a:r>
-            <a:r>
-              <a:rPr lang="en-US" dirty="0" err="1" smtClean="0"/>
+              <a:t>    </a:t>
+            </a:r>
+            <a:r>
+              <a:rPr lang="en-US" dirty="0" err="1"/>
               <a:t>myComponent.updateState</a:t>
             </a:r>
             <a:r>
-              <a:rPr lang="en-US" dirty="0" smtClean="0"/>
+              <a:rPr lang="en-US" dirty="0"/>
               <a:t>();</a:t>
             </a:r>
           </a:p>
           <a:p>
             <a:r>
-              <a:rPr lang="en-US" dirty="0" smtClean="0"/>
+              <a:rPr lang="en-US" dirty="0"/>
               <a:t>    </a:t>
             </a:r>
             <a:r>
-              <a:rPr lang="en-US" dirty="0" err="1" smtClean="0"/>
+              <a:rPr lang="en-US" dirty="0" err="1"/>
               <a:t>myComponent.drawScreen</a:t>
             </a:r>
             <a:r>
-              <a:rPr lang="en-US" dirty="0" smtClean="0"/>
+              <a:rPr lang="en-US" dirty="0"/>
               <a:t>();</a:t>
             </a:r>
           </a:p>
           <a:p>
             <a:r>
-              <a:rPr lang="en-US" dirty="0" smtClean="0"/>
+              <a:rPr lang="en-US" dirty="0"/>
               <a:t>}</a:t>
             </a:r>
-            <a:endParaRPr lang="en-US" dirty="0"/>
           </a:p>
         </p:txBody>
       </p:sp>
@@ -11060,51 +10827,42 @@
             </a:r>
             <a:r>
               <a:rPr lang="en-US" dirty="0"/>
-              <a:t>() {  </a:t>
-            </a:r>
-            <a:r>
-              <a:rPr lang="en-US" dirty="0" smtClean="0"/>
-              <a:t>  </a:t>
+              <a:t>() {    </a:t>
             </a:r>
           </a:p>
           <a:p>
             <a:r>
               <a:rPr lang="en-US" dirty="0"/>
-              <a:t> </a:t>
-            </a:r>
-            <a:r>
-              <a:rPr lang="en-US" dirty="0" smtClean="0"/>
-              <a:t>   </a:t>
-            </a:r>
-            <a:r>
-              <a:rPr lang="en-US" dirty="0" err="1" smtClean="0"/>
+              <a:t>    </a:t>
+            </a:r>
+            <a:r>
+              <a:rPr lang="en-US" dirty="0" err="1"/>
               <a:t>myComponent.updateState</a:t>
             </a:r>
             <a:r>
-              <a:rPr lang="en-US" dirty="0" smtClean="0"/>
+              <a:rPr lang="en-US" dirty="0"/>
               <a:t>();</a:t>
             </a:r>
           </a:p>
           <a:p>
             <a:r>
-              <a:rPr lang="en-US" dirty="0" smtClean="0"/>
+              <a:rPr lang="en-US" dirty="0"/>
               <a:t>    </a:t>
             </a:r>
             <a:r>
-              <a:rPr lang="en-US" dirty="0" err="1" smtClean="0"/>
+              <a:rPr lang="en-US" dirty="0" err="1"/>
               <a:t>myComponent.drawScreen</a:t>
             </a:r>
             <a:r>
-              <a:rPr lang="en-US" dirty="0" smtClean="0"/>
+              <a:rPr lang="en-US" dirty="0"/>
               <a:t>();</a:t>
             </a:r>
           </a:p>
           <a:p>
             <a:r>
-              <a:rPr lang="en-US" dirty="0" smtClean="0"/>
+              <a:rPr lang="en-US" dirty="0"/>
               <a:t>}</a:t>
             </a:r>
-            <a:endParaRPr lang="en-US" dirty="0"/>
           </a:p>
         </p:txBody>
       </p:sp>
@@ -11139,10 +10897,9 @@
           <a:lstStyle/>
           <a:p>
             <a:r>
-              <a:rPr lang="en-US" dirty="0" smtClean="0"/>
+              <a:rPr lang="en-US" dirty="0"/>
               <a:t>Each tick of the game</a:t>
             </a:r>
-            <a:endParaRPr lang="en-US" dirty="0"/>
           </a:p>
         </p:txBody>
       </p:sp>
@@ -11264,13 +11021,6 @@
   <p:clrMapOvr>
     <a:masterClrMapping/>
   </p:clrMapOvr>
-  <p:timing>
-    <p:tnLst>
-      <p:par>
-        <p:cTn id="1" dur="indefinite" restart="never" nodeType="tmRoot"/>
-      </p:par>
-    </p:tnLst>
-  </p:timing>
 </p:sld>
 </file>
 
@@ -11307,10 +11057,9 @@
           <a:lstStyle/>
           <a:p>
             <a:r>
-              <a:rPr lang="en-US" dirty="0" smtClean="0"/>
+              <a:rPr lang="en-US" dirty="0"/>
               <a:t>Live-coding</a:t>
             </a:r>
-            <a:endParaRPr lang="en-US" dirty="0"/>
           </a:p>
         </p:txBody>
       </p:sp>
@@ -11343,13 +11092,6 @@
   <p:clrMapOvr>
     <a:masterClrMapping/>
   </p:clrMapOvr>
-  <p:timing>
-    <p:tnLst>
-      <p:par>
-        <p:cTn id="1" dur="indefinite" restart="never" nodeType="tmRoot"/>
-      </p:par>
-    </p:tnLst>
-  </p:timing>
 </p:sld>
 </file>
 

--- a/ClassMaterials/EventBasedGameLoop/Slides/EventBasedGameLoop.pptx
+++ b/ClassMaterials/EventBasedGameLoop/Slides/EventBasedGameLoop.pptx
@@ -5,31 +5,33 @@
     <p:sldMasterId id="2147484629" r:id="rId1"/>
   </p:sldMasterIdLst>
   <p:notesMasterIdLst>
-    <p:notesMasterId r:id="rId21"/>
+    <p:notesMasterId r:id="rId23"/>
   </p:notesMasterIdLst>
   <p:handoutMasterIdLst>
-    <p:handoutMasterId r:id="rId22"/>
+    <p:handoutMasterId r:id="rId24"/>
   </p:handoutMasterIdLst>
   <p:sldIdLst>
     <p:sldId id="256" r:id="rId2"/>
     <p:sldId id="296" r:id="rId3"/>
     <p:sldId id="304" r:id="rId4"/>
     <p:sldId id="298" r:id="rId5"/>
-    <p:sldId id="307" r:id="rId6"/>
+    <p:sldId id="313" r:id="rId6"/>
     <p:sldId id="297" r:id="rId7"/>
-    <p:sldId id="299" r:id="rId8"/>
-    <p:sldId id="308" r:id="rId9"/>
-    <p:sldId id="300" r:id="rId10"/>
-    <p:sldId id="306" r:id="rId11"/>
-    <p:sldId id="305" r:id="rId12"/>
-    <p:sldId id="301" r:id="rId13"/>
-    <p:sldId id="302" r:id="rId14"/>
-    <p:sldId id="303" r:id="rId15"/>
-    <p:sldId id="312" r:id="rId16"/>
-    <p:sldId id="309" r:id="rId17"/>
-    <p:sldId id="310" r:id="rId18"/>
-    <p:sldId id="311" r:id="rId19"/>
-    <p:sldId id="294" r:id="rId20"/>
+    <p:sldId id="273" r:id="rId8"/>
+    <p:sldId id="330" r:id="rId9"/>
+    <p:sldId id="299" r:id="rId10"/>
+    <p:sldId id="331" r:id="rId11"/>
+    <p:sldId id="332" r:id="rId12"/>
+    <p:sldId id="333" r:id="rId13"/>
+    <p:sldId id="334" r:id="rId14"/>
+    <p:sldId id="301" r:id="rId15"/>
+    <p:sldId id="302" r:id="rId16"/>
+    <p:sldId id="335" r:id="rId17"/>
+    <p:sldId id="312" r:id="rId18"/>
+    <p:sldId id="309" r:id="rId19"/>
+    <p:sldId id="310" r:id="rId20"/>
+    <p:sldId id="311" r:id="rId21"/>
+    <p:sldId id="294" r:id="rId22"/>
   </p:sldIdLst>
   <p:sldSz cx="9144000" cy="6858000" type="screen4x3"/>
   <p:notesSz cx="6881813" cy="9296400"/>
@@ -303,7 +305,7 @@
             <a:fld id="{68AFFCC9-E980-4A2E-8F84-91052C1F2C22}" type="datetime1">
               <a:rPr lang="en-US"/>
               <a:pPr/>
-              <a:t>2/24/22</a:t>
+              <a:t>3/1/22</a:t>
             </a:fld>
             <a:endParaRPr lang="en-US"/>
           </a:p>
@@ -532,7 +534,7 @@
             <a:fld id="{C4411CED-79EF-4046-B79B-F8927B54B6B0}" type="datetime1">
               <a:rPr lang="en-US"/>
               <a:pPr/>
-              <a:t>2/24/22</a:t>
+              <a:t>3/1/22</a:t>
             </a:fld>
             <a:endParaRPr lang="en-US"/>
           </a:p>
@@ -978,6 +980,436 @@
 </p:notes>
 </file>
 
+<file path=ppt/notesSlides/notesSlide10.xml><?xml version="1.0" encoding="utf-8"?>
+<p:notes xmlns:a="http://schemas.openxmlformats.org/drawingml/2006/main" xmlns:r="http://schemas.openxmlformats.org/officeDocument/2006/relationships" xmlns:p="http://schemas.openxmlformats.org/presentationml/2006/main">
+  <p:cSld>
+    <p:spTree>
+      <p:nvGrpSpPr>
+        <p:cNvPr id="1" name=""/>
+        <p:cNvGrpSpPr/>
+        <p:nvPr/>
+      </p:nvGrpSpPr>
+      <p:grpSpPr>
+        <a:xfrm>
+          <a:off x="0" y="0"/>
+          <a:ext cx="0" cy="0"/>
+          <a:chOff x="0" y="0"/>
+          <a:chExt cx="0" cy="0"/>
+        </a:xfrm>
+      </p:grpSpPr>
+      <p:sp>
+        <p:nvSpPr>
+          <p:cNvPr id="2" name="Slide Image Placeholder 1"/>
+          <p:cNvSpPr>
+            <a:spLocks noGrp="1" noRot="1" noChangeAspect="1"/>
+          </p:cNvSpPr>
+          <p:nvPr>
+            <p:ph type="sldImg"/>
+          </p:nvPr>
+        </p:nvSpPr>
+        <p:spPr>
+          <a:xfrm>
+            <a:off x="1497013" y="1200150"/>
+            <a:ext cx="4321175" cy="3240088"/>
+          </a:xfrm>
+          <a:prstGeom prst="rect">
+            <a:avLst/>
+          </a:prstGeom>
+          <a:noFill/>
+          <a:ln w="12700">
+            <a:solidFill>
+              <a:prstClr val="black"/>
+            </a:solidFill>
+          </a:ln>
+        </p:spPr>
+      </p:sp>
+      <p:sp>
+        <p:nvSpPr>
+          <p:cNvPr id="3" name="Notes Placeholder 2"/>
+          <p:cNvSpPr>
+            <a:spLocks noGrp="1"/>
+          </p:cNvSpPr>
+          <p:nvPr>
+            <p:ph type="body" idx="1"/>
+          </p:nvPr>
+        </p:nvSpPr>
+        <p:spPr/>
+        <p:txBody>
+          <a:bodyPr/>
+          <a:lstStyle/>
+          <a:p>
+            <a:pPr marL="0" marR="0" lvl="0" indent="0" algn="l" defTabSz="914400" rtl="0" eaLnBrk="1" fontAlgn="auto" latinLnBrk="0" hangingPunct="1">
+              <a:lnSpc>
+                <a:spcPct val="100000"/>
+              </a:lnSpc>
+              <a:spcBef>
+                <a:spcPts val="0"/>
+              </a:spcBef>
+              <a:spcAft>
+                <a:spcPts val="0"/>
+              </a:spcAft>
+              <a:buClrTx/>
+              <a:buSzTx/>
+              <a:buFontTx/>
+              <a:buNone/>
+              <a:tabLst/>
+              <a:defRPr/>
+            </a:pPr>
+            <a:r>
+              <a:rPr lang="en-US" sz="1200" b="0" strike="noStrike" spc="-1" dirty="0">
+                <a:solidFill>
+                  <a:srgbClr val="000000"/>
+                </a:solidFill>
+                <a:uFill>
+                  <a:solidFill>
+                    <a:srgbClr val="FFFFFF"/>
+                  </a:solidFill>
+                </a:uFill>
+                <a:latin typeface="+mn-lt"/>
+              </a:rPr>
+              <a:t>Can live-code a </a:t>
+            </a:r>
+            <a:r>
+              <a:rPr lang="en-US" sz="1200" b="0" strike="noStrike" spc="-1" baseline="0" dirty="0">
+                <a:solidFill>
+                  <a:srgbClr val="000000"/>
+                </a:solidFill>
+                <a:uFill>
+                  <a:solidFill>
+                    <a:srgbClr val="FFFFFF"/>
+                  </a:solidFill>
+                </a:uFill>
+                <a:latin typeface="+mn-lt"/>
+              </a:rPr>
+              <a:t>quick example to save a list of numbers or a simple game Level to a file, then read them/it back in again. There is an example in the solution code. </a:t>
+            </a:r>
+          </a:p>
+          <a:p>
+            <a:endParaRPr lang="en-US" dirty="0"/>
+          </a:p>
+        </p:txBody>
+      </p:sp>
+      <p:sp>
+        <p:nvSpPr>
+          <p:cNvPr id="4" name="Slide Number Placeholder 3"/>
+          <p:cNvSpPr>
+            <a:spLocks noGrp="1"/>
+          </p:cNvSpPr>
+          <p:nvPr>
+            <p:ph type="sldNum" idx="10"/>
+          </p:nvPr>
+        </p:nvSpPr>
+        <p:spPr/>
+        <p:txBody>
+          <a:bodyPr/>
+          <a:lstStyle/>
+          <a:p>
+            <a:pPr algn="r"/>
+            <a:fld id="{B630EBB8-CEB5-4E8D-9A06-06438377CF61}" type="slidenum">
+              <a:rPr lang="en-US" sz="1400" b="0" strike="noStrike" spc="-1" smtClean="0">
+                <a:solidFill>
+                  <a:srgbClr val="000000"/>
+                </a:solidFill>
+                <a:uFill>
+                  <a:solidFill>
+                    <a:srgbClr val="FFFFFF"/>
+                  </a:solidFill>
+                </a:uFill>
+                <a:latin typeface="Times New Roman"/>
+              </a:rPr>
+              <a:t>16</a:t>
+            </a:fld>
+            <a:endParaRPr lang="en-US" sz="1400" b="0" strike="noStrike" spc="-1">
+              <a:solidFill>
+                <a:srgbClr val="000000"/>
+              </a:solidFill>
+              <a:uFill>
+                <a:solidFill>
+                  <a:srgbClr val="FFFFFF"/>
+                </a:solidFill>
+              </a:uFill>
+              <a:latin typeface="Times New Roman"/>
+            </a:endParaRPr>
+          </a:p>
+        </p:txBody>
+      </p:sp>
+    </p:spTree>
+    <p:extLst>
+      <p:ext uri="{BB962C8B-B14F-4D97-AF65-F5344CB8AC3E}">
+        <p14:creationId xmlns:p14="http://schemas.microsoft.com/office/powerpoint/2010/main" val="1719935763"/>
+      </p:ext>
+    </p:extLst>
+  </p:cSld>
+  <p:clrMapOvr>
+    <a:masterClrMapping/>
+  </p:clrMapOvr>
+</p:notes>
+</file>
+
+<file path=ppt/notesSlides/notesSlide11.xml><?xml version="1.0" encoding="utf-8"?>
+<p:notes xmlns:a="http://schemas.openxmlformats.org/drawingml/2006/main" xmlns:r="http://schemas.openxmlformats.org/officeDocument/2006/relationships" xmlns:p="http://schemas.openxmlformats.org/presentationml/2006/main">
+  <p:cSld>
+    <p:spTree>
+      <p:nvGrpSpPr>
+        <p:cNvPr id="1" name=""/>
+        <p:cNvGrpSpPr/>
+        <p:nvPr/>
+      </p:nvGrpSpPr>
+      <p:grpSpPr>
+        <a:xfrm>
+          <a:off x="0" y="0"/>
+          <a:ext cx="0" cy="0"/>
+          <a:chOff x="0" y="0"/>
+          <a:chExt cx="0" cy="0"/>
+        </a:xfrm>
+      </p:grpSpPr>
+      <p:sp>
+        <p:nvSpPr>
+          <p:cNvPr id="212" name="PlaceHolder 1"/>
+          <p:cNvSpPr>
+            <a:spLocks noGrp="1"/>
+          </p:cNvSpPr>
+          <p:nvPr>
+            <p:ph type="body"/>
+          </p:nvPr>
+        </p:nvSpPr>
+        <p:spPr>
+          <a:xfrm>
+            <a:off x="731880" y="4560840"/>
+            <a:ext cx="5850360" cy="4320000"/>
+          </a:xfrm>
+          <a:prstGeom prst="rect">
+            <a:avLst/>
+          </a:prstGeom>
+        </p:spPr>
+        <p:txBody>
+          <a:bodyPr lIns="96480" tIns="48240" rIns="96480" bIns="48240"/>
+          <a:lstStyle/>
+          <a:p>
+            <a:r>
+              <a:rPr lang="en-US" sz="2000" b="0" strike="noStrike" spc="-1" dirty="0">
+                <a:solidFill>
+                  <a:srgbClr val="000000"/>
+                </a:solidFill>
+                <a:uFill>
+                  <a:solidFill>
+                    <a:srgbClr val="FFFFFF"/>
+                  </a:solidFill>
+                </a:uFill>
+                <a:latin typeface="Arial"/>
+              </a:rPr>
+              <a:t>Try to read</a:t>
+            </a:r>
+            <a:r>
+              <a:rPr lang="en-US" sz="2000" b="0" strike="noStrike" spc="-1" baseline="0" dirty="0">
+                <a:solidFill>
+                  <a:srgbClr val="000000"/>
+                </a:solidFill>
+                <a:uFill>
+                  <a:solidFill>
+                    <a:srgbClr val="FFFFFF"/>
+                  </a:solidFill>
+                </a:uFill>
+                <a:latin typeface="Arial"/>
+              </a:rPr>
+              <a:t> from file when the file does not exist</a:t>
+            </a:r>
+            <a:endParaRPr lang="en-US" sz="2000" b="0" strike="noStrike" spc="-1" dirty="0">
+              <a:solidFill>
+                <a:srgbClr val="000000"/>
+              </a:solidFill>
+              <a:uFill>
+                <a:solidFill>
+                  <a:srgbClr val="FFFFFF"/>
+                </a:solidFill>
+              </a:uFill>
+              <a:latin typeface="Arial"/>
+            </a:endParaRPr>
+          </a:p>
+        </p:txBody>
+      </p:sp>
+      <p:sp>
+        <p:nvSpPr>
+          <p:cNvPr id="213" name="CustomShape 2"/>
+          <p:cNvSpPr/>
+          <p:nvPr/>
+        </p:nvSpPr>
+        <p:spPr>
+          <a:xfrm>
+            <a:off x="4143240" y="9118440"/>
+            <a:ext cx="3169080" cy="479880"/>
+          </a:xfrm>
+          <a:prstGeom prst="rect">
+            <a:avLst/>
+          </a:prstGeom>
+          <a:noFill/>
+          <a:ln w="9360">
+            <a:noFill/>
+          </a:ln>
+        </p:spPr>
+        <p:style>
+          <a:lnRef idx="0">
+            <a:scrgbClr r="0" g="0" b="0"/>
+          </a:lnRef>
+          <a:fillRef idx="0">
+            <a:scrgbClr r="0" g="0" b="0"/>
+          </a:fillRef>
+          <a:effectRef idx="0">
+            <a:scrgbClr r="0" g="0" b="0"/>
+          </a:effectRef>
+          <a:fontRef idx="minor"/>
+        </p:style>
+        <p:txBody>
+          <a:bodyPr lIns="96480" tIns="48240" rIns="96480" bIns="48240" anchor="b"/>
+          <a:lstStyle/>
+          <a:p>
+            <a:pPr algn="r">
+              <a:lnSpc>
+                <a:spcPct val="100000"/>
+              </a:lnSpc>
+            </a:pPr>
+            <a:fld id="{9A3B7B5C-4FE7-427D-BDD2-2865C7667CBE}" type="slidenum">
+              <a:rPr lang="en-US" sz="1200" b="0" strike="noStrike" spc="-1">
+                <a:solidFill>
+                  <a:srgbClr val="000000"/>
+                </a:solidFill>
+                <a:uFill>
+                  <a:solidFill>
+                    <a:srgbClr val="FFFFFF"/>
+                  </a:solidFill>
+                </a:uFill>
+                <a:latin typeface="Calibri"/>
+                <a:ea typeface="+mn-ea"/>
+              </a:rPr>
+              <a:t>19</a:t>
+            </a:fld>
+            <a:endParaRPr lang="en-US" sz="1800" b="0" strike="noStrike" spc="-1">
+              <a:solidFill>
+                <a:srgbClr val="000000"/>
+              </a:solidFill>
+              <a:uFill>
+                <a:solidFill>
+                  <a:srgbClr val="FFFFFF"/>
+                </a:solidFill>
+              </a:uFill>
+              <a:latin typeface="Arial"/>
+            </a:endParaRPr>
+          </a:p>
+        </p:txBody>
+      </p:sp>
+    </p:spTree>
+    <p:extLst>
+      <p:ext uri="{BB962C8B-B14F-4D97-AF65-F5344CB8AC3E}">
+        <p14:creationId xmlns:p14="http://schemas.microsoft.com/office/powerpoint/2010/main" val="3564989521"/>
+      </p:ext>
+    </p:extLst>
+  </p:cSld>
+  <p:clrMapOvr>
+    <a:masterClrMapping/>
+  </p:clrMapOvr>
+</p:notes>
+</file>
+
+<file path=ppt/notesSlides/notesSlide12.xml><?xml version="1.0" encoding="utf-8"?>
+<p:notes xmlns:a="http://schemas.openxmlformats.org/drawingml/2006/main" xmlns:r="http://schemas.openxmlformats.org/officeDocument/2006/relationships" xmlns:p="http://schemas.openxmlformats.org/presentationml/2006/main">
+  <p:cSld>
+    <p:spTree>
+      <p:nvGrpSpPr>
+        <p:cNvPr id="1" name=""/>
+        <p:cNvGrpSpPr/>
+        <p:nvPr/>
+      </p:nvGrpSpPr>
+      <p:grpSpPr>
+        <a:xfrm>
+          <a:off x="0" y="0"/>
+          <a:ext cx="0" cy="0"/>
+          <a:chOff x="0" y="0"/>
+          <a:chExt cx="0" cy="0"/>
+        </a:xfrm>
+      </p:grpSpPr>
+      <p:sp>
+        <p:nvSpPr>
+          <p:cNvPr id="30722" name="Slide Image Placeholder 1"/>
+          <p:cNvSpPr>
+            <a:spLocks noGrp="1" noRot="1" noChangeAspect="1" noTextEdit="1"/>
+          </p:cNvSpPr>
+          <p:nvPr>
+            <p:ph type="sldImg"/>
+          </p:nvPr>
+        </p:nvSpPr>
+        <p:spPr bwMode="auto">
+          <a:noFill/>
+          <a:ln>
+            <a:solidFill>
+              <a:srgbClr val="000000"/>
+            </a:solidFill>
+            <a:miter lim="800000"/>
+            <a:headEnd/>
+            <a:tailEnd/>
+          </a:ln>
+        </p:spPr>
+      </p:sp>
+      <p:sp>
+        <p:nvSpPr>
+          <p:cNvPr id="30723" name="Notes Placeholder 2"/>
+          <p:cNvSpPr>
+            <a:spLocks noGrp="1"/>
+          </p:cNvSpPr>
+          <p:nvPr>
+            <p:ph type="body" idx="1"/>
+          </p:nvPr>
+        </p:nvSpPr>
+        <p:spPr>
+          <a:noFill/>
+          <a:ln/>
+        </p:spPr>
+        <p:txBody>
+          <a:bodyPr/>
+          <a:lstStyle/>
+          <a:p>
+            <a:endParaRPr lang="en-US" dirty="0"/>
+          </a:p>
+        </p:txBody>
+      </p:sp>
+      <p:sp>
+        <p:nvSpPr>
+          <p:cNvPr id="30724" name="Slide Number Placeholder 3"/>
+          <p:cNvSpPr>
+            <a:spLocks noGrp="1"/>
+          </p:cNvSpPr>
+          <p:nvPr>
+            <p:ph type="sldNum" sz="quarter" idx="5"/>
+          </p:nvPr>
+        </p:nvSpPr>
+        <p:spPr>
+          <a:noFill/>
+        </p:spPr>
+        <p:txBody>
+          <a:bodyPr/>
+          <a:lstStyle/>
+          <a:p>
+            <a:fld id="{4EE02099-3122-448C-8379-2F83E5A8613A}" type="slidenum">
+              <a:rPr lang="en-US"/>
+              <a:pPr/>
+              <a:t>21</a:t>
+            </a:fld>
+            <a:endParaRPr lang="en-US"/>
+          </a:p>
+        </p:txBody>
+      </p:sp>
+    </p:spTree>
+    <p:extLst>
+      <p:ext uri="{BB962C8B-B14F-4D97-AF65-F5344CB8AC3E}">
+        <p14:creationId xmlns:p14="http://schemas.microsoft.com/office/powerpoint/2010/main" val="2479186560"/>
+      </p:ext>
+    </p:extLst>
+  </p:cSld>
+  <p:clrMapOvr>
+    <a:masterClrMapping/>
+  </p:clrMapOvr>
+</p:notes>
+</file>
+
 <file path=ppt/notesSlides/notesSlide2.xml><?xml version="1.0" encoding="utf-8"?>
 <p:notes xmlns:a="http://schemas.openxmlformats.org/drawingml/2006/main" xmlns:r="http://schemas.openxmlformats.org/officeDocument/2006/relationships" xmlns:p="http://schemas.openxmlformats.org/presentationml/2006/main">
   <p:cSld>
@@ -1246,7 +1678,7 @@
       </p:grpSpPr>
       <p:sp>
         <p:nvSpPr>
-          <p:cNvPr id="2" name="Slide Image Placeholder 1"/>
+          <p:cNvPr id="168" name="Shape 168"/>
           <p:cNvSpPr>
             <a:spLocks noGrp="1" noRot="1" noChangeAspect="1"/>
           </p:cNvSpPr>
@@ -1254,186 +1686,61 @@
             <p:ph type="sldImg"/>
           </p:nvPr>
         </p:nvSpPr>
-        <p:spPr/>
-      </p:sp>
-      <p:sp>
-        <p:nvSpPr>
-          <p:cNvPr id="3" name="Notes Placeholder 2"/>
+        <p:spPr>
+          <a:prstGeom prst="rect">
+            <a:avLst/>
+          </a:prstGeom>
+        </p:spPr>
+        <p:txBody>
+          <a:bodyPr/>
+          <a:lstStyle/>
+          <a:p>
+            <a:pPr lvl="0"/>
+            <a:endParaRPr/>
+          </a:p>
+        </p:txBody>
+      </p:sp>
+      <p:sp>
+        <p:nvSpPr>
+          <p:cNvPr id="169" name="Shape 169"/>
           <p:cNvSpPr>
             <a:spLocks noGrp="1"/>
           </p:cNvSpPr>
           <p:nvPr>
-            <p:ph type="body" idx="1"/>
+            <p:ph type="body" sz="quarter" idx="1"/>
           </p:nvPr>
         </p:nvSpPr>
-        <p:spPr/>
+        <p:spPr>
+          <a:prstGeom prst="rect">
+            <a:avLst/>
+          </a:prstGeom>
+        </p:spPr>
         <p:txBody>
           <a:bodyPr/>
           <a:lstStyle/>
           <a:p>
-            <a:r>
-              <a:rPr lang="en-US" sz="1200" kern="1200" dirty="0">
-                <a:solidFill>
-                  <a:schemeClr val="tx1"/>
-                </a:solidFill>
-                <a:latin typeface="+mn-lt"/>
-                <a:ea typeface="ＭＳ Ｐゴシック" pitchFamily="-111" charset="-128"/>
-                <a:cs typeface="ＭＳ Ｐゴシック" pitchFamily="-111" charset="-128"/>
-              </a:rPr>
-              <a:t> * In this exercise, we develop each of these ideas.</a:t>
-            </a:r>
-          </a:p>
-          <a:p>
-            <a:r>
-              <a:rPr lang="en-US" sz="1200" kern="1200" dirty="0">
-                <a:solidFill>
-                  <a:schemeClr val="tx1"/>
-                </a:solidFill>
-                <a:latin typeface="+mn-lt"/>
-                <a:ea typeface="ＭＳ Ｐゴシック" pitchFamily="-111" charset="-128"/>
-                <a:cs typeface="ＭＳ Ｐゴシック" pitchFamily="-111" charset="-128"/>
-              </a:rPr>
-              <a:t> * </a:t>
-            </a:r>
-            <a:r>
-              <a:rPr lang="en-US" sz="1200" b="1" kern="1200" dirty="0">
-                <a:solidFill>
-                  <a:schemeClr val="tx1"/>
-                </a:solidFill>
-                <a:latin typeface="+mn-lt"/>
-                <a:ea typeface="ＭＳ Ｐゴシック" pitchFamily="-111" charset="-128"/>
-                <a:cs typeface="ＭＳ Ｐゴシック" pitchFamily="-111" charset="-128"/>
-              </a:rPr>
-              <a:t>TODO: Replace the loop with button input to advance one tick.</a:t>
-            </a:r>
-          </a:p>
-          <a:p>
-            <a:r>
-              <a:rPr lang="en-US" sz="1200" kern="1200" dirty="0">
-                <a:solidFill>
-                  <a:schemeClr val="tx1"/>
-                </a:solidFill>
-                <a:latin typeface="+mn-lt"/>
-                <a:ea typeface="ＭＳ Ｐゴシック" pitchFamily="-111" charset="-128"/>
-                <a:cs typeface="ＭＳ Ｐゴシック" pitchFamily="-111" charset="-128"/>
-              </a:rPr>
-              <a:t> * </a:t>
-            </a:r>
-            <a:r>
-              <a:rPr lang="en-US" sz="1200" b="1" kern="1200" dirty="0">
-                <a:solidFill>
-                  <a:schemeClr val="tx1"/>
-                </a:solidFill>
-                <a:latin typeface="+mn-lt"/>
-                <a:ea typeface="ＭＳ Ｐゴシック" pitchFamily="-111" charset="-128"/>
-                <a:cs typeface="ＭＳ Ｐゴシック" pitchFamily="-111" charset="-128"/>
-              </a:rPr>
-              <a:t>TODO: Replace the button with a timer.</a:t>
-            </a:r>
-          </a:p>
-          <a:p>
-            <a:r>
-              <a:rPr lang="en-US" sz="1200" kern="1200" dirty="0">
-                <a:solidFill>
-                  <a:schemeClr val="tx1"/>
-                </a:solidFill>
-                <a:latin typeface="+mn-lt"/>
-                <a:ea typeface="ＭＳ Ｐゴシック" pitchFamily="-111" charset="-128"/>
-                <a:cs typeface="ＭＳ Ｐゴシック" pitchFamily="-111" charset="-128"/>
-              </a:rPr>
-              <a:t> * </a:t>
-            </a:r>
-            <a:r>
-              <a:rPr lang="en-US" sz="1200" b="1" kern="1200" dirty="0">
-                <a:solidFill>
-                  <a:schemeClr val="tx1"/>
-                </a:solidFill>
-                <a:latin typeface="+mn-lt"/>
-                <a:ea typeface="ＭＳ Ｐゴシック" pitchFamily="-111" charset="-128"/>
-                <a:cs typeface="ＭＳ Ｐゴシック" pitchFamily="-111" charset="-128"/>
-              </a:rPr>
-              <a:t>TODO: Make the button change the direction of motion.</a:t>
-            </a:r>
-          </a:p>
-          <a:p>
-            <a:r>
-              <a:rPr lang="en-US" sz="1200" kern="1200" dirty="0">
-                <a:solidFill>
-                  <a:schemeClr val="tx1"/>
-                </a:solidFill>
-                <a:latin typeface="+mn-lt"/>
-                <a:ea typeface="ＭＳ Ｐゴシック" pitchFamily="-111" charset="-128"/>
-                <a:cs typeface="ＭＳ Ｐゴシック" pitchFamily="-111" charset="-128"/>
-              </a:rPr>
-              <a:t> * </a:t>
-            </a:r>
-            <a:r>
-              <a:rPr lang="en-US" sz="1200" b="1" kern="1200" dirty="0">
-                <a:solidFill>
-                  <a:schemeClr val="tx1"/>
-                </a:solidFill>
-                <a:latin typeface="+mn-lt"/>
-                <a:ea typeface="ＭＳ Ｐゴシック" pitchFamily="-111" charset="-128"/>
-                <a:cs typeface="ＭＳ Ｐゴシック" pitchFamily="-111" charset="-128"/>
-              </a:rPr>
-              <a:t>TODO: Add falling raindrops.</a:t>
-            </a:r>
-          </a:p>
-          <a:p>
-            <a:r>
-              <a:rPr lang="en-US" sz="1200" kern="1200" dirty="0">
-                <a:solidFill>
-                  <a:schemeClr val="tx1"/>
-                </a:solidFill>
-                <a:latin typeface="+mn-lt"/>
-                <a:ea typeface="ＭＳ Ｐゴシック" pitchFamily="-111" charset="-128"/>
-                <a:cs typeface="ＭＳ Ｐゴシック" pitchFamily="-111" charset="-128"/>
-              </a:rPr>
-              <a:t> * </a:t>
-            </a:r>
-            <a:r>
-              <a:rPr lang="en-US" sz="1200" b="1" kern="1200" dirty="0">
-                <a:solidFill>
-                  <a:schemeClr val="tx1"/>
-                </a:solidFill>
-                <a:latin typeface="+mn-lt"/>
-                <a:ea typeface="ＭＳ Ｐゴシック" pitchFamily="-111" charset="-128"/>
-                <a:cs typeface="ＭＳ Ｐゴシック" pitchFamily="-111" charset="-128"/>
-              </a:rPr>
-              <a:t>TODO: Make the box "catch" drops that hit it.</a:t>
-            </a:r>
-            <a:endParaRPr lang="en-US" dirty="0"/>
-          </a:p>
-        </p:txBody>
-      </p:sp>
-      <p:sp>
-        <p:nvSpPr>
-          <p:cNvPr id="4" name="Slide Number Placeholder 3"/>
-          <p:cNvSpPr>
-            <a:spLocks noGrp="1"/>
-          </p:cNvSpPr>
-          <p:nvPr>
-            <p:ph type="sldNum" sz="quarter" idx="10"/>
-          </p:nvPr>
-        </p:nvSpPr>
-        <p:spPr/>
-        <p:txBody>
-          <a:bodyPr/>
-          <a:lstStyle/>
-          <a:p>
-            <a:fld id="{36B4252A-5ADE-4726-AF7E-E9EADC640C88}" type="slidenum">
-              <a:rPr lang="en-US" smtClean="0"/>
-              <a:pPr/>
-              <a:t>9</a:t>
-            </a:fld>
-            <a:endParaRPr lang="en-US"/>
+            <a:pPr lvl="0" defTabSz="914400">
+              <a:lnSpc>
+                <a:spcPct val="100000"/>
+              </a:lnSpc>
+              <a:spcBef>
+                <a:spcPts val="400"/>
+              </a:spcBef>
+              <a:defRPr sz="1800"/>
+            </a:pPr>
+            <a:endParaRPr sz="1200" dirty="0">
+              <a:latin typeface="Calibri"/>
+              <a:ea typeface="Calibri"/>
+              <a:cs typeface="Calibri"/>
+              <a:sym typeface="Calibri"/>
+            </a:endParaRPr>
           </a:p>
         </p:txBody>
       </p:sp>
     </p:spTree>
     <p:extLst>
       <p:ext uri="{BB962C8B-B14F-4D97-AF65-F5344CB8AC3E}">
-        <p14:creationId xmlns:p14="http://schemas.microsoft.com/office/powerpoint/2010/main" val="3660159055"/>
+        <p14:creationId xmlns:p14="http://schemas.microsoft.com/office/powerpoint/2010/main" val="557737495"/>
       </p:ext>
     </p:extLst>
   </p:cSld>
@@ -1462,105 +1769,61 @@
       </p:grpSpPr>
       <p:sp>
         <p:nvSpPr>
-          <p:cNvPr id="206" name="PlaceHolder 1"/>
+          <p:cNvPr id="168" name="Shape 168"/>
+          <p:cNvSpPr>
+            <a:spLocks noGrp="1" noRot="1" noChangeAspect="1"/>
+          </p:cNvSpPr>
+          <p:nvPr>
+            <p:ph type="sldImg"/>
+          </p:nvPr>
+        </p:nvSpPr>
+        <p:spPr>
+          <a:prstGeom prst="rect">
+            <a:avLst/>
+          </a:prstGeom>
+        </p:spPr>
+        <p:txBody>
+          <a:bodyPr/>
+          <a:lstStyle/>
+          <a:p>
+            <a:pPr lvl="0"/>
+            <a:endParaRPr/>
+          </a:p>
+        </p:txBody>
+      </p:sp>
+      <p:sp>
+        <p:nvSpPr>
+          <p:cNvPr id="169" name="Shape 169"/>
           <p:cNvSpPr>
             <a:spLocks noGrp="1"/>
           </p:cNvSpPr>
           <p:nvPr>
-            <p:ph type="body"/>
+            <p:ph type="body" sz="quarter" idx="1"/>
           </p:nvPr>
         </p:nvSpPr>
         <p:spPr>
-          <a:xfrm>
-            <a:off x="731880" y="4560840"/>
-            <a:ext cx="5850360" cy="4320000"/>
-          </a:xfrm>
           <a:prstGeom prst="rect">
             <a:avLst/>
           </a:prstGeom>
         </p:spPr>
         <p:txBody>
-          <a:bodyPr lIns="96480" tIns="48240" rIns="96480" bIns="48240"/>
+          <a:bodyPr/>
           <a:lstStyle/>
           <a:p>
-            <a:endParaRPr lang="en-US" sz="2000" b="0" strike="noStrike" spc="-1">
-              <a:solidFill>
-                <a:srgbClr val="000000"/>
-              </a:solidFill>
-              <a:uFill>
-                <a:solidFill>
-                  <a:srgbClr val="FFFFFF"/>
-                </a:solidFill>
-              </a:uFill>
-              <a:latin typeface="Arial"/>
-            </a:endParaRPr>
-          </a:p>
-        </p:txBody>
-      </p:sp>
-      <p:sp>
-        <p:nvSpPr>
-          <p:cNvPr id="207" name="CustomShape 2"/>
-          <p:cNvSpPr/>
-          <p:nvPr/>
-        </p:nvSpPr>
-        <p:spPr>
-          <a:xfrm>
-            <a:off x="4143240" y="9118440"/>
-            <a:ext cx="3169080" cy="479880"/>
-          </a:xfrm>
-          <a:prstGeom prst="rect">
-            <a:avLst/>
-          </a:prstGeom>
-          <a:noFill/>
-          <a:ln w="9360">
-            <a:noFill/>
-          </a:ln>
-        </p:spPr>
-        <p:style>
-          <a:lnRef idx="0">
-            <a:scrgbClr r="0" g="0" b="0"/>
-          </a:lnRef>
-          <a:fillRef idx="0">
-            <a:scrgbClr r="0" g="0" b="0"/>
-          </a:fillRef>
-          <a:effectRef idx="0">
-            <a:scrgbClr r="0" g="0" b="0"/>
-          </a:effectRef>
-          <a:fontRef idx="minor"/>
-        </p:style>
-        <p:txBody>
-          <a:bodyPr lIns="96480" tIns="48240" rIns="96480" bIns="48240" anchor="b"/>
-          <a:lstStyle/>
-          <a:p>
-            <a:pPr algn="r">
+            <a:pPr lvl="0" defTabSz="914400">
               <a:lnSpc>
                 <a:spcPct val="100000"/>
               </a:lnSpc>
+              <a:spcBef>
+                <a:spcPts val="400"/>
+              </a:spcBef>
+              <a:defRPr sz="1800"/>
             </a:pPr>
-            <a:fld id="{819B2D56-A067-4F75-8E24-C71378F0A1C0}" type="slidenum">
-              <a:rPr lang="en-US" sz="1200" b="0" strike="noStrike" spc="-1">
-                <a:solidFill>
-                  <a:srgbClr val="000000"/>
-                </a:solidFill>
-                <a:uFill>
-                  <a:solidFill>
-                    <a:srgbClr val="FFFFFF"/>
-                  </a:solidFill>
-                </a:uFill>
-                <a:latin typeface="Calibri"/>
-              </a:rPr>
-              <a:t>12</a:t>
-            </a:fld>
-            <a:endParaRPr lang="en-US" sz="1800" b="0" strike="noStrike" spc="-1">
-              <a:solidFill>
-                <a:srgbClr val="000000"/>
-              </a:solidFill>
-              <a:uFill>
-                <a:solidFill>
-                  <a:srgbClr val="FFFFFF"/>
-                </a:solidFill>
-              </a:uFill>
-              <a:latin typeface="Arial"/>
+            <a:endParaRPr sz="1200" dirty="0">
+              <a:latin typeface="Calibri"/>
+              <a:ea typeface="Calibri"/>
+              <a:cs typeface="Calibri"/>
+              <a:sym typeface="Calibri"/>
             </a:endParaRPr>
           </a:p>
         </p:txBody>
@@ -1568,7 +1831,7 @@
     </p:spTree>
     <p:extLst>
       <p:ext uri="{BB962C8B-B14F-4D97-AF65-F5344CB8AC3E}">
-        <p14:creationId xmlns:p14="http://schemas.microsoft.com/office/powerpoint/2010/main" val="3868216292"/>
+        <p14:creationId xmlns:p14="http://schemas.microsoft.com/office/powerpoint/2010/main" val="578521955"/>
       </p:ext>
     </p:extLst>
   </p:cSld>
@@ -1597,139 +1860,194 @@
       </p:grpSpPr>
       <p:sp>
         <p:nvSpPr>
-          <p:cNvPr id="210" name="PlaceHolder 1"/>
+          <p:cNvPr id="2" name="Slide Image Placeholder 1"/>
+          <p:cNvSpPr>
+            <a:spLocks noGrp="1" noRot="1" noChangeAspect="1"/>
+          </p:cNvSpPr>
+          <p:nvPr>
+            <p:ph type="sldImg"/>
+          </p:nvPr>
+        </p:nvSpPr>
+        <p:spPr/>
+      </p:sp>
+      <p:sp>
+        <p:nvSpPr>
+          <p:cNvPr id="3" name="Notes Placeholder 2"/>
           <p:cNvSpPr>
             <a:spLocks noGrp="1"/>
           </p:cNvSpPr>
           <p:nvPr>
-            <p:ph type="body"/>
+            <p:ph type="body" idx="1"/>
           </p:nvPr>
         </p:nvSpPr>
-        <p:spPr>
-          <a:xfrm>
-            <a:off x="731880" y="4560840"/>
-            <a:ext cx="5850360" cy="4320000"/>
-          </a:xfrm>
-          <a:prstGeom prst="rect">
-            <a:avLst/>
-          </a:prstGeom>
-        </p:spPr>
-        <p:txBody>
-          <a:bodyPr lIns="96480" tIns="48240" rIns="96480" bIns="48240"/>
+        <p:spPr/>
+        <p:txBody>
+          <a:bodyPr/>
           <a:lstStyle/>
           <a:p>
-            <a:endParaRPr lang="en-US" sz="2000" b="0" strike="noStrike" spc="-1" baseline="0" dirty="0">
-              <a:solidFill>
-                <a:srgbClr val="000000"/>
-              </a:solidFill>
-              <a:uFill>
-                <a:solidFill>
-                  <a:srgbClr val="FFFFFF"/>
-                </a:solidFill>
-              </a:uFill>
-              <a:latin typeface="Arial"/>
-            </a:endParaRPr>
-          </a:p>
-          <a:p>
-            <a:endParaRPr lang="en-US" sz="2000" b="0" strike="noStrike" spc="-1" baseline="0" dirty="0">
-              <a:solidFill>
-                <a:srgbClr val="000000"/>
-              </a:solidFill>
-              <a:uFill>
-                <a:solidFill>
-                  <a:srgbClr val="FFFFFF"/>
-                </a:solidFill>
-              </a:uFill>
-              <a:latin typeface="Arial"/>
-            </a:endParaRPr>
-          </a:p>
-          <a:p>
-            <a:endParaRPr lang="en-US" sz="2000" b="0" strike="noStrike" spc="-1" dirty="0">
-              <a:solidFill>
-                <a:srgbClr val="000000"/>
-              </a:solidFill>
-              <a:uFill>
-                <a:solidFill>
-                  <a:srgbClr val="FFFFFF"/>
-                </a:solidFill>
-              </a:uFill>
-              <a:latin typeface="Arial"/>
-            </a:endParaRPr>
-          </a:p>
-        </p:txBody>
-      </p:sp>
-      <p:sp>
-        <p:nvSpPr>
-          <p:cNvPr id="211" name="CustomShape 2"/>
-          <p:cNvSpPr/>
-          <p:nvPr/>
-        </p:nvSpPr>
-        <p:spPr>
-          <a:xfrm>
-            <a:off x="4143240" y="9118440"/>
-            <a:ext cx="3169080" cy="479880"/>
-          </a:xfrm>
-          <a:prstGeom prst="rect">
-            <a:avLst/>
-          </a:prstGeom>
-          <a:noFill/>
-          <a:ln w="9360">
-            <a:noFill/>
-          </a:ln>
-        </p:spPr>
-        <p:style>
-          <a:lnRef idx="0">
-            <a:scrgbClr r="0" g="0" b="0"/>
-          </a:lnRef>
-          <a:fillRef idx="0">
-            <a:scrgbClr r="0" g="0" b="0"/>
-          </a:fillRef>
-          <a:effectRef idx="0">
-            <a:scrgbClr r="0" g="0" b="0"/>
-          </a:effectRef>
-          <a:fontRef idx="minor"/>
-        </p:style>
-        <p:txBody>
-          <a:bodyPr lIns="96480" tIns="48240" rIns="96480" bIns="48240" anchor="b"/>
+            <a:r>
+              <a:rPr lang="en-US" sz="1200" kern="1200" dirty="0">
+                <a:solidFill>
+                  <a:schemeClr val="tx1"/>
+                </a:solidFill>
+                <a:latin typeface="+mn-lt"/>
+                <a:ea typeface="ＭＳ Ｐゴシック" pitchFamily="-111" charset="-128"/>
+                <a:cs typeface="ＭＳ Ｐゴシック" pitchFamily="-111" charset="-128"/>
+              </a:rPr>
+              <a:t> * In this exercise, we develop each of these ideas.</a:t>
+            </a:r>
+          </a:p>
+          <a:p>
+            <a:r>
+              <a:rPr lang="en-US" sz="1200" kern="1200" dirty="0">
+                <a:solidFill>
+                  <a:schemeClr val="tx1"/>
+                </a:solidFill>
+                <a:latin typeface="+mn-lt"/>
+                <a:ea typeface="ＭＳ Ｐゴシック" pitchFamily="-111" charset="-128"/>
+                <a:cs typeface="ＭＳ Ｐゴシック" pitchFamily="-111" charset="-128"/>
+              </a:rPr>
+              <a:t> * </a:t>
+            </a:r>
+            <a:r>
+              <a:rPr lang="en-US" sz="1200" b="1" kern="1200" dirty="0">
+                <a:solidFill>
+                  <a:schemeClr val="tx1"/>
+                </a:solidFill>
+                <a:latin typeface="+mn-lt"/>
+                <a:ea typeface="ＭＳ Ｐゴシック" pitchFamily="-111" charset="-128"/>
+                <a:cs typeface="ＭＳ Ｐゴシック" pitchFamily="-111" charset="-128"/>
+              </a:rPr>
+              <a:t>TODO: Replace the loop with button input to advance one tick.</a:t>
+            </a:r>
+          </a:p>
+          <a:p>
+            <a:r>
+              <a:rPr lang="en-US" sz="1200" kern="1200" dirty="0">
+                <a:solidFill>
+                  <a:schemeClr val="tx1"/>
+                </a:solidFill>
+                <a:latin typeface="+mn-lt"/>
+                <a:ea typeface="ＭＳ Ｐゴシック" pitchFamily="-111" charset="-128"/>
+                <a:cs typeface="ＭＳ Ｐゴシック" pitchFamily="-111" charset="-128"/>
+              </a:rPr>
+              <a:t> * </a:t>
+            </a:r>
+            <a:r>
+              <a:rPr lang="en-US" sz="1200" b="1" kern="1200" dirty="0">
+                <a:solidFill>
+                  <a:schemeClr val="tx1"/>
+                </a:solidFill>
+                <a:latin typeface="+mn-lt"/>
+                <a:ea typeface="ＭＳ Ｐゴシック" pitchFamily="-111" charset="-128"/>
+                <a:cs typeface="ＭＳ Ｐゴシック" pitchFamily="-111" charset="-128"/>
+              </a:rPr>
+              <a:t>TODO: Replace the button with a timer.</a:t>
+            </a:r>
+          </a:p>
+          <a:p>
+            <a:r>
+              <a:rPr lang="en-US" sz="1200" kern="1200" dirty="0">
+                <a:solidFill>
+                  <a:schemeClr val="tx1"/>
+                </a:solidFill>
+                <a:latin typeface="+mn-lt"/>
+                <a:ea typeface="ＭＳ Ｐゴシック" pitchFamily="-111" charset="-128"/>
+                <a:cs typeface="ＭＳ Ｐゴシック" pitchFamily="-111" charset="-128"/>
+              </a:rPr>
+              <a:t> * </a:t>
+            </a:r>
+            <a:r>
+              <a:rPr lang="en-US" sz="1200" b="1" kern="1200" dirty="0">
+                <a:solidFill>
+                  <a:schemeClr val="tx1"/>
+                </a:solidFill>
+                <a:latin typeface="+mn-lt"/>
+                <a:ea typeface="ＭＳ Ｐゴシック" pitchFamily="-111" charset="-128"/>
+                <a:cs typeface="ＭＳ Ｐゴシック" pitchFamily="-111" charset="-128"/>
+              </a:rPr>
+              <a:t>TODO: Make the button change the direction of motion.</a:t>
+            </a:r>
+          </a:p>
+          <a:p>
+            <a:r>
+              <a:rPr lang="en-US" sz="1200" kern="1200" dirty="0">
+                <a:solidFill>
+                  <a:schemeClr val="tx1"/>
+                </a:solidFill>
+                <a:latin typeface="+mn-lt"/>
+                <a:ea typeface="ＭＳ Ｐゴシック" pitchFamily="-111" charset="-128"/>
+                <a:cs typeface="ＭＳ Ｐゴシック" pitchFamily="-111" charset="-128"/>
+              </a:rPr>
+              <a:t> * </a:t>
+            </a:r>
+            <a:r>
+              <a:rPr lang="en-US" sz="1200" b="1" kern="1200" dirty="0">
+                <a:solidFill>
+                  <a:schemeClr val="tx1"/>
+                </a:solidFill>
+                <a:latin typeface="+mn-lt"/>
+                <a:ea typeface="ＭＳ Ｐゴシック" pitchFamily="-111" charset="-128"/>
+                <a:cs typeface="ＭＳ Ｐゴシック" pitchFamily="-111" charset="-128"/>
+              </a:rPr>
+              <a:t>TODO: Add falling raindrops.</a:t>
+            </a:r>
+          </a:p>
+          <a:p>
+            <a:r>
+              <a:rPr lang="en-US" sz="1200" kern="1200" dirty="0">
+                <a:solidFill>
+                  <a:schemeClr val="tx1"/>
+                </a:solidFill>
+                <a:latin typeface="+mn-lt"/>
+                <a:ea typeface="ＭＳ Ｐゴシック" pitchFamily="-111" charset="-128"/>
+                <a:cs typeface="ＭＳ Ｐゴシック" pitchFamily="-111" charset="-128"/>
+              </a:rPr>
+              <a:t> * </a:t>
+            </a:r>
+            <a:r>
+              <a:rPr lang="en-US" sz="1200" b="1" kern="1200" dirty="0">
+                <a:solidFill>
+                  <a:schemeClr val="tx1"/>
+                </a:solidFill>
+                <a:latin typeface="+mn-lt"/>
+                <a:ea typeface="ＭＳ Ｐゴシック" pitchFamily="-111" charset="-128"/>
+                <a:cs typeface="ＭＳ Ｐゴシック" pitchFamily="-111" charset="-128"/>
+              </a:rPr>
+              <a:t>TODO: Make the box "catch" drops that hit it.</a:t>
+            </a:r>
+            <a:endParaRPr lang="en-US" dirty="0"/>
+          </a:p>
+        </p:txBody>
+      </p:sp>
+      <p:sp>
+        <p:nvSpPr>
+          <p:cNvPr id="4" name="Slide Number Placeholder 3"/>
+          <p:cNvSpPr>
+            <a:spLocks noGrp="1"/>
+          </p:cNvSpPr>
+          <p:nvPr>
+            <p:ph type="sldNum" sz="quarter" idx="10"/>
+          </p:nvPr>
+        </p:nvSpPr>
+        <p:spPr/>
+        <p:txBody>
+          <a:bodyPr/>
           <a:lstStyle/>
           <a:p>
-            <a:pPr algn="r">
-              <a:lnSpc>
-                <a:spcPct val="100000"/>
-              </a:lnSpc>
-            </a:pPr>
-            <a:fld id="{4D56FA17-A64E-4E1E-B65D-B09535FC0EA9}" type="slidenum">
-              <a:rPr lang="en-US" sz="1200" b="0" strike="noStrike" spc="-1">
-                <a:solidFill>
-                  <a:srgbClr val="000000"/>
-                </a:solidFill>
-                <a:uFill>
-                  <a:solidFill>
-                    <a:srgbClr val="FFFFFF"/>
-                  </a:solidFill>
-                </a:uFill>
-                <a:latin typeface="Calibri"/>
-              </a:rPr>
-              <a:t>13</a:t>
+            <a:fld id="{36B4252A-5ADE-4726-AF7E-E9EADC640C88}" type="slidenum">
+              <a:rPr lang="en-US" smtClean="0"/>
+              <a:pPr/>
+              <a:t>11</a:t>
             </a:fld>
-            <a:endParaRPr lang="en-US" sz="1800" b="0" strike="noStrike" spc="-1">
-              <a:solidFill>
-                <a:srgbClr val="000000"/>
-              </a:solidFill>
-              <a:uFill>
-                <a:solidFill>
-                  <a:srgbClr val="FFFFFF"/>
-                </a:solidFill>
-              </a:uFill>
-              <a:latin typeface="Arial"/>
-            </a:endParaRPr>
+            <a:endParaRPr lang="en-US"/>
           </a:p>
         </p:txBody>
       </p:sp>
     </p:spTree>
     <p:extLst>
       <p:ext uri="{BB962C8B-B14F-4D97-AF65-F5344CB8AC3E}">
-        <p14:creationId xmlns:p14="http://schemas.microsoft.com/office/powerpoint/2010/main" val="396089046"/>
+        <p14:creationId xmlns:p14="http://schemas.microsoft.com/office/powerpoint/2010/main" val="3660159055"/>
       </p:ext>
     </p:extLst>
   </p:cSld>
@@ -1766,21 +2084,7 @@
             <p:ph type="sldImg"/>
           </p:nvPr>
         </p:nvSpPr>
-        <p:spPr>
-          <a:xfrm>
-            <a:off x="1497013" y="1200150"/>
-            <a:ext cx="4321175" cy="3240088"/>
-          </a:xfrm>
-          <a:prstGeom prst="rect">
-            <a:avLst/>
-          </a:prstGeom>
-          <a:noFill/>
-          <a:ln w="12700">
-            <a:solidFill>
-              <a:prstClr val="black"/>
-            </a:solidFill>
-          </a:ln>
-        </p:spPr>
+        <p:spPr/>
       </p:sp>
       <p:sp>
         <p:nvSpPr>
@@ -1797,53 +2101,137 @@
           <a:bodyPr/>
           <a:lstStyle/>
           <a:p>
-            <a:pPr marL="0" marR="0" lvl="0" indent="0" algn="l" defTabSz="914400" rtl="0" eaLnBrk="1" fontAlgn="auto" latinLnBrk="0" hangingPunct="1">
-              <a:lnSpc>
-                <a:spcPct val="100000"/>
-              </a:lnSpc>
-              <a:spcBef>
-                <a:spcPts val="0"/>
-              </a:spcBef>
-              <a:spcAft>
-                <a:spcPts val="0"/>
-              </a:spcAft>
-              <a:buClrTx/>
-              <a:buSzTx/>
-              <a:buFontTx/>
-              <a:buNone/>
-              <a:tabLst/>
-              <a:defRPr/>
-            </a:pPr>
-            <a:r>
-              <a:rPr lang="en-US" sz="1200" b="0" strike="noStrike" spc="-1" dirty="0">
-                <a:solidFill>
-                  <a:srgbClr val="000000"/>
-                </a:solidFill>
-                <a:uFill>
-                  <a:solidFill>
-                    <a:srgbClr val="FFFFFF"/>
-                  </a:solidFill>
-                </a:uFill>
+            <a:r>
+              <a:rPr lang="en-US" sz="1200" kern="1200" dirty="0">
+                <a:solidFill>
+                  <a:schemeClr val="tx1"/>
+                </a:solidFill>
                 <a:latin typeface="+mn-lt"/>
-              </a:rPr>
-              <a:t>Can live-code a </a:t>
-            </a:r>
-            <a:r>
-              <a:rPr lang="en-US" sz="1200" b="0" strike="noStrike" spc="-1" baseline="0" dirty="0">
-                <a:solidFill>
-                  <a:srgbClr val="000000"/>
-                </a:solidFill>
-                <a:uFill>
-                  <a:solidFill>
-                    <a:srgbClr val="FFFFFF"/>
-                  </a:solidFill>
-                </a:uFill>
+                <a:ea typeface="ＭＳ Ｐゴシック" pitchFamily="-111" charset="-128"/>
+                <a:cs typeface="ＭＳ Ｐゴシック" pitchFamily="-111" charset="-128"/>
+              </a:rPr>
+              <a:t> * In this exercise, we develop each of these ideas.</a:t>
+            </a:r>
+          </a:p>
+          <a:p>
+            <a:r>
+              <a:rPr lang="en-US" sz="1200" kern="1200" dirty="0">
+                <a:solidFill>
+                  <a:schemeClr val="tx1"/>
+                </a:solidFill>
                 <a:latin typeface="+mn-lt"/>
-              </a:rPr>
-              <a:t>quick example to save a list of numbers or a simple game Level to a file, then read them/it back in again. There is an example in the solution code. </a:t>
-            </a:r>
-          </a:p>
-          <a:p>
+                <a:ea typeface="ＭＳ Ｐゴシック" pitchFamily="-111" charset="-128"/>
+                <a:cs typeface="ＭＳ Ｐゴシック" pitchFamily="-111" charset="-128"/>
+              </a:rPr>
+              <a:t> * </a:t>
+            </a:r>
+            <a:r>
+              <a:rPr lang="en-US" sz="1200" b="1" kern="1200" dirty="0">
+                <a:solidFill>
+                  <a:schemeClr val="tx1"/>
+                </a:solidFill>
+                <a:latin typeface="+mn-lt"/>
+                <a:ea typeface="ＭＳ Ｐゴシック" pitchFamily="-111" charset="-128"/>
+                <a:cs typeface="ＭＳ Ｐゴシック" pitchFamily="-111" charset="-128"/>
+              </a:rPr>
+              <a:t>TODO: Replace the loop with button input to advance one tick.</a:t>
+            </a:r>
+          </a:p>
+          <a:p>
+            <a:r>
+              <a:rPr lang="en-US" sz="1200" kern="1200" dirty="0">
+                <a:solidFill>
+                  <a:schemeClr val="tx1"/>
+                </a:solidFill>
+                <a:latin typeface="+mn-lt"/>
+                <a:ea typeface="ＭＳ Ｐゴシック" pitchFamily="-111" charset="-128"/>
+                <a:cs typeface="ＭＳ Ｐゴシック" pitchFamily="-111" charset="-128"/>
+              </a:rPr>
+              <a:t> * </a:t>
+            </a:r>
+            <a:r>
+              <a:rPr lang="en-US" sz="1200" b="1" kern="1200" dirty="0">
+                <a:solidFill>
+                  <a:schemeClr val="tx1"/>
+                </a:solidFill>
+                <a:latin typeface="+mn-lt"/>
+                <a:ea typeface="ＭＳ Ｐゴシック" pitchFamily="-111" charset="-128"/>
+                <a:cs typeface="ＭＳ Ｐゴシック" pitchFamily="-111" charset="-128"/>
+              </a:rPr>
+              <a:t>TODO: Replace the button with a timer.</a:t>
+            </a:r>
+          </a:p>
+          <a:p>
+            <a:r>
+              <a:rPr lang="en-US" sz="1200" kern="1200" dirty="0">
+                <a:solidFill>
+                  <a:schemeClr val="tx1"/>
+                </a:solidFill>
+                <a:latin typeface="+mn-lt"/>
+                <a:ea typeface="ＭＳ Ｐゴシック" pitchFamily="-111" charset="-128"/>
+                <a:cs typeface="ＭＳ Ｐゴシック" pitchFamily="-111" charset="-128"/>
+              </a:rPr>
+              <a:t> * </a:t>
+            </a:r>
+            <a:r>
+              <a:rPr lang="en-US" sz="1200" b="1" kern="1200" dirty="0">
+                <a:solidFill>
+                  <a:schemeClr val="tx1"/>
+                </a:solidFill>
+                <a:latin typeface="+mn-lt"/>
+                <a:ea typeface="ＭＳ Ｐゴシック" pitchFamily="-111" charset="-128"/>
+                <a:cs typeface="ＭＳ Ｐゴシック" pitchFamily="-111" charset="-128"/>
+              </a:rPr>
+              <a:t>TODO: Make the button change the direction of motion.</a:t>
+            </a:r>
+          </a:p>
+          <a:p>
+            <a:r>
+              <a:rPr lang="en-US" sz="1200" kern="1200" dirty="0">
+                <a:solidFill>
+                  <a:schemeClr val="tx1"/>
+                </a:solidFill>
+                <a:latin typeface="+mn-lt"/>
+                <a:ea typeface="ＭＳ Ｐゴシック" pitchFamily="-111" charset="-128"/>
+                <a:cs typeface="ＭＳ Ｐゴシック" pitchFamily="-111" charset="-128"/>
+              </a:rPr>
+              <a:t> * </a:t>
+            </a:r>
+            <a:r>
+              <a:rPr lang="en-US" sz="1200" b="1" kern="1200" dirty="0">
+                <a:solidFill>
+                  <a:schemeClr val="tx1"/>
+                </a:solidFill>
+                <a:latin typeface="+mn-lt"/>
+                <a:ea typeface="ＭＳ Ｐゴシック" pitchFamily="-111" charset="-128"/>
+                <a:cs typeface="ＭＳ Ｐゴシック" pitchFamily="-111" charset="-128"/>
+              </a:rPr>
+              <a:t>TODO: Add falling raindrops.</a:t>
+            </a:r>
+          </a:p>
+          <a:p>
+            <a:r>
+              <a:rPr lang="en-US" sz="1200" kern="1200" dirty="0">
+                <a:solidFill>
+                  <a:schemeClr val="tx1"/>
+                </a:solidFill>
+                <a:latin typeface="+mn-lt"/>
+                <a:ea typeface="ＭＳ Ｐゴシック" pitchFamily="-111" charset="-128"/>
+                <a:cs typeface="ＭＳ Ｐゴシック" pitchFamily="-111" charset="-128"/>
+              </a:rPr>
+              <a:t> * </a:t>
+            </a:r>
+            <a:r>
+              <a:rPr lang="en-US" sz="1200" b="1" kern="1200" dirty="0">
+                <a:solidFill>
+                  <a:schemeClr val="tx1"/>
+                </a:solidFill>
+                <a:latin typeface="+mn-lt"/>
+                <a:ea typeface="ＭＳ Ｐゴシック" pitchFamily="-111" charset="-128"/>
+                <a:cs typeface="ＭＳ Ｐゴシック" pitchFamily="-111" charset="-128"/>
+              </a:rPr>
+              <a:t>TODO: Make the box "catch" drops that hit it.</a:t>
+            </a:r>
             <a:endParaRPr lang="en-US" dirty="0"/>
           </a:p>
         </p:txBody>
@@ -1855,7 +2243,7 @@
             <a:spLocks noGrp="1"/>
           </p:cNvSpPr>
           <p:nvPr>
-            <p:ph type="sldNum" idx="10"/>
+            <p:ph type="sldNum" sz="quarter" idx="10"/>
           </p:nvPr>
         </p:nvSpPr>
         <p:spPr/>
@@ -1863,39 +2251,19 @@
           <a:bodyPr/>
           <a:lstStyle/>
           <a:p>
-            <a:pPr algn="r"/>
-            <a:fld id="{B630EBB8-CEB5-4E8D-9A06-06438377CF61}" type="slidenum">
-              <a:rPr lang="en-US" sz="1400" b="0" strike="noStrike" spc="-1" smtClean="0">
-                <a:solidFill>
-                  <a:srgbClr val="000000"/>
-                </a:solidFill>
-                <a:uFill>
-                  <a:solidFill>
-                    <a:srgbClr val="FFFFFF"/>
-                  </a:solidFill>
-                </a:uFill>
-                <a:latin typeface="Times New Roman"/>
-              </a:rPr>
-              <a:t>14</a:t>
+            <a:fld id="{36B4252A-5ADE-4726-AF7E-E9EADC640C88}" type="slidenum">
+              <a:rPr lang="en-US" smtClean="0"/>
+              <a:pPr/>
+              <a:t>12</a:t>
             </a:fld>
-            <a:endParaRPr lang="en-US" sz="1400" b="0" strike="noStrike" spc="-1">
-              <a:solidFill>
-                <a:srgbClr val="000000"/>
-              </a:solidFill>
-              <a:uFill>
-                <a:solidFill>
-                  <a:srgbClr val="FFFFFF"/>
-                </a:solidFill>
-              </a:uFill>
-              <a:latin typeface="Times New Roman"/>
-            </a:endParaRPr>
+            <a:endParaRPr lang="en-US"/>
           </a:p>
         </p:txBody>
       </p:sp>
     </p:spTree>
     <p:extLst>
       <p:ext uri="{BB962C8B-B14F-4D97-AF65-F5344CB8AC3E}">
-        <p14:creationId xmlns:p14="http://schemas.microsoft.com/office/powerpoint/2010/main" val="1719935763"/>
+        <p14:creationId xmlns:p14="http://schemas.microsoft.com/office/powerpoint/2010/main" val="3537264649"/>
       </p:ext>
     </p:extLst>
   </p:cSld>
@@ -1924,7 +2292,7 @@
       </p:grpSpPr>
       <p:sp>
         <p:nvSpPr>
-          <p:cNvPr id="212" name="PlaceHolder 1"/>
+          <p:cNvPr id="206" name="PlaceHolder 1"/>
           <p:cNvSpPr>
             <a:spLocks noGrp="1"/>
           </p:cNvSpPr>
@@ -1945,35 +2313,7 @@
           <a:bodyPr lIns="96480" tIns="48240" rIns="96480" bIns="48240"/>
           <a:lstStyle/>
           <a:p>
-            <a:r>
-              <a:rPr lang="en-US" sz="2000" b="0" strike="noStrike" spc="-1" dirty="0">
-                <a:solidFill>
-                  <a:srgbClr val="000000"/>
-                </a:solidFill>
-                <a:uFill>
-                  <a:solidFill>
-                    <a:srgbClr val="FFFFFF"/>
-                  </a:solidFill>
-                </a:uFill>
-                <a:latin typeface="Arial"/>
-              </a:rPr>
-              <a:t>Try to read</a:t>
-            </a:r>
-            <a:r>
-              <a:rPr lang="en-US" sz="2000" b="0" strike="noStrike" spc="-1" baseline="0" dirty="0">
-                <a:solidFill>
-                  <a:srgbClr val="000000"/>
-                </a:solidFill>
-                <a:uFill>
-                  <a:solidFill>
-                    <a:srgbClr val="FFFFFF"/>
-                  </a:solidFill>
-                </a:uFill>
-                <a:latin typeface="Arial"/>
-              </a:rPr>
-              <a:t> from file when the file does not exist</a:t>
-            </a:r>
-            <a:endParaRPr lang="en-US" sz="2000" b="0" strike="noStrike" spc="-1" dirty="0">
+            <a:endParaRPr lang="en-US" sz="2000" b="0" strike="noStrike" spc="-1">
               <a:solidFill>
                 <a:srgbClr val="000000"/>
               </a:solidFill>
@@ -1989,7 +2329,7 @@
       </p:sp>
       <p:sp>
         <p:nvSpPr>
-          <p:cNvPr id="213" name="CustomShape 2"/>
+          <p:cNvPr id="207" name="CustomShape 2"/>
           <p:cNvSpPr/>
           <p:nvPr/>
         </p:nvSpPr>
@@ -2027,7 +2367,7 @@
                 <a:spcPct val="100000"/>
               </a:lnSpc>
             </a:pPr>
-            <a:fld id="{9A3B7B5C-4FE7-427D-BDD2-2865C7667CBE}" type="slidenum">
+            <a:fld id="{819B2D56-A067-4F75-8E24-C71378F0A1C0}" type="slidenum">
               <a:rPr lang="en-US" sz="1200" b="0" strike="noStrike" spc="-1">
                 <a:solidFill>
                   <a:srgbClr val="000000"/>
@@ -2038,9 +2378,8 @@
                   </a:solidFill>
                 </a:uFill>
                 <a:latin typeface="Calibri"/>
-                <a:ea typeface="+mn-ea"/>
-              </a:rPr>
-              <a:t>17</a:t>
+              </a:rPr>
+              <a:t>14</a:t>
             </a:fld>
             <a:endParaRPr lang="en-US" sz="1800" b="0" strike="noStrike" spc="-1">
               <a:solidFill>
@@ -2059,7 +2398,7 @@
     </p:spTree>
     <p:extLst>
       <p:ext uri="{BB962C8B-B14F-4D97-AF65-F5344CB8AC3E}">
-        <p14:creationId xmlns:p14="http://schemas.microsoft.com/office/powerpoint/2010/main" val="3564989521"/>
+        <p14:creationId xmlns:p14="http://schemas.microsoft.com/office/powerpoint/2010/main" val="3868216292"/>
       </p:ext>
     </p:extLst>
   </p:cSld>
@@ -2088,78 +2427,139 @@
       </p:grpSpPr>
       <p:sp>
         <p:nvSpPr>
-          <p:cNvPr id="30722" name="Slide Image Placeholder 1"/>
-          <p:cNvSpPr>
-            <a:spLocks noGrp="1" noRot="1" noChangeAspect="1" noTextEdit="1"/>
-          </p:cNvSpPr>
-          <p:nvPr>
-            <p:ph type="sldImg"/>
-          </p:nvPr>
-        </p:nvSpPr>
-        <p:spPr bwMode="auto">
-          <a:noFill/>
-          <a:ln>
-            <a:solidFill>
-              <a:srgbClr val="000000"/>
-            </a:solidFill>
-            <a:miter lim="800000"/>
-            <a:headEnd/>
-            <a:tailEnd/>
-          </a:ln>
-        </p:spPr>
-      </p:sp>
-      <p:sp>
-        <p:nvSpPr>
-          <p:cNvPr id="30723" name="Notes Placeholder 2"/>
+          <p:cNvPr id="210" name="PlaceHolder 1"/>
           <p:cNvSpPr>
             <a:spLocks noGrp="1"/>
           </p:cNvSpPr>
           <p:nvPr>
-            <p:ph type="body" idx="1"/>
+            <p:ph type="body"/>
           </p:nvPr>
         </p:nvSpPr>
         <p:spPr>
+          <a:xfrm>
+            <a:off x="731880" y="4560840"/>
+            <a:ext cx="5850360" cy="4320000"/>
+          </a:xfrm>
+          <a:prstGeom prst="rect">
+            <a:avLst/>
+          </a:prstGeom>
+        </p:spPr>
+        <p:txBody>
+          <a:bodyPr lIns="96480" tIns="48240" rIns="96480" bIns="48240"/>
+          <a:lstStyle/>
+          <a:p>
+            <a:endParaRPr lang="en-US" sz="2000" b="0" strike="noStrike" spc="-1" baseline="0" dirty="0">
+              <a:solidFill>
+                <a:srgbClr val="000000"/>
+              </a:solidFill>
+              <a:uFill>
+                <a:solidFill>
+                  <a:srgbClr val="FFFFFF"/>
+                </a:solidFill>
+              </a:uFill>
+              <a:latin typeface="Arial"/>
+            </a:endParaRPr>
+          </a:p>
+          <a:p>
+            <a:endParaRPr lang="en-US" sz="2000" b="0" strike="noStrike" spc="-1" baseline="0" dirty="0">
+              <a:solidFill>
+                <a:srgbClr val="000000"/>
+              </a:solidFill>
+              <a:uFill>
+                <a:solidFill>
+                  <a:srgbClr val="FFFFFF"/>
+                </a:solidFill>
+              </a:uFill>
+              <a:latin typeface="Arial"/>
+            </a:endParaRPr>
+          </a:p>
+          <a:p>
+            <a:endParaRPr lang="en-US" sz="2000" b="0" strike="noStrike" spc="-1" dirty="0">
+              <a:solidFill>
+                <a:srgbClr val="000000"/>
+              </a:solidFill>
+              <a:uFill>
+                <a:solidFill>
+                  <a:srgbClr val="FFFFFF"/>
+                </a:solidFill>
+              </a:uFill>
+              <a:latin typeface="Arial"/>
+            </a:endParaRPr>
+          </a:p>
+        </p:txBody>
+      </p:sp>
+      <p:sp>
+        <p:nvSpPr>
+          <p:cNvPr id="211" name="CustomShape 2"/>
+          <p:cNvSpPr/>
+          <p:nvPr/>
+        </p:nvSpPr>
+        <p:spPr>
+          <a:xfrm>
+            <a:off x="4143240" y="9118440"/>
+            <a:ext cx="3169080" cy="479880"/>
+          </a:xfrm>
+          <a:prstGeom prst="rect">
+            <a:avLst/>
+          </a:prstGeom>
           <a:noFill/>
-          <a:ln/>
+          <a:ln w="9360">
+            <a:noFill/>
+          </a:ln>
         </p:spPr>
-        <p:txBody>
-          <a:bodyPr/>
+        <p:style>
+          <a:lnRef idx="0">
+            <a:scrgbClr r="0" g="0" b="0"/>
+          </a:lnRef>
+          <a:fillRef idx="0">
+            <a:scrgbClr r="0" g="0" b="0"/>
+          </a:fillRef>
+          <a:effectRef idx="0">
+            <a:scrgbClr r="0" g="0" b="0"/>
+          </a:effectRef>
+          <a:fontRef idx="minor"/>
+        </p:style>
+        <p:txBody>
+          <a:bodyPr lIns="96480" tIns="48240" rIns="96480" bIns="48240" anchor="b"/>
           <a:lstStyle/>
           <a:p>
-            <a:endParaRPr lang="en-US" dirty="0"/>
-          </a:p>
-        </p:txBody>
-      </p:sp>
-      <p:sp>
-        <p:nvSpPr>
-          <p:cNvPr id="30724" name="Slide Number Placeholder 3"/>
-          <p:cNvSpPr>
-            <a:spLocks noGrp="1"/>
-          </p:cNvSpPr>
-          <p:nvPr>
-            <p:ph type="sldNum" sz="quarter" idx="5"/>
-          </p:nvPr>
-        </p:nvSpPr>
-        <p:spPr>
-          <a:noFill/>
-        </p:spPr>
-        <p:txBody>
-          <a:bodyPr/>
-          <a:lstStyle/>
-          <a:p>
-            <a:fld id="{4EE02099-3122-448C-8379-2F83E5A8613A}" type="slidenum">
-              <a:rPr lang="en-US"/>
-              <a:pPr/>
-              <a:t>19</a:t>
+            <a:pPr algn="r">
+              <a:lnSpc>
+                <a:spcPct val="100000"/>
+              </a:lnSpc>
+            </a:pPr>
+            <a:fld id="{4D56FA17-A64E-4E1E-B65D-B09535FC0EA9}" type="slidenum">
+              <a:rPr lang="en-US" sz="1200" b="0" strike="noStrike" spc="-1">
+                <a:solidFill>
+                  <a:srgbClr val="000000"/>
+                </a:solidFill>
+                <a:uFill>
+                  <a:solidFill>
+                    <a:srgbClr val="FFFFFF"/>
+                  </a:solidFill>
+                </a:uFill>
+                <a:latin typeface="Calibri"/>
+              </a:rPr>
+              <a:t>15</a:t>
             </a:fld>
-            <a:endParaRPr lang="en-US"/>
+            <a:endParaRPr lang="en-US" sz="1800" b="0" strike="noStrike" spc="-1">
+              <a:solidFill>
+                <a:srgbClr val="000000"/>
+              </a:solidFill>
+              <a:uFill>
+                <a:solidFill>
+                  <a:srgbClr val="FFFFFF"/>
+                </a:solidFill>
+              </a:uFill>
+              <a:latin typeface="Arial"/>
+            </a:endParaRPr>
           </a:p>
         </p:txBody>
       </p:sp>
     </p:spTree>
     <p:extLst>
       <p:ext uri="{BB962C8B-B14F-4D97-AF65-F5344CB8AC3E}">
-        <p14:creationId xmlns:p14="http://schemas.microsoft.com/office/powerpoint/2010/main" val="2479186560"/>
+        <p14:creationId xmlns:p14="http://schemas.microsoft.com/office/powerpoint/2010/main" val="396089046"/>
       </p:ext>
     </p:extLst>
   </p:cSld>
@@ -2349,7 +2749,7 @@
             <a:fld id="{43E6E5DC-7A70-4CAB-B8CA-FD7CFBA6DDCF}" type="datetime1">
               <a:rPr lang="en-US" smtClean="0"/>
               <a:pPr/>
-              <a:t>2/24/22</a:t>
+              <a:t>3/1/22</a:t>
             </a:fld>
             <a:endParaRPr lang="en-US"/>
           </a:p>
@@ -2522,7 +2922,7 @@
             <a:fld id="{34C58A64-F6CF-4D4F-A14E-4E9A6689521C}" type="datetime1">
               <a:rPr lang="en-US" smtClean="0"/>
               <a:pPr/>
-              <a:t>2/24/22</a:t>
+              <a:t>3/1/22</a:t>
             </a:fld>
             <a:endParaRPr lang="en-US"/>
           </a:p>
@@ -2705,7 +3105,7 @@
             <a:fld id="{28A961FD-7946-4EF3-8B09-2E96C5099CE1}" type="datetime1">
               <a:rPr lang="en-US" smtClean="0"/>
               <a:pPr/>
-              <a:t>2/24/22</a:t>
+              <a:t>3/1/22</a:t>
             </a:fld>
             <a:endParaRPr lang="en-US"/>
           </a:p>
@@ -2984,7 +3384,7 @@
             <a:fld id="{410E03A8-3A50-4824-93B1-5AB2817A85E6}" type="datetime1">
               <a:rPr lang="en-US" smtClean="0"/>
               <a:pPr/>
-              <a:t>2/24/22</a:t>
+              <a:t>3/1/22</a:t>
             </a:fld>
             <a:endParaRPr lang="en-US"/>
           </a:p>
@@ -3234,7 +3634,7 @@
             <a:fld id="{69EE78C3-2E3E-4EDD-A8FC-A11FEA9CDF04}" type="datetime1">
               <a:rPr lang="en-US" smtClean="0"/>
               <a:pPr/>
-              <a:t>2/24/22</a:t>
+              <a:t>3/1/22</a:t>
             </a:fld>
             <a:endParaRPr lang="en-US"/>
           </a:p>
@@ -3524,7 +3924,7 @@
             <a:fld id="{9CAD6738-AE48-490E-BA60-16B31C3E5798}" type="datetime1">
               <a:rPr lang="en-US" smtClean="0"/>
               <a:pPr/>
-              <a:t>2/24/22</a:t>
+              <a:t>3/1/22</a:t>
             </a:fld>
             <a:endParaRPr lang="en-US"/>
           </a:p>
@@ -3948,7 +4348,7 @@
             <a:fld id="{12137309-80BC-4890-B91A-AB9885E172E5}" type="datetime1">
               <a:rPr lang="en-US" smtClean="0"/>
               <a:pPr/>
-              <a:t>2/24/22</a:t>
+              <a:t>3/1/22</a:t>
             </a:fld>
             <a:endParaRPr lang="en-US"/>
           </a:p>
@@ -4070,7 +4470,7 @@
             <a:fld id="{79C16A63-0F78-4E9D-81E4-A84E1F25A0A3}" type="datetime1">
               <a:rPr lang="en-US" smtClean="0"/>
               <a:pPr/>
-              <a:t>2/24/22</a:t>
+              <a:t>3/1/22</a:t>
             </a:fld>
             <a:endParaRPr lang="en-US"/>
           </a:p>
@@ -4170,7 +4570,7 @@
             <a:fld id="{DC5FF9E9-979C-4422-A1BB-1DC64426F0DA}" type="datetime1">
               <a:rPr lang="en-US" smtClean="0"/>
               <a:pPr/>
-              <a:t>2/24/22</a:t>
+              <a:t>3/1/22</a:t>
             </a:fld>
             <a:endParaRPr lang="en-US"/>
           </a:p>
@@ -4450,7 +4850,7 @@
             <a:fld id="{B9B7020D-910B-4676-A902-AD52382F28B6}" type="datetime1">
               <a:rPr lang="en-US" smtClean="0"/>
               <a:pPr/>
-              <a:t>2/24/22</a:t>
+              <a:t>3/1/22</a:t>
             </a:fld>
             <a:endParaRPr lang="en-US"/>
           </a:p>
@@ -4707,7 +5107,7 @@
             <a:fld id="{4695FF79-924D-47D6-A727-6A03000C0C91}" type="datetime1">
               <a:rPr lang="en-US" smtClean="0"/>
               <a:pPr/>
-              <a:t>2/24/22</a:t>
+              <a:t>3/1/22</a:t>
             </a:fld>
             <a:endParaRPr lang="en-US"/>
           </a:p>
@@ -4923,7 +5323,7 @@
             <a:fld id="{A51E304D-C692-4D58-A925-D35D66927263}" type="datetime1">
               <a:rPr lang="en-US" smtClean="0"/>
               <a:pPr/>
-              <a:t>2/24/22</a:t>
+              <a:t>3/1/22</a:t>
             </a:fld>
             <a:endParaRPr lang="en-US"/>
           </a:p>
@@ -5516,40 +5916,1006 @@
           <a:chExt cx="0" cy="0"/>
         </a:xfrm>
       </p:grpSpPr>
-      <p:pic>
-        <p:nvPicPr>
-          <p:cNvPr id="4" name="Picture 3"/>
-          <p:cNvPicPr>
-            <a:picLocks noChangeAspect="1"/>
-          </p:cNvPicPr>
-          <p:nvPr/>
-        </p:nvPicPr>
-        <p:blipFill>
-          <a:blip r:embed="rId2"/>
-          <a:stretch>
-            <a:fillRect/>
-          </a:stretch>
-        </p:blipFill>
+      <p:sp>
+        <p:nvSpPr>
+          <p:cNvPr id="2" name="Title 1"/>
+          <p:cNvSpPr>
+            <a:spLocks noGrp="1"/>
+          </p:cNvSpPr>
+          <p:nvPr>
+            <p:ph type="title"/>
+          </p:nvPr>
+        </p:nvSpPr>
         <p:spPr>
           <a:xfrm>
-            <a:off x="838200" y="216877"/>
-            <a:ext cx="7069645" cy="4588682"/>
+            <a:off x="457200" y="274638"/>
+            <a:ext cx="8229600" cy="563562"/>
+          </a:xfrm>
+        </p:spPr>
+        <p:txBody>
+          <a:bodyPr>
+            <a:normAutofit fontScale="90000"/>
+          </a:bodyPr>
+          <a:lstStyle/>
+          <a:p>
+            <a:r>
+              <a:rPr lang="en-US" dirty="0"/>
+              <a:t>Timer</a:t>
+            </a:r>
+          </a:p>
+        </p:txBody>
+      </p:sp>
+      <p:cxnSp>
+        <p:nvCxnSpPr>
+          <p:cNvPr id="5" name="Straight Arrow Connector 4"/>
+          <p:cNvCxnSpPr>
+            <a:cxnSpLocks/>
+          </p:cNvCxnSpPr>
+          <p:nvPr/>
+        </p:nvCxnSpPr>
+        <p:spPr>
+          <a:xfrm>
+            <a:off x="2301922" y="1505298"/>
+            <a:ext cx="0" cy="1548300"/>
+          </a:xfrm>
+          <a:prstGeom prst="straightConnector1">
+            <a:avLst/>
+          </a:prstGeom>
+          <a:ln>
+            <a:tailEnd type="triangle"/>
+          </a:ln>
+        </p:spPr>
+        <p:style>
+          <a:lnRef idx="2">
+            <a:schemeClr val="accent3"/>
+          </a:lnRef>
+          <a:fillRef idx="0">
+            <a:schemeClr val="accent3"/>
+          </a:fillRef>
+          <a:effectRef idx="1">
+            <a:schemeClr val="accent3"/>
+          </a:effectRef>
+          <a:fontRef idx="minor">
+            <a:schemeClr val="tx1"/>
+          </a:fontRef>
+        </p:style>
+      </p:cxnSp>
+      <p:cxnSp>
+        <p:nvCxnSpPr>
+          <p:cNvPr id="6" name="Straight Arrow Connector 5"/>
+          <p:cNvCxnSpPr>
+            <a:cxnSpLocks/>
+          </p:cNvCxnSpPr>
+          <p:nvPr/>
+        </p:nvCxnSpPr>
+        <p:spPr>
+          <a:xfrm>
+            <a:off x="4191000" y="2438400"/>
+            <a:ext cx="0" cy="3942766"/>
+          </a:xfrm>
+          <a:prstGeom prst="straightConnector1">
+            <a:avLst/>
+          </a:prstGeom>
+          <a:ln>
+            <a:solidFill>
+              <a:schemeClr val="tx2">
+                <a:lumMod val="60000"/>
+                <a:lumOff val="40000"/>
+              </a:schemeClr>
+            </a:solidFill>
+            <a:tailEnd type="triangle"/>
+          </a:ln>
+        </p:spPr>
+        <p:style>
+          <a:lnRef idx="2">
+            <a:schemeClr val="accent3"/>
+          </a:lnRef>
+          <a:fillRef idx="0">
+            <a:schemeClr val="accent3"/>
+          </a:fillRef>
+          <a:effectRef idx="1">
+            <a:schemeClr val="accent3"/>
+          </a:effectRef>
+          <a:fontRef idx="minor">
+            <a:schemeClr val="tx1"/>
+          </a:fontRef>
+        </p:style>
+      </p:cxnSp>
+      <p:cxnSp>
+        <p:nvCxnSpPr>
+          <p:cNvPr id="7" name="Straight Arrow Connector 6"/>
+          <p:cNvCxnSpPr>
+            <a:cxnSpLocks/>
+          </p:cNvCxnSpPr>
+          <p:nvPr/>
+        </p:nvCxnSpPr>
+        <p:spPr>
+          <a:xfrm>
+            <a:off x="2299741" y="2438400"/>
+            <a:ext cx="1891259" cy="1"/>
+          </a:xfrm>
+          <a:prstGeom prst="straightConnector1">
+            <a:avLst/>
+          </a:prstGeom>
+          <a:ln>
+            <a:tailEnd type="triangle"/>
+          </a:ln>
+        </p:spPr>
+        <p:style>
+          <a:lnRef idx="2">
+            <a:schemeClr val="accent3"/>
+          </a:lnRef>
+          <a:fillRef idx="0">
+            <a:schemeClr val="accent3"/>
+          </a:fillRef>
+          <a:effectRef idx="1">
+            <a:schemeClr val="accent3"/>
+          </a:effectRef>
+          <a:fontRef idx="minor">
+            <a:schemeClr val="tx1"/>
+          </a:fontRef>
+        </p:style>
+      </p:cxnSp>
+      <p:sp>
+        <p:nvSpPr>
+          <p:cNvPr id="8" name="TextBox 7"/>
+          <p:cNvSpPr txBox="1"/>
+          <p:nvPr/>
+        </p:nvSpPr>
+        <p:spPr>
+          <a:xfrm>
+            <a:off x="1523999" y="1107798"/>
+            <a:ext cx="1447801" cy="369332"/>
           </a:xfrm>
           <a:prstGeom prst="rect">
             <a:avLst/>
           </a:prstGeom>
+          <a:noFill/>
+          <a:ln>
+            <a:solidFill>
+              <a:schemeClr val="accent3"/>
+            </a:solidFill>
+          </a:ln>
         </p:spPr>
-      </p:pic>
-      <p:sp>
-        <p:nvSpPr>
-          <p:cNvPr id="2" name="TextBox 1"/>
+        <p:txBody>
+          <a:bodyPr wrap="square" rtlCol="0">
+            <a:spAutoFit/>
+          </a:bodyPr>
+          <a:lstStyle/>
+          <a:p>
+            <a:r>
+              <a:rPr lang="en-US" dirty="0">
+                <a:latin typeface="Courier New" panose="02070309020205020404" pitchFamily="49" charset="0"/>
+                <a:cs typeface="Courier New" panose="02070309020205020404" pitchFamily="49" charset="0"/>
+              </a:rPr>
+              <a:t>main</a:t>
+            </a:r>
+            <a:r>
+              <a:rPr lang="en-US" dirty="0"/>
+              <a:t> thread</a:t>
+            </a:r>
+          </a:p>
+        </p:txBody>
+      </p:sp>
+      <p:sp>
+        <p:nvSpPr>
+          <p:cNvPr id="9" name="TextBox 8"/>
           <p:cNvSpPr txBox="1"/>
           <p:nvPr/>
         </p:nvSpPr>
         <p:spPr>
           <a:xfrm>
-            <a:off x="533400" y="4935414"/>
-            <a:ext cx="7848600" cy="646331"/>
+            <a:off x="3048000" y="1828800"/>
+            <a:ext cx="2539873" cy="381000"/>
+          </a:xfrm>
+          <a:prstGeom prst="rect">
+            <a:avLst/>
+          </a:prstGeom>
+          <a:noFill/>
+          <a:ln>
+            <a:solidFill>
+              <a:schemeClr val="tx2">
+                <a:lumMod val="60000"/>
+                <a:lumOff val="40000"/>
+              </a:schemeClr>
+            </a:solidFill>
+          </a:ln>
+        </p:spPr>
+        <p:txBody>
+          <a:bodyPr wrap="square" rtlCol="0">
+            <a:spAutoFit/>
+          </a:bodyPr>
+          <a:lstStyle/>
+          <a:p>
+            <a:r>
+              <a:rPr lang="en-US" dirty="0"/>
+              <a:t>Java Graphics Thread</a:t>
+            </a:r>
+          </a:p>
+        </p:txBody>
+      </p:sp>
+      <p:sp>
+        <p:nvSpPr>
+          <p:cNvPr id="11" name="Rounded Rectangle 10"/>
+          <p:cNvSpPr/>
+          <p:nvPr/>
+        </p:nvSpPr>
+        <p:spPr>
+          <a:xfrm>
+            <a:off x="1524000" y="3124200"/>
+            <a:ext cx="1495269" cy="489466"/>
+          </a:xfrm>
+          <a:prstGeom prst="roundRect">
+            <a:avLst/>
+          </a:prstGeom>
+          <a:solidFill>
+            <a:schemeClr val="accent3"/>
+          </a:solidFill>
+        </p:spPr>
+        <p:style>
+          <a:lnRef idx="2">
+            <a:schemeClr val="accent1">
+              <a:shade val="50000"/>
+            </a:schemeClr>
+          </a:lnRef>
+          <a:fillRef idx="1">
+            <a:schemeClr val="accent1"/>
+          </a:fillRef>
+          <a:effectRef idx="0">
+            <a:schemeClr val="accent1"/>
+          </a:effectRef>
+          <a:fontRef idx="minor">
+            <a:schemeClr val="lt1"/>
+          </a:fontRef>
+        </p:style>
+        <p:txBody>
+          <a:bodyPr rtlCol="0" anchor="ctr"/>
+          <a:lstStyle/>
+          <a:p>
+            <a:pPr algn="ctr"/>
+            <a:r>
+              <a:rPr lang="en-US" dirty="0"/>
+              <a:t>Exit</a:t>
+            </a:r>
+          </a:p>
+        </p:txBody>
+      </p:sp>
+      <p:cxnSp>
+        <p:nvCxnSpPr>
+          <p:cNvPr id="13" name="Straight Arrow Connector 12"/>
+          <p:cNvCxnSpPr>
+            <a:cxnSpLocks/>
+          </p:cNvCxnSpPr>
+          <p:nvPr/>
+        </p:nvCxnSpPr>
+        <p:spPr>
+          <a:xfrm>
+            <a:off x="4343400" y="2753769"/>
+            <a:ext cx="963407" cy="0"/>
+          </a:xfrm>
+          <a:prstGeom prst="straightConnector1">
+            <a:avLst/>
+          </a:prstGeom>
+          <a:ln>
+            <a:solidFill>
+              <a:schemeClr val="tx2">
+                <a:lumMod val="60000"/>
+                <a:lumOff val="40000"/>
+              </a:schemeClr>
+            </a:solidFill>
+            <a:tailEnd type="triangle"/>
+          </a:ln>
+        </p:spPr>
+        <p:style>
+          <a:lnRef idx="2">
+            <a:schemeClr val="accent3"/>
+          </a:lnRef>
+          <a:fillRef idx="0">
+            <a:schemeClr val="accent3"/>
+          </a:fillRef>
+          <a:effectRef idx="1">
+            <a:schemeClr val="accent3"/>
+          </a:effectRef>
+          <a:fontRef idx="minor">
+            <a:schemeClr val="tx1"/>
+          </a:fontRef>
+        </p:style>
+      </p:cxnSp>
+      <p:cxnSp>
+        <p:nvCxnSpPr>
+          <p:cNvPr id="17" name="Straight Arrow Connector 16"/>
+          <p:cNvCxnSpPr>
+            <a:cxnSpLocks/>
+          </p:cNvCxnSpPr>
+          <p:nvPr/>
+        </p:nvCxnSpPr>
+        <p:spPr>
+          <a:xfrm>
+            <a:off x="4343400" y="4095166"/>
+            <a:ext cx="963407" cy="0"/>
+          </a:xfrm>
+          <a:prstGeom prst="straightConnector1">
+            <a:avLst/>
+          </a:prstGeom>
+          <a:ln>
+            <a:solidFill>
+              <a:schemeClr val="tx2">
+                <a:lumMod val="60000"/>
+                <a:lumOff val="40000"/>
+              </a:schemeClr>
+            </a:solidFill>
+            <a:tailEnd type="triangle"/>
+          </a:ln>
+        </p:spPr>
+        <p:style>
+          <a:lnRef idx="2">
+            <a:schemeClr val="accent3"/>
+          </a:lnRef>
+          <a:fillRef idx="0">
+            <a:schemeClr val="accent3"/>
+          </a:fillRef>
+          <a:effectRef idx="1">
+            <a:schemeClr val="accent3"/>
+          </a:effectRef>
+          <a:fontRef idx="minor">
+            <a:schemeClr val="tx1"/>
+          </a:fontRef>
+        </p:style>
+      </p:cxnSp>
+      <p:sp>
+        <p:nvSpPr>
+          <p:cNvPr id="18" name="TextBox 17"/>
+          <p:cNvSpPr txBox="1"/>
+          <p:nvPr/>
+        </p:nvSpPr>
+        <p:spPr>
+          <a:xfrm>
+            <a:off x="5334000" y="3820569"/>
+            <a:ext cx="3505200" cy="954107"/>
+          </a:xfrm>
+          <a:prstGeom prst="rect">
+            <a:avLst/>
+          </a:prstGeom>
+          <a:noFill/>
+          <a:ln>
+            <a:solidFill>
+              <a:schemeClr val="tx2">
+                <a:lumMod val="60000"/>
+                <a:lumOff val="40000"/>
+              </a:schemeClr>
+            </a:solidFill>
+          </a:ln>
+        </p:spPr>
+        <p:txBody>
+          <a:bodyPr wrap="square" rtlCol="0">
+            <a:spAutoFit/>
+          </a:bodyPr>
+          <a:lstStyle/>
+          <a:p>
+            <a:r>
+              <a:rPr lang="en-US" sz="1400" b="1" dirty="0">
+                <a:latin typeface="Courier New" panose="02070309020205020404" pitchFamily="49" charset="0"/>
+                <a:cs typeface="Courier New" panose="02070309020205020404" pitchFamily="49" charset="0"/>
+              </a:rPr>
+              <a:t>public</a:t>
+            </a:r>
+            <a:r>
+              <a:rPr lang="en-US" sz="1400" dirty="0">
+                <a:latin typeface="Courier New" panose="02070309020205020404" pitchFamily="49" charset="0"/>
+                <a:cs typeface="Courier New" panose="02070309020205020404" pitchFamily="49" charset="0"/>
+              </a:rPr>
+              <a:t> </a:t>
+            </a:r>
+            <a:r>
+              <a:rPr lang="en-US" sz="1400" b="1" dirty="0">
+                <a:latin typeface="Courier New" panose="02070309020205020404" pitchFamily="49" charset="0"/>
+                <a:cs typeface="Courier New" panose="02070309020205020404" pitchFamily="49" charset="0"/>
+              </a:rPr>
+              <a:t>void</a:t>
+            </a:r>
+            <a:r>
+              <a:rPr lang="en-US" sz="1400" dirty="0">
+                <a:latin typeface="Courier New" panose="02070309020205020404" pitchFamily="49" charset="0"/>
+                <a:cs typeface="Courier New" panose="02070309020205020404" pitchFamily="49" charset="0"/>
+              </a:rPr>
+              <a:t> </a:t>
+            </a:r>
+            <a:r>
+              <a:rPr lang="en-US" sz="1400" dirty="0" err="1">
+                <a:latin typeface="Courier New" panose="02070309020205020404" pitchFamily="49" charset="0"/>
+                <a:cs typeface="Courier New" panose="02070309020205020404" pitchFamily="49" charset="0"/>
+              </a:rPr>
+              <a:t>advanceOneTick</a:t>
+            </a:r>
+            <a:r>
+              <a:rPr lang="en-US" sz="1400" dirty="0">
+                <a:latin typeface="Courier New" panose="02070309020205020404" pitchFamily="49" charset="0"/>
+                <a:cs typeface="Courier New" panose="02070309020205020404" pitchFamily="49" charset="0"/>
+              </a:rPr>
+              <a:t>() {    </a:t>
+            </a:r>
+          </a:p>
+          <a:p>
+            <a:r>
+              <a:rPr lang="en-US" sz="1400" dirty="0">
+                <a:latin typeface="Courier New" panose="02070309020205020404" pitchFamily="49" charset="0"/>
+                <a:cs typeface="Courier New" panose="02070309020205020404" pitchFamily="49" charset="0"/>
+              </a:rPr>
+              <a:t>    </a:t>
+            </a:r>
+            <a:r>
+              <a:rPr lang="en-US" sz="1400" dirty="0" err="1">
+                <a:latin typeface="Courier New" panose="02070309020205020404" pitchFamily="49" charset="0"/>
+                <a:cs typeface="Courier New" panose="02070309020205020404" pitchFamily="49" charset="0"/>
+              </a:rPr>
+              <a:t>myComponent.updateState</a:t>
+            </a:r>
+            <a:r>
+              <a:rPr lang="en-US" sz="1400" dirty="0">
+                <a:latin typeface="Courier New" panose="02070309020205020404" pitchFamily="49" charset="0"/>
+                <a:cs typeface="Courier New" panose="02070309020205020404" pitchFamily="49" charset="0"/>
+              </a:rPr>
+              <a:t>();</a:t>
+            </a:r>
+          </a:p>
+          <a:p>
+            <a:r>
+              <a:rPr lang="en-US" sz="1400" dirty="0">
+                <a:latin typeface="Courier New" panose="02070309020205020404" pitchFamily="49" charset="0"/>
+                <a:cs typeface="Courier New" panose="02070309020205020404" pitchFamily="49" charset="0"/>
+              </a:rPr>
+              <a:t>    </a:t>
+            </a:r>
+            <a:r>
+              <a:rPr lang="en-US" sz="1400" dirty="0" err="1">
+                <a:latin typeface="Courier New" panose="02070309020205020404" pitchFamily="49" charset="0"/>
+                <a:cs typeface="Courier New" panose="02070309020205020404" pitchFamily="49" charset="0"/>
+              </a:rPr>
+              <a:t>myComponent.drawScreen</a:t>
+            </a:r>
+            <a:r>
+              <a:rPr lang="en-US" sz="1400" dirty="0">
+                <a:latin typeface="Courier New" panose="02070309020205020404" pitchFamily="49" charset="0"/>
+                <a:cs typeface="Courier New" panose="02070309020205020404" pitchFamily="49" charset="0"/>
+              </a:rPr>
+              <a:t>();</a:t>
+            </a:r>
+          </a:p>
+          <a:p>
+            <a:r>
+              <a:rPr lang="en-US" sz="1400" dirty="0">
+                <a:latin typeface="Courier New" panose="02070309020205020404" pitchFamily="49" charset="0"/>
+                <a:cs typeface="Courier New" panose="02070309020205020404" pitchFamily="49" charset="0"/>
+              </a:rPr>
+              <a:t>}</a:t>
+            </a:r>
+          </a:p>
+        </p:txBody>
+      </p:sp>
+      <p:cxnSp>
+        <p:nvCxnSpPr>
+          <p:cNvPr id="19" name="Straight Arrow Connector 18"/>
+          <p:cNvCxnSpPr>
+            <a:cxnSpLocks/>
+          </p:cNvCxnSpPr>
+          <p:nvPr/>
+        </p:nvCxnSpPr>
+        <p:spPr>
+          <a:xfrm>
+            <a:off x="4343400" y="5425231"/>
+            <a:ext cx="963407" cy="0"/>
+          </a:xfrm>
+          <a:prstGeom prst="straightConnector1">
+            <a:avLst/>
+          </a:prstGeom>
+          <a:ln>
+            <a:solidFill>
+              <a:schemeClr val="tx2">
+                <a:lumMod val="60000"/>
+                <a:lumOff val="40000"/>
+              </a:schemeClr>
+            </a:solidFill>
+            <a:tailEnd type="triangle"/>
+          </a:ln>
+        </p:spPr>
+        <p:style>
+          <a:lnRef idx="2">
+            <a:schemeClr val="accent3"/>
+          </a:lnRef>
+          <a:fillRef idx="0">
+            <a:schemeClr val="accent3"/>
+          </a:fillRef>
+          <a:effectRef idx="1">
+            <a:schemeClr val="accent3"/>
+          </a:effectRef>
+          <a:fontRef idx="minor">
+            <a:schemeClr val="tx1"/>
+          </a:fontRef>
+        </p:style>
+      </p:cxnSp>
+      <p:sp>
+        <p:nvSpPr>
+          <p:cNvPr id="22" name="TextBox 21"/>
+          <p:cNvSpPr txBox="1"/>
+          <p:nvPr/>
+        </p:nvSpPr>
+        <p:spPr>
+          <a:xfrm>
+            <a:off x="1295400" y="3972969"/>
+            <a:ext cx="2518348" cy="369332"/>
+          </a:xfrm>
+          <a:prstGeom prst="rect">
+            <a:avLst/>
+          </a:prstGeom>
+          <a:noFill/>
+          <a:ln>
+            <a:solidFill>
+              <a:schemeClr val="tx2">
+                <a:lumMod val="60000"/>
+                <a:lumOff val="40000"/>
+              </a:schemeClr>
+            </a:solidFill>
+          </a:ln>
+        </p:spPr>
+        <p:txBody>
+          <a:bodyPr wrap="square" rtlCol="0">
+            <a:spAutoFit/>
+          </a:bodyPr>
+          <a:lstStyle/>
+          <a:p>
+            <a:r>
+              <a:rPr lang="en-US" dirty="0"/>
+              <a:t>Each tick of the Timer</a:t>
+            </a:r>
+          </a:p>
+        </p:txBody>
+      </p:sp>
+      <p:cxnSp>
+        <p:nvCxnSpPr>
+          <p:cNvPr id="23" name="Straight Arrow Connector 22"/>
+          <p:cNvCxnSpPr>
+            <a:cxnSpLocks/>
+          </p:cNvCxnSpPr>
+          <p:nvPr/>
+        </p:nvCxnSpPr>
+        <p:spPr>
+          <a:xfrm flipV="1">
+            <a:off x="3733800" y="2753769"/>
+            <a:ext cx="609600" cy="1371600"/>
+          </a:xfrm>
+          <a:prstGeom prst="straightConnector1">
+            <a:avLst/>
+          </a:prstGeom>
+          <a:ln>
+            <a:solidFill>
+              <a:schemeClr val="tx1"/>
+            </a:solidFill>
+            <a:tailEnd type="triangle"/>
+          </a:ln>
+        </p:spPr>
+        <p:style>
+          <a:lnRef idx="2">
+            <a:schemeClr val="accent3"/>
+          </a:lnRef>
+          <a:fillRef idx="0">
+            <a:schemeClr val="accent3"/>
+          </a:fillRef>
+          <a:effectRef idx="1">
+            <a:schemeClr val="accent3"/>
+          </a:effectRef>
+          <a:fontRef idx="minor">
+            <a:schemeClr val="tx1"/>
+          </a:fontRef>
+        </p:style>
+      </p:cxnSp>
+      <p:cxnSp>
+        <p:nvCxnSpPr>
+          <p:cNvPr id="27" name="Straight Arrow Connector 26"/>
+          <p:cNvCxnSpPr>
+            <a:cxnSpLocks/>
+          </p:cNvCxnSpPr>
+          <p:nvPr/>
+        </p:nvCxnSpPr>
+        <p:spPr>
+          <a:xfrm>
+            <a:off x="3733800" y="4125369"/>
+            <a:ext cx="629587" cy="0"/>
+          </a:xfrm>
+          <a:prstGeom prst="straightConnector1">
+            <a:avLst/>
+          </a:prstGeom>
+          <a:ln>
+            <a:solidFill>
+              <a:schemeClr val="tx1"/>
+            </a:solidFill>
+            <a:tailEnd type="triangle"/>
+          </a:ln>
+        </p:spPr>
+        <p:style>
+          <a:lnRef idx="2">
+            <a:schemeClr val="accent3"/>
+          </a:lnRef>
+          <a:fillRef idx="0">
+            <a:schemeClr val="accent3"/>
+          </a:fillRef>
+          <a:effectRef idx="1">
+            <a:schemeClr val="accent3"/>
+          </a:effectRef>
+          <a:fontRef idx="minor">
+            <a:schemeClr val="tx1"/>
+          </a:fontRef>
+        </p:style>
+      </p:cxnSp>
+      <p:cxnSp>
+        <p:nvCxnSpPr>
+          <p:cNvPr id="30" name="Straight Arrow Connector 29"/>
+          <p:cNvCxnSpPr>
+            <a:cxnSpLocks/>
+          </p:cNvCxnSpPr>
+          <p:nvPr/>
+        </p:nvCxnSpPr>
+        <p:spPr>
+          <a:xfrm>
+            <a:off x="3733800" y="4125369"/>
+            <a:ext cx="609600" cy="1295400"/>
+          </a:xfrm>
+          <a:prstGeom prst="straightConnector1">
+            <a:avLst/>
+          </a:prstGeom>
+          <a:ln>
+            <a:solidFill>
+              <a:schemeClr val="tx1"/>
+            </a:solidFill>
+            <a:tailEnd type="triangle"/>
+          </a:ln>
+        </p:spPr>
+        <p:style>
+          <a:lnRef idx="2">
+            <a:schemeClr val="accent3"/>
+          </a:lnRef>
+          <a:fillRef idx="0">
+            <a:schemeClr val="accent3"/>
+          </a:fillRef>
+          <a:effectRef idx="1">
+            <a:schemeClr val="accent3"/>
+          </a:effectRef>
+          <a:fontRef idx="minor">
+            <a:schemeClr val="tx1"/>
+          </a:fontRef>
+        </p:style>
+      </p:cxnSp>
+      <p:sp>
+        <p:nvSpPr>
+          <p:cNvPr id="24" name="TextBox 23">
+            <a:extLst>
+              <a:ext uri="{FF2B5EF4-FFF2-40B4-BE49-F238E27FC236}">
+                <a16:creationId xmlns:a16="http://schemas.microsoft.com/office/drawing/2014/main" id="{92E092D7-FF4F-184D-875F-D6653C5F9CFB}"/>
+              </a:ext>
+            </a:extLst>
+          </p:cNvPr>
+          <p:cNvSpPr txBox="1"/>
+          <p:nvPr/>
+        </p:nvSpPr>
+        <p:spPr>
+          <a:xfrm>
+            <a:off x="5257800" y="2525169"/>
+            <a:ext cx="3581400" cy="954107"/>
+          </a:xfrm>
+          <a:prstGeom prst="rect">
+            <a:avLst/>
+          </a:prstGeom>
+          <a:noFill/>
+          <a:ln>
+            <a:solidFill>
+              <a:schemeClr val="tx2">
+                <a:lumMod val="60000"/>
+                <a:lumOff val="40000"/>
+              </a:schemeClr>
+            </a:solidFill>
+          </a:ln>
+        </p:spPr>
+        <p:txBody>
+          <a:bodyPr wrap="square" rtlCol="0">
+            <a:spAutoFit/>
+          </a:bodyPr>
+          <a:lstStyle/>
+          <a:p>
+            <a:r>
+              <a:rPr lang="en-US" sz="1400" b="1" dirty="0">
+                <a:latin typeface="Courier New" panose="02070309020205020404" pitchFamily="49" charset="0"/>
+                <a:cs typeface="Courier New" panose="02070309020205020404" pitchFamily="49" charset="0"/>
+              </a:rPr>
+              <a:t>public</a:t>
+            </a:r>
+            <a:r>
+              <a:rPr lang="en-US" sz="1400" dirty="0">
+                <a:latin typeface="Courier New" panose="02070309020205020404" pitchFamily="49" charset="0"/>
+                <a:cs typeface="Courier New" panose="02070309020205020404" pitchFamily="49" charset="0"/>
+              </a:rPr>
+              <a:t> </a:t>
+            </a:r>
+            <a:r>
+              <a:rPr lang="en-US" sz="1400" b="1" dirty="0">
+                <a:latin typeface="Courier New" panose="02070309020205020404" pitchFamily="49" charset="0"/>
+                <a:cs typeface="Courier New" panose="02070309020205020404" pitchFamily="49" charset="0"/>
+              </a:rPr>
+              <a:t>void</a:t>
+            </a:r>
+            <a:r>
+              <a:rPr lang="en-US" sz="1400" dirty="0">
+                <a:latin typeface="Courier New" panose="02070309020205020404" pitchFamily="49" charset="0"/>
+                <a:cs typeface="Courier New" panose="02070309020205020404" pitchFamily="49" charset="0"/>
+              </a:rPr>
+              <a:t> </a:t>
+            </a:r>
+            <a:r>
+              <a:rPr lang="en-US" sz="1400" dirty="0" err="1">
+                <a:latin typeface="Courier New" panose="02070309020205020404" pitchFamily="49" charset="0"/>
+                <a:cs typeface="Courier New" panose="02070309020205020404" pitchFamily="49" charset="0"/>
+              </a:rPr>
+              <a:t>advanceOneTick</a:t>
+            </a:r>
+            <a:r>
+              <a:rPr lang="en-US" sz="1400" dirty="0">
+                <a:latin typeface="Courier New" panose="02070309020205020404" pitchFamily="49" charset="0"/>
+                <a:cs typeface="Courier New" panose="02070309020205020404" pitchFamily="49" charset="0"/>
+              </a:rPr>
+              <a:t>() {    </a:t>
+            </a:r>
+          </a:p>
+          <a:p>
+            <a:r>
+              <a:rPr lang="en-US" sz="1400" dirty="0">
+                <a:latin typeface="Courier New" panose="02070309020205020404" pitchFamily="49" charset="0"/>
+                <a:cs typeface="Courier New" panose="02070309020205020404" pitchFamily="49" charset="0"/>
+              </a:rPr>
+              <a:t>    </a:t>
+            </a:r>
+            <a:r>
+              <a:rPr lang="en-US" sz="1400" dirty="0" err="1">
+                <a:latin typeface="Courier New" panose="02070309020205020404" pitchFamily="49" charset="0"/>
+                <a:cs typeface="Courier New" panose="02070309020205020404" pitchFamily="49" charset="0"/>
+              </a:rPr>
+              <a:t>myComponent.updateState</a:t>
+            </a:r>
+            <a:r>
+              <a:rPr lang="en-US" sz="1400" dirty="0">
+                <a:latin typeface="Courier New" panose="02070309020205020404" pitchFamily="49" charset="0"/>
+                <a:cs typeface="Courier New" panose="02070309020205020404" pitchFamily="49" charset="0"/>
+              </a:rPr>
+              <a:t>();</a:t>
+            </a:r>
+          </a:p>
+          <a:p>
+            <a:r>
+              <a:rPr lang="en-US" sz="1400" dirty="0">
+                <a:latin typeface="Courier New" panose="02070309020205020404" pitchFamily="49" charset="0"/>
+                <a:cs typeface="Courier New" panose="02070309020205020404" pitchFamily="49" charset="0"/>
+              </a:rPr>
+              <a:t>    </a:t>
+            </a:r>
+            <a:r>
+              <a:rPr lang="en-US" sz="1400" dirty="0" err="1">
+                <a:latin typeface="Courier New" panose="02070309020205020404" pitchFamily="49" charset="0"/>
+                <a:cs typeface="Courier New" panose="02070309020205020404" pitchFamily="49" charset="0"/>
+              </a:rPr>
+              <a:t>myComponent.drawScreen</a:t>
+            </a:r>
+            <a:r>
+              <a:rPr lang="en-US" sz="1400" dirty="0">
+                <a:latin typeface="Courier New" panose="02070309020205020404" pitchFamily="49" charset="0"/>
+                <a:cs typeface="Courier New" panose="02070309020205020404" pitchFamily="49" charset="0"/>
+              </a:rPr>
+              <a:t>();</a:t>
+            </a:r>
+          </a:p>
+          <a:p>
+            <a:r>
+              <a:rPr lang="en-US" sz="1400" dirty="0">
+                <a:latin typeface="Courier New" panose="02070309020205020404" pitchFamily="49" charset="0"/>
+                <a:cs typeface="Courier New" panose="02070309020205020404" pitchFamily="49" charset="0"/>
+              </a:rPr>
+              <a:t>}</a:t>
+            </a:r>
+          </a:p>
+        </p:txBody>
+      </p:sp>
+      <p:sp>
+        <p:nvSpPr>
+          <p:cNvPr id="25" name="TextBox 24">
+            <a:extLst>
+              <a:ext uri="{FF2B5EF4-FFF2-40B4-BE49-F238E27FC236}">
+                <a16:creationId xmlns:a16="http://schemas.microsoft.com/office/drawing/2014/main" id="{9FAFDAB9-3EAD-0B4D-8208-E388102FB634}"/>
+              </a:ext>
+            </a:extLst>
+          </p:cNvPr>
+          <p:cNvSpPr txBox="1"/>
+          <p:nvPr/>
+        </p:nvSpPr>
+        <p:spPr>
+          <a:xfrm>
+            <a:off x="5257800" y="5238166"/>
+            <a:ext cx="3581400" cy="954107"/>
+          </a:xfrm>
+          <a:prstGeom prst="rect">
+            <a:avLst/>
+          </a:prstGeom>
+          <a:noFill/>
+          <a:ln>
+            <a:solidFill>
+              <a:schemeClr val="tx2">
+                <a:lumMod val="60000"/>
+                <a:lumOff val="40000"/>
+              </a:schemeClr>
+            </a:solidFill>
+          </a:ln>
+        </p:spPr>
+        <p:txBody>
+          <a:bodyPr wrap="square" rtlCol="0">
+            <a:spAutoFit/>
+          </a:bodyPr>
+          <a:lstStyle/>
+          <a:p>
+            <a:r>
+              <a:rPr lang="en-US" sz="1400" b="1" dirty="0">
+                <a:latin typeface="Courier New" panose="02070309020205020404" pitchFamily="49" charset="0"/>
+                <a:cs typeface="Courier New" panose="02070309020205020404" pitchFamily="49" charset="0"/>
+              </a:rPr>
+              <a:t>public</a:t>
+            </a:r>
+            <a:r>
+              <a:rPr lang="en-US" sz="1400" dirty="0">
+                <a:latin typeface="Courier New" panose="02070309020205020404" pitchFamily="49" charset="0"/>
+                <a:cs typeface="Courier New" panose="02070309020205020404" pitchFamily="49" charset="0"/>
+              </a:rPr>
+              <a:t> </a:t>
+            </a:r>
+            <a:r>
+              <a:rPr lang="en-US" sz="1400" b="1" dirty="0">
+                <a:latin typeface="Courier New" panose="02070309020205020404" pitchFamily="49" charset="0"/>
+                <a:cs typeface="Courier New" panose="02070309020205020404" pitchFamily="49" charset="0"/>
+              </a:rPr>
+              <a:t>void</a:t>
+            </a:r>
+            <a:r>
+              <a:rPr lang="en-US" sz="1400" dirty="0">
+                <a:latin typeface="Courier New" panose="02070309020205020404" pitchFamily="49" charset="0"/>
+                <a:cs typeface="Courier New" panose="02070309020205020404" pitchFamily="49" charset="0"/>
+              </a:rPr>
+              <a:t> </a:t>
+            </a:r>
+            <a:r>
+              <a:rPr lang="en-US" sz="1400" dirty="0" err="1">
+                <a:latin typeface="Courier New" panose="02070309020205020404" pitchFamily="49" charset="0"/>
+                <a:cs typeface="Courier New" panose="02070309020205020404" pitchFamily="49" charset="0"/>
+              </a:rPr>
+              <a:t>advanceOneTick</a:t>
+            </a:r>
+            <a:r>
+              <a:rPr lang="en-US" sz="1400" dirty="0">
+                <a:latin typeface="Courier New" panose="02070309020205020404" pitchFamily="49" charset="0"/>
+                <a:cs typeface="Courier New" panose="02070309020205020404" pitchFamily="49" charset="0"/>
+              </a:rPr>
+              <a:t>() {    </a:t>
+            </a:r>
+          </a:p>
+          <a:p>
+            <a:r>
+              <a:rPr lang="en-US" sz="1400" dirty="0">
+                <a:latin typeface="Courier New" panose="02070309020205020404" pitchFamily="49" charset="0"/>
+                <a:cs typeface="Courier New" panose="02070309020205020404" pitchFamily="49" charset="0"/>
+              </a:rPr>
+              <a:t>    </a:t>
+            </a:r>
+            <a:r>
+              <a:rPr lang="en-US" sz="1400" dirty="0" err="1">
+                <a:latin typeface="Courier New" panose="02070309020205020404" pitchFamily="49" charset="0"/>
+                <a:cs typeface="Courier New" panose="02070309020205020404" pitchFamily="49" charset="0"/>
+              </a:rPr>
+              <a:t>myComponent.updateState</a:t>
+            </a:r>
+            <a:r>
+              <a:rPr lang="en-US" sz="1400" dirty="0">
+                <a:latin typeface="Courier New" panose="02070309020205020404" pitchFamily="49" charset="0"/>
+                <a:cs typeface="Courier New" panose="02070309020205020404" pitchFamily="49" charset="0"/>
+              </a:rPr>
+              <a:t>();</a:t>
+            </a:r>
+          </a:p>
+          <a:p>
+            <a:r>
+              <a:rPr lang="en-US" sz="1400" dirty="0">
+                <a:latin typeface="Courier New" panose="02070309020205020404" pitchFamily="49" charset="0"/>
+                <a:cs typeface="Courier New" panose="02070309020205020404" pitchFamily="49" charset="0"/>
+              </a:rPr>
+              <a:t>    </a:t>
+            </a:r>
+            <a:r>
+              <a:rPr lang="en-US" sz="1400" dirty="0" err="1">
+                <a:latin typeface="Courier New" panose="02070309020205020404" pitchFamily="49" charset="0"/>
+                <a:cs typeface="Courier New" panose="02070309020205020404" pitchFamily="49" charset="0"/>
+              </a:rPr>
+              <a:t>myComponent.drawScreen</a:t>
+            </a:r>
+            <a:r>
+              <a:rPr lang="en-US" sz="1400" dirty="0">
+                <a:latin typeface="Courier New" panose="02070309020205020404" pitchFamily="49" charset="0"/>
+                <a:cs typeface="Courier New" panose="02070309020205020404" pitchFamily="49" charset="0"/>
+              </a:rPr>
+              <a:t>();</a:t>
+            </a:r>
+          </a:p>
+          <a:p>
+            <a:r>
+              <a:rPr lang="en-US" sz="1400" dirty="0">
+                <a:latin typeface="Courier New" panose="02070309020205020404" pitchFamily="49" charset="0"/>
+                <a:cs typeface="Courier New" panose="02070309020205020404" pitchFamily="49" charset="0"/>
+              </a:rPr>
+              <a:t>}</a:t>
+            </a:r>
+          </a:p>
+        </p:txBody>
+      </p:sp>
+      <p:cxnSp>
+        <p:nvCxnSpPr>
+          <p:cNvPr id="28" name="Straight Arrow Connector 27">
+            <a:extLst>
+              <a:ext uri="{FF2B5EF4-FFF2-40B4-BE49-F238E27FC236}">
+                <a16:creationId xmlns:a16="http://schemas.microsoft.com/office/drawing/2014/main" id="{FB32C3AA-63F0-A84E-B5B1-7E7D80710DB5}"/>
+              </a:ext>
+            </a:extLst>
+          </p:cNvPr>
+          <p:cNvCxnSpPr>
+            <a:cxnSpLocks/>
+          </p:cNvCxnSpPr>
+          <p:nvPr/>
+        </p:nvCxnSpPr>
+        <p:spPr>
+          <a:xfrm>
+            <a:off x="685800" y="1066800"/>
+            <a:ext cx="0" cy="5257800"/>
+          </a:xfrm>
+          <a:prstGeom prst="straightConnector1">
+            <a:avLst/>
+          </a:prstGeom>
+          <a:ln w="38100">
+            <a:solidFill>
+              <a:srgbClr val="FF0000"/>
+            </a:solidFill>
+            <a:tailEnd type="triangle"/>
+          </a:ln>
+        </p:spPr>
+        <p:style>
+          <a:lnRef idx="1">
+            <a:schemeClr val="accent1"/>
+          </a:lnRef>
+          <a:fillRef idx="0">
+            <a:schemeClr val="accent1"/>
+          </a:fillRef>
+          <a:effectRef idx="0">
+            <a:schemeClr val="accent1"/>
+          </a:effectRef>
+          <a:fontRef idx="minor">
+            <a:schemeClr val="tx1"/>
+          </a:fontRef>
+        </p:style>
+      </p:cxnSp>
+      <p:sp>
+        <p:nvSpPr>
+          <p:cNvPr id="29" name="TextBox 28">
+            <a:extLst>
+              <a:ext uri="{FF2B5EF4-FFF2-40B4-BE49-F238E27FC236}">
+                <a16:creationId xmlns:a16="http://schemas.microsoft.com/office/drawing/2014/main" id="{D1A42C32-06E3-444C-A0DC-9F9B21A76217}"/>
+              </a:ext>
+            </a:extLst>
+          </p:cNvPr>
+          <p:cNvSpPr txBox="1"/>
+          <p:nvPr/>
+        </p:nvSpPr>
+        <p:spPr>
+          <a:xfrm>
+            <a:off x="304800" y="762000"/>
+            <a:ext cx="689035" cy="369332"/>
           </a:xfrm>
           <a:prstGeom prst="rect">
             <a:avLst/>
@@ -5564,13 +6930,7 @@
           <a:p>
             <a:r>
               <a:rPr lang="en-US" dirty="0"/>
-              <a:t>1. You can meet virtually to discuss and create design</a:t>
-            </a:r>
-          </a:p>
-          <a:p>
-            <a:r>
-              <a:rPr lang="en-US" dirty="0"/>
-              <a:t>2. We suggest you screen share and allow remote control via MS Teams</a:t>
+              <a:t>Time</a:t>
             </a:r>
           </a:p>
         </p:txBody>
@@ -5578,7 +6938,7 @@
     </p:spTree>
     <p:extLst>
       <p:ext uri="{BB962C8B-B14F-4D97-AF65-F5344CB8AC3E}">
-        <p14:creationId xmlns:p14="http://schemas.microsoft.com/office/powerpoint/2010/main" val="1448361729"/>
+        <p14:creationId xmlns:p14="http://schemas.microsoft.com/office/powerpoint/2010/main" val="553843822"/>
       </p:ext>
     </p:extLst>
   </p:cSld>
@@ -5607,6 +6967,28 @@
       </p:grpSpPr>
       <p:sp>
         <p:nvSpPr>
+          <p:cNvPr id="2" name="Title 1"/>
+          <p:cNvSpPr>
+            <a:spLocks noGrp="1"/>
+          </p:cNvSpPr>
+          <p:nvPr>
+            <p:ph type="title"/>
+          </p:nvPr>
+        </p:nvSpPr>
+        <p:spPr/>
+        <p:txBody>
+          <a:bodyPr/>
+          <a:lstStyle/>
+          <a:p>
+            <a:r>
+              <a:rPr lang="en-US" dirty="0"/>
+              <a:t>Live-coding</a:t>
+            </a:r>
+          </a:p>
+        </p:txBody>
+      </p:sp>
+      <p:sp>
+        <p:nvSpPr>
           <p:cNvPr id="3" name="Content Placeholder 2"/>
           <p:cNvSpPr>
             <a:spLocks noGrp="1"/>
@@ -5615,70 +6997,42 @@
             <p:ph idx="1"/>
           </p:nvPr>
         </p:nvSpPr>
-        <p:spPr>
-          <a:xfrm>
-            <a:off x="457200" y="2971800"/>
-            <a:ext cx="8229600" cy="3154363"/>
-          </a:xfrm>
-        </p:spPr>
-        <p:txBody>
-          <a:bodyPr>
-            <a:normAutofit/>
-          </a:bodyPr>
+        <p:spPr/>
+        <p:txBody>
+          <a:bodyPr/>
           <a:lstStyle/>
           <a:p>
             <a:r>
-              <a:rPr lang="en-US" sz="2800" dirty="0"/>
-              <a:t>We will show you how to read/write with files so you can get started on this early if you want.</a:t>
-            </a:r>
-          </a:p>
-          <a:p>
-            <a:r>
-              <a:rPr lang="en-US" sz="2800" dirty="0"/>
-              <a:t>We will talk more about Exceptions after Exam2</a:t>
-            </a:r>
-          </a:p>
-          <a:p>
-            <a:r>
-              <a:rPr lang="en-US" sz="2800" dirty="0"/>
-              <a:t>There will be a separate training video for working remotely together and using </a:t>
-            </a:r>
-            <a:r>
-              <a:rPr lang="en-US" sz="2800" dirty="0" err="1"/>
-              <a:t>git</a:t>
-            </a:r>
-            <a:endParaRPr lang="en-US" sz="2800" dirty="0"/>
-          </a:p>
-        </p:txBody>
-      </p:sp>
-      <p:pic>
-        <p:nvPicPr>
-          <p:cNvPr id="4" name="Picture 3"/>
-          <p:cNvPicPr>
-            <a:picLocks noChangeAspect="1"/>
-          </p:cNvPicPr>
-          <p:nvPr/>
-        </p:nvPicPr>
-        <p:blipFill>
-          <a:blip r:embed="rId2"/>
-          <a:stretch>
-            <a:fillRect/>
-          </a:stretch>
-        </p:blipFill>
-        <p:spPr>
-          <a:xfrm>
-            <a:off x="381000" y="381000"/>
-            <a:ext cx="8077200" cy="2142387"/>
-          </a:xfrm>
-          <a:prstGeom prst="rect">
-            <a:avLst/>
-          </a:prstGeom>
-        </p:spPr>
-      </p:pic>
+              <a:rPr lang="en-US" dirty="0"/>
+              <a:t>Today's import: </a:t>
+            </a:r>
+            <a:r>
+              <a:rPr lang="en-US" i="1" dirty="0" err="1"/>
+              <a:t>PracticeEventBasedGameLoop</a:t>
+            </a:r>
+            <a:endParaRPr lang="en-US" i="1" dirty="0"/>
+          </a:p>
+          <a:p>
+            <a:r>
+              <a:rPr lang="en-US" dirty="0" err="1"/>
+              <a:t>Subpackage</a:t>
+            </a:r>
+            <a:r>
+              <a:rPr lang="en-US" dirty="0"/>
+              <a:t>: </a:t>
+            </a:r>
+            <a:r>
+              <a:rPr lang="en-US" i="1" dirty="0" err="1"/>
+              <a:t>game_event_loop</a:t>
+            </a:r>
+            <a:endParaRPr lang="en-US" dirty="0"/>
+          </a:p>
+        </p:txBody>
+      </p:sp>
     </p:spTree>
     <p:extLst>
       <p:ext uri="{BB962C8B-B14F-4D97-AF65-F5344CB8AC3E}">
-        <p14:creationId xmlns:p14="http://schemas.microsoft.com/office/powerpoint/2010/main" val="1911594794"/>
+        <p14:creationId xmlns:p14="http://schemas.microsoft.com/office/powerpoint/2010/main" val="3256047851"/>
       </p:ext>
     </p:extLst>
   </p:cSld>
@@ -5689,6 +7043,535 @@
 </file>
 
 <file path=ppt/slides/slide12.xml><?xml version="1.0" encoding="utf-8"?>
+<p:sld xmlns:a="http://schemas.openxmlformats.org/drawingml/2006/main" xmlns:r="http://schemas.openxmlformats.org/officeDocument/2006/relationships" xmlns:p="http://schemas.openxmlformats.org/presentationml/2006/main">
+  <p:cSld>
+    <p:spTree>
+      <p:nvGrpSpPr>
+        <p:cNvPr id="1" name=""/>
+        <p:cNvGrpSpPr/>
+        <p:nvPr/>
+      </p:nvGrpSpPr>
+      <p:grpSpPr>
+        <a:xfrm>
+          <a:off x="0" y="0"/>
+          <a:ext cx="0" cy="0"/>
+          <a:chOff x="0" y="0"/>
+          <a:chExt cx="0" cy="0"/>
+        </a:xfrm>
+      </p:grpSpPr>
+      <p:sp>
+        <p:nvSpPr>
+          <p:cNvPr id="2" name="Title 1"/>
+          <p:cNvSpPr>
+            <a:spLocks noGrp="1"/>
+          </p:cNvSpPr>
+          <p:nvPr>
+            <p:ph type="title"/>
+          </p:nvPr>
+        </p:nvSpPr>
+        <p:spPr>
+          <a:xfrm>
+            <a:off x="457200" y="274638"/>
+            <a:ext cx="8229600" cy="411162"/>
+          </a:xfrm>
+        </p:spPr>
+        <p:txBody>
+          <a:bodyPr>
+            <a:normAutofit fontScale="90000"/>
+          </a:bodyPr>
+          <a:lstStyle/>
+          <a:p>
+            <a:r>
+              <a:rPr lang="en-US" sz="2400" b="1" dirty="0"/>
+              <a:t>M0: UML Class Diagram &amp; Shared Calendar Setup (50 points)</a:t>
+            </a:r>
+          </a:p>
+        </p:txBody>
+      </p:sp>
+      <p:sp>
+        <p:nvSpPr>
+          <p:cNvPr id="3" name="Content Placeholder 2"/>
+          <p:cNvSpPr>
+            <a:spLocks noGrp="1"/>
+          </p:cNvSpPr>
+          <p:nvPr>
+            <p:ph idx="1"/>
+          </p:nvPr>
+        </p:nvSpPr>
+        <p:spPr>
+          <a:xfrm>
+            <a:off x="457200" y="762000"/>
+            <a:ext cx="8458200" cy="5943600"/>
+          </a:xfrm>
+        </p:spPr>
+        <p:txBody>
+          <a:bodyPr>
+            <a:normAutofit fontScale="47500" lnSpcReduction="20000"/>
+          </a:bodyPr>
+          <a:lstStyle/>
+          <a:p>
+            <a:pPr marL="0" indent="0">
+              <a:buNone/>
+            </a:pPr>
+            <a:r>
+              <a:rPr lang="en-US" i="1" dirty="0"/>
+              <a:t>To earn 100% for M0 </a:t>
+            </a:r>
+            <a:endParaRPr lang="en-US" dirty="0"/>
+          </a:p>
+          <a:p>
+            <a:pPr lvl="0"/>
+            <a:r>
+              <a:rPr lang="en-US" i="1" dirty="0"/>
+              <a:t>You must complete Steps 1 – 5 (below)</a:t>
+            </a:r>
+            <a:endParaRPr lang="en-US" dirty="0"/>
+          </a:p>
+          <a:p>
+            <a:pPr lvl="0"/>
+            <a:r>
+              <a:rPr lang="en-US" i="1" dirty="0"/>
+              <a:t>Your UML diagram should look at least somewhat like the provided examples – see Appendix A</a:t>
+            </a:r>
+            <a:endParaRPr lang="en-US" dirty="0"/>
+          </a:p>
+          <a:p>
+            <a:pPr marL="0" indent="0">
+              <a:buNone/>
+            </a:pPr>
+            <a:endParaRPr lang="en-US" dirty="0"/>
+          </a:p>
+          <a:p>
+            <a:pPr marL="0" indent="0">
+              <a:buNone/>
+            </a:pPr>
+            <a:r>
+              <a:rPr lang="en-US" b="1" dirty="0"/>
+              <a:t>Step 1 – (10%) Set up your shared calendar</a:t>
+            </a:r>
+            <a:endParaRPr lang="en-US" dirty="0"/>
+          </a:p>
+          <a:p>
+            <a:pPr lvl="0"/>
+            <a:r>
+              <a:rPr lang="en-US" dirty="0"/>
+              <a:t>See Section 2.1 (above) of </a:t>
+            </a:r>
+            <a:r>
+              <a:rPr lang="en-US" dirty="0" err="1"/>
+              <a:t>ArcadeGame.docx</a:t>
+            </a:r>
+            <a:r>
+              <a:rPr lang="en-US" dirty="0"/>
+              <a:t> for instructions</a:t>
+            </a:r>
+          </a:p>
+          <a:p>
+            <a:pPr marL="0" indent="0">
+              <a:buNone/>
+            </a:pPr>
+            <a:r>
+              <a:rPr lang="en-US" b="1" dirty="0"/>
+              <a:t>Step 2 – Brainstorm possible classes</a:t>
+            </a:r>
+            <a:endParaRPr lang="en-US" dirty="0"/>
+          </a:p>
+          <a:p>
+            <a:pPr lvl="0"/>
+            <a:r>
+              <a:rPr lang="en-US" dirty="0"/>
+              <a:t>We suggest that you will come up with about 6 to 10 classes, but more are certainly possible </a:t>
+            </a:r>
+          </a:p>
+          <a:p>
+            <a:pPr marL="0" indent="0">
+              <a:buNone/>
+            </a:pPr>
+            <a:r>
+              <a:rPr lang="en-US" b="1" dirty="0"/>
+              <a:t>Step 3 – (60%) Assign responsibilities to classes</a:t>
+            </a:r>
+            <a:endParaRPr lang="en-US" dirty="0"/>
+          </a:p>
+          <a:p>
+            <a:pPr lvl="0"/>
+            <a:r>
+              <a:rPr lang="en-US" dirty="0"/>
+              <a:t>Determine how classes need to collaborate to carry out those responsibilities, and what responsibilities those collaborating classes need to have. </a:t>
+            </a:r>
+          </a:p>
+          <a:p>
+            <a:pPr lvl="0"/>
+            <a:r>
+              <a:rPr lang="en-US" dirty="0"/>
+              <a:t>Will inheritance or interfaces help you to organize the responsibilities? </a:t>
+            </a:r>
+          </a:p>
+          <a:p>
+            <a:pPr lvl="0"/>
+            <a:r>
+              <a:rPr lang="en-US" dirty="0"/>
+              <a:t>Keep iterating through this step until all the program’s responsibilities have been assigned to classes. </a:t>
+            </a:r>
+          </a:p>
+          <a:p>
+            <a:pPr lvl="0"/>
+            <a:r>
+              <a:rPr lang="en-US" dirty="0"/>
+              <a:t>Reference Appendix A examples</a:t>
+            </a:r>
+          </a:p>
+          <a:p>
+            <a:pPr marL="0" indent="0">
+              <a:buNone/>
+            </a:pPr>
+            <a:r>
+              <a:rPr lang="en-US" b="1" dirty="0"/>
+              <a:t>Step 4 – (30%) Construct a UML class diagram based on Steps 1 and 2</a:t>
+            </a:r>
+            <a:endParaRPr lang="en-US" dirty="0"/>
+          </a:p>
+          <a:p>
+            <a:pPr lvl="0"/>
+            <a:r>
+              <a:rPr lang="en-US" dirty="0"/>
+              <a:t>Your diagram MUST be computer generated – use </a:t>
+            </a:r>
+            <a:r>
+              <a:rPr lang="en-US" dirty="0" err="1"/>
+              <a:t>PlantUML</a:t>
+            </a:r>
+            <a:endParaRPr lang="en-US" dirty="0"/>
+          </a:p>
+          <a:p>
+            <a:pPr lvl="0"/>
+            <a:r>
+              <a:rPr lang="en-US" dirty="0"/>
+              <a:t>Save your diagram as a PDF, JPG, PNG, or SVG file</a:t>
+            </a:r>
+          </a:p>
+          <a:p>
+            <a:pPr marL="0" indent="0">
+              <a:buNone/>
+            </a:pPr>
+            <a:r>
+              <a:rPr lang="en-US" b="1" dirty="0"/>
+              <a:t>Step 5 – Upload your UML class diagram to the Milestone 0 Moodle assignment</a:t>
+            </a:r>
+            <a:endParaRPr lang="en-US" dirty="0"/>
+          </a:p>
+          <a:p>
+            <a:pPr lvl="0"/>
+            <a:r>
+              <a:rPr lang="en-US" dirty="0"/>
+              <a:t>If you do not do this, then you earn zero percent for M0</a:t>
+            </a:r>
+          </a:p>
+          <a:p>
+            <a:pPr marL="0" indent="0">
+              <a:buNone/>
+            </a:pPr>
+            <a:r>
+              <a:rPr lang="en-US" b="1" dirty="0"/>
+              <a:t>Step 6 – Begin implementation</a:t>
+            </a:r>
+            <a:endParaRPr lang="en-US" dirty="0"/>
+          </a:p>
+          <a:p>
+            <a:pPr lvl="0"/>
+            <a:r>
+              <a:rPr lang="en-US" dirty="0"/>
+              <a:t>Create your classes, commenting and testing your code, milestone by milestone. </a:t>
+            </a:r>
+          </a:p>
+          <a:p>
+            <a:pPr lvl="0"/>
+            <a:r>
+              <a:rPr lang="en-US" dirty="0"/>
+              <a:t>You are always free to work ahead, e.g., if you finish Milestone 1, you can immediately move on to working on Milestone 2</a:t>
+            </a:r>
+          </a:p>
+          <a:p>
+            <a:r>
+              <a:rPr lang="en-US" dirty="0"/>
+              <a:t>Document your code as you go along – use </a:t>
+            </a:r>
+            <a:r>
+              <a:rPr lang="en-US" dirty="0" err="1"/>
+              <a:t>JavaDoc</a:t>
+            </a:r>
+            <a:r>
+              <a:rPr lang="en-US" dirty="0"/>
+              <a:t> comments as well as non-</a:t>
+            </a:r>
+            <a:r>
+              <a:rPr lang="en-US" dirty="0" err="1"/>
+              <a:t>JavaDoc</a:t>
+            </a:r>
+            <a:r>
+              <a:rPr lang="en-US" dirty="0"/>
+              <a:t> comments </a:t>
+            </a:r>
+          </a:p>
+        </p:txBody>
+      </p:sp>
+    </p:spTree>
+    <p:extLst>
+      <p:ext uri="{BB962C8B-B14F-4D97-AF65-F5344CB8AC3E}">
+        <p14:creationId xmlns:p14="http://schemas.microsoft.com/office/powerpoint/2010/main" val="2952723959"/>
+      </p:ext>
+    </p:extLst>
+  </p:cSld>
+  <p:clrMapOvr>
+    <a:masterClrMapping/>
+  </p:clrMapOvr>
+</p:sld>
+</file>
+
+<file path=ppt/slides/slide13.xml><?xml version="1.0" encoding="utf-8"?>
+<p:sld xmlns:a="http://schemas.openxmlformats.org/drawingml/2006/main" xmlns:r="http://schemas.openxmlformats.org/officeDocument/2006/relationships" xmlns:p="http://schemas.openxmlformats.org/presentationml/2006/main">
+  <p:cSld>
+    <p:spTree>
+      <p:nvGrpSpPr>
+        <p:cNvPr id="1" name=""/>
+        <p:cNvGrpSpPr/>
+        <p:nvPr/>
+      </p:nvGrpSpPr>
+      <p:grpSpPr>
+        <a:xfrm>
+          <a:off x="0" y="0"/>
+          <a:ext cx="0" cy="0"/>
+          <a:chOff x="0" y="0"/>
+          <a:chExt cx="0" cy="0"/>
+        </a:xfrm>
+      </p:grpSpPr>
+      <p:sp>
+        <p:nvSpPr>
+          <p:cNvPr id="3" name="Content Placeholder 2"/>
+          <p:cNvSpPr>
+            <a:spLocks noGrp="1"/>
+          </p:cNvSpPr>
+          <p:nvPr>
+            <p:ph idx="1"/>
+          </p:nvPr>
+        </p:nvSpPr>
+        <p:spPr>
+          <a:xfrm>
+            <a:off x="457200" y="838200"/>
+            <a:ext cx="8229600" cy="5287963"/>
+          </a:xfrm>
+        </p:spPr>
+        <p:txBody>
+          <a:bodyPr>
+            <a:noAutofit/>
+          </a:bodyPr>
+          <a:lstStyle/>
+          <a:p>
+            <a:pPr marL="0" indent="0">
+              <a:buNone/>
+            </a:pPr>
+            <a:r>
+              <a:rPr lang="en-US" sz="1500" i="1" dirty="0"/>
+              <a:t>Functionality required to earn a 100% for M1</a:t>
+            </a:r>
+            <a:endParaRPr lang="en-US" sz="1500" dirty="0"/>
+          </a:p>
+          <a:p>
+            <a:pPr lvl="0"/>
+            <a:r>
+              <a:rPr lang="en-US" sz="1500" i="1" dirty="0"/>
+              <a:t>At the least, M1 Items 1 – 4 (listed below)</a:t>
+            </a:r>
+            <a:endParaRPr lang="en-US" sz="1500" dirty="0"/>
+          </a:p>
+          <a:p>
+            <a:pPr lvl="0"/>
+            <a:r>
+              <a:rPr lang="en-US" sz="1500" i="1" dirty="0"/>
+              <a:t>Successful completion of all M1 Items (1 through 6) at M1 grading time will be noted </a:t>
+            </a:r>
+            <a:br>
+              <a:rPr lang="en-US" sz="1500" i="1" dirty="0"/>
+            </a:br>
+            <a:r>
+              <a:rPr lang="en-US" sz="1500" i="1" dirty="0"/>
+              <a:t>This successful completion has potential to benefit your overall grade for the project</a:t>
+            </a:r>
+            <a:endParaRPr lang="en-US" sz="1500" dirty="0"/>
+          </a:p>
+          <a:p>
+            <a:pPr marL="0" indent="0">
+              <a:buNone/>
+            </a:pPr>
+            <a:r>
+              <a:rPr lang="en-US" sz="1500" dirty="0"/>
+              <a:t> </a:t>
+            </a:r>
+          </a:p>
+          <a:p>
+            <a:pPr marL="350838" lvl="0" indent="-296863">
+              <a:buFont typeface="+mj-lt"/>
+              <a:buAutoNum type="arabicPeriod"/>
+            </a:pPr>
+            <a:r>
+              <a:rPr lang="en-US" sz="1500" dirty="0"/>
+              <a:t>(Failure to do this step is </a:t>
+            </a:r>
+            <a:r>
+              <a:rPr lang="en-US" sz="1500" dirty="0">
+                <a:sym typeface="Symbol" pitchFamily="2" charset="2"/>
+              </a:rPr>
+              <a:t></a:t>
+            </a:r>
+            <a:r>
+              <a:rPr lang="en-US" sz="1500" dirty="0"/>
+              <a:t>100% for M1) Follow the instructions to rename your project, e.g., if your team’s name is “A_039”, rename from </a:t>
+            </a:r>
+            <a:r>
+              <a:rPr lang="en-US" sz="1500" i="1" dirty="0"/>
+              <a:t>ArcadeGameGit-00</a:t>
+            </a:r>
+            <a:r>
+              <a:rPr lang="en-US" sz="1500" dirty="0"/>
+              <a:t> to </a:t>
+            </a:r>
+            <a:r>
+              <a:rPr lang="en-US" sz="1500" i="1" dirty="0"/>
+              <a:t>ArcadeGameGit-A_039</a:t>
+            </a:r>
+            <a:endParaRPr lang="en-US" sz="1500" dirty="0"/>
+          </a:p>
+          <a:p>
+            <a:pPr marL="350838" lvl="0" indent="-296863">
+              <a:buFont typeface="+mj-lt"/>
+              <a:buAutoNum type="arabicPeriod"/>
+            </a:pPr>
+            <a:r>
+              <a:rPr lang="en-US" sz="1500" dirty="0"/>
+              <a:t>(30% toward M1) The initial game level (Level 1) must load from a file and be displayed by the app</a:t>
+            </a:r>
+          </a:p>
+          <a:p>
+            <a:pPr marL="350838" lvl="0" indent="-296863">
+              <a:buFont typeface="+mj-lt"/>
+              <a:buAutoNum type="arabicPeriod"/>
+            </a:pPr>
+            <a:r>
+              <a:rPr lang="en-US" sz="1500" dirty="0"/>
+              <a:t>(35% toward M1) Left and right movement by the hero controlled by the user using the left and right arrow keys</a:t>
+            </a:r>
+          </a:p>
+          <a:p>
+            <a:pPr marL="350838" lvl="0" indent="-296863">
+              <a:buFont typeface="+mj-lt"/>
+              <a:buAutoNum type="arabicPeriod"/>
+            </a:pPr>
+            <a:r>
+              <a:rPr lang="en-US" sz="1500" dirty="0"/>
+              <a:t>(35% toward M1) Up (flying) movement by the hero controlled by the user using the up-arrow key</a:t>
+            </a:r>
+          </a:p>
+          <a:p>
+            <a:pPr marL="525463" lvl="1" indent="-296863"/>
+            <a:r>
+              <a:rPr lang="en-US" sz="1500" dirty="0"/>
+              <a:t>No automatic movement by your software required for this milestone, this includes falling</a:t>
+            </a:r>
+          </a:p>
+          <a:p>
+            <a:pPr marL="525463" lvl="1" indent="-296863"/>
+            <a:r>
+              <a:rPr lang="en-US" sz="1500" dirty="0"/>
+              <a:t>No </a:t>
+            </a:r>
+            <a:r>
+              <a:rPr lang="en-US" sz="1500" i="1" dirty="0"/>
+              <a:t>diagonal</a:t>
+            </a:r>
+            <a:r>
+              <a:rPr lang="en-US" sz="1500" dirty="0"/>
+              <a:t> movement by hero is required for this milestone, this movement combines left/right movement </a:t>
+            </a:r>
+            <a:r>
+              <a:rPr lang="en-US" sz="1500" i="1" dirty="0"/>
+              <a:t>simultaneously with</a:t>
+            </a:r>
+            <a:r>
+              <a:rPr lang="en-US" sz="1500" dirty="0"/>
+              <a:t> up movement </a:t>
+            </a:r>
+          </a:p>
+          <a:p>
+            <a:pPr marL="350838" lvl="0" indent="-296863">
+              <a:buFont typeface="+mj-lt"/>
+              <a:buAutoNum type="arabicPeriod"/>
+            </a:pPr>
+            <a:r>
+              <a:rPr lang="en-US" sz="1500" dirty="0"/>
+              <a:t>(5% toward M2) Two different levels (Level 1 and Level 2) can be loaded from their respective files</a:t>
+            </a:r>
+          </a:p>
+          <a:p>
+            <a:pPr marL="350838" indent="-296863">
+              <a:buFont typeface="+mj-lt"/>
+              <a:buAutoNum type="arabicPeriod"/>
+            </a:pPr>
+            <a:r>
+              <a:rPr lang="en-US" sz="1500" dirty="0"/>
+              <a:t>(5% toward M2) Switching between levels by pressing the “U” (up) and “D” (down) keys on the keyboard </a:t>
+            </a:r>
+          </a:p>
+        </p:txBody>
+      </p:sp>
+      <p:sp>
+        <p:nvSpPr>
+          <p:cNvPr id="5" name="Title 1">
+            <a:extLst>
+              <a:ext uri="{FF2B5EF4-FFF2-40B4-BE49-F238E27FC236}">
+                <a16:creationId xmlns:a16="http://schemas.microsoft.com/office/drawing/2014/main" id="{B6C3E36F-DF40-1145-A3F1-3089A77F6EE6}"/>
+              </a:ext>
+            </a:extLst>
+          </p:cNvPr>
+          <p:cNvSpPr>
+            <a:spLocks noGrp="1"/>
+          </p:cNvSpPr>
+          <p:nvPr>
+            <p:ph type="title"/>
+          </p:nvPr>
+        </p:nvSpPr>
+        <p:spPr>
+          <a:xfrm>
+            <a:off x="457200" y="274638"/>
+            <a:ext cx="8229600" cy="411162"/>
+          </a:xfrm>
+        </p:spPr>
+        <p:txBody>
+          <a:bodyPr>
+            <a:normAutofit fontScale="90000"/>
+          </a:bodyPr>
+          <a:lstStyle/>
+          <a:p>
+            <a:r>
+              <a:rPr lang="en-US" sz="2400" b="1" dirty="0"/>
+              <a:t>M1: Levels and Hero Movement (50 points)</a:t>
+            </a:r>
+          </a:p>
+        </p:txBody>
+      </p:sp>
+    </p:spTree>
+    <p:extLst>
+      <p:ext uri="{BB962C8B-B14F-4D97-AF65-F5344CB8AC3E}">
+        <p14:creationId xmlns:p14="http://schemas.microsoft.com/office/powerpoint/2010/main" val="1229919121"/>
+      </p:ext>
+    </p:extLst>
+  </p:cSld>
+  <p:clrMapOvr>
+    <a:masterClrMapping/>
+  </p:clrMapOvr>
+</p:sld>
+</file>
+
+<file path=ppt/slides/slide14.xml><?xml version="1.0" encoding="utf-8"?>
 <p:sld xmlns:a="http://schemas.openxmlformats.org/drawingml/2006/main" xmlns:r="http://schemas.openxmlformats.org/officeDocument/2006/relationships" xmlns:p="http://schemas.openxmlformats.org/presentationml/2006/main">
   <p:cSld>
     <p:spTree>
@@ -5916,7 +7799,7 @@
 </p:sld>
 </file>
 
-<file path=ppt/slides/slide13.xml><?xml version="1.0" encoding="utf-8"?>
+<file path=ppt/slides/slide15.xml><?xml version="1.0" encoding="utf-8"?>
 <p:sld xmlns:a="http://schemas.openxmlformats.org/drawingml/2006/main" xmlns:r="http://schemas.openxmlformats.org/officeDocument/2006/relationships" xmlns:p="http://schemas.openxmlformats.org/presentationml/2006/main">
   <p:cSld>
     <p:spTree>
@@ -6764,7 +8647,7 @@
 </p:sld>
 </file>
 
-<file path=ppt/slides/slide14.xml><?xml version="1.0" encoding="utf-8"?>
+<file path=ppt/slides/slide16.xml><?xml version="1.0" encoding="utf-8"?>
 <p:sld xmlns:a="http://schemas.openxmlformats.org/drawingml/2006/main" xmlns:r="http://schemas.openxmlformats.org/officeDocument/2006/relationships" xmlns:p="http://schemas.openxmlformats.org/presentationml/2006/main">
   <p:cSld>
     <p:spTree>
@@ -6803,10 +8686,210 @@
           </a:p>
         </p:txBody>
       </p:sp>
+      <p:sp>
+        <p:nvSpPr>
+          <p:cNvPr id="3" name="Content Placeholder 2">
+            <a:extLst>
+              <a:ext uri="{FF2B5EF4-FFF2-40B4-BE49-F238E27FC236}">
+                <a16:creationId xmlns:a16="http://schemas.microsoft.com/office/drawing/2014/main" id="{B916C49A-9F92-2243-AF97-708A00A280F7}"/>
+              </a:ext>
+            </a:extLst>
+          </p:cNvPr>
+          <p:cNvSpPr txBox="1">
+            <a:spLocks/>
+          </p:cNvSpPr>
+          <p:nvPr/>
+        </p:nvSpPr>
+        <p:spPr>
+          <a:xfrm>
+            <a:off x="457200" y="1600200"/>
+            <a:ext cx="8229600" cy="4525963"/>
+          </a:xfrm>
+          <a:prstGeom prst="rect">
+            <a:avLst/>
+          </a:prstGeom>
+        </p:spPr>
+        <p:txBody>
+          <a:bodyPr/>
+          <a:lstStyle>
+            <a:lvl1pPr marL="342900" indent="-342900" algn="l" defTabSz="914400" rtl="0" eaLnBrk="1" latinLnBrk="0" hangingPunct="1">
+              <a:spcBef>
+                <a:spcPct val="20000"/>
+              </a:spcBef>
+              <a:buFont typeface="Arial" panose="020B0604020202020204" pitchFamily="34" charset="0"/>
+              <a:buChar char="•"/>
+              <a:defRPr sz="3200" kern="1200">
+                <a:solidFill>
+                  <a:schemeClr val="tx1"/>
+                </a:solidFill>
+                <a:latin typeface="+mn-lt"/>
+                <a:ea typeface="+mn-ea"/>
+                <a:cs typeface="+mn-cs"/>
+              </a:defRPr>
+            </a:lvl1pPr>
+            <a:lvl2pPr marL="742950" indent="-285750" algn="l" defTabSz="914400" rtl="0" eaLnBrk="1" latinLnBrk="0" hangingPunct="1">
+              <a:spcBef>
+                <a:spcPct val="20000"/>
+              </a:spcBef>
+              <a:buFont typeface="Arial" panose="020B0604020202020204" pitchFamily="34" charset="0"/>
+              <a:buChar char="–"/>
+              <a:defRPr sz="2800" kern="1200">
+                <a:solidFill>
+                  <a:schemeClr val="tx1"/>
+                </a:solidFill>
+                <a:latin typeface="+mn-lt"/>
+                <a:ea typeface="+mn-ea"/>
+                <a:cs typeface="+mn-cs"/>
+              </a:defRPr>
+            </a:lvl2pPr>
+            <a:lvl3pPr marL="1143000" indent="-228600" algn="l" defTabSz="914400" rtl="0" eaLnBrk="1" latinLnBrk="0" hangingPunct="1">
+              <a:spcBef>
+                <a:spcPct val="20000"/>
+              </a:spcBef>
+              <a:buFont typeface="Arial" panose="020B0604020202020204" pitchFamily="34" charset="0"/>
+              <a:buChar char="•"/>
+              <a:defRPr sz="2400" kern="1200">
+                <a:solidFill>
+                  <a:schemeClr val="tx1"/>
+                </a:solidFill>
+                <a:latin typeface="+mn-lt"/>
+                <a:ea typeface="+mn-ea"/>
+                <a:cs typeface="+mn-cs"/>
+              </a:defRPr>
+            </a:lvl3pPr>
+            <a:lvl4pPr marL="1600200" indent="-228600" algn="l" defTabSz="914400" rtl="0" eaLnBrk="1" latinLnBrk="0" hangingPunct="1">
+              <a:spcBef>
+                <a:spcPct val="20000"/>
+              </a:spcBef>
+              <a:buFont typeface="Arial" panose="020B0604020202020204" pitchFamily="34" charset="0"/>
+              <a:buChar char="–"/>
+              <a:defRPr sz="2000" kern="1200">
+                <a:solidFill>
+                  <a:schemeClr val="tx1"/>
+                </a:solidFill>
+                <a:latin typeface="+mn-lt"/>
+                <a:ea typeface="+mn-ea"/>
+                <a:cs typeface="+mn-cs"/>
+              </a:defRPr>
+            </a:lvl4pPr>
+            <a:lvl5pPr marL="2057400" indent="-228600" algn="l" defTabSz="914400" rtl="0" eaLnBrk="1" latinLnBrk="0" hangingPunct="1">
+              <a:spcBef>
+                <a:spcPct val="20000"/>
+              </a:spcBef>
+              <a:buFont typeface="Arial" panose="020B0604020202020204" pitchFamily="34" charset="0"/>
+              <a:buChar char="»"/>
+              <a:defRPr sz="2000" kern="1200">
+                <a:solidFill>
+                  <a:schemeClr val="tx1"/>
+                </a:solidFill>
+                <a:latin typeface="+mn-lt"/>
+                <a:ea typeface="+mn-ea"/>
+                <a:cs typeface="+mn-cs"/>
+              </a:defRPr>
+            </a:lvl5pPr>
+            <a:lvl6pPr marL="2514600" indent="-228600" algn="l" defTabSz="914400" rtl="0" eaLnBrk="1" latinLnBrk="0" hangingPunct="1">
+              <a:spcBef>
+                <a:spcPct val="20000"/>
+              </a:spcBef>
+              <a:buFont typeface="Arial" panose="020B0604020202020204" pitchFamily="34" charset="0"/>
+              <a:buChar char="•"/>
+              <a:defRPr sz="2000" kern="1200">
+                <a:solidFill>
+                  <a:schemeClr val="tx1"/>
+                </a:solidFill>
+                <a:latin typeface="+mn-lt"/>
+                <a:ea typeface="+mn-ea"/>
+                <a:cs typeface="+mn-cs"/>
+              </a:defRPr>
+            </a:lvl6pPr>
+            <a:lvl7pPr marL="2971800" indent="-228600" algn="l" defTabSz="914400" rtl="0" eaLnBrk="1" latinLnBrk="0" hangingPunct="1">
+              <a:spcBef>
+                <a:spcPct val="20000"/>
+              </a:spcBef>
+              <a:buFont typeface="Arial" panose="020B0604020202020204" pitchFamily="34" charset="0"/>
+              <a:buChar char="•"/>
+              <a:defRPr sz="2000" kern="1200">
+                <a:solidFill>
+                  <a:schemeClr val="tx1"/>
+                </a:solidFill>
+                <a:latin typeface="+mn-lt"/>
+                <a:ea typeface="+mn-ea"/>
+                <a:cs typeface="+mn-cs"/>
+              </a:defRPr>
+            </a:lvl7pPr>
+            <a:lvl8pPr marL="3429000" indent="-228600" algn="l" defTabSz="914400" rtl="0" eaLnBrk="1" latinLnBrk="0" hangingPunct="1">
+              <a:spcBef>
+                <a:spcPct val="20000"/>
+              </a:spcBef>
+              <a:buFont typeface="Arial" panose="020B0604020202020204" pitchFamily="34" charset="0"/>
+              <a:buChar char="•"/>
+              <a:defRPr sz="2000" kern="1200">
+                <a:solidFill>
+                  <a:schemeClr val="tx1"/>
+                </a:solidFill>
+                <a:latin typeface="+mn-lt"/>
+                <a:ea typeface="+mn-ea"/>
+                <a:cs typeface="+mn-cs"/>
+              </a:defRPr>
+            </a:lvl8pPr>
+            <a:lvl9pPr marL="3886200" indent="-228600" algn="l" defTabSz="914400" rtl="0" eaLnBrk="1" latinLnBrk="0" hangingPunct="1">
+              <a:spcBef>
+                <a:spcPct val="20000"/>
+              </a:spcBef>
+              <a:buFont typeface="Arial" panose="020B0604020202020204" pitchFamily="34" charset="0"/>
+              <a:buChar char="•"/>
+              <a:defRPr sz="2000" kern="1200">
+                <a:solidFill>
+                  <a:schemeClr val="tx1"/>
+                </a:solidFill>
+                <a:latin typeface="+mn-lt"/>
+                <a:ea typeface="+mn-ea"/>
+                <a:cs typeface="+mn-cs"/>
+              </a:defRPr>
+            </a:lvl9pPr>
+          </a:lstStyle>
+          <a:p>
+            <a:pPr fontAlgn="auto">
+              <a:spcAft>
+                <a:spcPts val="0"/>
+              </a:spcAft>
+            </a:pPr>
+            <a:r>
+              <a:rPr lang="en-US" dirty="0"/>
+              <a:t>Today's import: </a:t>
+            </a:r>
+            <a:r>
+              <a:rPr lang="en-US" i="1" dirty="0" err="1"/>
+              <a:t>PracticeEventBasedGameLoop</a:t>
+            </a:r>
+            <a:endParaRPr lang="en-US" i="1" dirty="0"/>
+          </a:p>
+          <a:p>
+            <a:pPr fontAlgn="auto">
+              <a:spcAft>
+                <a:spcPts val="0"/>
+              </a:spcAft>
+            </a:pPr>
+            <a:r>
+              <a:rPr lang="en-US" dirty="0" err="1"/>
+              <a:t>Subpackage</a:t>
+            </a:r>
+            <a:r>
+              <a:rPr lang="en-US" dirty="0"/>
+              <a:t>: </a:t>
+            </a:r>
+            <a:r>
+              <a:rPr lang="en-US" i="1" dirty="0" err="1"/>
+              <a:t>fileIO</a:t>
+            </a:r>
+            <a:endParaRPr lang="en-US" i="1" dirty="0"/>
+          </a:p>
+        </p:txBody>
+      </p:sp>
     </p:spTree>
     <p:extLst>
       <p:ext uri="{BB962C8B-B14F-4D97-AF65-F5344CB8AC3E}">
-        <p14:creationId xmlns:p14="http://schemas.microsoft.com/office/powerpoint/2010/main" val="3869622594"/>
+        <p14:creationId xmlns:p14="http://schemas.microsoft.com/office/powerpoint/2010/main" val="2158118281"/>
       </p:ext>
     </p:extLst>
   </p:cSld>
@@ -6816,7 +8899,7 @@
 </p:sld>
 </file>
 
-<file path=ppt/slides/slide15.xml><?xml version="1.0" encoding="utf-8"?>
+<file path=ppt/slides/slide17.xml><?xml version="1.0" encoding="utf-8"?>
 <p:sld xmlns:a="http://schemas.openxmlformats.org/drawingml/2006/main" xmlns:r="http://schemas.openxmlformats.org/officeDocument/2006/relationships" xmlns:p="http://schemas.openxmlformats.org/presentationml/2006/main">
   <p:cSld>
     <p:spTree>
@@ -7073,7 +9156,7 @@
 </p:sld>
 </file>
 
-<file path=ppt/slides/slide16.xml><?xml version="1.0" encoding="utf-8"?>
+<file path=ppt/slides/slide18.xml><?xml version="1.0" encoding="utf-8"?>
 <p:sld xmlns:a="http://schemas.openxmlformats.org/drawingml/2006/main" xmlns:r="http://schemas.openxmlformats.org/officeDocument/2006/relationships" xmlns:p="http://schemas.openxmlformats.org/presentationml/2006/main">
   <p:cSld>
     <p:spTree>
@@ -7463,7 +9546,7 @@
 </p:sld>
 </file>
 
-<file path=ppt/slides/slide17.xml><?xml version="1.0" encoding="utf-8"?>
+<file path=ppt/slides/slide19.xml><?xml version="1.0" encoding="utf-8"?>
 <p:sld xmlns:a="http://schemas.openxmlformats.org/drawingml/2006/main" xmlns:r="http://schemas.openxmlformats.org/officeDocument/2006/relationships" xmlns:p="http://schemas.openxmlformats.org/presentationml/2006/main">
   <p:cSld>
     <p:spTree>
@@ -7985,7 +10068,132 @@
 </p:sld>
 </file>
 
-<file path=ppt/slides/slide18.xml><?xml version="1.0" encoding="utf-8"?>
+<file path=ppt/slides/slide2.xml><?xml version="1.0" encoding="utf-8"?>
+<p:sld xmlns:a="http://schemas.openxmlformats.org/drawingml/2006/main" xmlns:r="http://schemas.openxmlformats.org/officeDocument/2006/relationships" xmlns:p="http://schemas.openxmlformats.org/presentationml/2006/main">
+  <p:cSld>
+    <p:spTree>
+      <p:nvGrpSpPr>
+        <p:cNvPr id="1" name=""/>
+        <p:cNvGrpSpPr/>
+        <p:nvPr/>
+      </p:nvGrpSpPr>
+      <p:grpSpPr>
+        <a:xfrm>
+          <a:off x="0" y="0"/>
+          <a:ext cx="0" cy="0"/>
+          <a:chOff x="0" y="0"/>
+          <a:chExt cx="0" cy="0"/>
+        </a:xfrm>
+      </p:grpSpPr>
+      <p:sp>
+        <p:nvSpPr>
+          <p:cNvPr id="2" name="Title 1"/>
+          <p:cNvSpPr>
+            <a:spLocks noGrp="1"/>
+          </p:cNvSpPr>
+          <p:nvPr>
+            <p:ph type="title"/>
+          </p:nvPr>
+        </p:nvSpPr>
+        <p:spPr/>
+        <p:txBody>
+          <a:bodyPr/>
+          <a:lstStyle/>
+          <a:p>
+            <a:r>
+              <a:rPr lang="en-US" dirty="0"/>
+              <a:t>Objectives</a:t>
+            </a:r>
+          </a:p>
+        </p:txBody>
+      </p:sp>
+      <p:sp>
+        <p:nvSpPr>
+          <p:cNvPr id="3" name="Content Placeholder 2"/>
+          <p:cNvSpPr>
+            <a:spLocks noGrp="1"/>
+          </p:cNvSpPr>
+          <p:nvPr>
+            <p:ph idx="1"/>
+          </p:nvPr>
+        </p:nvSpPr>
+        <p:spPr/>
+        <p:txBody>
+          <a:bodyPr>
+            <a:normAutofit/>
+          </a:bodyPr>
+          <a:lstStyle/>
+          <a:p>
+            <a:r>
+              <a:rPr lang="en-US" dirty="0"/>
+              <a:t>Final Project Preparation/Kickoff</a:t>
+            </a:r>
+          </a:p>
+          <a:p>
+            <a:pPr lvl="1"/>
+            <a:r>
+              <a:rPr lang="en-US" dirty="0"/>
+              <a:t>Learn how to avoid common project errors</a:t>
+            </a:r>
+          </a:p>
+          <a:p>
+            <a:pPr lvl="1"/>
+            <a:r>
+              <a:rPr lang="en-US" dirty="0"/>
+              <a:t>Learn how to setup a timer to create events</a:t>
+            </a:r>
+          </a:p>
+          <a:p>
+            <a:pPr lvl="2"/>
+            <a:r>
+              <a:rPr lang="en-US" dirty="0"/>
+              <a:t>Practice with live-coding</a:t>
+            </a:r>
+          </a:p>
+          <a:p>
+            <a:pPr lvl="1"/>
+            <a:r>
+              <a:rPr lang="en-US" dirty="0"/>
+              <a:t>Practice interaction between game elements</a:t>
+            </a:r>
+          </a:p>
+          <a:p>
+            <a:pPr lvl="1"/>
+            <a:r>
+              <a:rPr lang="en-US" dirty="0"/>
+              <a:t>Learn how to read and write from files</a:t>
+            </a:r>
+          </a:p>
+          <a:p>
+            <a:pPr lvl="2"/>
+            <a:r>
+              <a:rPr lang="en-US" dirty="0"/>
+              <a:t>Practice with live-coding</a:t>
+            </a:r>
+          </a:p>
+          <a:p>
+            <a:pPr lvl="2"/>
+            <a:r>
+              <a:rPr lang="en-US" dirty="0"/>
+              <a:t>Required for Milestone 1</a:t>
+            </a:r>
+          </a:p>
+        </p:txBody>
+      </p:sp>
+    </p:spTree>
+    <p:extLst>
+      <p:ext uri="{BB962C8B-B14F-4D97-AF65-F5344CB8AC3E}">
+        <p14:creationId xmlns:p14="http://schemas.microsoft.com/office/powerpoint/2010/main" val="1412677388"/>
+      </p:ext>
+    </p:extLst>
+  </p:cSld>
+  <p:clrMapOvr>
+    <a:masterClrMapping/>
+  </p:clrMapOvr>
+</p:sld>
+</file>
+
+<file path=ppt/slides/slide20.xml><?xml version="1.0" encoding="utf-8"?>
 <p:sld xmlns:a="http://schemas.openxmlformats.org/drawingml/2006/main" xmlns:r="http://schemas.openxmlformats.org/officeDocument/2006/relationships" xmlns:p="http://schemas.openxmlformats.org/presentationml/2006/main">
   <p:cSld>
     <p:spTree>
@@ -8861,7 +11069,7 @@
 </p:sld>
 </file>
 
-<file path=ppt/slides/slide19.xml><?xml version="1.0" encoding="utf-8"?>
+<file path=ppt/slides/slide21.xml><?xml version="1.0" encoding="utf-8"?>
 <p:sld xmlns:a="http://schemas.openxmlformats.org/drawingml/2006/main" xmlns:r="http://schemas.openxmlformats.org/officeDocument/2006/relationships" xmlns:p="http://schemas.openxmlformats.org/presentationml/2006/main">
   <p:cSld>
     <p:spTree>
@@ -8940,131 +11148,6 @@
     <a:masterClrMapping/>
   </p:clrMapOvr>
   <p:transition/>
-</p:sld>
-</file>
-
-<file path=ppt/slides/slide2.xml><?xml version="1.0" encoding="utf-8"?>
-<p:sld xmlns:a="http://schemas.openxmlformats.org/drawingml/2006/main" xmlns:r="http://schemas.openxmlformats.org/officeDocument/2006/relationships" xmlns:p="http://schemas.openxmlformats.org/presentationml/2006/main">
-  <p:cSld>
-    <p:spTree>
-      <p:nvGrpSpPr>
-        <p:cNvPr id="1" name=""/>
-        <p:cNvGrpSpPr/>
-        <p:nvPr/>
-      </p:nvGrpSpPr>
-      <p:grpSpPr>
-        <a:xfrm>
-          <a:off x="0" y="0"/>
-          <a:ext cx="0" cy="0"/>
-          <a:chOff x="0" y="0"/>
-          <a:chExt cx="0" cy="0"/>
-        </a:xfrm>
-      </p:grpSpPr>
-      <p:sp>
-        <p:nvSpPr>
-          <p:cNvPr id="2" name="Title 1"/>
-          <p:cNvSpPr>
-            <a:spLocks noGrp="1"/>
-          </p:cNvSpPr>
-          <p:nvPr>
-            <p:ph type="title"/>
-          </p:nvPr>
-        </p:nvSpPr>
-        <p:spPr/>
-        <p:txBody>
-          <a:bodyPr/>
-          <a:lstStyle/>
-          <a:p>
-            <a:r>
-              <a:rPr lang="en-US" dirty="0"/>
-              <a:t>Objectives</a:t>
-            </a:r>
-          </a:p>
-        </p:txBody>
-      </p:sp>
-      <p:sp>
-        <p:nvSpPr>
-          <p:cNvPr id="3" name="Content Placeholder 2"/>
-          <p:cNvSpPr>
-            <a:spLocks noGrp="1"/>
-          </p:cNvSpPr>
-          <p:nvPr>
-            <p:ph idx="1"/>
-          </p:nvPr>
-        </p:nvSpPr>
-        <p:spPr/>
-        <p:txBody>
-          <a:bodyPr>
-            <a:normAutofit/>
-          </a:bodyPr>
-          <a:lstStyle/>
-          <a:p>
-            <a:r>
-              <a:rPr lang="en-US" dirty="0"/>
-              <a:t>Final Project Preparation/Kickoff</a:t>
-            </a:r>
-          </a:p>
-          <a:p>
-            <a:pPr lvl="1"/>
-            <a:r>
-              <a:rPr lang="en-US" dirty="0"/>
-              <a:t>Learn how to avoid common project errors</a:t>
-            </a:r>
-          </a:p>
-          <a:p>
-            <a:pPr lvl="1"/>
-            <a:r>
-              <a:rPr lang="en-US" dirty="0"/>
-              <a:t>Learn how to setup a timer to create events</a:t>
-            </a:r>
-          </a:p>
-          <a:p>
-            <a:pPr lvl="2"/>
-            <a:r>
-              <a:rPr lang="en-US" dirty="0"/>
-              <a:t>Practice with live-coding</a:t>
-            </a:r>
-          </a:p>
-          <a:p>
-            <a:pPr lvl="1"/>
-            <a:r>
-              <a:rPr lang="en-US" dirty="0"/>
-              <a:t>Practice interaction between game elements</a:t>
-            </a:r>
-          </a:p>
-          <a:p>
-            <a:pPr lvl="1"/>
-            <a:r>
-              <a:rPr lang="en-US" dirty="0"/>
-              <a:t>Learn how to read and write from files</a:t>
-            </a:r>
-          </a:p>
-          <a:p>
-            <a:pPr lvl="2"/>
-            <a:r>
-              <a:rPr lang="en-US" dirty="0"/>
-              <a:t>Practice with live-coding</a:t>
-            </a:r>
-          </a:p>
-          <a:p>
-            <a:pPr lvl="2"/>
-            <a:r>
-              <a:rPr lang="en-US" dirty="0"/>
-              <a:t>Required for Milestone 1</a:t>
-            </a:r>
-          </a:p>
-        </p:txBody>
-      </p:sp>
-    </p:spTree>
-    <p:extLst>
-      <p:ext uri="{BB962C8B-B14F-4D97-AF65-F5344CB8AC3E}">
-        <p14:creationId xmlns:p14="http://schemas.microsoft.com/office/powerpoint/2010/main" val="1412677388"/>
-      </p:ext>
-    </p:extLst>
-  </p:cSld>
-  <p:clrMapOvr>
-    <a:masterClrMapping/>
-  </p:clrMapOvr>
 </p:sld>
 </file>
 
@@ -9309,8 +11392,15 @@
           <a:lstStyle/>
           <a:p>
             <a:r>
+              <a:rPr lang="en-US" dirty="0">
+                <a:latin typeface="Courier New" panose="02070309020205020404" pitchFamily="49" charset="0"/>
+                <a:cs typeface="Courier New" panose="02070309020205020404" pitchFamily="49" charset="0"/>
+              </a:rPr>
+              <a:t>main</a:t>
+            </a:r>
+            <a:r>
               <a:rPr lang="en-US" dirty="0"/>
-              <a:t>Main and Graphics Threads</a:t>
+              <a:t>'s and Graphics' Threads</a:t>
             </a:r>
           </a:p>
         </p:txBody>
@@ -9328,7 +11418,7 @@
         <p:spPr>
           <a:xfrm>
             <a:off x="457200" y="1600200"/>
-            <a:ext cx="3505200" cy="4525963"/>
+            <a:ext cx="3810000" cy="4525963"/>
           </a:xfrm>
         </p:spPr>
         <p:txBody>
@@ -9339,13 +11429,43 @@
           <a:p>
             <a:r>
               <a:rPr lang="en-US" sz="1800" dirty="0"/>
-              <a:t>Every program starts in main and begins executing one statement at a time</a:t>
-            </a:r>
-          </a:p>
-          <a:p>
+              <a:t>Every program starts in </a:t>
+            </a:r>
+            <a:r>
+              <a:rPr lang="en-US" sz="1800" dirty="0">
+                <a:latin typeface="Courier New" panose="02070309020205020404" pitchFamily="49" charset="0"/>
+                <a:cs typeface="Courier New" panose="02070309020205020404" pitchFamily="49" charset="0"/>
+              </a:rPr>
+              <a:t>main</a:t>
+            </a:r>
             <a:r>
               <a:rPr lang="en-US" sz="1800" dirty="0"/>
-              <a:t>When we create a JFrame there is a second thread that runs at the same time (in parallel) and it will continue to run even if our main thread completes.</a:t>
+              <a:t> and begins executing one statement at a time</a:t>
+            </a:r>
+          </a:p>
+          <a:p>
+            <a:r>
+              <a:rPr lang="en-US" sz="1800" dirty="0"/>
+              <a:t>When a </a:t>
+            </a:r>
+            <a:r>
+              <a:rPr lang="en-US" sz="1800" dirty="0" err="1"/>
+              <a:t>JFrame</a:t>
+            </a:r>
+            <a:r>
+              <a:rPr lang="en-US" sz="1800" dirty="0"/>
+              <a:t> is created there is a second thread that starts running (at the same time, i.e., in parallel) and it will continue to run even if our </a:t>
+            </a:r>
+            <a:r>
+              <a:rPr lang="en-US" sz="1800" dirty="0">
+                <a:latin typeface="Courier New" panose="02070309020205020404" pitchFamily="49" charset="0"/>
+                <a:cs typeface="Courier New" panose="02070309020205020404" pitchFamily="49" charset="0"/>
+              </a:rPr>
+              <a:t>main</a:t>
+            </a:r>
+            <a:r>
+              <a:rPr lang="en-US" sz="1800" dirty="0"/>
+              <a:t> thread completes exits</a:t>
             </a:r>
           </a:p>
           <a:p>
@@ -9354,12 +11474,22 @@
               <a:t>The setting for JFrame </a:t>
             </a:r>
             <a:r>
-              <a:rPr lang="en-US" sz="1800" dirty="0" err="1"/>
+              <a:rPr lang="en-US" sz="1600" dirty="0" err="1">
+                <a:latin typeface="Courier New" panose="02070309020205020404" pitchFamily="49" charset="0"/>
+                <a:cs typeface="Courier New" panose="02070309020205020404" pitchFamily="49" charset="0"/>
+              </a:rPr>
               <a:t>setDefaultCloseOperation</a:t>
             </a:r>
             <a:r>
+              <a:rPr lang="en-US" sz="1600" dirty="0">
+                <a:latin typeface="Courier New" panose="02070309020205020404" pitchFamily="49" charset="0"/>
+                <a:cs typeface="Courier New" panose="02070309020205020404" pitchFamily="49" charset="0"/>
+              </a:rPr>
+              <a:t>()</a:t>
+            </a:r>
+            <a:r>
               <a:rPr lang="en-US" sz="1800" dirty="0"/>
-              <a:t>() determines if the thread continues to run after closing the window.</a:t>
+              <a:t> determines if the Java Graphics thread continues to run after closing the window.</a:t>
             </a:r>
           </a:p>
         </p:txBody>
@@ -9372,7 +11502,7 @@
         </p:nvCxnSpPr>
         <p:spPr>
           <a:xfrm>
-            <a:off x="5410200" y="2286000"/>
+            <a:off x="5791200" y="2286000"/>
             <a:ext cx="0" cy="2514600"/>
           </a:xfrm>
           <a:prstGeom prst="straightConnector1">
@@ -9405,7 +11535,7 @@
         </p:nvCxnSpPr>
         <p:spPr>
           <a:xfrm>
-            <a:off x="7315200" y="3200400"/>
+            <a:off x="7696200" y="3200400"/>
             <a:ext cx="0" cy="2514600"/>
           </a:xfrm>
           <a:prstGeom prst="straightConnector1">
@@ -9444,7 +11574,7 @@
         </p:nvCxnSpPr>
         <p:spPr>
           <a:xfrm flipV="1">
-            <a:off x="5410200" y="3200400"/>
+            <a:off x="5791200" y="3200400"/>
             <a:ext cx="1905000" cy="21771"/>
           </a:xfrm>
           <a:prstGeom prst="straightConnector1">
@@ -9477,8 +11607,8 @@
         </p:nvSpPr>
         <p:spPr>
           <a:xfrm>
-            <a:off x="4495800" y="1915795"/>
-            <a:ext cx="1981200" cy="369332"/>
+            <a:off x="4876800" y="1915795"/>
+            <a:ext cx="2895600" cy="400110"/>
           </a:xfrm>
           <a:prstGeom prst="rect">
             <a:avLst/>
@@ -9497,8 +11627,26 @@
           <a:lstStyle/>
           <a:p>
             <a:r>
+              <a:rPr lang="en-US" sz="2000" dirty="0">
+                <a:latin typeface="Courier New" panose="02070309020205020404" pitchFamily="49" charset="0"/>
+                <a:cs typeface="Courier New" panose="02070309020205020404" pitchFamily="49" charset="0"/>
+              </a:rPr>
+              <a:t>main</a:t>
+            </a:r>
+            <a:r>
+              <a:rPr lang="en-US" sz="2000" dirty="0">
+                <a:latin typeface="Times New Roman" panose="02020603050405020304" pitchFamily="18" charset="0"/>
+                <a:cs typeface="Times New Roman" panose="02020603050405020304" pitchFamily="18" charset="0"/>
+              </a:rPr>
+              <a:t>'s</a:t>
+            </a:r>
+            <a:r>
+              <a:rPr lang="en-US" sz="2000" dirty="0"/>
+              <a:t> t</a:t>
+            </a:r>
+            <a:r>
               <a:rPr lang="en-US" dirty="0"/>
-              <a:t>Main Thread</a:t>
+              <a:t>hread of control</a:t>
             </a:r>
           </a:p>
         </p:txBody>
@@ -9511,8 +11659,8 @@
         </p:nvSpPr>
         <p:spPr>
           <a:xfrm>
-            <a:off x="6362700" y="2705009"/>
-            <a:ext cx="2533023" cy="369332"/>
+            <a:off x="6858000" y="2514600"/>
+            <a:ext cx="1981200" cy="646331"/>
           </a:xfrm>
           <a:prstGeom prst="rect">
             <a:avLst/>
@@ -9535,7 +11683,13 @@
           <a:p>
             <a:r>
               <a:rPr lang="en-US" dirty="0"/>
-              <a:t>Java Graphics Thread</a:t>
+              <a:t>Java Graphics' </a:t>
+            </a:r>
+          </a:p>
+          <a:p>
+            <a:r>
+              <a:rPr lang="en-US" dirty="0"/>
+              <a:t>thread of control</a:t>
             </a:r>
           </a:p>
         </p:txBody>
@@ -9578,28 +11732,93 @@
           </a:p>
         </p:txBody>
       </p:sp>
+      <p:cxnSp>
+        <p:nvCxnSpPr>
+          <p:cNvPr id="6" name="Straight Arrow Connector 5">
+            <a:extLst>
+              <a:ext uri="{FF2B5EF4-FFF2-40B4-BE49-F238E27FC236}">
+                <a16:creationId xmlns:a16="http://schemas.microsoft.com/office/drawing/2014/main" id="{C0378321-E52F-D840-9E9C-E55E5925DFCE}"/>
+              </a:ext>
+            </a:extLst>
+          </p:cNvPr>
+          <p:cNvCxnSpPr/>
+          <p:nvPr/>
+        </p:nvCxnSpPr>
+        <p:spPr>
+          <a:xfrm>
+            <a:off x="4724400" y="1752600"/>
+            <a:ext cx="0" cy="4114800"/>
+          </a:xfrm>
+          <a:prstGeom prst="straightConnector1">
+            <a:avLst/>
+          </a:prstGeom>
+          <a:ln w="38100">
+            <a:solidFill>
+              <a:srgbClr val="FF0000"/>
+            </a:solidFill>
+            <a:tailEnd type="triangle"/>
+          </a:ln>
+        </p:spPr>
+        <p:style>
+          <a:lnRef idx="1">
+            <a:schemeClr val="accent1"/>
+          </a:lnRef>
+          <a:fillRef idx="0">
+            <a:schemeClr val="accent1"/>
+          </a:fillRef>
+          <a:effectRef idx="0">
+            <a:schemeClr val="accent1"/>
+          </a:effectRef>
+          <a:fontRef idx="minor">
+            <a:schemeClr val="tx1"/>
+          </a:fontRef>
+        </p:style>
+      </p:cxnSp>
+      <p:sp>
+        <p:nvSpPr>
+          <p:cNvPr id="7" name="TextBox 6">
+            <a:extLst>
+              <a:ext uri="{FF2B5EF4-FFF2-40B4-BE49-F238E27FC236}">
+                <a16:creationId xmlns:a16="http://schemas.microsoft.com/office/drawing/2014/main" id="{D96C13BC-A8EA-944E-A56E-46FCB853DF6F}"/>
+              </a:ext>
+            </a:extLst>
+          </p:cNvPr>
+          <p:cNvSpPr txBox="1"/>
+          <p:nvPr/>
+        </p:nvSpPr>
+        <p:spPr>
+          <a:xfrm>
+            <a:off x="4343400" y="1447800"/>
+            <a:ext cx="689035" cy="369332"/>
+          </a:xfrm>
+          <a:prstGeom prst="rect">
+            <a:avLst/>
+          </a:prstGeom>
+          <a:noFill/>
+        </p:spPr>
+        <p:txBody>
+          <a:bodyPr wrap="none" rtlCol="0">
+            <a:spAutoFit/>
+          </a:bodyPr>
+          <a:lstStyle/>
+          <a:p>
+            <a:r>
+              <a:rPr lang="en-US" dirty="0"/>
+              <a:t>Time</a:t>
+            </a:r>
+          </a:p>
+        </p:txBody>
+      </p:sp>
     </p:spTree>
     <p:extLst>
       <p:ext uri="{BB962C8B-B14F-4D97-AF65-F5344CB8AC3E}">
-        <p14:creationId xmlns:p14="http://schemas.microsoft.com/office/powerpoint/2010/main" val="2610197694"/>
+        <p14:creationId xmlns:p14="http://schemas.microsoft.com/office/powerpoint/2010/main" val="3503138323"/>
       </p:ext>
     </p:extLst>
   </p:cSld>
   <p:clrMapOvr>
     <a:masterClrMapping/>
   </p:clrMapOvr>
-  <mc:AlternateContent xmlns:mc="http://schemas.openxmlformats.org/markup-compatibility/2006" xmlns:p14="http://schemas.microsoft.com/office/powerpoint/2010/main">
-    <mc:Choice Requires="p14">
-      <p:transition spd="med" p14:dur="700">
-        <p:fade/>
-      </p:transition>
-    </mc:Choice>
-    <mc:Fallback xmlns="">
-      <p:transition spd="med">
-        <p:fade/>
-      </p:transition>
-    </mc:Fallback>
-  </mc:AlternateContent>
 </p:sld>
 </file>
 
@@ -10167,7 +12386,7 @@
       </p:grpSpPr>
       <p:sp>
         <p:nvSpPr>
-          <p:cNvPr id="2" name="Title 1"/>
+          <p:cNvPr id="159" name="Shape 159"/>
           <p:cNvSpPr>
             <a:spLocks noGrp="1"/>
           </p:cNvSpPr>
@@ -10175,78 +12394,244 @@
             <p:ph type="title"/>
           </p:nvPr>
         </p:nvSpPr>
-        <p:spPr/>
-        <p:txBody>
-          <a:bodyPr/>
+        <p:spPr>
+          <a:xfrm>
+            <a:off x="457200" y="274638"/>
+            <a:ext cx="8229600" cy="1143001"/>
+          </a:xfrm>
+          <a:prstGeom prst="rect">
+            <a:avLst/>
+          </a:prstGeom>
+        </p:spPr>
+        <p:txBody>
+          <a:bodyPr>
+            <a:normAutofit/>
+          </a:bodyPr>
           <a:lstStyle/>
           <a:p>
-            <a:r>
-              <a:rPr lang="en-US" dirty="0"/>
-              <a:t>Timer</a:t>
-            </a:r>
-          </a:p>
-        </p:txBody>
-      </p:sp>
-      <p:sp>
-        <p:nvSpPr>
-          <p:cNvPr id="3" name="Content Placeholder 2"/>
+            <a:pPr lvl="0">
+              <a:defRPr sz="1800"/>
+            </a:pPr>
+            <a:r>
+              <a:rPr lang="en-US" sz="4000" i="1" dirty="0">
+                <a:latin typeface="Arial" panose="020B0604020202020204" pitchFamily="34" charset="0"/>
+                <a:cs typeface="Arial" panose="020B0604020202020204" pitchFamily="34" charset="0"/>
+              </a:rPr>
+              <a:t>for</a:t>
+            </a:r>
+            <a:r>
+              <a:rPr lang="en-US" sz="4000" dirty="0">
+                <a:latin typeface="Arial" panose="020B0604020202020204" pitchFamily="34" charset="0"/>
+                <a:cs typeface="Arial" panose="020B0604020202020204" pitchFamily="34" charset="0"/>
+              </a:rPr>
+              <a:t> </a:t>
+            </a:r>
+            <a:r>
+              <a:rPr sz="4000" dirty="0">
+                <a:latin typeface="Arial" panose="020B0604020202020204" pitchFamily="34" charset="0"/>
+                <a:cs typeface="Arial" panose="020B0604020202020204" pitchFamily="34" charset="0"/>
+              </a:rPr>
+              <a:t>Loop</a:t>
+            </a:r>
+            <a:r>
+              <a:rPr lang="en-US" sz="4000" dirty="0">
+                <a:latin typeface="Arial" panose="020B0604020202020204" pitchFamily="34" charset="0"/>
+                <a:cs typeface="Arial" panose="020B0604020202020204" pitchFamily="34" charset="0"/>
+              </a:rPr>
+              <a:t>s</a:t>
+            </a:r>
+            <a:r>
+              <a:rPr sz="4000" dirty="0">
+                <a:latin typeface="Arial" panose="020B0604020202020204" pitchFamily="34" charset="0"/>
+                <a:cs typeface="Arial" panose="020B0604020202020204" pitchFamily="34" charset="0"/>
+              </a:rPr>
+              <a:t> </a:t>
+            </a:r>
+            <a:r>
+              <a:rPr lang="en-US" sz="4000" dirty="0">
+                <a:latin typeface="Arial" panose="020B0604020202020204" pitchFamily="34" charset="0"/>
+                <a:cs typeface="Arial" panose="020B0604020202020204" pitchFamily="34" charset="0"/>
+              </a:rPr>
+              <a:t>and</a:t>
+            </a:r>
+            <a:r>
+              <a:rPr sz="4000" dirty="0">
+                <a:latin typeface="Arial" panose="020B0604020202020204" pitchFamily="34" charset="0"/>
+                <a:cs typeface="Arial" panose="020B0604020202020204" pitchFamily="34" charset="0"/>
+              </a:rPr>
+              <a:t> </a:t>
+            </a:r>
+            <a:r>
+              <a:rPr lang="en-US" sz="4000" dirty="0" err="1">
+                <a:latin typeface="Arial" panose="020B0604020202020204" pitchFamily="34" charset="0"/>
+                <a:cs typeface="Arial" panose="020B0604020202020204" pitchFamily="34" charset="0"/>
+              </a:rPr>
+              <a:t>ArrayList</a:t>
+            </a:r>
+            <a:endParaRPr sz="4000" dirty="0">
+              <a:latin typeface="Arial" panose="020B0604020202020204" pitchFamily="34" charset="0"/>
+              <a:cs typeface="Arial" panose="020B0604020202020204" pitchFamily="34" charset="0"/>
+            </a:endParaRPr>
+          </a:p>
+        </p:txBody>
+      </p:sp>
+      <p:sp>
+        <p:nvSpPr>
+          <p:cNvPr id="2" name="Slide Number Placeholder 1">
+            <a:extLst>
+              <a:ext uri="{FF2B5EF4-FFF2-40B4-BE49-F238E27FC236}">
+                <a16:creationId xmlns:a16="http://schemas.microsoft.com/office/drawing/2014/main" id="{DB79EFDE-B945-42DA-9AA8-1AA0D446E4F9}"/>
+              </a:ext>
+            </a:extLst>
+          </p:cNvPr>
           <p:cNvSpPr>
             <a:spLocks noGrp="1"/>
           </p:cNvSpPr>
           <p:nvPr>
-            <p:ph idx="1"/>
+            <p:ph type="sldNum" sz="quarter" idx="2"/>
           </p:nvPr>
         </p:nvSpPr>
-        <p:spPr/>
-        <p:txBody>
-          <a:bodyPr/>
-          <a:lstStyle/>
-          <a:p>
-            <a:r>
-              <a:rPr lang="en-US" dirty="0"/>
-              <a:t>An alternative to a thread that waits/sleeps</a:t>
-            </a:r>
-          </a:p>
-          <a:p>
-            <a:r>
-              <a:rPr lang="en-US" dirty="0"/>
-              <a:t>Creates events periodically</a:t>
-            </a:r>
-          </a:p>
-          <a:p>
-            <a:r>
-              <a:rPr lang="en-US" dirty="0"/>
-              <a:t>Allows main thread to finish</a:t>
-            </a:r>
-          </a:p>
-          <a:p>
-            <a:r>
-              <a:rPr lang="en-US" dirty="0"/>
-              <a:t>Designed to work in same thread as graphics</a:t>
-            </a:r>
-          </a:p>
-          <a:p>
-            <a:r>
-              <a:rPr lang="en-US" dirty="0"/>
-              <a:t>Superior approach for </a:t>
-            </a:r>
-            <a:r>
-              <a:rPr lang="en-US" dirty="0" err="1"/>
-              <a:t>ArcadeGame</a:t>
-            </a:r>
-            <a:r>
-              <a:rPr lang="en-US" dirty="0"/>
-              <a:t> project</a:t>
-            </a:r>
-          </a:p>
-        </p:txBody>
-      </p:sp>
+        <p:spPr>
+          <a:xfrm>
+            <a:off x="6553200" y="6406785"/>
+            <a:ext cx="2133600" cy="264255"/>
+          </a:xfrm>
+          <a:prstGeom prst="rect">
+            <a:avLst/>
+          </a:prstGeom>
+          <a:ln w="12700">
+            <a:miter lim="400000"/>
+          </a:ln>
+        </p:spPr>
+        <p:txBody>
+          <a:bodyPr lIns="45719" rIns="45719" anchor="ctr">
+            <a:spAutoFit/>
+          </a:bodyPr>
+          <a:lstStyle>
+            <a:lvl1pPr algn="r">
+              <a:defRPr sz="1200">
+                <a:solidFill>
+                  <a:srgbClr val="888888"/>
+                </a:solidFill>
+                <a:latin typeface="Arial"/>
+                <a:ea typeface="Arial"/>
+                <a:cs typeface="Arial"/>
+                <a:sym typeface="Arial"/>
+              </a:defRPr>
+            </a:lvl1pPr>
+            <a:lvl2pPr indent="457200">
+              <a:defRPr>
+                <a:latin typeface="Calibri"/>
+                <a:ea typeface="Calibri"/>
+                <a:cs typeface="Calibri"/>
+                <a:sym typeface="Calibri"/>
+              </a:defRPr>
+            </a:lvl2pPr>
+            <a:lvl3pPr indent="914400">
+              <a:defRPr>
+                <a:latin typeface="Calibri"/>
+                <a:ea typeface="Calibri"/>
+                <a:cs typeface="Calibri"/>
+                <a:sym typeface="Calibri"/>
+              </a:defRPr>
+            </a:lvl3pPr>
+            <a:lvl4pPr indent="1371600">
+              <a:defRPr>
+                <a:latin typeface="Calibri"/>
+                <a:ea typeface="Calibri"/>
+                <a:cs typeface="Calibri"/>
+                <a:sym typeface="Calibri"/>
+              </a:defRPr>
+            </a:lvl4pPr>
+            <a:lvl5pPr indent="1828800">
+              <a:defRPr>
+                <a:latin typeface="Calibri"/>
+                <a:ea typeface="Calibri"/>
+                <a:cs typeface="Calibri"/>
+                <a:sym typeface="Calibri"/>
+              </a:defRPr>
+            </a:lvl5pPr>
+            <a:lvl6pPr indent="2286000">
+              <a:defRPr>
+                <a:latin typeface="Calibri"/>
+                <a:ea typeface="Calibri"/>
+                <a:cs typeface="Calibri"/>
+                <a:sym typeface="Calibri"/>
+              </a:defRPr>
+            </a:lvl6pPr>
+            <a:lvl7pPr indent="2743200">
+              <a:defRPr>
+                <a:latin typeface="Calibri"/>
+                <a:ea typeface="Calibri"/>
+                <a:cs typeface="Calibri"/>
+                <a:sym typeface="Calibri"/>
+              </a:defRPr>
+            </a:lvl7pPr>
+            <a:lvl8pPr indent="3200400">
+              <a:defRPr>
+                <a:latin typeface="Calibri"/>
+                <a:ea typeface="Calibri"/>
+                <a:cs typeface="Calibri"/>
+                <a:sym typeface="Calibri"/>
+              </a:defRPr>
+            </a:lvl8pPr>
+            <a:lvl9pPr indent="3657600">
+              <a:defRPr>
+                <a:latin typeface="Calibri"/>
+                <a:ea typeface="Calibri"/>
+                <a:cs typeface="Calibri"/>
+                <a:sym typeface="Calibri"/>
+              </a:defRPr>
+            </a:lvl9pPr>
+          </a:lstStyle>
+          <a:p>
+            <a:pPr lvl="0"/>
+            <a:fld id="{86CB4B4D-7CA3-9044-876B-883B54F8677D}" type="slidenum">
+              <a:rPr lang="en-US" smtClean="0"/>
+              <a:pPr/>
+              <a:t>7</a:t>
+            </a:fld>
+            <a:endParaRPr lang="en-US"/>
+          </a:p>
+        </p:txBody>
+      </p:sp>
+      <p:pic>
+        <p:nvPicPr>
+          <p:cNvPr id="4" name="Picture 3" descr="A screenshot of a cell phone&#10;&#10;Description automatically generated">
+            <a:extLst>
+              <a:ext uri="{FF2B5EF4-FFF2-40B4-BE49-F238E27FC236}">
+                <a16:creationId xmlns:a16="http://schemas.microsoft.com/office/drawing/2014/main" id="{BC72E322-86AA-A647-AD55-EC7E24C25763}"/>
+              </a:ext>
+            </a:extLst>
+          </p:cNvPr>
+          <p:cNvPicPr>
+            <a:picLocks noChangeAspect="1"/>
+          </p:cNvPicPr>
+          <p:nvPr/>
+        </p:nvPicPr>
+        <p:blipFill>
+          <a:blip r:embed="rId3">
+            <a:extLst>
+              <a:ext uri="{28A0092B-C50C-407E-A947-70E740481C1C}">
+                <a14:useLocalDpi xmlns:a14="http://schemas.microsoft.com/office/drawing/2010/main" val="0"/>
+              </a:ext>
+            </a:extLst>
+          </a:blip>
+          <a:stretch>
+            <a:fillRect/>
+          </a:stretch>
+        </p:blipFill>
+        <p:spPr>
+          <a:xfrm>
+            <a:off x="713232" y="1176244"/>
+            <a:ext cx="7726680" cy="5385726"/>
+          </a:xfrm>
+          <a:prstGeom prst="rect">
+            <a:avLst/>
+          </a:prstGeom>
+        </p:spPr>
+      </p:pic>
     </p:spTree>
-    <p:extLst>
-      <p:ext uri="{BB962C8B-B14F-4D97-AF65-F5344CB8AC3E}">
-        <p14:creationId xmlns:p14="http://schemas.microsoft.com/office/powerpoint/2010/main" val="1386020521"/>
-      </p:ext>
-    </p:extLst>
   </p:cSld>
   <p:clrMapOvr>
     <a:masterClrMapping/>
@@ -10273,7 +12658,7 @@
       </p:grpSpPr>
       <p:sp>
         <p:nvSpPr>
-          <p:cNvPr id="2" name="Title 1"/>
+          <p:cNvPr id="159" name="Shape 159"/>
           <p:cNvSpPr>
             <a:spLocks noGrp="1"/>
           </p:cNvSpPr>
@@ -10281,740 +12666,586 @@
             <p:ph type="title"/>
           </p:nvPr>
         </p:nvSpPr>
-        <p:spPr/>
-        <p:txBody>
-          <a:bodyPr/>
-          <a:lstStyle/>
-          <a:p>
-            <a:r>
-              <a:rPr lang="en-US" dirty="0"/>
-              <a:t>Timer</a:t>
-            </a:r>
-          </a:p>
-        </p:txBody>
-      </p:sp>
-      <p:cxnSp>
-        <p:nvCxnSpPr>
-          <p:cNvPr id="5" name="Straight Arrow Connector 4"/>
-          <p:cNvCxnSpPr/>
-          <p:nvPr/>
-        </p:nvCxnSpPr>
         <p:spPr>
           <a:xfrm>
-            <a:off x="1295400" y="1619834"/>
-            <a:ext cx="0" cy="1548300"/>
+            <a:off x="457200" y="0"/>
+            <a:ext cx="8229600" cy="1143001"/>
           </a:xfrm>
-          <a:prstGeom prst="straightConnector1">
+          <a:prstGeom prst="rect">
             <a:avLst/>
           </a:prstGeom>
-          <a:ln>
-            <a:tailEnd type="triangle"/>
+        </p:spPr>
+        <p:txBody>
+          <a:bodyPr>
+            <a:normAutofit/>
+          </a:bodyPr>
+          <a:lstStyle/>
+          <a:p>
+            <a:pPr lvl="0">
+              <a:defRPr sz="1800"/>
+            </a:pPr>
+            <a:r>
+              <a:rPr lang="en-US" sz="4000" i="1" dirty="0">
+                <a:latin typeface="Arial" panose="020B0604020202020204" pitchFamily="34" charset="0"/>
+                <a:cs typeface="Arial" panose="020B0604020202020204" pitchFamily="34" charset="0"/>
+              </a:rPr>
+              <a:t>Concurrent Modification Error</a:t>
+            </a:r>
+            <a:endParaRPr sz="4000" dirty="0">
+              <a:latin typeface="Arial" panose="020B0604020202020204" pitchFamily="34" charset="0"/>
+              <a:cs typeface="Arial" panose="020B0604020202020204" pitchFamily="34" charset="0"/>
+            </a:endParaRPr>
+          </a:p>
+        </p:txBody>
+      </p:sp>
+      <p:sp>
+        <p:nvSpPr>
+          <p:cNvPr id="2" name="Slide Number Placeholder 1">
+            <a:extLst>
+              <a:ext uri="{FF2B5EF4-FFF2-40B4-BE49-F238E27FC236}">
+                <a16:creationId xmlns:a16="http://schemas.microsoft.com/office/drawing/2014/main" id="{DB79EFDE-B945-42DA-9AA8-1AA0D446E4F9}"/>
+              </a:ext>
+            </a:extLst>
+          </p:cNvPr>
+          <p:cNvSpPr>
+            <a:spLocks noGrp="1"/>
+          </p:cNvSpPr>
+          <p:nvPr>
+            <p:ph type="sldNum" sz="quarter" idx="2"/>
+          </p:nvPr>
+        </p:nvSpPr>
+        <p:spPr>
+          <a:xfrm>
+            <a:off x="6553200" y="6406785"/>
+            <a:ext cx="2133600" cy="264255"/>
+          </a:xfrm>
+          <a:prstGeom prst="rect">
+            <a:avLst/>
+          </a:prstGeom>
+          <a:ln w="12700">
+            <a:miter lim="400000"/>
           </a:ln>
         </p:spPr>
-        <p:style>
-          <a:lnRef idx="2">
-            <a:schemeClr val="accent3"/>
-          </a:lnRef>
-          <a:fillRef idx="0">
-            <a:schemeClr val="accent3"/>
-          </a:fillRef>
-          <a:effectRef idx="1">
-            <a:schemeClr val="accent3"/>
-          </a:effectRef>
-          <a:fontRef idx="minor">
-            <a:schemeClr val="tx1"/>
-          </a:fontRef>
-        </p:style>
-      </p:cxnSp>
-      <p:cxnSp>
-        <p:nvCxnSpPr>
-          <p:cNvPr id="6" name="Straight Arrow Connector 5"/>
-          <p:cNvCxnSpPr/>
+        <p:txBody>
+          <a:bodyPr lIns="45719" rIns="45719" anchor="ctr">
+            <a:spAutoFit/>
+          </a:bodyPr>
+          <a:lstStyle>
+            <a:lvl1pPr algn="r">
+              <a:defRPr sz="1200">
+                <a:solidFill>
+                  <a:srgbClr val="888888"/>
+                </a:solidFill>
+                <a:latin typeface="Arial"/>
+                <a:ea typeface="Arial"/>
+                <a:cs typeface="Arial"/>
+                <a:sym typeface="Arial"/>
+              </a:defRPr>
+            </a:lvl1pPr>
+            <a:lvl2pPr indent="457200">
+              <a:defRPr>
+                <a:latin typeface="Calibri"/>
+                <a:ea typeface="Calibri"/>
+                <a:cs typeface="Calibri"/>
+                <a:sym typeface="Calibri"/>
+              </a:defRPr>
+            </a:lvl2pPr>
+            <a:lvl3pPr indent="914400">
+              <a:defRPr>
+                <a:latin typeface="Calibri"/>
+                <a:ea typeface="Calibri"/>
+                <a:cs typeface="Calibri"/>
+                <a:sym typeface="Calibri"/>
+              </a:defRPr>
+            </a:lvl3pPr>
+            <a:lvl4pPr indent="1371600">
+              <a:defRPr>
+                <a:latin typeface="Calibri"/>
+                <a:ea typeface="Calibri"/>
+                <a:cs typeface="Calibri"/>
+                <a:sym typeface="Calibri"/>
+              </a:defRPr>
+            </a:lvl4pPr>
+            <a:lvl5pPr indent="1828800">
+              <a:defRPr>
+                <a:latin typeface="Calibri"/>
+                <a:ea typeface="Calibri"/>
+                <a:cs typeface="Calibri"/>
+                <a:sym typeface="Calibri"/>
+              </a:defRPr>
+            </a:lvl5pPr>
+            <a:lvl6pPr indent="2286000">
+              <a:defRPr>
+                <a:latin typeface="Calibri"/>
+                <a:ea typeface="Calibri"/>
+                <a:cs typeface="Calibri"/>
+                <a:sym typeface="Calibri"/>
+              </a:defRPr>
+            </a:lvl6pPr>
+            <a:lvl7pPr indent="2743200">
+              <a:defRPr>
+                <a:latin typeface="Calibri"/>
+                <a:ea typeface="Calibri"/>
+                <a:cs typeface="Calibri"/>
+                <a:sym typeface="Calibri"/>
+              </a:defRPr>
+            </a:lvl7pPr>
+            <a:lvl8pPr indent="3200400">
+              <a:defRPr>
+                <a:latin typeface="Calibri"/>
+                <a:ea typeface="Calibri"/>
+                <a:cs typeface="Calibri"/>
+                <a:sym typeface="Calibri"/>
+              </a:defRPr>
+            </a:lvl8pPr>
+            <a:lvl9pPr indent="3657600">
+              <a:defRPr>
+                <a:latin typeface="Calibri"/>
+                <a:ea typeface="Calibri"/>
+                <a:cs typeface="Calibri"/>
+                <a:sym typeface="Calibri"/>
+              </a:defRPr>
+            </a:lvl9pPr>
+          </a:lstStyle>
+          <a:p>
+            <a:pPr lvl="0"/>
+            <a:fld id="{86CB4B4D-7CA3-9044-876B-883B54F8677D}" type="slidenum">
+              <a:rPr lang="en-US" smtClean="0"/>
+              <a:pPr/>
+              <a:t>8</a:t>
+            </a:fld>
+            <a:endParaRPr lang="en-US"/>
+          </a:p>
+        </p:txBody>
+      </p:sp>
+      <p:pic>
+        <p:nvPicPr>
+          <p:cNvPr id="7" name="Picture 6" descr="Graphical user interface, text&#10;&#10;Description automatically generated">
+            <a:extLst>
+              <a:ext uri="{FF2B5EF4-FFF2-40B4-BE49-F238E27FC236}">
+                <a16:creationId xmlns:a16="http://schemas.microsoft.com/office/drawing/2014/main" id="{3353A7CE-EB86-A841-B194-E67EB34A92A0}"/>
+              </a:ext>
+            </a:extLst>
+          </p:cNvPr>
+          <p:cNvPicPr>
+            <a:picLocks noChangeAspect="1"/>
+          </p:cNvPicPr>
           <p:nvPr/>
-        </p:nvCxnSpPr>
+        </p:nvPicPr>
+        <p:blipFill>
+          <a:blip r:embed="rId3">
+            <a:extLst>
+              <a:ext uri="{28A0092B-C50C-407E-A947-70E740481C1C}">
+                <a14:useLocalDpi xmlns:a14="http://schemas.microsoft.com/office/drawing/2010/main" val="0"/>
+              </a:ext>
+            </a:extLst>
+          </a:blip>
+          <a:stretch>
+            <a:fillRect/>
+          </a:stretch>
+        </p:blipFill>
         <p:spPr>
           <a:xfrm>
-            <a:off x="3200400" y="2534234"/>
-            <a:ext cx="0" cy="4323766"/>
+            <a:off x="222150" y="857956"/>
+            <a:ext cx="6904655" cy="3702755"/>
           </a:xfrm>
-          <a:prstGeom prst="straightConnector1">
+          <a:prstGeom prst="rect">
             <a:avLst/>
           </a:prstGeom>
-          <a:ln>
-            <a:solidFill>
-              <a:schemeClr val="tx2">
-                <a:lumMod val="60000"/>
-                <a:lumOff val="40000"/>
-              </a:schemeClr>
-            </a:solidFill>
-            <a:tailEnd type="triangle"/>
-          </a:ln>
         </p:spPr>
-        <p:style>
-          <a:lnRef idx="2">
-            <a:schemeClr val="accent3"/>
-          </a:lnRef>
-          <a:fillRef idx="0">
-            <a:schemeClr val="accent3"/>
-          </a:fillRef>
-          <a:effectRef idx="1">
-            <a:schemeClr val="accent3"/>
-          </a:effectRef>
-          <a:fontRef idx="minor">
-            <a:schemeClr val="tx1"/>
-          </a:fontRef>
-        </p:style>
-      </p:cxnSp>
-      <p:cxnSp>
-        <p:nvCxnSpPr>
-          <p:cNvPr id="7" name="Straight Arrow Connector 6"/>
-          <p:cNvCxnSpPr/>
-          <p:nvPr/>
-        </p:nvCxnSpPr>
-        <p:spPr>
-          <a:xfrm flipV="1">
-            <a:off x="1295400" y="2534234"/>
-            <a:ext cx="1905000" cy="21771"/>
-          </a:xfrm>
-          <a:prstGeom prst="straightConnector1">
-            <a:avLst/>
-          </a:prstGeom>
-          <a:ln>
-            <a:tailEnd type="triangle"/>
-          </a:ln>
-        </p:spPr>
-        <p:style>
-          <a:lnRef idx="2">
-            <a:schemeClr val="accent3"/>
-          </a:lnRef>
-          <a:fillRef idx="0">
-            <a:schemeClr val="accent3"/>
-          </a:fillRef>
-          <a:effectRef idx="1">
-            <a:schemeClr val="accent3"/>
-          </a:effectRef>
-          <a:fontRef idx="minor">
-            <a:schemeClr val="tx1"/>
-          </a:fontRef>
-        </p:style>
-      </p:cxnSp>
-      <p:sp>
-        <p:nvSpPr>
-          <p:cNvPr id="8" name="TextBox 7"/>
+      </p:pic>
+      <p:sp>
+        <p:nvSpPr>
+          <p:cNvPr id="10" name="TextBox 9">
+            <a:extLst>
+              <a:ext uri="{FF2B5EF4-FFF2-40B4-BE49-F238E27FC236}">
+                <a16:creationId xmlns:a16="http://schemas.microsoft.com/office/drawing/2014/main" id="{BC4E3821-2B85-3C4E-ADDE-73F6368B9670}"/>
+              </a:ext>
+            </a:extLst>
+          </p:cNvPr>
           <p:cNvSpPr txBox="1"/>
           <p:nvPr/>
         </p:nvSpPr>
         <p:spPr>
           <a:xfrm>
-            <a:off x="381000" y="1249629"/>
-            <a:ext cx="1981200" cy="369332"/>
+            <a:off x="7145867" y="925688"/>
+            <a:ext cx="1794933" cy="2777068"/>
           </a:xfrm>
           <a:prstGeom prst="rect">
             <a:avLst/>
           </a:prstGeom>
           <a:noFill/>
-          <a:ln>
-            <a:solidFill>
-              <a:schemeClr val="accent3"/>
-            </a:solidFill>
+          <a:ln w="12700" cap="flat">
+            <a:noFill/>
+            <a:miter lim="400000"/>
           </a:ln>
+          <a:effectLst/>
         </p:spPr>
-        <p:txBody>
-          <a:bodyPr wrap="square" rtlCol="0">
-            <a:spAutoFit/>
+        <p:style>
+          <a:lnRef idx="0">
+            <a:scrgbClr r="0" g="0" b="0"/>
+          </a:lnRef>
+          <a:fillRef idx="0">
+            <a:scrgbClr r="0" g="0" b="0"/>
+          </a:fillRef>
+          <a:effectRef idx="0">
+            <a:scrgbClr r="0" g="0" b="0"/>
+          </a:effectRef>
+          <a:fontRef idx="none"/>
+        </p:style>
+        <p:txBody>
+          <a:bodyPr rot="0" spcFirstLastPara="1" vertOverflow="overflow" horzOverflow="overflow" vert="horz" wrap="square" lIns="45719" tIns="45719" rIns="45719" bIns="45719" numCol="1" spcCol="38100" rtlCol="0" anchor="t">
+            <a:normAutofit/>
           </a:bodyPr>
           <a:lstStyle/>
           <a:p>
-            <a:r>
-              <a:rPr lang="en-US" dirty="0"/>
-              <a:t>Main Thread</a:t>
-            </a:r>
-          </a:p>
-        </p:txBody>
-      </p:sp>
-      <p:sp>
-        <p:nvSpPr>
-          <p:cNvPr id="9" name="TextBox 8"/>
-          <p:cNvSpPr txBox="1"/>
+            <a:pPr marL="0" marR="0" indent="0" algn="l" defTabSz="914400" rtl="0" fontAlgn="auto" latinLnBrk="1" hangingPunct="0">
+              <a:lnSpc>
+                <a:spcPct val="100000"/>
+              </a:lnSpc>
+              <a:spcBef>
+                <a:spcPts val="0"/>
+              </a:spcBef>
+              <a:spcAft>
+                <a:spcPts val="0"/>
+              </a:spcAft>
+              <a:buClrTx/>
+              <a:buSzTx/>
+              <a:buFontTx/>
+              <a:buNone/>
+              <a:tabLst/>
+            </a:pPr>
+            <a:r>
+              <a:rPr kumimoji="0" lang="en-US" sz="1800" b="0" i="0" u="none" strike="noStrike" cap="none" spc="0" normalizeH="0" baseline="0" dirty="0">
+                <a:ln>
+                  <a:noFill/>
+                </a:ln>
+                <a:solidFill>
+                  <a:srgbClr val="000000"/>
+                </a:solidFill>
+                <a:effectLst/>
+                <a:uFillTx/>
+                <a:latin typeface="Calibri"/>
+                <a:ea typeface="Calibri"/>
+                <a:cs typeface="Calibri"/>
+                <a:sym typeface="Calibri"/>
+              </a:rPr>
+              <a:t>This is a problem </a:t>
+            </a:r>
+          </a:p>
+          <a:p>
+            <a:pPr marL="0" marR="0" indent="0" algn="l" defTabSz="914400" rtl="0" fontAlgn="auto" latinLnBrk="1" hangingPunct="0">
+              <a:lnSpc>
+                <a:spcPct val="100000"/>
+              </a:lnSpc>
+              <a:spcBef>
+                <a:spcPts val="0"/>
+              </a:spcBef>
+              <a:spcAft>
+                <a:spcPts val="0"/>
+              </a:spcAft>
+              <a:buClrTx/>
+              <a:buSzTx/>
+              <a:buFontTx/>
+              <a:buNone/>
+              <a:tabLst/>
+            </a:pPr>
+            <a:r>
+              <a:rPr kumimoji="0" lang="en-US" sz="1800" b="0" i="0" u="none" strike="noStrike" cap="none" spc="0" normalizeH="0" baseline="0" dirty="0">
+                <a:ln>
+                  <a:noFill/>
+                </a:ln>
+                <a:solidFill>
+                  <a:srgbClr val="000000"/>
+                </a:solidFill>
+                <a:effectLst/>
+                <a:uFillTx/>
+                <a:latin typeface="Calibri"/>
+                <a:ea typeface="Calibri"/>
+                <a:cs typeface="Calibri"/>
+                <a:sym typeface="Calibri"/>
+              </a:rPr>
+              <a:t>for enhanced </a:t>
+            </a:r>
+            <a:r>
+              <a:rPr kumimoji="0" lang="en-US" sz="1800" b="0" i="1" u="none" strike="noStrike" cap="none" spc="0" normalizeH="0" baseline="0" dirty="0">
+                <a:ln>
+                  <a:noFill/>
+                </a:ln>
+                <a:solidFill>
+                  <a:srgbClr val="000000"/>
+                </a:solidFill>
+                <a:effectLst/>
+                <a:uFillTx/>
+                <a:latin typeface="Calibri"/>
+                <a:ea typeface="Calibri"/>
+                <a:cs typeface="Calibri"/>
+                <a:sym typeface="Calibri"/>
+              </a:rPr>
+              <a:t>for</a:t>
+            </a:r>
+            <a:r>
+              <a:rPr kumimoji="0" lang="en-US" sz="1800" b="0" u="none" strike="noStrike" cap="none" spc="0" normalizeH="0" baseline="0" dirty="0">
+                <a:ln>
+                  <a:noFill/>
+                </a:ln>
+                <a:solidFill>
+                  <a:srgbClr val="000000"/>
+                </a:solidFill>
+                <a:effectLst/>
+                <a:uFillTx/>
+                <a:latin typeface="Calibri"/>
+                <a:ea typeface="Calibri"/>
+                <a:cs typeface="Calibri"/>
+                <a:sym typeface="Calibri"/>
+              </a:rPr>
+              <a:t> </a:t>
+            </a:r>
+          </a:p>
+          <a:p>
+            <a:pPr marL="0" marR="0" indent="0" algn="l" defTabSz="914400" rtl="0" fontAlgn="auto" latinLnBrk="1" hangingPunct="0">
+              <a:lnSpc>
+                <a:spcPct val="100000"/>
+              </a:lnSpc>
+              <a:spcBef>
+                <a:spcPts val="0"/>
+              </a:spcBef>
+              <a:spcAft>
+                <a:spcPts val="0"/>
+              </a:spcAft>
+              <a:buClrTx/>
+              <a:buSzTx/>
+              <a:buFontTx/>
+              <a:buNone/>
+              <a:tabLst/>
+            </a:pPr>
+            <a:r>
+              <a:rPr kumimoji="0" lang="en-US" sz="1800" b="0" u="none" strike="noStrike" cap="none" spc="0" normalizeH="0" baseline="0" dirty="0">
+                <a:ln>
+                  <a:noFill/>
+                </a:ln>
+                <a:solidFill>
+                  <a:srgbClr val="000000"/>
+                </a:solidFill>
+                <a:effectLst/>
+                <a:uFillTx/>
+                <a:latin typeface="Calibri"/>
+                <a:ea typeface="Calibri"/>
+                <a:cs typeface="Calibri"/>
+                <a:sym typeface="Calibri"/>
+              </a:rPr>
+              <a:t>because length of 'a' has changed </a:t>
+            </a:r>
+          </a:p>
+          <a:p>
+            <a:pPr marL="0" marR="0" indent="0" algn="l" defTabSz="914400" rtl="0" fontAlgn="auto" latinLnBrk="1" hangingPunct="0">
+              <a:lnSpc>
+                <a:spcPct val="100000"/>
+              </a:lnSpc>
+              <a:spcBef>
+                <a:spcPts val="0"/>
+              </a:spcBef>
+              <a:spcAft>
+                <a:spcPts val="0"/>
+              </a:spcAft>
+              <a:buClrTx/>
+              <a:buSzTx/>
+              <a:buFontTx/>
+              <a:buNone/>
+              <a:tabLst/>
+            </a:pPr>
+            <a:endParaRPr lang="en-US" dirty="0">
+              <a:solidFill>
+                <a:srgbClr val="000000"/>
+              </a:solidFill>
+            </a:endParaRPr>
+          </a:p>
+          <a:p>
+            <a:pPr marL="0" marR="0" indent="0" algn="l" defTabSz="914400" rtl="0" fontAlgn="auto" latinLnBrk="1" hangingPunct="0">
+              <a:lnSpc>
+                <a:spcPct val="100000"/>
+              </a:lnSpc>
+              <a:spcBef>
+                <a:spcPts val="0"/>
+              </a:spcBef>
+              <a:spcAft>
+                <a:spcPts val="0"/>
+              </a:spcAft>
+              <a:buClrTx/>
+              <a:buSzTx/>
+              <a:buFontTx/>
+              <a:buNone/>
+              <a:tabLst/>
+            </a:pPr>
+            <a:r>
+              <a:rPr kumimoji="0" lang="en-US" sz="1800" b="0" u="none" strike="noStrike" cap="none" spc="0" normalizeH="0" baseline="0" dirty="0">
+                <a:ln>
+                  <a:noFill/>
+                </a:ln>
+                <a:solidFill>
+                  <a:srgbClr val="000000"/>
+                </a:solidFill>
+                <a:effectLst/>
+                <a:uFillTx/>
+                <a:latin typeface="Calibri"/>
+                <a:ea typeface="Calibri"/>
+                <a:cs typeface="Calibri"/>
+                <a:sym typeface="Calibri"/>
+              </a:rPr>
+              <a:t>But enhanced </a:t>
+            </a:r>
+            <a:r>
+              <a:rPr kumimoji="0" lang="en-US" sz="1800" b="0" i="1" u="none" strike="noStrike" cap="none" spc="0" normalizeH="0" baseline="0" dirty="0">
+                <a:ln>
+                  <a:noFill/>
+                </a:ln>
+                <a:solidFill>
+                  <a:srgbClr val="000000"/>
+                </a:solidFill>
+                <a:effectLst/>
+                <a:uFillTx/>
+                <a:latin typeface="Calibri"/>
+                <a:ea typeface="Calibri"/>
+                <a:cs typeface="Calibri"/>
+                <a:sym typeface="Calibri"/>
+              </a:rPr>
+              <a:t>for</a:t>
+            </a:r>
+            <a:r>
+              <a:rPr kumimoji="0" lang="en-US" sz="1800" b="0" u="none" strike="noStrike" cap="none" spc="0" normalizeH="0" baseline="0" dirty="0">
+                <a:ln>
+                  <a:noFill/>
+                </a:ln>
+                <a:solidFill>
+                  <a:srgbClr val="000000"/>
+                </a:solidFill>
+                <a:effectLst/>
+                <a:uFillTx/>
+                <a:latin typeface="Calibri"/>
+                <a:ea typeface="Calibri"/>
+                <a:cs typeface="Calibri"/>
+                <a:sym typeface="Calibri"/>
+              </a:rPr>
+              <a:t> is still using </a:t>
+            </a:r>
+          </a:p>
+          <a:p>
+            <a:pPr marL="0" marR="0" indent="0" algn="l" defTabSz="914400" rtl="0" fontAlgn="auto" latinLnBrk="1" hangingPunct="0">
+              <a:lnSpc>
+                <a:spcPct val="100000"/>
+              </a:lnSpc>
+              <a:spcBef>
+                <a:spcPts val="0"/>
+              </a:spcBef>
+              <a:spcAft>
+                <a:spcPts val="0"/>
+              </a:spcAft>
+              <a:buClrTx/>
+              <a:buSzTx/>
+              <a:buFontTx/>
+              <a:buNone/>
+              <a:tabLst/>
+            </a:pPr>
+            <a:r>
+              <a:rPr kumimoji="0" lang="en-US" sz="1800" b="0" u="none" strike="noStrike" cap="none" spc="0" normalizeH="0" baseline="0" dirty="0">
+                <a:ln>
+                  <a:noFill/>
+                </a:ln>
+                <a:solidFill>
+                  <a:srgbClr val="000000"/>
+                </a:solidFill>
+                <a:effectLst/>
+                <a:uFillTx/>
+                <a:latin typeface="Calibri"/>
+                <a:ea typeface="Calibri"/>
+                <a:cs typeface="Calibri"/>
+                <a:sym typeface="Calibri"/>
+              </a:rPr>
+              <a:t>original length of</a:t>
+            </a:r>
+          </a:p>
+          <a:p>
+            <a:pPr marL="0" marR="0" indent="0" algn="l" defTabSz="914400" rtl="0" fontAlgn="auto" latinLnBrk="1" hangingPunct="0">
+              <a:lnSpc>
+                <a:spcPct val="100000"/>
+              </a:lnSpc>
+              <a:spcBef>
+                <a:spcPts val="0"/>
+              </a:spcBef>
+              <a:spcAft>
+                <a:spcPts val="0"/>
+              </a:spcAft>
+              <a:buClrTx/>
+              <a:buSzTx/>
+              <a:buFontTx/>
+              <a:buNone/>
+              <a:tabLst/>
+            </a:pPr>
+            <a:r>
+              <a:rPr lang="en-US" i="0" dirty="0">
+                <a:solidFill>
+                  <a:srgbClr val="000000"/>
+                </a:solidFill>
+              </a:rPr>
+              <a:t>'a'</a:t>
+            </a:r>
+            <a:endParaRPr kumimoji="0" lang="en-US" sz="1800" b="0" i="0" u="none" strike="noStrike" cap="none" spc="0" normalizeH="0" baseline="0" dirty="0">
+              <a:ln>
+                <a:noFill/>
+              </a:ln>
+              <a:solidFill>
+                <a:srgbClr val="000000"/>
+              </a:solidFill>
+              <a:effectLst/>
+              <a:uFillTx/>
+              <a:latin typeface="Calibri"/>
+              <a:ea typeface="Calibri"/>
+              <a:cs typeface="Calibri"/>
+              <a:sym typeface="Calibri"/>
+            </a:endParaRPr>
+          </a:p>
+        </p:txBody>
+      </p:sp>
+      <p:pic>
+        <p:nvPicPr>
+          <p:cNvPr id="12" name="Picture 11" descr="Text&#10;&#10;Description automatically generated">
+            <a:extLst>
+              <a:ext uri="{FF2B5EF4-FFF2-40B4-BE49-F238E27FC236}">
+                <a16:creationId xmlns:a16="http://schemas.microsoft.com/office/drawing/2014/main" id="{8C8E5F70-F0A5-5A46-B1C6-F04B7F7D3189}"/>
+              </a:ext>
+            </a:extLst>
+          </p:cNvPr>
+          <p:cNvPicPr>
+            <a:picLocks noChangeAspect="1"/>
+          </p:cNvPicPr>
           <p:nvPr/>
-        </p:nvSpPr>
+        </p:nvPicPr>
+        <p:blipFill>
+          <a:blip r:embed="rId4">
+            <a:extLst>
+              <a:ext uri="{28A0092B-C50C-407E-A947-70E740481C1C}">
+                <a14:useLocalDpi xmlns:a14="http://schemas.microsoft.com/office/drawing/2010/main" val="0"/>
+              </a:ext>
+            </a:extLst>
+          </a:blip>
+          <a:stretch>
+            <a:fillRect/>
+          </a:stretch>
+        </p:blipFill>
         <p:spPr>
           <a:xfrm>
-            <a:off x="2247900" y="2038843"/>
-            <a:ext cx="2533023" cy="369332"/>
+            <a:off x="214489" y="4583288"/>
+            <a:ext cx="7809736" cy="2171585"/>
           </a:xfrm>
           <a:prstGeom prst="rect">
             <a:avLst/>
           </a:prstGeom>
-          <a:noFill/>
-          <a:ln>
-            <a:solidFill>
-              <a:schemeClr val="tx2">
-                <a:lumMod val="60000"/>
-                <a:lumOff val="40000"/>
-              </a:schemeClr>
-            </a:solidFill>
-          </a:ln>
         </p:spPr>
-        <p:txBody>
-          <a:bodyPr wrap="square" rtlCol="0">
-            <a:spAutoFit/>
-          </a:bodyPr>
-          <a:lstStyle/>
-          <a:p>
-            <a:r>
-              <a:rPr lang="en-US" dirty="0"/>
-              <a:t>Java Graphics Thread</a:t>
-            </a:r>
-          </a:p>
-        </p:txBody>
-      </p:sp>
-      <p:sp>
-        <p:nvSpPr>
-          <p:cNvPr id="11" name="Rounded Rectangle 10"/>
-          <p:cNvSpPr/>
-          <p:nvPr/>
-        </p:nvSpPr>
-        <p:spPr>
-          <a:xfrm>
-            <a:off x="1143000" y="3015734"/>
-            <a:ext cx="304800" cy="228600"/>
-          </a:xfrm>
-          <a:prstGeom prst="roundRect">
-            <a:avLst/>
-          </a:prstGeom>
-          <a:solidFill>
-            <a:schemeClr val="accent3"/>
-          </a:solidFill>
-        </p:spPr>
-        <p:style>
-          <a:lnRef idx="2">
-            <a:schemeClr val="accent1">
-              <a:shade val="50000"/>
-            </a:schemeClr>
-          </a:lnRef>
-          <a:fillRef idx="1">
-            <a:schemeClr val="accent1"/>
-          </a:fillRef>
-          <a:effectRef idx="0">
-            <a:schemeClr val="accent1"/>
-          </a:effectRef>
-          <a:fontRef idx="minor">
-            <a:schemeClr val="lt1"/>
-          </a:fontRef>
-        </p:style>
-        <p:txBody>
-          <a:bodyPr rtlCol="0" anchor="ctr"/>
-          <a:lstStyle/>
-          <a:p>
-            <a:pPr algn="ctr"/>
-            <a:endParaRPr lang="en-US"/>
-          </a:p>
-        </p:txBody>
-      </p:sp>
-      <p:cxnSp>
-        <p:nvCxnSpPr>
-          <p:cNvPr id="13" name="Straight Arrow Connector 12"/>
-          <p:cNvCxnSpPr/>
-          <p:nvPr/>
-        </p:nvCxnSpPr>
-        <p:spPr>
-          <a:xfrm>
-            <a:off x="3200400" y="2895600"/>
-            <a:ext cx="932823" cy="0"/>
-          </a:xfrm>
-          <a:prstGeom prst="straightConnector1">
-            <a:avLst/>
-          </a:prstGeom>
-          <a:ln>
-            <a:solidFill>
-              <a:schemeClr val="tx2">
-                <a:lumMod val="60000"/>
-                <a:lumOff val="40000"/>
-              </a:schemeClr>
-            </a:solidFill>
-            <a:tailEnd type="triangle"/>
-          </a:ln>
-        </p:spPr>
-        <p:style>
-          <a:lnRef idx="2">
-            <a:schemeClr val="accent3"/>
-          </a:lnRef>
-          <a:fillRef idx="0">
-            <a:schemeClr val="accent3"/>
-          </a:fillRef>
-          <a:effectRef idx="1">
-            <a:schemeClr val="accent3"/>
-          </a:effectRef>
-          <a:fontRef idx="minor">
-            <a:schemeClr val="tx1"/>
-          </a:fontRef>
-        </p:style>
-      </p:cxnSp>
-      <p:sp>
-        <p:nvSpPr>
-          <p:cNvPr id="16" name="TextBox 15"/>
-          <p:cNvSpPr txBox="1"/>
-          <p:nvPr/>
-        </p:nvSpPr>
-        <p:spPr>
-          <a:xfrm>
-            <a:off x="4267200" y="2884268"/>
-            <a:ext cx="3810000" cy="1200329"/>
-          </a:xfrm>
-          <a:prstGeom prst="rect">
-            <a:avLst/>
-          </a:prstGeom>
-          <a:noFill/>
-          <a:ln>
-            <a:solidFill>
-              <a:schemeClr val="tx2">
-                <a:lumMod val="60000"/>
-                <a:lumOff val="40000"/>
-              </a:schemeClr>
-            </a:solidFill>
-          </a:ln>
-        </p:spPr>
-        <p:txBody>
-          <a:bodyPr wrap="square" rtlCol="0">
-            <a:spAutoFit/>
-          </a:bodyPr>
-          <a:lstStyle/>
-          <a:p>
-            <a:r>
-              <a:rPr lang="en-US" dirty="0"/>
-              <a:t>public void </a:t>
-            </a:r>
-            <a:r>
-              <a:rPr lang="en-US" dirty="0" err="1"/>
-              <a:t>advanceOneTick</a:t>
-            </a:r>
-            <a:r>
-              <a:rPr lang="en-US" dirty="0"/>
-              <a:t>() {    </a:t>
-            </a:r>
-          </a:p>
-          <a:p>
-            <a:r>
-              <a:rPr lang="en-US" dirty="0"/>
-              <a:t>    </a:t>
-            </a:r>
-            <a:r>
-              <a:rPr lang="en-US" dirty="0" err="1"/>
-              <a:t>myComponent.updateState</a:t>
-            </a:r>
-            <a:r>
-              <a:rPr lang="en-US" dirty="0"/>
-              <a:t>();</a:t>
-            </a:r>
-          </a:p>
-          <a:p>
-            <a:r>
-              <a:rPr lang="en-US" dirty="0"/>
-              <a:t>    </a:t>
-            </a:r>
-            <a:r>
-              <a:rPr lang="en-US" dirty="0" err="1"/>
-              <a:t>myComponent.drawScreen</a:t>
-            </a:r>
-            <a:r>
-              <a:rPr lang="en-US" dirty="0"/>
-              <a:t>();</a:t>
-            </a:r>
-          </a:p>
-          <a:p>
-            <a:r>
-              <a:rPr lang="en-US" dirty="0"/>
-              <a:t>}</a:t>
-            </a:r>
-          </a:p>
-        </p:txBody>
-      </p:sp>
-      <p:cxnSp>
-        <p:nvCxnSpPr>
-          <p:cNvPr id="17" name="Straight Arrow Connector 16"/>
-          <p:cNvCxnSpPr/>
-          <p:nvPr/>
-        </p:nvCxnSpPr>
-        <p:spPr>
-          <a:xfrm>
-            <a:off x="3200400" y="4236997"/>
-            <a:ext cx="932823" cy="0"/>
-          </a:xfrm>
-          <a:prstGeom prst="straightConnector1">
-            <a:avLst/>
-          </a:prstGeom>
-          <a:ln>
-            <a:solidFill>
-              <a:schemeClr val="tx2">
-                <a:lumMod val="60000"/>
-                <a:lumOff val="40000"/>
-              </a:schemeClr>
-            </a:solidFill>
-            <a:tailEnd type="triangle"/>
-          </a:ln>
-        </p:spPr>
-        <p:style>
-          <a:lnRef idx="2">
-            <a:schemeClr val="accent3"/>
-          </a:lnRef>
-          <a:fillRef idx="0">
-            <a:schemeClr val="accent3"/>
-          </a:fillRef>
-          <a:effectRef idx="1">
-            <a:schemeClr val="accent3"/>
-          </a:effectRef>
-          <a:fontRef idx="minor">
-            <a:schemeClr val="tx1"/>
-          </a:fontRef>
-        </p:style>
-      </p:cxnSp>
-      <p:sp>
-        <p:nvSpPr>
-          <p:cNvPr id="18" name="TextBox 17"/>
-          <p:cNvSpPr txBox="1"/>
-          <p:nvPr/>
-        </p:nvSpPr>
-        <p:spPr>
-          <a:xfrm>
-            <a:off x="4267200" y="4225665"/>
-            <a:ext cx="3810000" cy="1200329"/>
-          </a:xfrm>
-          <a:prstGeom prst="rect">
-            <a:avLst/>
-          </a:prstGeom>
-          <a:noFill/>
-          <a:ln>
-            <a:solidFill>
-              <a:schemeClr val="tx2">
-                <a:lumMod val="60000"/>
-                <a:lumOff val="40000"/>
-              </a:schemeClr>
-            </a:solidFill>
-          </a:ln>
-        </p:spPr>
-        <p:txBody>
-          <a:bodyPr wrap="square" rtlCol="0">
-            <a:spAutoFit/>
-          </a:bodyPr>
-          <a:lstStyle/>
-          <a:p>
-            <a:r>
-              <a:rPr lang="en-US" dirty="0"/>
-              <a:t>public void </a:t>
-            </a:r>
-            <a:r>
-              <a:rPr lang="en-US" dirty="0" err="1"/>
-              <a:t>advanceOneTick</a:t>
-            </a:r>
-            <a:r>
-              <a:rPr lang="en-US" dirty="0"/>
-              <a:t>() {    </a:t>
-            </a:r>
-          </a:p>
-          <a:p>
-            <a:r>
-              <a:rPr lang="en-US" dirty="0"/>
-              <a:t>    </a:t>
-            </a:r>
-            <a:r>
-              <a:rPr lang="en-US" dirty="0" err="1"/>
-              <a:t>myComponent.updateState</a:t>
-            </a:r>
-            <a:r>
-              <a:rPr lang="en-US" dirty="0"/>
-              <a:t>();</a:t>
-            </a:r>
-          </a:p>
-          <a:p>
-            <a:r>
-              <a:rPr lang="en-US" dirty="0"/>
-              <a:t>    </a:t>
-            </a:r>
-            <a:r>
-              <a:rPr lang="en-US" dirty="0" err="1"/>
-              <a:t>myComponent.drawScreen</a:t>
-            </a:r>
-            <a:r>
-              <a:rPr lang="en-US" dirty="0"/>
-              <a:t>();</a:t>
-            </a:r>
-          </a:p>
-          <a:p>
-            <a:r>
-              <a:rPr lang="en-US" dirty="0"/>
-              <a:t>}</a:t>
-            </a:r>
-          </a:p>
-        </p:txBody>
-      </p:sp>
-      <p:cxnSp>
-        <p:nvCxnSpPr>
-          <p:cNvPr id="19" name="Straight Arrow Connector 18"/>
-          <p:cNvCxnSpPr/>
-          <p:nvPr/>
-        </p:nvCxnSpPr>
-        <p:spPr>
-          <a:xfrm>
-            <a:off x="3200400" y="5567062"/>
-            <a:ext cx="932823" cy="0"/>
-          </a:xfrm>
-          <a:prstGeom prst="straightConnector1">
-            <a:avLst/>
-          </a:prstGeom>
-          <a:ln>
-            <a:solidFill>
-              <a:schemeClr val="tx2">
-                <a:lumMod val="60000"/>
-                <a:lumOff val="40000"/>
-              </a:schemeClr>
-            </a:solidFill>
-            <a:tailEnd type="triangle"/>
-          </a:ln>
-        </p:spPr>
-        <p:style>
-          <a:lnRef idx="2">
-            <a:schemeClr val="accent3"/>
-          </a:lnRef>
-          <a:fillRef idx="0">
-            <a:schemeClr val="accent3"/>
-          </a:fillRef>
-          <a:effectRef idx="1">
-            <a:schemeClr val="accent3"/>
-          </a:effectRef>
-          <a:fontRef idx="minor">
-            <a:schemeClr val="tx1"/>
-          </a:fontRef>
-        </p:style>
-      </p:cxnSp>
-      <p:sp>
-        <p:nvSpPr>
-          <p:cNvPr id="20" name="TextBox 19"/>
-          <p:cNvSpPr txBox="1"/>
-          <p:nvPr/>
-        </p:nvSpPr>
-        <p:spPr>
-          <a:xfrm>
-            <a:off x="4267200" y="5555730"/>
-            <a:ext cx="3810000" cy="1200329"/>
-          </a:xfrm>
-          <a:prstGeom prst="rect">
-            <a:avLst/>
-          </a:prstGeom>
-          <a:noFill/>
-          <a:ln>
-            <a:solidFill>
-              <a:schemeClr val="tx2">
-                <a:lumMod val="60000"/>
-                <a:lumOff val="40000"/>
-              </a:schemeClr>
-            </a:solidFill>
-          </a:ln>
-        </p:spPr>
-        <p:txBody>
-          <a:bodyPr wrap="square" rtlCol="0">
-            <a:spAutoFit/>
-          </a:bodyPr>
-          <a:lstStyle/>
-          <a:p>
-            <a:r>
-              <a:rPr lang="en-US" dirty="0"/>
-              <a:t>public void </a:t>
-            </a:r>
-            <a:r>
-              <a:rPr lang="en-US" dirty="0" err="1"/>
-              <a:t>advanceOneTick</a:t>
-            </a:r>
-            <a:r>
-              <a:rPr lang="en-US" dirty="0"/>
-              <a:t>() {    </a:t>
-            </a:r>
-          </a:p>
-          <a:p>
-            <a:r>
-              <a:rPr lang="en-US" dirty="0"/>
-              <a:t>    </a:t>
-            </a:r>
-            <a:r>
-              <a:rPr lang="en-US" dirty="0" err="1"/>
-              <a:t>myComponent.updateState</a:t>
-            </a:r>
-            <a:r>
-              <a:rPr lang="en-US" dirty="0"/>
-              <a:t>();</a:t>
-            </a:r>
-          </a:p>
-          <a:p>
-            <a:r>
-              <a:rPr lang="en-US" dirty="0"/>
-              <a:t>    </a:t>
-            </a:r>
-            <a:r>
-              <a:rPr lang="en-US" dirty="0" err="1"/>
-              <a:t>myComponent.drawScreen</a:t>
-            </a:r>
-            <a:r>
-              <a:rPr lang="en-US" dirty="0"/>
-              <a:t>();</a:t>
-            </a:r>
-          </a:p>
-          <a:p>
-            <a:r>
-              <a:rPr lang="en-US" dirty="0"/>
-              <a:t>}</a:t>
-            </a:r>
-          </a:p>
-        </p:txBody>
-      </p:sp>
-      <p:sp>
-        <p:nvSpPr>
-          <p:cNvPr id="22" name="TextBox 21"/>
-          <p:cNvSpPr txBox="1"/>
-          <p:nvPr/>
-        </p:nvSpPr>
-        <p:spPr>
-          <a:xfrm>
-            <a:off x="1041679" y="3706988"/>
-            <a:ext cx="1447800" cy="646331"/>
-          </a:xfrm>
-          <a:prstGeom prst="rect">
-            <a:avLst/>
-          </a:prstGeom>
-          <a:noFill/>
-          <a:ln>
-            <a:solidFill>
-              <a:schemeClr val="tx2">
-                <a:lumMod val="60000"/>
-                <a:lumOff val="40000"/>
-              </a:schemeClr>
-            </a:solidFill>
-          </a:ln>
-        </p:spPr>
-        <p:txBody>
-          <a:bodyPr wrap="square" rtlCol="0">
-            <a:spAutoFit/>
-          </a:bodyPr>
-          <a:lstStyle/>
-          <a:p>
-            <a:r>
-              <a:rPr lang="en-US" dirty="0"/>
-              <a:t>Each tick of the game</a:t>
-            </a:r>
-          </a:p>
-        </p:txBody>
-      </p:sp>
-      <p:cxnSp>
-        <p:nvCxnSpPr>
-          <p:cNvPr id="23" name="Straight Arrow Connector 22"/>
-          <p:cNvCxnSpPr/>
-          <p:nvPr/>
-        </p:nvCxnSpPr>
-        <p:spPr>
-          <a:xfrm flipV="1">
-            <a:off x="2565679" y="3015735"/>
-            <a:ext cx="406121" cy="1009006"/>
-          </a:xfrm>
-          <a:prstGeom prst="straightConnector1">
-            <a:avLst/>
-          </a:prstGeom>
-          <a:ln>
-            <a:solidFill>
-              <a:schemeClr val="tx1"/>
-            </a:solidFill>
-            <a:tailEnd type="triangle"/>
-          </a:ln>
-        </p:spPr>
-        <p:style>
-          <a:lnRef idx="2">
-            <a:schemeClr val="accent3"/>
-          </a:lnRef>
-          <a:fillRef idx="0">
-            <a:schemeClr val="accent3"/>
-          </a:fillRef>
-          <a:effectRef idx="1">
-            <a:schemeClr val="accent3"/>
-          </a:effectRef>
-          <a:fontRef idx="minor">
-            <a:schemeClr val="tx1"/>
-          </a:fontRef>
-        </p:style>
-      </p:cxnSp>
-      <p:cxnSp>
-        <p:nvCxnSpPr>
-          <p:cNvPr id="27" name="Straight Arrow Connector 26"/>
-          <p:cNvCxnSpPr/>
-          <p:nvPr/>
-        </p:nvCxnSpPr>
-        <p:spPr>
-          <a:xfrm>
-            <a:off x="2565679" y="4024741"/>
-            <a:ext cx="558521" cy="200924"/>
-          </a:xfrm>
-          <a:prstGeom prst="straightConnector1">
-            <a:avLst/>
-          </a:prstGeom>
-          <a:ln>
-            <a:solidFill>
-              <a:schemeClr val="tx1"/>
-            </a:solidFill>
-            <a:tailEnd type="triangle"/>
-          </a:ln>
-        </p:spPr>
-        <p:style>
-          <a:lnRef idx="2">
-            <a:schemeClr val="accent3"/>
-          </a:lnRef>
-          <a:fillRef idx="0">
-            <a:schemeClr val="accent3"/>
-          </a:fillRef>
-          <a:effectRef idx="1">
-            <a:schemeClr val="accent3"/>
-          </a:effectRef>
-          <a:fontRef idx="minor">
-            <a:schemeClr val="tx1"/>
-          </a:fontRef>
-        </p:style>
-      </p:cxnSp>
-      <p:cxnSp>
-        <p:nvCxnSpPr>
-          <p:cNvPr id="30" name="Straight Arrow Connector 29"/>
-          <p:cNvCxnSpPr/>
-          <p:nvPr/>
-        </p:nvCxnSpPr>
-        <p:spPr>
-          <a:xfrm>
-            <a:off x="2565679" y="3979285"/>
-            <a:ext cx="558521" cy="1587777"/>
-          </a:xfrm>
-          <a:prstGeom prst="straightConnector1">
-            <a:avLst/>
-          </a:prstGeom>
-          <a:ln>
-            <a:solidFill>
-              <a:schemeClr val="tx1"/>
-            </a:solidFill>
-            <a:tailEnd type="triangle"/>
-          </a:ln>
-        </p:spPr>
-        <p:style>
-          <a:lnRef idx="2">
-            <a:schemeClr val="accent3"/>
-          </a:lnRef>
-          <a:fillRef idx="0">
-            <a:schemeClr val="accent3"/>
-          </a:fillRef>
-          <a:effectRef idx="1">
-            <a:schemeClr val="accent3"/>
-          </a:effectRef>
-          <a:fontRef idx="minor">
-            <a:schemeClr val="tx1"/>
-          </a:fontRef>
-        </p:style>
-      </p:cxnSp>
+      </p:pic>
     </p:spTree>
     <p:extLst>
       <p:ext uri="{BB962C8B-B14F-4D97-AF65-F5344CB8AC3E}">
-        <p14:creationId xmlns:p14="http://schemas.microsoft.com/office/powerpoint/2010/main" val="1112182308"/>
+        <p14:creationId xmlns:p14="http://schemas.microsoft.com/office/powerpoint/2010/main" val="3349389267"/>
       </p:ext>
     </p:extLst>
   </p:cSld>
@@ -11058,7 +13289,7 @@
           <a:p>
             <a:r>
               <a:rPr lang="en-US" dirty="0"/>
-              <a:t>Live-coding</a:t>
+              <a:t>Timer</a:t>
             </a:r>
           </a:p>
         </p:txBody>
@@ -11078,14 +13309,49 @@
           <a:bodyPr/>
           <a:lstStyle/>
           <a:p>
-            <a:endParaRPr lang="en-US" dirty="0"/>
+            <a:r>
+              <a:rPr lang="en-US" dirty="0"/>
+              <a:t>An alternative to a thread that waits/sleeps</a:t>
+            </a:r>
+          </a:p>
+          <a:p>
+            <a:r>
+              <a:rPr lang="en-US" dirty="0"/>
+              <a:t>Creates events periodically</a:t>
+            </a:r>
+          </a:p>
+          <a:p>
+            <a:r>
+              <a:rPr lang="en-US" dirty="0"/>
+              <a:t>Allows main thread to finish</a:t>
+            </a:r>
+          </a:p>
+          <a:p>
+            <a:r>
+              <a:rPr lang="en-US" dirty="0"/>
+              <a:t>Designed to work in same thread as graphics</a:t>
+            </a:r>
+          </a:p>
+          <a:p>
+            <a:r>
+              <a:rPr lang="en-US" dirty="0"/>
+              <a:t>Superior approach for </a:t>
+            </a:r>
+            <a:r>
+              <a:rPr lang="en-US" dirty="0" err="1"/>
+              <a:t>ArcadeGame</a:t>
+            </a:r>
+            <a:r>
+              <a:rPr lang="en-US" dirty="0"/>
+              <a:t> project</a:t>
+            </a:r>
           </a:p>
         </p:txBody>
       </p:sp>
     </p:spTree>
     <p:extLst>
       <p:ext uri="{BB962C8B-B14F-4D97-AF65-F5344CB8AC3E}">
-        <p14:creationId xmlns:p14="http://schemas.microsoft.com/office/powerpoint/2010/main" val="1525266919"/>
+        <p14:creationId xmlns:p14="http://schemas.microsoft.com/office/powerpoint/2010/main" val="1386020521"/>
       </p:ext>
     </p:extLst>
   </p:cSld>

--- a/ClassMaterials/EventBasedGameLoop/Slides/EventBasedGameLoop.pptx
+++ b/ClassMaterials/EventBasedGameLoop/Slides/EventBasedGameLoop.pptx
@@ -2,36 +2,40 @@
 <file path=ppt/presentation.xml><?xml version="1.0" encoding="utf-8"?>
 <p:presentation xmlns:a="http://schemas.openxmlformats.org/drawingml/2006/main" xmlns:r="http://schemas.openxmlformats.org/officeDocument/2006/relationships" xmlns:p="http://schemas.openxmlformats.org/presentationml/2006/main" saveSubsetFonts="1">
   <p:sldMasterIdLst>
-    <p:sldMasterId id="2147484629" r:id="rId1"/>
+    <p:sldMasterId id="2147484629" r:id="rId4"/>
   </p:sldMasterIdLst>
   <p:notesMasterIdLst>
-    <p:notesMasterId r:id="rId23"/>
+    <p:notesMasterId r:id="rId30"/>
   </p:notesMasterIdLst>
   <p:handoutMasterIdLst>
-    <p:handoutMasterId r:id="rId24"/>
+    <p:handoutMasterId r:id="rId31"/>
   </p:handoutMasterIdLst>
   <p:sldIdLst>
-    <p:sldId id="256" r:id="rId2"/>
-    <p:sldId id="296" r:id="rId3"/>
-    <p:sldId id="304" r:id="rId4"/>
-    <p:sldId id="298" r:id="rId5"/>
-    <p:sldId id="313" r:id="rId6"/>
-    <p:sldId id="297" r:id="rId7"/>
-    <p:sldId id="273" r:id="rId8"/>
-    <p:sldId id="330" r:id="rId9"/>
-    <p:sldId id="299" r:id="rId10"/>
-    <p:sldId id="331" r:id="rId11"/>
-    <p:sldId id="332" r:id="rId12"/>
-    <p:sldId id="333" r:id="rId13"/>
-    <p:sldId id="334" r:id="rId14"/>
-    <p:sldId id="301" r:id="rId15"/>
-    <p:sldId id="302" r:id="rId16"/>
-    <p:sldId id="335" r:id="rId17"/>
-    <p:sldId id="312" r:id="rId18"/>
-    <p:sldId id="309" r:id="rId19"/>
-    <p:sldId id="310" r:id="rId20"/>
-    <p:sldId id="311" r:id="rId21"/>
-    <p:sldId id="294" r:id="rId22"/>
+    <p:sldId id="340" r:id="rId5"/>
+    <p:sldId id="296" r:id="rId6"/>
+    <p:sldId id="304" r:id="rId7"/>
+    <p:sldId id="336" r:id="rId8"/>
+    <p:sldId id="298" r:id="rId9"/>
+    <p:sldId id="313" r:id="rId10"/>
+    <p:sldId id="297" r:id="rId11"/>
+    <p:sldId id="273" r:id="rId12"/>
+    <p:sldId id="330" r:id="rId13"/>
+    <p:sldId id="299" r:id="rId14"/>
+    <p:sldId id="331" r:id="rId15"/>
+    <p:sldId id="332" r:id="rId16"/>
+    <p:sldId id="333" r:id="rId17"/>
+    <p:sldId id="337" r:id="rId18"/>
+    <p:sldId id="339" r:id="rId19"/>
+    <p:sldId id="334" r:id="rId20"/>
+    <p:sldId id="338" r:id="rId21"/>
+    <p:sldId id="301" r:id="rId22"/>
+    <p:sldId id="302" r:id="rId23"/>
+    <p:sldId id="335" r:id="rId24"/>
+    <p:sldId id="312" r:id="rId25"/>
+    <p:sldId id="309" r:id="rId26"/>
+    <p:sldId id="310" r:id="rId27"/>
+    <p:sldId id="311" r:id="rId28"/>
+    <p:sldId id="294" r:id="rId29"/>
   </p:sldIdLst>
   <p:sldSz cx="9144000" cy="6858000" type="screen4x3"/>
   <p:notesSz cx="6881813" cy="9296400"/>
@@ -191,6 +195,121 @@
 </p:cmAuthorLst>
 </file>
 
+<file path=ppt/revisionInfo.xml><?xml version="1.0" encoding="utf-8"?>
+<p1510:revInfo xmlns:a="http://schemas.openxmlformats.org/drawingml/2006/main" xmlns:r="http://schemas.openxmlformats.org/officeDocument/2006/relationships" xmlns:p1510="http://schemas.microsoft.com/office/powerpoint/2015/10/main">
+  <p1510:revLst>
+    <p1510:client id="{AC7127DF-E1E4-4E06-BFE4-1ECF958C57DE}" v="2" dt="2022-10-17T15:45:37.146"/>
+    <p1510:client id="{E5D7AB91-DFEC-4FF9-AF57-FC088B454CC0}" v="56" dt="2022-10-21T05:32:43.375"/>
+  </p1510:revLst>
+</p1510:revInfo>
+</file>
+
+<file path=ppt/changesInfos/changesInfo1.xml><?xml version="1.0" encoding="utf-8"?>
+<pc:chgInfo xmlns:a="http://schemas.openxmlformats.org/drawingml/2006/main" xmlns:r="http://schemas.openxmlformats.org/officeDocument/2006/relationships" xmlns:ac="http://schemas.microsoft.com/office/drawing/2013/main/command" xmlns:pc="http://schemas.microsoft.com/office/powerpoint/2013/main/command">
+  <pc:docChgLst>
+    <pc:chgData name="Ingram, Daniel" userId="S::ingramda@rose-hulman.edu::6b424d5e-3a88-4a5f-81fb-fd4766c4993d" providerId="AD" clId="Web-{E5D7AB91-DFEC-4FF9-AF57-FC088B454CC0}"/>
+    <pc:docChg chg="modSld">
+      <pc:chgData name="Ingram, Daniel" userId="S::ingramda@rose-hulman.edu::6b424d5e-3a88-4a5f-81fb-fd4766c4993d" providerId="AD" clId="Web-{E5D7AB91-DFEC-4FF9-AF57-FC088B454CC0}" dt="2022-10-21T05:32:43.375" v="48" actId="1076"/>
+      <pc:docMkLst>
+        <pc:docMk/>
+      </pc:docMkLst>
+      <pc:sldChg chg="modSp">
+        <pc:chgData name="Ingram, Daniel" userId="S::ingramda@rose-hulman.edu::6b424d5e-3a88-4a5f-81fb-fd4766c4993d" providerId="AD" clId="Web-{E5D7AB91-DFEC-4FF9-AF57-FC088B454CC0}" dt="2022-10-21T05:30:58.122" v="33" actId="20577"/>
+        <pc:sldMkLst>
+          <pc:docMk/>
+          <pc:sldMk cId="2476839187" sldId="298"/>
+        </pc:sldMkLst>
+        <pc:spChg chg="mod">
+          <ac:chgData name="Ingram, Daniel" userId="S::ingramda@rose-hulman.edu::6b424d5e-3a88-4a5f-81fb-fd4766c4993d" providerId="AD" clId="Web-{E5D7AB91-DFEC-4FF9-AF57-FC088B454CC0}" dt="2022-10-21T05:30:58.122" v="33" actId="20577"/>
+          <ac:spMkLst>
+            <pc:docMk/>
+            <pc:sldMk cId="2476839187" sldId="298"/>
+            <ac:spMk id="3" creationId="{00000000-0000-0000-0000-000000000000}"/>
+          </ac:spMkLst>
+        </pc:spChg>
+      </pc:sldChg>
+      <pc:sldChg chg="modSp">
+        <pc:chgData name="Ingram, Daniel" userId="S::ingramda@rose-hulman.edu::6b424d5e-3a88-4a5f-81fb-fd4766c4993d" providerId="AD" clId="Web-{E5D7AB91-DFEC-4FF9-AF57-FC088B454CC0}" dt="2022-10-21T05:31:46.936" v="41" actId="20577"/>
+        <pc:sldMkLst>
+          <pc:docMk/>
+          <pc:sldMk cId="2952723959" sldId="333"/>
+        </pc:sldMkLst>
+        <pc:spChg chg="mod">
+          <ac:chgData name="Ingram, Daniel" userId="S::ingramda@rose-hulman.edu::6b424d5e-3a88-4a5f-81fb-fd4766c4993d" providerId="AD" clId="Web-{E5D7AB91-DFEC-4FF9-AF57-FC088B454CC0}" dt="2022-10-21T05:31:46.936" v="41" actId="20577"/>
+          <ac:spMkLst>
+            <pc:docMk/>
+            <pc:sldMk cId="2952723959" sldId="333"/>
+            <ac:spMk id="16" creationId="{7280E48B-4D7D-D5A7-AC05-396D99C8E18E}"/>
+          </ac:spMkLst>
+        </pc:spChg>
+      </pc:sldChg>
+      <pc:sldChg chg="modSp">
+        <pc:chgData name="Ingram, Daniel" userId="S::ingramda@rose-hulman.edu::6b424d5e-3a88-4a5f-81fb-fd4766c4993d" providerId="AD" clId="Web-{E5D7AB91-DFEC-4FF9-AF57-FC088B454CC0}" dt="2022-10-21T05:32:43.375" v="48" actId="1076"/>
+        <pc:sldMkLst>
+          <pc:docMk/>
+          <pc:sldMk cId="190154878" sldId="339"/>
+        </pc:sldMkLst>
+        <pc:spChg chg="mod">
+          <ac:chgData name="Ingram, Daniel" userId="S::ingramda@rose-hulman.edu::6b424d5e-3a88-4a5f-81fb-fd4766c4993d" providerId="AD" clId="Web-{E5D7AB91-DFEC-4FF9-AF57-FC088B454CC0}" dt="2022-10-21T05:32:28.999" v="47" actId="20577"/>
+          <ac:spMkLst>
+            <pc:docMk/>
+            <pc:sldMk cId="190154878" sldId="339"/>
+            <ac:spMk id="3" creationId="{E1750474-BC74-3C5D-3638-49A20B18DD0B}"/>
+          </ac:spMkLst>
+        </pc:spChg>
+        <pc:picChg chg="mod">
+          <ac:chgData name="Ingram, Daniel" userId="S::ingramda@rose-hulman.edu::6b424d5e-3a88-4a5f-81fb-fd4766c4993d" providerId="AD" clId="Web-{E5D7AB91-DFEC-4FF9-AF57-FC088B454CC0}" dt="2022-10-21T05:32:43.375" v="48" actId="1076"/>
+          <ac:picMkLst>
+            <pc:docMk/>
+            <pc:sldMk cId="190154878" sldId="339"/>
+            <ac:picMk id="1028" creationId="{56B28430-AE1F-71CC-FB82-AFD7621D6B3A}"/>
+          </ac:picMkLst>
+        </pc:picChg>
+      </pc:sldChg>
+      <pc:sldChg chg="modSp">
+        <pc:chgData name="Ingram, Daniel" userId="S::ingramda@rose-hulman.edu::6b424d5e-3a88-4a5f-81fb-fd4766c4993d" providerId="AD" clId="Web-{E5D7AB91-DFEC-4FF9-AF57-FC088B454CC0}" dt="2022-10-21T05:30:10.043" v="19" actId="20577"/>
+        <pc:sldMkLst>
+          <pc:docMk/>
+          <pc:sldMk cId="0" sldId="340"/>
+        </pc:sldMkLst>
+        <pc:spChg chg="mod">
+          <ac:chgData name="Ingram, Daniel" userId="S::ingramda@rose-hulman.edu::6b424d5e-3a88-4a5f-81fb-fd4766c4993d" providerId="AD" clId="Web-{E5D7AB91-DFEC-4FF9-AF57-FC088B454CC0}" dt="2022-10-21T05:30:10.043" v="19" actId="20577"/>
+          <ac:spMkLst>
+            <pc:docMk/>
+            <pc:sldMk cId="0" sldId="340"/>
+            <ac:spMk id="2" creationId="{00000000-0000-0000-0000-000000000000}"/>
+          </ac:spMkLst>
+        </pc:spChg>
+      </pc:sldChg>
+    </pc:docChg>
+  </pc:docChgLst>
+  <pc:docChgLst>
+    <pc:chgData name="Zhang, Sally" userId="832ddf45-f2c7-4adf-8cd5-7124a630c556" providerId="ADAL" clId="{AC7127DF-E1E4-4E06-BFE4-1ECF958C57DE}"/>
+    <pc:docChg chg="modSld">
+      <pc:chgData name="Zhang, Sally" userId="832ddf45-f2c7-4adf-8cd5-7124a630c556" providerId="ADAL" clId="{AC7127DF-E1E4-4E06-BFE4-1ECF958C57DE}" dt="2022-10-17T15:45:37.147" v="1" actId="1035"/>
+      <pc:docMkLst>
+        <pc:docMk/>
+      </pc:docMkLst>
+      <pc:sldChg chg="modSp mod">
+        <pc:chgData name="Zhang, Sally" userId="832ddf45-f2c7-4adf-8cd5-7124a630c556" providerId="ADAL" clId="{AC7127DF-E1E4-4E06-BFE4-1ECF958C57DE}" dt="2022-10-17T15:45:37.147" v="1" actId="1035"/>
+        <pc:sldMkLst>
+          <pc:docMk/>
+          <pc:sldMk cId="1229919121" sldId="334"/>
+        </pc:sldMkLst>
+        <pc:picChg chg="mod">
+          <ac:chgData name="Zhang, Sally" userId="832ddf45-f2c7-4adf-8cd5-7124a630c556" providerId="ADAL" clId="{AC7127DF-E1E4-4E06-BFE4-1ECF958C57DE}" dt="2022-10-17T15:45:37.147" v="1" actId="1035"/>
+          <ac:picMkLst>
+            <pc:docMk/>
+            <pc:sldMk cId="1229919121" sldId="334"/>
+            <ac:picMk id="7" creationId="{6EA87882-F2BD-9C86-4EBC-832854B08C32}"/>
+          </ac:picMkLst>
+        </pc:picChg>
+      </pc:sldChg>
+    </pc:docChg>
+  </pc:docChgLst>
+</pc:chgInfo>
+</file>
+
 <file path=ppt/handoutMasters/handoutMaster1.xml><?xml version="1.0" encoding="utf-8"?>
 <p:handoutMaster xmlns:a="http://schemas.openxmlformats.org/drawingml/2006/main" xmlns:r="http://schemas.openxmlformats.org/officeDocument/2006/relationships" xmlns:p="http://schemas.openxmlformats.org/presentationml/2006/main">
   <p:cSld>
@@ -305,7 +424,7 @@
             <a:fld id="{68AFFCC9-E980-4A2E-8F84-91052C1F2C22}" type="datetime1">
               <a:rPr lang="en-US"/>
               <a:pPr/>
-              <a:t>3/1/22</a:t>
+              <a:t>11/22/2022</a:t>
             </a:fld>
             <a:endParaRPr lang="en-US"/>
           </a:p>
@@ -534,7 +653,7 @@
             <a:fld id="{C4411CED-79EF-4046-B79B-F8927B54B6B0}" type="datetime1">
               <a:rPr lang="en-US"/>
               <a:pPr/>
-              <a:t>3/1/22</a:t>
+              <a:t>11/22/2022</a:t>
             </a:fld>
             <a:endParaRPr lang="en-US"/>
           </a:p>
@@ -937,7 +1056,7 @@
                 <a:spcPct val="0"/>
               </a:spcBef>
             </a:pPr>
-            <a:endParaRPr lang="en-US" dirty="0"/>
+            <a:endParaRPr lang="en-US"/>
           </a:p>
         </p:txBody>
       </p:sp>
@@ -999,64 +1118,109 @@
       </p:grpSpPr>
       <p:sp>
         <p:nvSpPr>
-          <p:cNvPr id="2" name="Slide Image Placeholder 1"/>
+          <p:cNvPr id="210" name="PlaceHolder 1"/>
           <p:cNvSpPr>
-            <a:spLocks noGrp="1" noRot="1" noChangeAspect="1"/>
+            <a:spLocks noGrp="1"/>
           </p:cNvSpPr>
           <p:nvPr>
-            <p:ph type="sldImg"/>
+            <p:ph type="body"/>
           </p:nvPr>
         </p:nvSpPr>
         <p:spPr>
           <a:xfrm>
-            <a:off x="1497013" y="1200150"/>
-            <a:ext cx="4321175" cy="3240088"/>
+            <a:off x="731880" y="4560840"/>
+            <a:ext cx="5850360" cy="4320000"/>
+          </a:xfrm>
+          <a:prstGeom prst="rect">
+            <a:avLst/>
+          </a:prstGeom>
+        </p:spPr>
+        <p:txBody>
+          <a:bodyPr lIns="96480" tIns="48240" rIns="96480" bIns="48240"/>
+          <a:lstStyle/>
+          <a:p>
+            <a:endParaRPr lang="en-US" sz="2000" b="0" strike="noStrike" spc="-1" baseline="0">
+              <a:solidFill>
+                <a:srgbClr val="000000"/>
+              </a:solidFill>
+              <a:uFill>
+                <a:solidFill>
+                  <a:srgbClr val="FFFFFF"/>
+                </a:solidFill>
+              </a:uFill>
+              <a:latin typeface="Arial"/>
+            </a:endParaRPr>
+          </a:p>
+          <a:p>
+            <a:endParaRPr lang="en-US" sz="2000" b="0" strike="noStrike" spc="-1" baseline="0">
+              <a:solidFill>
+                <a:srgbClr val="000000"/>
+              </a:solidFill>
+              <a:uFill>
+                <a:solidFill>
+                  <a:srgbClr val="FFFFFF"/>
+                </a:solidFill>
+              </a:uFill>
+              <a:latin typeface="Arial"/>
+            </a:endParaRPr>
+          </a:p>
+          <a:p>
+            <a:endParaRPr lang="en-US" sz="2000" b="0" strike="noStrike" spc="-1">
+              <a:solidFill>
+                <a:srgbClr val="000000"/>
+              </a:solidFill>
+              <a:uFill>
+                <a:solidFill>
+                  <a:srgbClr val="FFFFFF"/>
+                </a:solidFill>
+              </a:uFill>
+              <a:latin typeface="Arial"/>
+            </a:endParaRPr>
+          </a:p>
+        </p:txBody>
+      </p:sp>
+      <p:sp>
+        <p:nvSpPr>
+          <p:cNvPr id="211" name="CustomShape 2"/>
+          <p:cNvSpPr/>
+          <p:nvPr/>
+        </p:nvSpPr>
+        <p:spPr>
+          <a:xfrm>
+            <a:off x="4143240" y="9118440"/>
+            <a:ext cx="3169080" cy="479880"/>
           </a:xfrm>
           <a:prstGeom prst="rect">
             <a:avLst/>
           </a:prstGeom>
           <a:noFill/>
-          <a:ln w="12700">
-            <a:solidFill>
-              <a:prstClr val="black"/>
-            </a:solidFill>
+          <a:ln w="9360">
+            <a:noFill/>
           </a:ln>
         </p:spPr>
-      </p:sp>
-      <p:sp>
-        <p:nvSpPr>
-          <p:cNvPr id="3" name="Notes Placeholder 2"/>
-          <p:cNvSpPr>
-            <a:spLocks noGrp="1"/>
-          </p:cNvSpPr>
-          <p:nvPr>
-            <p:ph type="body" idx="1"/>
-          </p:nvPr>
-        </p:nvSpPr>
-        <p:spPr/>
-        <p:txBody>
-          <a:bodyPr/>
+        <p:style>
+          <a:lnRef idx="0">
+            <a:scrgbClr r="0" g="0" b="0"/>
+          </a:lnRef>
+          <a:fillRef idx="0">
+            <a:scrgbClr r="0" g="0" b="0"/>
+          </a:fillRef>
+          <a:effectRef idx="0">
+            <a:scrgbClr r="0" g="0" b="0"/>
+          </a:effectRef>
+          <a:fontRef idx="minor"/>
+        </p:style>
+        <p:txBody>
+          <a:bodyPr lIns="96480" tIns="48240" rIns="96480" bIns="48240" anchor="b"/>
           <a:lstStyle/>
           <a:p>
-            <a:pPr marL="0" marR="0" lvl="0" indent="0" algn="l" defTabSz="914400" rtl="0" eaLnBrk="1" fontAlgn="auto" latinLnBrk="0" hangingPunct="1">
+            <a:pPr algn="r">
               <a:lnSpc>
                 <a:spcPct val="100000"/>
               </a:lnSpc>
-              <a:spcBef>
-                <a:spcPts val="0"/>
-              </a:spcBef>
-              <a:spcAft>
-                <a:spcPts val="0"/>
-              </a:spcAft>
-              <a:buClrTx/>
-              <a:buSzTx/>
-              <a:buFontTx/>
-              <a:buNone/>
-              <a:tabLst/>
-              <a:defRPr/>
             </a:pPr>
-            <a:r>
-              <a:rPr lang="en-US" sz="1200" b="0" strike="noStrike" spc="-1" dirty="0">
+            <a:fld id="{4D56FA17-A64E-4E1E-B65D-B09535FC0EA9}" type="slidenum">
+              <a:rPr lang="en-US" sz="1200" b="0" strike="noStrike" spc="-1">
                 <a:solidFill>
                   <a:srgbClr val="000000"/>
                 </a:solidFill>
@@ -1065,61 +1229,11 @@
                     <a:srgbClr val="FFFFFF"/>
                   </a:solidFill>
                 </a:uFill>
-                <a:latin typeface="+mn-lt"/>
-              </a:rPr>
-              <a:t>Can live-code a </a:t>
-            </a:r>
-            <a:r>
-              <a:rPr lang="en-US" sz="1200" b="0" strike="noStrike" spc="-1" baseline="0" dirty="0">
-                <a:solidFill>
-                  <a:srgbClr val="000000"/>
-                </a:solidFill>
-                <a:uFill>
-                  <a:solidFill>
-                    <a:srgbClr val="FFFFFF"/>
-                  </a:solidFill>
-                </a:uFill>
-                <a:latin typeface="+mn-lt"/>
-              </a:rPr>
-              <a:t>quick example to save a list of numbers or a simple game Level to a file, then read them/it back in again. There is an example in the solution code. </a:t>
-            </a:r>
-          </a:p>
-          <a:p>
-            <a:endParaRPr lang="en-US" dirty="0"/>
-          </a:p>
-        </p:txBody>
-      </p:sp>
-      <p:sp>
-        <p:nvSpPr>
-          <p:cNvPr id="4" name="Slide Number Placeholder 3"/>
-          <p:cNvSpPr>
-            <a:spLocks noGrp="1"/>
-          </p:cNvSpPr>
-          <p:nvPr>
-            <p:ph type="sldNum" idx="10"/>
-          </p:nvPr>
-        </p:nvSpPr>
-        <p:spPr/>
-        <p:txBody>
-          <a:bodyPr/>
-          <a:lstStyle/>
-          <a:p>
-            <a:pPr algn="r"/>
-            <a:fld id="{B630EBB8-CEB5-4E8D-9A06-06438377CF61}" type="slidenum">
-              <a:rPr lang="en-US" sz="1400" b="0" strike="noStrike" spc="-1" smtClean="0">
-                <a:solidFill>
-                  <a:srgbClr val="000000"/>
-                </a:solidFill>
-                <a:uFill>
-                  <a:solidFill>
-                    <a:srgbClr val="FFFFFF"/>
-                  </a:solidFill>
-                </a:uFill>
-                <a:latin typeface="Times New Roman"/>
-              </a:rPr>
-              <a:t>16</a:t>
+                <a:latin typeface="Calibri"/>
+              </a:rPr>
+              <a:t>19</a:t>
             </a:fld>
-            <a:endParaRPr lang="en-US" sz="1400" b="0" strike="noStrike" spc="-1">
+            <a:endParaRPr lang="en-US" sz="1800" b="0" strike="noStrike" spc="-1">
               <a:solidFill>
                 <a:srgbClr val="000000"/>
               </a:solidFill>
@@ -1128,7 +1242,7 @@
                   <a:srgbClr val="FFFFFF"/>
                 </a:solidFill>
               </a:uFill>
-              <a:latin typeface="Times New Roman"/>
+              <a:latin typeface="Arial"/>
             </a:endParaRPr>
           </a:p>
         </p:txBody>
@@ -1136,7 +1250,7 @@
     </p:spTree>
     <p:extLst>
       <p:ext uri="{BB962C8B-B14F-4D97-AF65-F5344CB8AC3E}">
-        <p14:creationId xmlns:p14="http://schemas.microsoft.com/office/powerpoint/2010/main" val="1719935763"/>
+        <p14:creationId xmlns:p14="http://schemas.microsoft.com/office/powerpoint/2010/main" val="396089046"/>
       </p:ext>
     </p:extLst>
   </p:cSld>
@@ -1165,29 +1279,64 @@
       </p:grpSpPr>
       <p:sp>
         <p:nvSpPr>
-          <p:cNvPr id="212" name="PlaceHolder 1"/>
+          <p:cNvPr id="2" name="Slide Image Placeholder 1"/>
+          <p:cNvSpPr>
+            <a:spLocks noGrp="1" noRot="1" noChangeAspect="1"/>
+          </p:cNvSpPr>
+          <p:nvPr>
+            <p:ph type="sldImg"/>
+          </p:nvPr>
+        </p:nvSpPr>
+        <p:spPr>
+          <a:xfrm>
+            <a:off x="1497013" y="1200150"/>
+            <a:ext cx="4321175" cy="3240088"/>
+          </a:xfrm>
+          <a:prstGeom prst="rect">
+            <a:avLst/>
+          </a:prstGeom>
+          <a:noFill/>
+          <a:ln w="12700">
+            <a:solidFill>
+              <a:prstClr val="black"/>
+            </a:solidFill>
+          </a:ln>
+        </p:spPr>
+      </p:sp>
+      <p:sp>
+        <p:nvSpPr>
+          <p:cNvPr id="3" name="Notes Placeholder 2"/>
           <p:cNvSpPr>
             <a:spLocks noGrp="1"/>
           </p:cNvSpPr>
           <p:nvPr>
-            <p:ph type="body"/>
+            <p:ph type="body" idx="1"/>
           </p:nvPr>
         </p:nvSpPr>
-        <p:spPr>
-          <a:xfrm>
-            <a:off x="731880" y="4560840"/>
-            <a:ext cx="5850360" cy="4320000"/>
-          </a:xfrm>
-          <a:prstGeom prst="rect">
-            <a:avLst/>
-          </a:prstGeom>
-        </p:spPr>
-        <p:txBody>
-          <a:bodyPr lIns="96480" tIns="48240" rIns="96480" bIns="48240"/>
+        <p:spPr/>
+        <p:txBody>
+          <a:bodyPr/>
           <a:lstStyle/>
           <a:p>
-            <a:r>
-              <a:rPr lang="en-US" sz="2000" b="0" strike="noStrike" spc="-1" dirty="0">
+            <a:pPr marL="0" marR="0" lvl="0" indent="0" algn="l" defTabSz="914400" rtl="0" eaLnBrk="1" fontAlgn="auto" latinLnBrk="0" hangingPunct="1">
+              <a:lnSpc>
+                <a:spcPct val="100000"/>
+              </a:lnSpc>
+              <a:spcBef>
+                <a:spcPts val="0"/>
+              </a:spcBef>
+              <a:spcAft>
+                <a:spcPts val="0"/>
+              </a:spcAft>
+              <a:buClrTx/>
+              <a:buSzTx/>
+              <a:buFontTx/>
+              <a:buNone/>
+              <a:tabLst/>
+              <a:defRPr/>
+            </a:pPr>
+            <a:r>
+              <a:rPr lang="en-US" sz="1200" b="0" strike="noStrike" spc="-1">
                 <a:solidFill>
                   <a:srgbClr val="000000"/>
                 </a:solidFill>
@@ -1196,12 +1345,12 @@
                     <a:srgbClr val="FFFFFF"/>
                   </a:solidFill>
                 </a:uFill>
-                <a:latin typeface="Arial"/>
-              </a:rPr>
-              <a:t>Try to read</a:t>
-            </a:r>
-            <a:r>
-              <a:rPr lang="en-US" sz="2000" b="0" strike="noStrike" spc="-1" baseline="0" dirty="0">
+                <a:latin typeface="+mn-lt"/>
+              </a:rPr>
+              <a:t>Can live-code a </a:t>
+            </a:r>
+            <a:r>
+              <a:rPr lang="en-US" sz="1200" b="0" strike="noStrike" spc="-1" baseline="0">
                 <a:solidFill>
                   <a:srgbClr val="000000"/>
                 </a:solidFill>
@@ -1210,66 +1359,34 @@
                     <a:srgbClr val="FFFFFF"/>
                   </a:solidFill>
                 </a:uFill>
-                <a:latin typeface="Arial"/>
-              </a:rPr>
-              <a:t> from file when the file does not exist</a:t>
-            </a:r>
-            <a:endParaRPr lang="en-US" sz="2000" b="0" strike="noStrike" spc="-1" dirty="0">
-              <a:solidFill>
-                <a:srgbClr val="000000"/>
-              </a:solidFill>
-              <a:uFill>
-                <a:solidFill>
-                  <a:srgbClr val="FFFFFF"/>
-                </a:solidFill>
-              </a:uFill>
-              <a:latin typeface="Arial"/>
-            </a:endParaRPr>
-          </a:p>
-        </p:txBody>
-      </p:sp>
-      <p:sp>
-        <p:nvSpPr>
-          <p:cNvPr id="213" name="CustomShape 2"/>
-          <p:cNvSpPr/>
-          <p:nvPr/>
-        </p:nvSpPr>
-        <p:spPr>
-          <a:xfrm>
-            <a:off x="4143240" y="9118440"/>
-            <a:ext cx="3169080" cy="479880"/>
-          </a:xfrm>
-          <a:prstGeom prst="rect">
-            <a:avLst/>
-          </a:prstGeom>
-          <a:noFill/>
-          <a:ln w="9360">
-            <a:noFill/>
-          </a:ln>
-        </p:spPr>
-        <p:style>
-          <a:lnRef idx="0">
-            <a:scrgbClr r="0" g="0" b="0"/>
-          </a:lnRef>
-          <a:fillRef idx="0">
-            <a:scrgbClr r="0" g="0" b="0"/>
-          </a:fillRef>
-          <a:effectRef idx="0">
-            <a:scrgbClr r="0" g="0" b="0"/>
-          </a:effectRef>
-          <a:fontRef idx="minor"/>
-        </p:style>
-        <p:txBody>
-          <a:bodyPr lIns="96480" tIns="48240" rIns="96480" bIns="48240" anchor="b"/>
+                <a:latin typeface="+mn-lt"/>
+              </a:rPr>
+              <a:t>quick example to save a list of numbers or a simple game Level to a file, then read them/it back in again. There is an example in the solution code. </a:t>
+            </a:r>
+          </a:p>
+          <a:p>
+            <a:endParaRPr lang="en-US"/>
+          </a:p>
+        </p:txBody>
+      </p:sp>
+      <p:sp>
+        <p:nvSpPr>
+          <p:cNvPr id="4" name="Slide Number Placeholder 3"/>
+          <p:cNvSpPr>
+            <a:spLocks noGrp="1"/>
+          </p:cNvSpPr>
+          <p:nvPr>
+            <p:ph type="sldNum" idx="10"/>
+          </p:nvPr>
+        </p:nvSpPr>
+        <p:spPr/>
+        <p:txBody>
+          <a:bodyPr/>
           <a:lstStyle/>
           <a:p>
-            <a:pPr algn="r">
-              <a:lnSpc>
-                <a:spcPct val="100000"/>
-              </a:lnSpc>
-            </a:pPr>
-            <a:fld id="{9A3B7B5C-4FE7-427D-BDD2-2865C7667CBE}" type="slidenum">
-              <a:rPr lang="en-US" sz="1200" b="0" strike="noStrike" spc="-1">
+            <a:pPr algn="r"/>
+            <a:fld id="{B630EBB8-CEB5-4E8D-9A06-06438377CF61}" type="slidenum">
+              <a:rPr lang="en-US" sz="1400" b="0" strike="noStrike" spc="-1" smtClean="0">
                 <a:solidFill>
                   <a:srgbClr val="000000"/>
                 </a:solidFill>
@@ -1278,12 +1395,11 @@
                     <a:srgbClr val="FFFFFF"/>
                   </a:solidFill>
                 </a:uFill>
-                <a:latin typeface="Calibri"/>
-                <a:ea typeface="+mn-ea"/>
-              </a:rPr>
-              <a:t>19</a:t>
+                <a:latin typeface="Times New Roman"/>
+              </a:rPr>
+              <a:t>20</a:t>
             </a:fld>
-            <a:endParaRPr lang="en-US" sz="1800" b="0" strike="noStrike" spc="-1">
+            <a:endParaRPr lang="en-US" sz="1400" b="0" strike="noStrike" spc="-1">
               <a:solidFill>
                 <a:srgbClr val="000000"/>
               </a:solidFill>
@@ -1292,7 +1408,7 @@
                   <a:srgbClr val="FFFFFF"/>
                 </a:solidFill>
               </a:uFill>
-              <a:latin typeface="Arial"/>
+              <a:latin typeface="Times New Roman"/>
             </a:endParaRPr>
           </a:p>
         </p:txBody>
@@ -1300,7 +1416,7 @@
     </p:spTree>
     <p:extLst>
       <p:ext uri="{BB962C8B-B14F-4D97-AF65-F5344CB8AC3E}">
-        <p14:creationId xmlns:p14="http://schemas.microsoft.com/office/powerpoint/2010/main" val="3564989521"/>
+        <p14:creationId xmlns:p14="http://schemas.microsoft.com/office/powerpoint/2010/main" val="1719935763"/>
       </p:ext>
     </p:extLst>
   </p:cSld>
@@ -1329,6 +1445,170 @@
       </p:grpSpPr>
       <p:sp>
         <p:nvSpPr>
+          <p:cNvPr id="212" name="PlaceHolder 1"/>
+          <p:cNvSpPr>
+            <a:spLocks noGrp="1"/>
+          </p:cNvSpPr>
+          <p:nvPr>
+            <p:ph type="body"/>
+          </p:nvPr>
+        </p:nvSpPr>
+        <p:spPr>
+          <a:xfrm>
+            <a:off x="731880" y="4560840"/>
+            <a:ext cx="5850360" cy="4320000"/>
+          </a:xfrm>
+          <a:prstGeom prst="rect">
+            <a:avLst/>
+          </a:prstGeom>
+        </p:spPr>
+        <p:txBody>
+          <a:bodyPr lIns="96480" tIns="48240" rIns="96480" bIns="48240"/>
+          <a:lstStyle/>
+          <a:p>
+            <a:r>
+              <a:rPr lang="en-US" sz="2000" b="0" strike="noStrike" spc="-1">
+                <a:solidFill>
+                  <a:srgbClr val="000000"/>
+                </a:solidFill>
+                <a:uFill>
+                  <a:solidFill>
+                    <a:srgbClr val="FFFFFF"/>
+                  </a:solidFill>
+                </a:uFill>
+                <a:latin typeface="Arial"/>
+              </a:rPr>
+              <a:t>Try to read</a:t>
+            </a:r>
+            <a:r>
+              <a:rPr lang="en-US" sz="2000" b="0" strike="noStrike" spc="-1" baseline="0">
+                <a:solidFill>
+                  <a:srgbClr val="000000"/>
+                </a:solidFill>
+                <a:uFill>
+                  <a:solidFill>
+                    <a:srgbClr val="FFFFFF"/>
+                  </a:solidFill>
+                </a:uFill>
+                <a:latin typeface="Arial"/>
+              </a:rPr>
+              <a:t> from file when the file does not exist</a:t>
+            </a:r>
+            <a:endParaRPr lang="en-US" sz="2000" b="0" strike="noStrike" spc="-1">
+              <a:solidFill>
+                <a:srgbClr val="000000"/>
+              </a:solidFill>
+              <a:uFill>
+                <a:solidFill>
+                  <a:srgbClr val="FFFFFF"/>
+                </a:solidFill>
+              </a:uFill>
+              <a:latin typeface="Arial"/>
+            </a:endParaRPr>
+          </a:p>
+        </p:txBody>
+      </p:sp>
+      <p:sp>
+        <p:nvSpPr>
+          <p:cNvPr id="213" name="CustomShape 2"/>
+          <p:cNvSpPr/>
+          <p:nvPr/>
+        </p:nvSpPr>
+        <p:spPr>
+          <a:xfrm>
+            <a:off x="4143240" y="9118440"/>
+            <a:ext cx="3169080" cy="479880"/>
+          </a:xfrm>
+          <a:prstGeom prst="rect">
+            <a:avLst/>
+          </a:prstGeom>
+          <a:noFill/>
+          <a:ln w="9360">
+            <a:noFill/>
+          </a:ln>
+        </p:spPr>
+        <p:style>
+          <a:lnRef idx="0">
+            <a:scrgbClr r="0" g="0" b="0"/>
+          </a:lnRef>
+          <a:fillRef idx="0">
+            <a:scrgbClr r="0" g="0" b="0"/>
+          </a:fillRef>
+          <a:effectRef idx="0">
+            <a:scrgbClr r="0" g="0" b="0"/>
+          </a:effectRef>
+          <a:fontRef idx="minor"/>
+        </p:style>
+        <p:txBody>
+          <a:bodyPr lIns="96480" tIns="48240" rIns="96480" bIns="48240" anchor="b"/>
+          <a:lstStyle/>
+          <a:p>
+            <a:pPr algn="r">
+              <a:lnSpc>
+                <a:spcPct val="100000"/>
+              </a:lnSpc>
+            </a:pPr>
+            <a:fld id="{9A3B7B5C-4FE7-427D-BDD2-2865C7667CBE}" type="slidenum">
+              <a:rPr lang="en-US" sz="1200" b="0" strike="noStrike" spc="-1">
+                <a:solidFill>
+                  <a:srgbClr val="000000"/>
+                </a:solidFill>
+                <a:uFill>
+                  <a:solidFill>
+                    <a:srgbClr val="FFFFFF"/>
+                  </a:solidFill>
+                </a:uFill>
+                <a:latin typeface="Calibri"/>
+                <a:ea typeface="+mn-ea"/>
+              </a:rPr>
+              <a:t>23</a:t>
+            </a:fld>
+            <a:endParaRPr lang="en-US" sz="1800" b="0" strike="noStrike" spc="-1">
+              <a:solidFill>
+                <a:srgbClr val="000000"/>
+              </a:solidFill>
+              <a:uFill>
+                <a:solidFill>
+                  <a:srgbClr val="FFFFFF"/>
+                </a:solidFill>
+              </a:uFill>
+              <a:latin typeface="Arial"/>
+            </a:endParaRPr>
+          </a:p>
+        </p:txBody>
+      </p:sp>
+    </p:spTree>
+    <p:extLst>
+      <p:ext uri="{BB962C8B-B14F-4D97-AF65-F5344CB8AC3E}">
+        <p14:creationId xmlns:p14="http://schemas.microsoft.com/office/powerpoint/2010/main" val="3564989521"/>
+      </p:ext>
+    </p:extLst>
+  </p:cSld>
+  <p:clrMapOvr>
+    <a:masterClrMapping/>
+  </p:clrMapOvr>
+</p:notes>
+</file>
+
+<file path=ppt/notesSlides/notesSlide13.xml><?xml version="1.0" encoding="utf-8"?>
+<p:notes xmlns:a="http://schemas.openxmlformats.org/drawingml/2006/main" xmlns:r="http://schemas.openxmlformats.org/officeDocument/2006/relationships" xmlns:p="http://schemas.openxmlformats.org/presentationml/2006/main">
+  <p:cSld>
+    <p:spTree>
+      <p:nvGrpSpPr>
+        <p:cNvPr id="1" name=""/>
+        <p:cNvGrpSpPr/>
+        <p:nvPr/>
+      </p:nvGrpSpPr>
+      <p:grpSpPr>
+        <a:xfrm>
+          <a:off x="0" y="0"/>
+          <a:ext cx="0" cy="0"/>
+          <a:chOff x="0" y="0"/>
+          <a:chExt cx="0" cy="0"/>
+        </a:xfrm>
+      </p:grpSpPr>
+      <p:sp>
+        <p:nvSpPr>
           <p:cNvPr id="30722" name="Slide Image Placeholder 1"/>
           <p:cNvSpPr>
             <a:spLocks noGrp="1" noRot="1" noChangeAspect="1" noTextEdit="1"/>
@@ -1367,7 +1647,7 @@
           <a:bodyPr/>
           <a:lstStyle/>
           <a:p>
-            <a:endParaRPr lang="en-US" dirty="0"/>
+            <a:endParaRPr lang="en-US"/>
           </a:p>
         </p:txBody>
       </p:sp>
@@ -1391,7 +1671,7 @@
             <a:fld id="{4EE02099-3122-448C-8379-2F83E5A8613A}" type="slidenum">
               <a:rPr lang="en-US"/>
               <a:pPr/>
-              <a:t>21</a:t>
+              <a:t>25</a:t>
             </a:fld>
             <a:endParaRPr lang="en-US"/>
           </a:p>
@@ -1455,14 +1735,14 @@
           <a:lstStyle/>
           <a:p>
             <a:r>
-              <a:rPr lang="en-US" dirty="0"/>
+              <a:rPr lang="en-US"/>
               <a:t>Consider drawing a single diagram on the board showing separate thread of execution</a:t>
             </a:r>
             <a:r>
-              <a:rPr lang="en-US" baseline="0" dirty="0"/>
+              <a:rPr lang="en-US" baseline="0"/>
               <a:t> as lines</a:t>
             </a:r>
-            <a:endParaRPr lang="en-US" dirty="0"/>
+            <a:endParaRPr lang="en-US"/>
           </a:p>
         </p:txBody>
       </p:sp>
@@ -1484,7 +1764,7 @@
             <a:fld id="{36B4252A-5ADE-4726-AF7E-E9EADC640C88}" type="slidenum">
               <a:rPr lang="en-US" smtClean="0"/>
               <a:pPr/>
-              <a:t>4</a:t>
+              <a:t>5</a:t>
             </a:fld>
             <a:endParaRPr lang="en-US"/>
           </a:p>
@@ -1565,7 +1845,7 @@
               <a:defRPr/>
             </a:pPr>
             <a:r>
-              <a:rPr lang="en-US" dirty="0"/>
+              <a:rPr lang="en-US"/>
               <a:t>Ask students:</a:t>
             </a:r>
           </a:p>
@@ -1588,11 +1868,11 @@
               <a:defRPr/>
             </a:pPr>
             <a:r>
-              <a:rPr lang="en-US" dirty="0"/>
+              <a:rPr lang="en-US"/>
               <a:t>Imagine a list gets changed while you try to move through it,</a:t>
             </a:r>
             <a:r>
-              <a:rPr lang="en-US" baseline="0" dirty="0"/>
+              <a:rPr lang="en-US" baseline="0"/>
               <a:t> what could go wrong?</a:t>
             </a:r>
           </a:p>
@@ -1615,10 +1895,10 @@
               <a:defRPr/>
             </a:pPr>
             <a:r>
-              <a:rPr lang="en-US" baseline="0" dirty="0"/>
+              <a:rPr lang="en-US" baseline="0"/>
               <a:t>Read from bad location in memory, get into infinite loop, double visit, skip, etc.</a:t>
             </a:r>
-            <a:endParaRPr lang="en-US" dirty="0"/>
+            <a:endParaRPr lang="en-US"/>
           </a:p>
         </p:txBody>
       </p:sp>
@@ -1640,7 +1920,7 @@
             <a:fld id="{36B4252A-5ADE-4726-AF7E-E9EADC640C88}" type="slidenum">
               <a:rPr lang="en-US" smtClean="0"/>
               <a:pPr/>
-              <a:t>6</a:t>
+              <a:t>7</a:t>
             </a:fld>
             <a:endParaRPr lang="en-US"/>
           </a:p>
@@ -1728,7 +2008,7 @@
               </a:spcBef>
               <a:defRPr sz="1800"/>
             </a:pPr>
-            <a:endParaRPr sz="1200" dirty="0">
+            <a:endParaRPr sz="1200">
               <a:latin typeface="Calibri"/>
               <a:ea typeface="Calibri"/>
               <a:cs typeface="Calibri"/>
@@ -1819,7 +2099,7 @@
               </a:spcBef>
               <a:defRPr sz="1800"/>
             </a:pPr>
-            <a:endParaRPr sz="1200" dirty="0">
+            <a:endParaRPr sz="1200">
               <a:latin typeface="Calibri"/>
               <a:ea typeface="Calibri"/>
               <a:cs typeface="Calibri"/>
@@ -1886,7 +2166,7 @@
           <a:lstStyle/>
           <a:p>
             <a:r>
-              <a:rPr lang="en-US" sz="1200" kern="1200" dirty="0">
+              <a:rPr lang="en-US" sz="1200" kern="1200">
                 <a:solidFill>
                   <a:schemeClr val="tx1"/>
                 </a:solidFill>
@@ -1899,7 +2179,7 @@
           </a:p>
           <a:p>
             <a:r>
-              <a:rPr lang="en-US" sz="1200" kern="1200" dirty="0">
+              <a:rPr lang="en-US" sz="1200" kern="1200">
                 <a:solidFill>
                   <a:schemeClr val="tx1"/>
                 </a:solidFill>
@@ -1910,7 +2190,7 @@
               <a:t> * </a:t>
             </a:r>
             <a:r>
-              <a:rPr lang="en-US" sz="1200" b="1" kern="1200" dirty="0">
+              <a:rPr lang="en-US" sz="1200" b="1" kern="1200">
                 <a:solidFill>
                   <a:schemeClr val="tx1"/>
                 </a:solidFill>
@@ -1923,7 +2203,7 @@
           </a:p>
           <a:p>
             <a:r>
-              <a:rPr lang="en-US" sz="1200" kern="1200" dirty="0">
+              <a:rPr lang="en-US" sz="1200" kern="1200">
                 <a:solidFill>
                   <a:schemeClr val="tx1"/>
                 </a:solidFill>
@@ -1934,7 +2214,7 @@
               <a:t> * </a:t>
             </a:r>
             <a:r>
-              <a:rPr lang="en-US" sz="1200" b="1" kern="1200" dirty="0">
+              <a:rPr lang="en-US" sz="1200" b="1" kern="1200">
                 <a:solidFill>
                   <a:schemeClr val="tx1"/>
                 </a:solidFill>
@@ -1947,7 +2227,7 @@
           </a:p>
           <a:p>
             <a:r>
-              <a:rPr lang="en-US" sz="1200" kern="1200" dirty="0">
+              <a:rPr lang="en-US" sz="1200" kern="1200">
                 <a:solidFill>
                   <a:schemeClr val="tx1"/>
                 </a:solidFill>
@@ -1958,7 +2238,7 @@
               <a:t> * </a:t>
             </a:r>
             <a:r>
-              <a:rPr lang="en-US" sz="1200" b="1" kern="1200" dirty="0">
+              <a:rPr lang="en-US" sz="1200" b="1" kern="1200">
                 <a:solidFill>
                   <a:schemeClr val="tx1"/>
                 </a:solidFill>
@@ -1971,7 +2251,7 @@
           </a:p>
           <a:p>
             <a:r>
-              <a:rPr lang="en-US" sz="1200" kern="1200" dirty="0">
+              <a:rPr lang="en-US" sz="1200" kern="1200">
                 <a:solidFill>
                   <a:schemeClr val="tx1"/>
                 </a:solidFill>
@@ -1982,7 +2262,7 @@
               <a:t> * </a:t>
             </a:r>
             <a:r>
-              <a:rPr lang="en-US" sz="1200" b="1" kern="1200" dirty="0">
+              <a:rPr lang="en-US" sz="1200" b="1" kern="1200">
                 <a:solidFill>
                   <a:schemeClr val="tx1"/>
                 </a:solidFill>
@@ -1995,7 +2275,7 @@
           </a:p>
           <a:p>
             <a:r>
-              <a:rPr lang="en-US" sz="1200" kern="1200" dirty="0">
+              <a:rPr lang="en-US" sz="1200" kern="1200">
                 <a:solidFill>
                   <a:schemeClr val="tx1"/>
                 </a:solidFill>
@@ -2006,7 +2286,7 @@
               <a:t> * </a:t>
             </a:r>
             <a:r>
-              <a:rPr lang="en-US" sz="1200" b="1" kern="1200" dirty="0">
+              <a:rPr lang="en-US" sz="1200" b="1" kern="1200">
                 <a:solidFill>
                   <a:schemeClr val="tx1"/>
                 </a:solidFill>
@@ -2016,7 +2296,7 @@
               </a:rPr>
               <a:t>TODO: Make the box "catch" drops that hit it.</a:t>
             </a:r>
-            <a:endParaRPr lang="en-US" dirty="0"/>
+            <a:endParaRPr lang="en-US"/>
           </a:p>
         </p:txBody>
       </p:sp>
@@ -2038,7 +2318,7 @@
             <a:fld id="{36B4252A-5ADE-4726-AF7E-E9EADC640C88}" type="slidenum">
               <a:rPr lang="en-US" smtClean="0"/>
               <a:pPr/>
-              <a:t>11</a:t>
+              <a:t>12</a:t>
             </a:fld>
             <a:endParaRPr lang="en-US"/>
           </a:p>
@@ -2101,138 +2381,7 @@
           <a:bodyPr/>
           <a:lstStyle/>
           <a:p>
-            <a:r>
-              <a:rPr lang="en-US" sz="1200" kern="1200" dirty="0">
-                <a:solidFill>
-                  <a:schemeClr val="tx1"/>
-                </a:solidFill>
-                <a:latin typeface="+mn-lt"/>
-                <a:ea typeface="ＭＳ Ｐゴシック" pitchFamily="-111" charset="-128"/>
-                <a:cs typeface="ＭＳ Ｐゴシック" pitchFamily="-111" charset="-128"/>
-              </a:rPr>
-              <a:t> * In this exercise, we develop each of these ideas.</a:t>
-            </a:r>
-          </a:p>
-          <a:p>
-            <a:r>
-              <a:rPr lang="en-US" sz="1200" kern="1200" dirty="0">
-                <a:solidFill>
-                  <a:schemeClr val="tx1"/>
-                </a:solidFill>
-                <a:latin typeface="+mn-lt"/>
-                <a:ea typeface="ＭＳ Ｐゴシック" pitchFamily="-111" charset="-128"/>
-                <a:cs typeface="ＭＳ Ｐゴシック" pitchFamily="-111" charset="-128"/>
-              </a:rPr>
-              <a:t> * </a:t>
-            </a:r>
-            <a:r>
-              <a:rPr lang="en-US" sz="1200" b="1" kern="1200" dirty="0">
-                <a:solidFill>
-                  <a:schemeClr val="tx1"/>
-                </a:solidFill>
-                <a:latin typeface="+mn-lt"/>
-                <a:ea typeface="ＭＳ Ｐゴシック" pitchFamily="-111" charset="-128"/>
-                <a:cs typeface="ＭＳ Ｐゴシック" pitchFamily="-111" charset="-128"/>
-              </a:rPr>
-              <a:t>TODO: Replace the loop with button input to advance one tick.</a:t>
-            </a:r>
-          </a:p>
-          <a:p>
-            <a:r>
-              <a:rPr lang="en-US" sz="1200" kern="1200" dirty="0">
-                <a:solidFill>
-                  <a:schemeClr val="tx1"/>
-                </a:solidFill>
-                <a:latin typeface="+mn-lt"/>
-                <a:ea typeface="ＭＳ Ｐゴシック" pitchFamily="-111" charset="-128"/>
-                <a:cs typeface="ＭＳ Ｐゴシック" pitchFamily="-111" charset="-128"/>
-              </a:rPr>
-              <a:t> * </a:t>
-            </a:r>
-            <a:r>
-              <a:rPr lang="en-US" sz="1200" b="1" kern="1200" dirty="0">
-                <a:solidFill>
-                  <a:schemeClr val="tx1"/>
-                </a:solidFill>
-                <a:latin typeface="+mn-lt"/>
-                <a:ea typeface="ＭＳ Ｐゴシック" pitchFamily="-111" charset="-128"/>
-                <a:cs typeface="ＭＳ Ｐゴシック" pitchFamily="-111" charset="-128"/>
-              </a:rPr>
-              <a:t>TODO: Replace the button with a timer.</a:t>
-            </a:r>
-          </a:p>
-          <a:p>
-            <a:r>
-              <a:rPr lang="en-US" sz="1200" kern="1200" dirty="0">
-                <a:solidFill>
-                  <a:schemeClr val="tx1"/>
-                </a:solidFill>
-                <a:latin typeface="+mn-lt"/>
-                <a:ea typeface="ＭＳ Ｐゴシック" pitchFamily="-111" charset="-128"/>
-                <a:cs typeface="ＭＳ Ｐゴシック" pitchFamily="-111" charset="-128"/>
-              </a:rPr>
-              <a:t> * </a:t>
-            </a:r>
-            <a:r>
-              <a:rPr lang="en-US" sz="1200" b="1" kern="1200" dirty="0">
-                <a:solidFill>
-                  <a:schemeClr val="tx1"/>
-                </a:solidFill>
-                <a:latin typeface="+mn-lt"/>
-                <a:ea typeface="ＭＳ Ｐゴシック" pitchFamily="-111" charset="-128"/>
-                <a:cs typeface="ＭＳ Ｐゴシック" pitchFamily="-111" charset="-128"/>
-              </a:rPr>
-              <a:t>TODO: Make the button change the direction of motion.</a:t>
-            </a:r>
-          </a:p>
-          <a:p>
-            <a:r>
-              <a:rPr lang="en-US" sz="1200" kern="1200" dirty="0">
-                <a:solidFill>
-                  <a:schemeClr val="tx1"/>
-                </a:solidFill>
-                <a:latin typeface="+mn-lt"/>
-                <a:ea typeface="ＭＳ Ｐゴシック" pitchFamily="-111" charset="-128"/>
-                <a:cs typeface="ＭＳ Ｐゴシック" pitchFamily="-111" charset="-128"/>
-              </a:rPr>
-              <a:t> * </a:t>
-            </a:r>
-            <a:r>
-              <a:rPr lang="en-US" sz="1200" b="1" kern="1200" dirty="0">
-                <a:solidFill>
-                  <a:schemeClr val="tx1"/>
-                </a:solidFill>
-                <a:latin typeface="+mn-lt"/>
-                <a:ea typeface="ＭＳ Ｐゴシック" pitchFamily="-111" charset="-128"/>
-                <a:cs typeface="ＭＳ Ｐゴシック" pitchFamily="-111" charset="-128"/>
-              </a:rPr>
-              <a:t>TODO: Add falling raindrops.</a:t>
-            </a:r>
-          </a:p>
-          <a:p>
-            <a:r>
-              <a:rPr lang="en-US" sz="1200" kern="1200" dirty="0">
-                <a:solidFill>
-                  <a:schemeClr val="tx1"/>
-                </a:solidFill>
-                <a:latin typeface="+mn-lt"/>
-                <a:ea typeface="ＭＳ Ｐゴシック" pitchFamily="-111" charset="-128"/>
-                <a:cs typeface="ＭＳ Ｐゴシック" pitchFamily="-111" charset="-128"/>
-              </a:rPr>
-              <a:t> * </a:t>
-            </a:r>
-            <a:r>
-              <a:rPr lang="en-US" sz="1200" b="1" kern="1200" dirty="0">
-                <a:solidFill>
-                  <a:schemeClr val="tx1"/>
-                </a:solidFill>
-                <a:latin typeface="+mn-lt"/>
-                <a:ea typeface="ＭＳ Ｐゴシック" pitchFamily="-111" charset="-128"/>
-                <a:cs typeface="ＭＳ Ｐゴシック" pitchFamily="-111" charset="-128"/>
-              </a:rPr>
-              <a:t>TODO: Make the box "catch" drops that hit it.</a:t>
-            </a:r>
-            <a:endParaRPr lang="en-US" dirty="0"/>
+            <a:endParaRPr lang="en-US"/>
           </a:p>
         </p:txBody>
       </p:sp>
@@ -2254,7 +2403,7 @@
             <a:fld id="{36B4252A-5ADE-4726-AF7E-E9EADC640C88}" type="slidenum">
               <a:rPr lang="en-US" smtClean="0"/>
               <a:pPr/>
-              <a:t>12</a:t>
+              <a:t>13</a:t>
             </a:fld>
             <a:endParaRPr lang="en-US"/>
           </a:p>
@@ -2292,113 +2441,63 @@
       </p:grpSpPr>
       <p:sp>
         <p:nvSpPr>
-          <p:cNvPr id="206" name="PlaceHolder 1"/>
+          <p:cNvPr id="2" name="Slide Image Placeholder 1"/>
+          <p:cNvSpPr>
+            <a:spLocks noGrp="1" noRot="1" noChangeAspect="1"/>
+          </p:cNvSpPr>
+          <p:nvPr>
+            <p:ph type="sldImg"/>
+          </p:nvPr>
+        </p:nvSpPr>
+        <p:spPr/>
+      </p:sp>
+      <p:sp>
+        <p:nvSpPr>
+          <p:cNvPr id="3" name="Notes Placeholder 2"/>
           <p:cNvSpPr>
             <a:spLocks noGrp="1"/>
           </p:cNvSpPr>
           <p:nvPr>
-            <p:ph type="body"/>
+            <p:ph type="body" idx="1"/>
           </p:nvPr>
         </p:nvSpPr>
-        <p:spPr>
-          <a:xfrm>
-            <a:off x="731880" y="4560840"/>
-            <a:ext cx="5850360" cy="4320000"/>
-          </a:xfrm>
-          <a:prstGeom prst="rect">
-            <a:avLst/>
-          </a:prstGeom>
-        </p:spPr>
-        <p:txBody>
-          <a:bodyPr lIns="96480" tIns="48240" rIns="96480" bIns="48240"/>
+        <p:spPr/>
+        <p:txBody>
+          <a:bodyPr/>
           <a:lstStyle/>
           <a:p>
-            <a:endParaRPr lang="en-US" sz="2000" b="0" strike="noStrike" spc="-1">
-              <a:solidFill>
-                <a:srgbClr val="000000"/>
-              </a:solidFill>
-              <a:uFill>
-                <a:solidFill>
-                  <a:srgbClr val="FFFFFF"/>
-                </a:solidFill>
-              </a:uFill>
-              <a:latin typeface="Arial"/>
-            </a:endParaRPr>
-          </a:p>
-        </p:txBody>
-      </p:sp>
-      <p:sp>
-        <p:nvSpPr>
-          <p:cNvPr id="207" name="CustomShape 2"/>
-          <p:cNvSpPr/>
-          <p:nvPr/>
-        </p:nvSpPr>
-        <p:spPr>
-          <a:xfrm>
-            <a:off x="4143240" y="9118440"/>
-            <a:ext cx="3169080" cy="479880"/>
-          </a:xfrm>
-          <a:prstGeom prst="rect">
-            <a:avLst/>
-          </a:prstGeom>
-          <a:noFill/>
-          <a:ln w="9360">
-            <a:noFill/>
-          </a:ln>
-        </p:spPr>
-        <p:style>
-          <a:lnRef idx="0">
-            <a:scrgbClr r="0" g="0" b="0"/>
-          </a:lnRef>
-          <a:fillRef idx="0">
-            <a:scrgbClr r="0" g="0" b="0"/>
-          </a:fillRef>
-          <a:effectRef idx="0">
-            <a:scrgbClr r="0" g="0" b="0"/>
-          </a:effectRef>
-          <a:fontRef idx="minor"/>
-        </p:style>
-        <p:txBody>
-          <a:bodyPr lIns="96480" tIns="48240" rIns="96480" bIns="48240" anchor="b"/>
+            <a:endParaRPr lang="en-US"/>
+          </a:p>
+        </p:txBody>
+      </p:sp>
+      <p:sp>
+        <p:nvSpPr>
+          <p:cNvPr id="4" name="Slide Number Placeholder 3"/>
+          <p:cNvSpPr>
+            <a:spLocks noGrp="1"/>
+          </p:cNvSpPr>
+          <p:nvPr>
+            <p:ph type="sldNum" sz="quarter" idx="10"/>
+          </p:nvPr>
+        </p:nvSpPr>
+        <p:spPr/>
+        <p:txBody>
+          <a:bodyPr/>
           <a:lstStyle/>
           <a:p>
-            <a:pPr algn="r">
-              <a:lnSpc>
-                <a:spcPct val="100000"/>
-              </a:lnSpc>
-            </a:pPr>
-            <a:fld id="{819B2D56-A067-4F75-8E24-C71378F0A1C0}" type="slidenum">
-              <a:rPr lang="en-US" sz="1200" b="0" strike="noStrike" spc="-1">
-                <a:solidFill>
-                  <a:srgbClr val="000000"/>
-                </a:solidFill>
-                <a:uFill>
-                  <a:solidFill>
-                    <a:srgbClr val="FFFFFF"/>
-                  </a:solidFill>
-                </a:uFill>
-                <a:latin typeface="Calibri"/>
-              </a:rPr>
+            <a:fld id="{36B4252A-5ADE-4726-AF7E-E9EADC640C88}" type="slidenum">
+              <a:rPr lang="en-US" smtClean="0"/>
+              <a:pPr/>
               <a:t>14</a:t>
             </a:fld>
-            <a:endParaRPr lang="en-US" sz="1800" b="0" strike="noStrike" spc="-1">
-              <a:solidFill>
-                <a:srgbClr val="000000"/>
-              </a:solidFill>
-              <a:uFill>
-                <a:solidFill>
-                  <a:srgbClr val="FFFFFF"/>
-                </a:solidFill>
-              </a:uFill>
-              <a:latin typeface="Arial"/>
-            </a:endParaRPr>
+            <a:endParaRPr lang="en-US"/>
           </a:p>
         </p:txBody>
       </p:sp>
     </p:spTree>
     <p:extLst>
       <p:ext uri="{BB962C8B-B14F-4D97-AF65-F5344CB8AC3E}">
-        <p14:creationId xmlns:p14="http://schemas.microsoft.com/office/powerpoint/2010/main" val="3868216292"/>
+        <p14:creationId xmlns:p14="http://schemas.microsoft.com/office/powerpoint/2010/main" val="1645589903"/>
       </p:ext>
     </p:extLst>
   </p:cSld>
@@ -2427,7 +2526,7 @@
       </p:grpSpPr>
       <p:sp>
         <p:nvSpPr>
-          <p:cNvPr id="210" name="PlaceHolder 1"/>
+          <p:cNvPr id="206" name="PlaceHolder 1"/>
           <p:cNvSpPr>
             <a:spLocks noGrp="1"/>
           </p:cNvSpPr>
@@ -2448,7 +2547,7 @@
           <a:bodyPr lIns="96480" tIns="48240" rIns="96480" bIns="48240"/>
           <a:lstStyle/>
           <a:p>
-            <a:endParaRPr lang="en-US" sz="2000" b="0" strike="noStrike" spc="-1" baseline="0" dirty="0">
+            <a:endParaRPr lang="en-US" sz="2000" b="0" strike="noStrike" spc="-1">
               <a:solidFill>
                 <a:srgbClr val="000000"/>
               </a:solidFill>
@@ -2460,37 +2559,11 @@
               <a:latin typeface="Arial"/>
             </a:endParaRPr>
           </a:p>
-          <a:p>
-            <a:endParaRPr lang="en-US" sz="2000" b="0" strike="noStrike" spc="-1" baseline="0" dirty="0">
-              <a:solidFill>
-                <a:srgbClr val="000000"/>
-              </a:solidFill>
-              <a:uFill>
-                <a:solidFill>
-                  <a:srgbClr val="FFFFFF"/>
-                </a:solidFill>
-              </a:uFill>
-              <a:latin typeface="Arial"/>
-            </a:endParaRPr>
-          </a:p>
-          <a:p>
-            <a:endParaRPr lang="en-US" sz="2000" b="0" strike="noStrike" spc="-1" dirty="0">
-              <a:solidFill>
-                <a:srgbClr val="000000"/>
-              </a:solidFill>
-              <a:uFill>
-                <a:solidFill>
-                  <a:srgbClr val="FFFFFF"/>
-                </a:solidFill>
-              </a:uFill>
-              <a:latin typeface="Arial"/>
-            </a:endParaRPr>
-          </a:p>
-        </p:txBody>
-      </p:sp>
-      <p:sp>
-        <p:nvSpPr>
-          <p:cNvPr id="211" name="CustomShape 2"/>
+        </p:txBody>
+      </p:sp>
+      <p:sp>
+        <p:nvSpPr>
+          <p:cNvPr id="207" name="CustomShape 2"/>
           <p:cNvSpPr/>
           <p:nvPr/>
         </p:nvSpPr>
@@ -2528,7 +2601,7 @@
                 <a:spcPct val="100000"/>
               </a:lnSpc>
             </a:pPr>
-            <a:fld id="{4D56FA17-A64E-4E1E-B65D-B09535FC0EA9}" type="slidenum">
+            <a:fld id="{819B2D56-A067-4F75-8E24-C71378F0A1C0}" type="slidenum">
               <a:rPr lang="en-US" sz="1200" b="0" strike="noStrike" spc="-1">
                 <a:solidFill>
                   <a:srgbClr val="000000"/>
@@ -2540,7 +2613,7 @@
                 </a:uFill>
                 <a:latin typeface="Calibri"/>
               </a:rPr>
-              <a:t>15</a:t>
+              <a:t>18</a:t>
             </a:fld>
             <a:endParaRPr lang="en-US" sz="1800" b="0" strike="noStrike" spc="-1">
               <a:solidFill>
@@ -2559,7 +2632,7 @@
     </p:spTree>
     <p:extLst>
       <p:ext uri="{BB962C8B-B14F-4D97-AF65-F5344CB8AC3E}">
-        <p14:creationId xmlns:p14="http://schemas.microsoft.com/office/powerpoint/2010/main" val="396089046"/>
+        <p14:creationId xmlns:p14="http://schemas.microsoft.com/office/powerpoint/2010/main" val="3868216292"/>
       </p:ext>
     </p:extLst>
   </p:cSld>
@@ -2749,7 +2822,7 @@
             <a:fld id="{43E6E5DC-7A70-4CAB-B8CA-FD7CFBA6DDCF}" type="datetime1">
               <a:rPr lang="en-US" smtClean="0"/>
               <a:pPr/>
-              <a:t>3/1/22</a:t>
+              <a:t>11/22/2022</a:t>
             </a:fld>
             <a:endParaRPr lang="en-US"/>
           </a:p>
@@ -2922,7 +2995,7 @@
             <a:fld id="{34C58A64-F6CF-4D4F-A14E-4E9A6689521C}" type="datetime1">
               <a:rPr lang="en-US" smtClean="0"/>
               <a:pPr/>
-              <a:t>3/1/22</a:t>
+              <a:t>11/22/2022</a:t>
             </a:fld>
             <a:endParaRPr lang="en-US"/>
           </a:p>
@@ -3105,7 +3178,7 @@
             <a:fld id="{28A961FD-7946-4EF3-8B09-2E96C5099CE1}" type="datetime1">
               <a:rPr lang="en-US" smtClean="0"/>
               <a:pPr/>
-              <a:t>3/1/22</a:t>
+              <a:t>11/22/2022</a:t>
             </a:fld>
             <a:endParaRPr lang="en-US"/>
           </a:p>
@@ -3384,7 +3457,7 @@
             <a:fld id="{410E03A8-3A50-4824-93B1-5AB2817A85E6}" type="datetime1">
               <a:rPr lang="en-US" smtClean="0"/>
               <a:pPr/>
-              <a:t>3/1/22</a:t>
+              <a:t>11/22/2022</a:t>
             </a:fld>
             <a:endParaRPr lang="en-US"/>
           </a:p>
@@ -3634,7 +3707,7 @@
             <a:fld id="{69EE78C3-2E3E-4EDD-A8FC-A11FEA9CDF04}" type="datetime1">
               <a:rPr lang="en-US" smtClean="0"/>
               <a:pPr/>
-              <a:t>3/1/22</a:t>
+              <a:t>11/22/2022</a:t>
             </a:fld>
             <a:endParaRPr lang="en-US"/>
           </a:p>
@@ -3924,7 +3997,7 @@
             <a:fld id="{9CAD6738-AE48-490E-BA60-16B31C3E5798}" type="datetime1">
               <a:rPr lang="en-US" smtClean="0"/>
               <a:pPr/>
-              <a:t>3/1/22</a:t>
+              <a:t>11/22/2022</a:t>
             </a:fld>
             <a:endParaRPr lang="en-US"/>
           </a:p>
@@ -4348,7 +4421,7 @@
             <a:fld id="{12137309-80BC-4890-B91A-AB9885E172E5}" type="datetime1">
               <a:rPr lang="en-US" smtClean="0"/>
               <a:pPr/>
-              <a:t>3/1/22</a:t>
+              <a:t>11/22/2022</a:t>
             </a:fld>
             <a:endParaRPr lang="en-US"/>
           </a:p>
@@ -4470,7 +4543,7 @@
             <a:fld id="{79C16A63-0F78-4E9D-81E4-A84E1F25A0A3}" type="datetime1">
               <a:rPr lang="en-US" smtClean="0"/>
               <a:pPr/>
-              <a:t>3/1/22</a:t>
+              <a:t>11/22/2022</a:t>
             </a:fld>
             <a:endParaRPr lang="en-US"/>
           </a:p>
@@ -4570,7 +4643,7 @@
             <a:fld id="{DC5FF9E9-979C-4422-A1BB-1DC64426F0DA}" type="datetime1">
               <a:rPr lang="en-US" smtClean="0"/>
               <a:pPr/>
-              <a:t>3/1/22</a:t>
+              <a:t>11/22/2022</a:t>
             </a:fld>
             <a:endParaRPr lang="en-US"/>
           </a:p>
@@ -4850,7 +4923,7 @@
             <a:fld id="{B9B7020D-910B-4676-A902-AD52382F28B6}" type="datetime1">
               <a:rPr lang="en-US" smtClean="0"/>
               <a:pPr/>
-              <a:t>3/1/22</a:t>
+              <a:t>11/22/2022</a:t>
             </a:fld>
             <a:endParaRPr lang="en-US"/>
           </a:p>
@@ -5107,7 +5180,7 @@
             <a:fld id="{4695FF79-924D-47D6-A727-6A03000C0C91}" type="datetime1">
               <a:rPr lang="en-US" smtClean="0"/>
               <a:pPr/>
-              <a:t>3/1/22</a:t>
+              <a:t>11/22/2022</a:t>
             </a:fld>
             <a:endParaRPr lang="en-US"/>
           </a:p>
@@ -5323,7 +5396,7 @@
             <a:fld id="{A51E304D-C692-4D58-A925-D35D66927263}" type="datetime1">
               <a:rPr lang="en-US" smtClean="0"/>
               <a:pPr/>
-              <a:t>3/1/22</a:t>
+              <a:t>11/22/2022</a:t>
             </a:fld>
             <a:endParaRPr lang="en-US"/>
           </a:p>
@@ -5718,19 +5791,17 @@
           <a:bodyPr/>
           <a:lstStyle/>
           <a:p>
-            <a:pPr eaLnBrk="1" fontAlgn="auto" hangingPunct="1">
-              <a:spcAft>
-                <a:spcPts val="0"/>
-              </a:spcAft>
+            <a:pPr>
               <a:defRPr/>
             </a:pPr>
             <a:r>
-              <a:rPr lang="en-US" dirty="0">
-                <a:ea typeface="+mj-ea"/>
-                <a:cs typeface="+mj-cs"/>
-              </a:rPr>
+              <a:rPr lang="en-US" dirty="0"/>
               <a:t>CSSE 220</a:t>
             </a:r>
+            <a:endParaRPr lang="en-US" dirty="0">
+              <a:ea typeface="+mj-ea"/>
+              <a:cs typeface="+mj-cs"/>
+            </a:endParaRPr>
           </a:p>
         </p:txBody>
       </p:sp>
@@ -5744,12 +5815,7 @@
             <p:ph type="subTitle" idx="1"/>
           </p:nvPr>
         </p:nvSpPr>
-        <p:spPr>
-          <a:xfrm>
-            <a:off x="1371600" y="3116264"/>
-            <a:ext cx="6400800" cy="1752600"/>
-          </a:xfrm>
-        </p:spPr>
+        <p:spPr/>
         <p:txBody>
           <a:bodyPr>
             <a:normAutofit/>
@@ -5762,7 +5828,7 @@
               </a:lnSpc>
             </a:pPr>
             <a:r>
-              <a:rPr lang="en-US" sz="2500" dirty="0"/>
+              <a:rPr lang="en-US" sz="2500"/>
               <a:t>Main Game Loop with Timers </a:t>
             </a:r>
           </a:p>
@@ -5773,7 +5839,7 @@
               </a:lnSpc>
             </a:pPr>
             <a:r>
-              <a:rPr lang="en-US" sz="2500" dirty="0"/>
+              <a:rPr lang="en-US" sz="2500"/>
               <a:t>File IO</a:t>
             </a:r>
           </a:p>
@@ -5784,7 +5850,7 @@
               </a:lnSpc>
             </a:pPr>
             <a:r>
-              <a:rPr lang="en-US" sz="2500" dirty="0"/>
+              <a:rPr lang="en-US" sz="2500"/>
               <a:t>Exception Introduction</a:t>
             </a:r>
           </a:p>
@@ -5794,7 +5860,7 @@
                 <a:spcPct val="90000"/>
               </a:lnSpc>
             </a:pPr>
-            <a:endParaRPr lang="en-US" sz="2500" dirty="0"/>
+            <a:endParaRPr lang="en-US" sz="2500"/>
           </a:p>
         </p:txBody>
       </p:sp>
@@ -5803,7 +5869,7 @@
           <p:cNvPr id="5" name="Rectangle 4">
             <a:extLst>
               <a:ext uri="{FF2B5EF4-FFF2-40B4-BE49-F238E27FC236}">
-                <a16:creationId xmlns:a16="http://schemas.microsoft.com/office/drawing/2014/main" id="{87768FD9-82ED-694F-B79E-3B9B47C01CBD}"/>
+                <a16:creationId xmlns:a16="http://schemas.microsoft.com/office/drawing/2014/main" id="{F87E60BA-5DEC-1B43-BB52-2CE03C09390A}"/>
               </a:ext>
             </a:extLst>
           </p:cNvPr>
@@ -5843,7 +5909,7 @@
           <a:lstStyle/>
           <a:p>
             <a:r>
-              <a:rPr lang="en-US" sz="2400" dirty="0">
+              <a:rPr lang="en-US" sz="2400">
                 <a:solidFill>
                   <a:srgbClr val="FFFFFF"/>
                 </a:solidFill>
@@ -5851,7 +5917,7 @@
               <a:t>The </a:t>
             </a:r>
             <a:r>
-              <a:rPr lang="en-US" sz="2400" i="1" dirty="0">
+              <a:rPr lang="en-US" sz="2400" i="1">
                 <a:solidFill>
                   <a:srgbClr val="FFFFFF"/>
                 </a:solidFill>
@@ -5859,7 +5925,7 @@
               <a:t>git</a:t>
             </a:r>
             <a:r>
-              <a:rPr lang="en-US" sz="2400" dirty="0">
+              <a:rPr lang="en-US" sz="2400">
                 <a:solidFill>
                   <a:srgbClr val="FFFFFF"/>
                 </a:solidFill>
@@ -5873,10 +5939,10 @@
               <a:buChar char="•"/>
             </a:pPr>
             <a:r>
-              <a:rPr lang="en-US" sz="2400" i="1" dirty="0" err="1"/>
+              <a:rPr lang="en-US" sz="2400" i="1" err="1"/>
               <a:t>PracticeEventBasedGameLoop</a:t>
             </a:r>
-            <a:endParaRPr lang="en-US" sz="2400" i="1" dirty="0"/>
+            <a:endParaRPr lang="en-US" sz="2400" i="1"/>
           </a:p>
           <a:p>
             <a:pPr marL="342900" indent="-342900">
@@ -5884,13 +5950,109 @@
               <a:buChar char="•"/>
             </a:pPr>
             <a:r>
-              <a:rPr lang="en-US" sz="2400" i="1" dirty="0" err="1"/>
+              <a:rPr lang="en-US" sz="2400" i="1" err="1"/>
               <a:t>PracticeEventBasedGameLoopSolution</a:t>
             </a:r>
-            <a:endParaRPr lang="en-US" sz="2400" i="1" dirty="0"/>
-          </a:p>
-        </p:txBody>
-      </p:sp>
+            <a:endParaRPr lang="en-US" sz="2400" i="1"/>
+          </a:p>
+        </p:txBody>
+      </p:sp>
+      <p:sp>
+        <p:nvSpPr>
+          <p:cNvPr id="3" name="TextBox 2">
+            <a:extLst>
+              <a:ext uri="{FF2B5EF4-FFF2-40B4-BE49-F238E27FC236}">
+                <a16:creationId xmlns:a16="http://schemas.microsoft.com/office/drawing/2014/main" id="{9323CFD7-713B-3BB9-5F0C-C365F6EA59C3}"/>
+              </a:ext>
+            </a:extLst>
+          </p:cNvPr>
+          <p:cNvSpPr txBox="1"/>
+          <p:nvPr/>
+        </p:nvSpPr>
+        <p:spPr>
+          <a:xfrm>
+            <a:off x="3581400" y="-40807"/>
+            <a:ext cx="5334001" cy="1046440"/>
+          </a:xfrm>
+          <a:prstGeom prst="rect">
+            <a:avLst/>
+          </a:prstGeom>
+          <a:noFill/>
+          <a:ln w="12700" cap="flat">
+            <a:noFill/>
+            <a:miter lim="400000"/>
+          </a:ln>
+          <a:effectLst/>
+        </p:spPr>
+        <p:style>
+          <a:lnRef idx="0">
+            <a:scrgbClr r="0" g="0" b="0"/>
+          </a:lnRef>
+          <a:fillRef idx="0">
+            <a:scrgbClr r="0" g="0" b="0"/>
+          </a:fillRef>
+          <a:effectRef idx="0">
+            <a:scrgbClr r="0" g="0" b="0"/>
+          </a:effectRef>
+          <a:fontRef idx="none"/>
+        </p:style>
+        <p:txBody>
+          <a:bodyPr wrap="square">
+            <a:spAutoFit/>
+          </a:bodyPr>
+          <a:lstStyle/>
+          <a:p>
+            <a:r>
+              <a:rPr lang="en-US" dirty="0">
+                <a:highlight>
+                  <a:srgbClr val="FFFF00"/>
+                </a:highlight>
+              </a:rPr>
+              <a:t>Today’s Attendance password</a:t>
+            </a:r>
+          </a:p>
+          <a:p>
+            <a:r>
+              <a:rPr lang="en-US" sz="4400" dirty="0">
+                <a:highlight>
+                  <a:srgbClr val="FFFF00"/>
+                </a:highlight>
+              </a:rPr>
+              <a:t>__________</a:t>
+            </a:r>
+          </a:p>
+        </p:txBody>
+      </p:sp>
+      <p:pic>
+        <p:nvPicPr>
+          <p:cNvPr id="4" name="Picture 3">
+            <a:extLst>
+              <a:ext uri="{FF2B5EF4-FFF2-40B4-BE49-F238E27FC236}">
+                <a16:creationId xmlns:a16="http://schemas.microsoft.com/office/drawing/2014/main" id="{9943667B-55C1-C878-ABB6-3400CAA806E9}"/>
+              </a:ext>
+            </a:extLst>
+          </p:cNvPr>
+          <p:cNvPicPr>
+            <a:picLocks noChangeAspect="1"/>
+          </p:cNvPicPr>
+          <p:nvPr/>
+        </p:nvPicPr>
+        <p:blipFill>
+          <a:blip r:embed="rId3"/>
+          <a:stretch>
+            <a:fillRect/>
+          </a:stretch>
+        </p:blipFill>
+        <p:spPr>
+          <a:xfrm>
+            <a:off x="6324599" y="1015626"/>
+            <a:ext cx="2429435" cy="2103869"/>
+          </a:xfrm>
+          <a:prstGeom prst="rect">
+            <a:avLst/>
+          </a:prstGeom>
+        </p:spPr>
+      </p:pic>
     </p:spTree>
   </p:cSld>
   <p:clrMapOvr>
@@ -5926,6 +6088,118 @@
             <p:ph type="title"/>
           </p:nvPr>
         </p:nvSpPr>
+        <p:spPr/>
+        <p:txBody>
+          <a:bodyPr/>
+          <a:lstStyle/>
+          <a:p>
+            <a:r>
+              <a:rPr lang="en-US"/>
+              <a:t>Timer</a:t>
+            </a:r>
+          </a:p>
+        </p:txBody>
+      </p:sp>
+      <p:sp>
+        <p:nvSpPr>
+          <p:cNvPr id="3" name="Content Placeholder 2"/>
+          <p:cNvSpPr>
+            <a:spLocks noGrp="1"/>
+          </p:cNvSpPr>
+          <p:nvPr>
+            <p:ph idx="1"/>
+          </p:nvPr>
+        </p:nvSpPr>
+        <p:spPr/>
+        <p:txBody>
+          <a:bodyPr/>
+          <a:lstStyle/>
+          <a:p>
+            <a:r>
+              <a:rPr lang="en-US"/>
+              <a:t>An alternative to a thread that waits/sleeps</a:t>
+            </a:r>
+          </a:p>
+          <a:p>
+            <a:r>
+              <a:rPr lang="en-US"/>
+              <a:t>Creates events periodically</a:t>
+            </a:r>
+          </a:p>
+          <a:p>
+            <a:r>
+              <a:rPr lang="en-US"/>
+              <a:t>Allows main thread to finish</a:t>
+            </a:r>
+          </a:p>
+          <a:p>
+            <a:r>
+              <a:rPr lang="en-US"/>
+              <a:t>Designed to work in same thread as graphics</a:t>
+            </a:r>
+          </a:p>
+          <a:p>
+            <a:r>
+              <a:rPr lang="en-US"/>
+              <a:t>Superior approach for </a:t>
+            </a:r>
+            <a:r>
+              <a:rPr lang="en-US" err="1"/>
+              <a:t>ArcadeGame</a:t>
+            </a:r>
+            <a:r>
+              <a:rPr lang="en-US"/>
+              <a:t> project</a:t>
+            </a:r>
+          </a:p>
+          <a:p>
+            <a:r>
+              <a:rPr lang="en-US"/>
+              <a:t>Similar functionality required for GARP</a:t>
+            </a:r>
+          </a:p>
+        </p:txBody>
+      </p:sp>
+    </p:spTree>
+    <p:extLst>
+      <p:ext uri="{BB962C8B-B14F-4D97-AF65-F5344CB8AC3E}">
+        <p14:creationId xmlns:p14="http://schemas.microsoft.com/office/powerpoint/2010/main" val="1386020521"/>
+      </p:ext>
+    </p:extLst>
+  </p:cSld>
+  <p:clrMapOvr>
+    <a:masterClrMapping/>
+  </p:clrMapOvr>
+</p:sld>
+</file>
+
+<file path=ppt/slides/slide11.xml><?xml version="1.0" encoding="utf-8"?>
+<p:sld xmlns:a="http://schemas.openxmlformats.org/drawingml/2006/main" xmlns:r="http://schemas.openxmlformats.org/officeDocument/2006/relationships" xmlns:p="http://schemas.openxmlformats.org/presentationml/2006/main">
+  <p:cSld>
+    <p:spTree>
+      <p:nvGrpSpPr>
+        <p:cNvPr id="1" name=""/>
+        <p:cNvGrpSpPr/>
+        <p:nvPr/>
+      </p:nvGrpSpPr>
+      <p:grpSpPr>
+        <a:xfrm>
+          <a:off x="0" y="0"/>
+          <a:ext cx="0" cy="0"/>
+          <a:chOff x="0" y="0"/>
+          <a:chExt cx="0" cy="0"/>
+        </a:xfrm>
+      </p:grpSpPr>
+      <p:sp>
+        <p:nvSpPr>
+          <p:cNvPr id="2" name="Title 1"/>
+          <p:cNvSpPr>
+            <a:spLocks noGrp="1"/>
+          </p:cNvSpPr>
+          <p:nvPr>
+            <p:ph type="title"/>
+          </p:nvPr>
+        </p:nvSpPr>
         <p:spPr>
           <a:xfrm>
             <a:off x="457200" y="274638"/>
@@ -5939,7 +6213,7 @@
           <a:lstStyle/>
           <a:p>
             <a:r>
-              <a:rPr lang="en-US" dirty="0"/>
+              <a:rPr lang="en-US"/>
               <a:t>Timer</a:t>
             </a:r>
           </a:p>
@@ -6084,14 +6358,14 @@
           <a:lstStyle/>
           <a:p>
             <a:r>
-              <a:rPr lang="en-US" dirty="0">
+              <a:rPr lang="en-US">
                 <a:latin typeface="Courier New" panose="02070309020205020404" pitchFamily="49" charset="0"/>
                 <a:cs typeface="Courier New" panose="02070309020205020404" pitchFamily="49" charset="0"/>
               </a:rPr>
               <a:t>main</a:t>
             </a:r>
             <a:r>
-              <a:rPr lang="en-US" dirty="0"/>
+              <a:rPr lang="en-US"/>
               <a:t> thread</a:t>
             </a:r>
           </a:p>
@@ -6128,7 +6402,7 @@
           <a:lstStyle/>
           <a:p>
             <a:r>
-              <a:rPr lang="en-US" dirty="0"/>
+              <a:rPr lang="en-US"/>
               <a:t>Java Graphics Thread</a:t>
             </a:r>
           </a:p>
@@ -6174,7 +6448,7 @@
           <a:p>
             <a:pPr algn="ctr"/>
             <a:r>
-              <a:rPr lang="en-US" dirty="0"/>
+              <a:rPr lang="en-US"/>
               <a:t>Exit</a:t>
             </a:r>
           </a:p>
@@ -6231,7 +6505,7 @@
         </p:nvCxnSpPr>
         <p:spPr>
           <a:xfrm>
-            <a:off x="4343400" y="4095166"/>
+            <a:off x="4363387" y="4125369"/>
             <a:ext cx="963407" cy="0"/>
           </a:xfrm>
           <a:prstGeom prst="straightConnector1">
@@ -6293,42 +6567,42 @@
           <a:lstStyle/>
           <a:p>
             <a:r>
-              <a:rPr lang="en-US" sz="1400" b="1" dirty="0">
+              <a:rPr lang="en-US" sz="1400" b="1">
                 <a:latin typeface="Courier New" panose="02070309020205020404" pitchFamily="49" charset="0"/>
                 <a:cs typeface="Courier New" panose="02070309020205020404" pitchFamily="49" charset="0"/>
               </a:rPr>
               <a:t>public</a:t>
             </a:r>
             <a:r>
-              <a:rPr lang="en-US" sz="1400" dirty="0">
+              <a:rPr lang="en-US" sz="1400">
                 <a:latin typeface="Courier New" panose="02070309020205020404" pitchFamily="49" charset="0"/>
                 <a:cs typeface="Courier New" panose="02070309020205020404" pitchFamily="49" charset="0"/>
               </a:rPr>
               <a:t> </a:t>
             </a:r>
             <a:r>
-              <a:rPr lang="en-US" sz="1400" b="1" dirty="0">
+              <a:rPr lang="en-US" sz="1400" b="1">
                 <a:latin typeface="Courier New" panose="02070309020205020404" pitchFamily="49" charset="0"/>
                 <a:cs typeface="Courier New" panose="02070309020205020404" pitchFamily="49" charset="0"/>
               </a:rPr>
               <a:t>void</a:t>
             </a:r>
             <a:r>
-              <a:rPr lang="en-US" sz="1400" dirty="0">
+              <a:rPr lang="en-US" sz="1400">
                 <a:latin typeface="Courier New" panose="02070309020205020404" pitchFamily="49" charset="0"/>
                 <a:cs typeface="Courier New" panose="02070309020205020404" pitchFamily="49" charset="0"/>
               </a:rPr>
               <a:t> </a:t>
             </a:r>
             <a:r>
-              <a:rPr lang="en-US" sz="1400" dirty="0" err="1">
+              <a:rPr lang="en-US" sz="1400" err="1">
                 <a:latin typeface="Courier New" panose="02070309020205020404" pitchFamily="49" charset="0"/>
                 <a:cs typeface="Courier New" panose="02070309020205020404" pitchFamily="49" charset="0"/>
               </a:rPr>
               <a:t>advanceOneTick</a:t>
             </a:r>
             <a:r>
-              <a:rPr lang="en-US" sz="1400" dirty="0">
+              <a:rPr lang="en-US" sz="1400">
                 <a:latin typeface="Courier New" panose="02070309020205020404" pitchFamily="49" charset="0"/>
                 <a:cs typeface="Courier New" panose="02070309020205020404" pitchFamily="49" charset="0"/>
               </a:rPr>
@@ -6337,21 +6611,21 @@
           </a:p>
           <a:p>
             <a:r>
-              <a:rPr lang="en-US" sz="1400" dirty="0">
+              <a:rPr lang="en-US" sz="1400">
                 <a:latin typeface="Courier New" panose="02070309020205020404" pitchFamily="49" charset="0"/>
                 <a:cs typeface="Courier New" panose="02070309020205020404" pitchFamily="49" charset="0"/>
               </a:rPr>
               <a:t>    </a:t>
             </a:r>
             <a:r>
-              <a:rPr lang="en-US" sz="1400" dirty="0" err="1">
+              <a:rPr lang="en-US" sz="1400" err="1">
                 <a:latin typeface="Courier New" panose="02070309020205020404" pitchFamily="49" charset="0"/>
                 <a:cs typeface="Courier New" panose="02070309020205020404" pitchFamily="49" charset="0"/>
               </a:rPr>
               <a:t>myComponent.updateState</a:t>
             </a:r>
             <a:r>
-              <a:rPr lang="en-US" sz="1400" dirty="0">
+              <a:rPr lang="en-US" sz="1400">
                 <a:latin typeface="Courier New" panose="02070309020205020404" pitchFamily="49" charset="0"/>
                 <a:cs typeface="Courier New" panose="02070309020205020404" pitchFamily="49" charset="0"/>
               </a:rPr>
@@ -6360,21 +6634,21 @@
           </a:p>
           <a:p>
             <a:r>
-              <a:rPr lang="en-US" sz="1400" dirty="0">
+              <a:rPr lang="en-US" sz="1400">
                 <a:latin typeface="Courier New" panose="02070309020205020404" pitchFamily="49" charset="0"/>
                 <a:cs typeface="Courier New" panose="02070309020205020404" pitchFamily="49" charset="0"/>
               </a:rPr>
               <a:t>    </a:t>
             </a:r>
             <a:r>
-              <a:rPr lang="en-US" sz="1400" dirty="0" err="1">
+              <a:rPr lang="en-US" sz="1400" err="1">
                 <a:latin typeface="Courier New" panose="02070309020205020404" pitchFamily="49" charset="0"/>
                 <a:cs typeface="Courier New" panose="02070309020205020404" pitchFamily="49" charset="0"/>
               </a:rPr>
               <a:t>myComponent.drawScreen</a:t>
             </a:r>
             <a:r>
-              <a:rPr lang="en-US" sz="1400" dirty="0">
+              <a:rPr lang="en-US" sz="1400">
                 <a:latin typeface="Courier New" panose="02070309020205020404" pitchFamily="49" charset="0"/>
                 <a:cs typeface="Courier New" panose="02070309020205020404" pitchFamily="49" charset="0"/>
               </a:rPr>
@@ -6383,7 +6657,7 @@
           </a:p>
           <a:p>
             <a:r>
-              <a:rPr lang="en-US" sz="1400" dirty="0">
+              <a:rPr lang="en-US" sz="1400">
                 <a:latin typeface="Courier New" panose="02070309020205020404" pitchFamily="49" charset="0"/>
                 <a:cs typeface="Courier New" panose="02070309020205020404" pitchFamily="49" charset="0"/>
               </a:rPr>
@@ -6464,7 +6738,7 @@
           <a:lstStyle/>
           <a:p>
             <a:r>
-              <a:rPr lang="en-US" dirty="0"/>
+              <a:rPr lang="en-US"/>
               <a:t>Each tick of the Timer</a:t>
             </a:r>
           </a:p>
@@ -6621,42 +6895,42 @@
           <a:lstStyle/>
           <a:p>
             <a:r>
-              <a:rPr lang="en-US" sz="1400" b="1" dirty="0">
+              <a:rPr lang="en-US" sz="1400" b="1">
                 <a:latin typeface="Courier New" panose="02070309020205020404" pitchFamily="49" charset="0"/>
                 <a:cs typeface="Courier New" panose="02070309020205020404" pitchFamily="49" charset="0"/>
               </a:rPr>
               <a:t>public</a:t>
             </a:r>
             <a:r>
-              <a:rPr lang="en-US" sz="1400" dirty="0">
+              <a:rPr lang="en-US" sz="1400">
                 <a:latin typeface="Courier New" panose="02070309020205020404" pitchFamily="49" charset="0"/>
                 <a:cs typeface="Courier New" panose="02070309020205020404" pitchFamily="49" charset="0"/>
               </a:rPr>
               <a:t> </a:t>
             </a:r>
             <a:r>
-              <a:rPr lang="en-US" sz="1400" b="1" dirty="0">
+              <a:rPr lang="en-US" sz="1400" b="1">
                 <a:latin typeface="Courier New" panose="02070309020205020404" pitchFamily="49" charset="0"/>
                 <a:cs typeface="Courier New" panose="02070309020205020404" pitchFamily="49" charset="0"/>
               </a:rPr>
               <a:t>void</a:t>
             </a:r>
             <a:r>
-              <a:rPr lang="en-US" sz="1400" dirty="0">
+              <a:rPr lang="en-US" sz="1400">
                 <a:latin typeface="Courier New" panose="02070309020205020404" pitchFamily="49" charset="0"/>
                 <a:cs typeface="Courier New" panose="02070309020205020404" pitchFamily="49" charset="0"/>
               </a:rPr>
               <a:t> </a:t>
             </a:r>
             <a:r>
-              <a:rPr lang="en-US" sz="1400" dirty="0" err="1">
+              <a:rPr lang="en-US" sz="1400" err="1">
                 <a:latin typeface="Courier New" panose="02070309020205020404" pitchFamily="49" charset="0"/>
                 <a:cs typeface="Courier New" panose="02070309020205020404" pitchFamily="49" charset="0"/>
               </a:rPr>
               <a:t>advanceOneTick</a:t>
             </a:r>
             <a:r>
-              <a:rPr lang="en-US" sz="1400" dirty="0">
+              <a:rPr lang="en-US" sz="1400">
                 <a:latin typeface="Courier New" panose="02070309020205020404" pitchFamily="49" charset="0"/>
                 <a:cs typeface="Courier New" panose="02070309020205020404" pitchFamily="49" charset="0"/>
               </a:rPr>
@@ -6665,21 +6939,21 @@
           </a:p>
           <a:p>
             <a:r>
-              <a:rPr lang="en-US" sz="1400" dirty="0">
+              <a:rPr lang="en-US" sz="1400">
                 <a:latin typeface="Courier New" panose="02070309020205020404" pitchFamily="49" charset="0"/>
                 <a:cs typeface="Courier New" panose="02070309020205020404" pitchFamily="49" charset="0"/>
               </a:rPr>
               <a:t>    </a:t>
             </a:r>
             <a:r>
-              <a:rPr lang="en-US" sz="1400" dirty="0" err="1">
+              <a:rPr lang="en-US" sz="1400" err="1">
                 <a:latin typeface="Courier New" panose="02070309020205020404" pitchFamily="49" charset="0"/>
                 <a:cs typeface="Courier New" panose="02070309020205020404" pitchFamily="49" charset="0"/>
               </a:rPr>
               <a:t>myComponent.updateState</a:t>
             </a:r>
             <a:r>
-              <a:rPr lang="en-US" sz="1400" dirty="0">
+              <a:rPr lang="en-US" sz="1400">
                 <a:latin typeface="Courier New" panose="02070309020205020404" pitchFamily="49" charset="0"/>
                 <a:cs typeface="Courier New" panose="02070309020205020404" pitchFamily="49" charset="0"/>
               </a:rPr>
@@ -6688,21 +6962,21 @@
           </a:p>
           <a:p>
             <a:r>
-              <a:rPr lang="en-US" sz="1400" dirty="0">
+              <a:rPr lang="en-US" sz="1400">
                 <a:latin typeface="Courier New" panose="02070309020205020404" pitchFamily="49" charset="0"/>
                 <a:cs typeface="Courier New" panose="02070309020205020404" pitchFamily="49" charset="0"/>
               </a:rPr>
               <a:t>    </a:t>
             </a:r>
             <a:r>
-              <a:rPr lang="en-US" sz="1400" dirty="0" err="1">
+              <a:rPr lang="en-US" sz="1400" err="1">
                 <a:latin typeface="Courier New" panose="02070309020205020404" pitchFamily="49" charset="0"/>
                 <a:cs typeface="Courier New" panose="02070309020205020404" pitchFamily="49" charset="0"/>
               </a:rPr>
               <a:t>myComponent.drawScreen</a:t>
             </a:r>
             <a:r>
-              <a:rPr lang="en-US" sz="1400" dirty="0">
+              <a:rPr lang="en-US" sz="1400">
                 <a:latin typeface="Courier New" panose="02070309020205020404" pitchFamily="49" charset="0"/>
                 <a:cs typeface="Courier New" panose="02070309020205020404" pitchFamily="49" charset="0"/>
               </a:rPr>
@@ -6711,7 +6985,7 @@
           </a:p>
           <a:p>
             <a:r>
-              <a:rPr lang="en-US" sz="1400" dirty="0">
+              <a:rPr lang="en-US" sz="1400">
                 <a:latin typeface="Courier New" panose="02070309020205020404" pitchFamily="49" charset="0"/>
                 <a:cs typeface="Courier New" panose="02070309020205020404" pitchFamily="49" charset="0"/>
               </a:rPr>
@@ -6757,42 +7031,42 @@
           <a:lstStyle/>
           <a:p>
             <a:r>
-              <a:rPr lang="en-US" sz="1400" b="1" dirty="0">
+              <a:rPr lang="en-US" sz="1400" b="1">
                 <a:latin typeface="Courier New" panose="02070309020205020404" pitchFamily="49" charset="0"/>
                 <a:cs typeface="Courier New" panose="02070309020205020404" pitchFamily="49" charset="0"/>
               </a:rPr>
               <a:t>public</a:t>
             </a:r>
             <a:r>
-              <a:rPr lang="en-US" sz="1400" dirty="0">
+              <a:rPr lang="en-US" sz="1400">
                 <a:latin typeface="Courier New" panose="02070309020205020404" pitchFamily="49" charset="0"/>
                 <a:cs typeface="Courier New" panose="02070309020205020404" pitchFamily="49" charset="0"/>
               </a:rPr>
               <a:t> </a:t>
             </a:r>
             <a:r>
-              <a:rPr lang="en-US" sz="1400" b="1" dirty="0">
+              <a:rPr lang="en-US" sz="1400" b="1">
                 <a:latin typeface="Courier New" panose="02070309020205020404" pitchFamily="49" charset="0"/>
                 <a:cs typeface="Courier New" panose="02070309020205020404" pitchFamily="49" charset="0"/>
               </a:rPr>
               <a:t>void</a:t>
             </a:r>
             <a:r>
-              <a:rPr lang="en-US" sz="1400" dirty="0">
+              <a:rPr lang="en-US" sz="1400">
                 <a:latin typeface="Courier New" panose="02070309020205020404" pitchFamily="49" charset="0"/>
                 <a:cs typeface="Courier New" panose="02070309020205020404" pitchFamily="49" charset="0"/>
               </a:rPr>
               <a:t> </a:t>
             </a:r>
             <a:r>
-              <a:rPr lang="en-US" sz="1400" dirty="0" err="1">
+              <a:rPr lang="en-US" sz="1400" err="1">
                 <a:latin typeface="Courier New" panose="02070309020205020404" pitchFamily="49" charset="0"/>
                 <a:cs typeface="Courier New" panose="02070309020205020404" pitchFamily="49" charset="0"/>
               </a:rPr>
               <a:t>advanceOneTick</a:t>
             </a:r>
             <a:r>
-              <a:rPr lang="en-US" sz="1400" dirty="0">
+              <a:rPr lang="en-US" sz="1400">
                 <a:latin typeface="Courier New" panose="02070309020205020404" pitchFamily="49" charset="0"/>
                 <a:cs typeface="Courier New" panose="02070309020205020404" pitchFamily="49" charset="0"/>
               </a:rPr>
@@ -6801,21 +7075,21 @@
           </a:p>
           <a:p>
             <a:r>
-              <a:rPr lang="en-US" sz="1400" dirty="0">
+              <a:rPr lang="en-US" sz="1400">
                 <a:latin typeface="Courier New" panose="02070309020205020404" pitchFamily="49" charset="0"/>
                 <a:cs typeface="Courier New" panose="02070309020205020404" pitchFamily="49" charset="0"/>
               </a:rPr>
               <a:t>    </a:t>
             </a:r>
             <a:r>
-              <a:rPr lang="en-US" sz="1400" dirty="0" err="1">
+              <a:rPr lang="en-US" sz="1400" err="1">
                 <a:latin typeface="Courier New" panose="02070309020205020404" pitchFamily="49" charset="0"/>
                 <a:cs typeface="Courier New" panose="02070309020205020404" pitchFamily="49" charset="0"/>
               </a:rPr>
               <a:t>myComponent.updateState</a:t>
             </a:r>
             <a:r>
-              <a:rPr lang="en-US" sz="1400" dirty="0">
+              <a:rPr lang="en-US" sz="1400">
                 <a:latin typeface="Courier New" panose="02070309020205020404" pitchFamily="49" charset="0"/>
                 <a:cs typeface="Courier New" panose="02070309020205020404" pitchFamily="49" charset="0"/>
               </a:rPr>
@@ -6824,21 +7098,21 @@
           </a:p>
           <a:p>
             <a:r>
-              <a:rPr lang="en-US" sz="1400" dirty="0">
+              <a:rPr lang="en-US" sz="1400">
                 <a:latin typeface="Courier New" panose="02070309020205020404" pitchFamily="49" charset="0"/>
                 <a:cs typeface="Courier New" panose="02070309020205020404" pitchFamily="49" charset="0"/>
               </a:rPr>
               <a:t>    </a:t>
             </a:r>
             <a:r>
-              <a:rPr lang="en-US" sz="1400" dirty="0" err="1">
+              <a:rPr lang="en-US" sz="1400" err="1">
                 <a:latin typeface="Courier New" panose="02070309020205020404" pitchFamily="49" charset="0"/>
                 <a:cs typeface="Courier New" panose="02070309020205020404" pitchFamily="49" charset="0"/>
               </a:rPr>
               <a:t>myComponent.drawScreen</a:t>
             </a:r>
             <a:r>
-              <a:rPr lang="en-US" sz="1400" dirty="0">
+              <a:rPr lang="en-US" sz="1400">
                 <a:latin typeface="Courier New" panose="02070309020205020404" pitchFamily="49" charset="0"/>
                 <a:cs typeface="Courier New" panose="02070309020205020404" pitchFamily="49" charset="0"/>
               </a:rPr>
@@ -6847,7 +7121,7 @@
           </a:p>
           <a:p>
             <a:r>
-              <a:rPr lang="en-US" sz="1400" dirty="0">
+              <a:rPr lang="en-US" sz="1400">
                 <a:latin typeface="Courier New" panose="02070309020205020404" pitchFamily="49" charset="0"/>
                 <a:cs typeface="Courier New" panose="02070309020205020404" pitchFamily="49" charset="0"/>
               </a:rPr>
@@ -6929,7 +7203,7 @@
           <a:lstStyle/>
           <a:p>
             <a:r>
-              <a:rPr lang="en-US" dirty="0"/>
+              <a:rPr lang="en-US"/>
               <a:t>Time</a:t>
             </a:r>
           </a:p>
@@ -6939,100 +7213,6 @@
     <p:extLst>
       <p:ext uri="{BB962C8B-B14F-4D97-AF65-F5344CB8AC3E}">
         <p14:creationId xmlns:p14="http://schemas.microsoft.com/office/powerpoint/2010/main" val="553843822"/>
-      </p:ext>
-    </p:extLst>
-  </p:cSld>
-  <p:clrMapOvr>
-    <a:masterClrMapping/>
-  </p:clrMapOvr>
-</p:sld>
-</file>
-
-<file path=ppt/slides/slide11.xml><?xml version="1.0" encoding="utf-8"?>
-<p:sld xmlns:a="http://schemas.openxmlformats.org/drawingml/2006/main" xmlns:r="http://schemas.openxmlformats.org/officeDocument/2006/relationships" xmlns:p="http://schemas.openxmlformats.org/presentationml/2006/main">
-  <p:cSld>
-    <p:spTree>
-      <p:nvGrpSpPr>
-        <p:cNvPr id="1" name=""/>
-        <p:cNvGrpSpPr/>
-        <p:nvPr/>
-      </p:nvGrpSpPr>
-      <p:grpSpPr>
-        <a:xfrm>
-          <a:off x="0" y="0"/>
-          <a:ext cx="0" cy="0"/>
-          <a:chOff x="0" y="0"/>
-          <a:chExt cx="0" cy="0"/>
-        </a:xfrm>
-      </p:grpSpPr>
-      <p:sp>
-        <p:nvSpPr>
-          <p:cNvPr id="2" name="Title 1"/>
-          <p:cNvSpPr>
-            <a:spLocks noGrp="1"/>
-          </p:cNvSpPr>
-          <p:nvPr>
-            <p:ph type="title"/>
-          </p:nvPr>
-        </p:nvSpPr>
-        <p:spPr/>
-        <p:txBody>
-          <a:bodyPr/>
-          <a:lstStyle/>
-          <a:p>
-            <a:r>
-              <a:rPr lang="en-US" dirty="0"/>
-              <a:t>Live-coding</a:t>
-            </a:r>
-          </a:p>
-        </p:txBody>
-      </p:sp>
-      <p:sp>
-        <p:nvSpPr>
-          <p:cNvPr id="3" name="Content Placeholder 2"/>
-          <p:cNvSpPr>
-            <a:spLocks noGrp="1"/>
-          </p:cNvSpPr>
-          <p:nvPr>
-            <p:ph idx="1"/>
-          </p:nvPr>
-        </p:nvSpPr>
-        <p:spPr/>
-        <p:txBody>
-          <a:bodyPr/>
-          <a:lstStyle/>
-          <a:p>
-            <a:r>
-              <a:rPr lang="en-US" dirty="0"/>
-              <a:t>Today's import: </a:t>
-            </a:r>
-            <a:r>
-              <a:rPr lang="en-US" i="1" dirty="0" err="1"/>
-              <a:t>PracticeEventBasedGameLoop</a:t>
-            </a:r>
-            <a:endParaRPr lang="en-US" i="1" dirty="0"/>
-          </a:p>
-          <a:p>
-            <a:r>
-              <a:rPr lang="en-US" dirty="0" err="1"/>
-              <a:t>Subpackage</a:t>
-            </a:r>
-            <a:r>
-              <a:rPr lang="en-US" dirty="0"/>
-              <a:t>: </a:t>
-            </a:r>
-            <a:r>
-              <a:rPr lang="en-US" i="1" dirty="0" err="1"/>
-              <a:t>game_event_loop</a:t>
-            </a:r>
-            <a:endParaRPr lang="en-US" dirty="0"/>
-          </a:p>
-        </p:txBody>
-      </p:sp>
-    </p:spTree>
-    <p:extLst>
-      <p:ext uri="{BB962C8B-B14F-4D97-AF65-F5344CB8AC3E}">
-        <p14:creationId xmlns:p14="http://schemas.microsoft.com/office/powerpoint/2010/main" val="3256047851"/>
       </p:ext>
     </p:extLst>
   </p:cSld>
@@ -7069,21 +7249,14 @@
             <p:ph type="title"/>
           </p:nvPr>
         </p:nvSpPr>
-        <p:spPr>
-          <a:xfrm>
-            <a:off x="457200" y="274638"/>
-            <a:ext cx="8229600" cy="411162"/>
-          </a:xfrm>
-        </p:spPr>
-        <p:txBody>
-          <a:bodyPr>
-            <a:normAutofit fontScale="90000"/>
-          </a:bodyPr>
+        <p:spPr/>
+        <p:txBody>
+          <a:bodyPr/>
           <a:lstStyle/>
           <a:p>
             <a:r>
-              <a:rPr lang="en-US" sz="2400" b="1" dirty="0"/>
-              <a:t>M0: UML Class Diagram &amp; Shared Calendar Setup (50 points)</a:t>
+              <a:rPr lang="en-US"/>
+              <a:t>Live-coding</a:t>
             </a:r>
           </a:p>
         </p:txBody>
@@ -7098,227 +7271,42 @@
             <p:ph idx="1"/>
           </p:nvPr>
         </p:nvSpPr>
-        <p:spPr>
-          <a:xfrm>
-            <a:off x="457200" y="762000"/>
-            <a:ext cx="8458200" cy="5943600"/>
-          </a:xfrm>
-        </p:spPr>
-        <p:txBody>
-          <a:bodyPr>
-            <a:normAutofit fontScale="47500" lnSpcReduction="20000"/>
-          </a:bodyPr>
+        <p:spPr/>
+        <p:txBody>
+          <a:bodyPr/>
           <a:lstStyle/>
           <a:p>
-            <a:pPr marL="0" indent="0">
-              <a:buNone/>
-            </a:pPr>
-            <a:r>
-              <a:rPr lang="en-US" i="1" dirty="0"/>
-              <a:t>To earn 100% for M0 </a:t>
-            </a:r>
-            <a:endParaRPr lang="en-US" dirty="0"/>
-          </a:p>
-          <a:p>
-            <a:pPr lvl="0"/>
-            <a:r>
-              <a:rPr lang="en-US" i="1" dirty="0"/>
-              <a:t>You must complete Steps 1 – 5 (below)</a:t>
-            </a:r>
-            <a:endParaRPr lang="en-US" dirty="0"/>
-          </a:p>
-          <a:p>
-            <a:pPr lvl="0"/>
-            <a:r>
-              <a:rPr lang="en-US" i="1" dirty="0"/>
-              <a:t>Your UML diagram should look at least somewhat like the provided examples – see Appendix A</a:t>
-            </a:r>
-            <a:endParaRPr lang="en-US" dirty="0"/>
-          </a:p>
-          <a:p>
-            <a:pPr marL="0" indent="0">
-              <a:buNone/>
-            </a:pPr>
-            <a:endParaRPr lang="en-US" dirty="0"/>
-          </a:p>
-          <a:p>
-            <a:pPr marL="0" indent="0">
-              <a:buNone/>
-            </a:pPr>
-            <a:r>
-              <a:rPr lang="en-US" b="1" dirty="0"/>
-              <a:t>Step 1 – (10%) Set up your shared calendar</a:t>
-            </a:r>
-            <a:endParaRPr lang="en-US" dirty="0"/>
-          </a:p>
-          <a:p>
-            <a:pPr lvl="0"/>
-            <a:r>
-              <a:rPr lang="en-US" dirty="0"/>
-              <a:t>See Section 2.1 (above) of </a:t>
-            </a:r>
-            <a:r>
-              <a:rPr lang="en-US" dirty="0" err="1"/>
-              <a:t>ArcadeGame.docx</a:t>
-            </a:r>
-            <a:r>
-              <a:rPr lang="en-US" dirty="0"/>
-              <a:t> for instructions</a:t>
-            </a:r>
-          </a:p>
-          <a:p>
-            <a:pPr marL="0" indent="0">
-              <a:buNone/>
-            </a:pPr>
-            <a:r>
-              <a:rPr lang="en-US" b="1" dirty="0"/>
-              <a:t>Step 2 – Brainstorm possible classes</a:t>
-            </a:r>
-            <a:endParaRPr lang="en-US" dirty="0"/>
-          </a:p>
-          <a:p>
-            <a:pPr lvl="0"/>
-            <a:r>
-              <a:rPr lang="en-US" dirty="0"/>
-              <a:t>We suggest that you will come up with about 6 to 10 classes, but more are certainly possible </a:t>
-            </a:r>
-          </a:p>
-          <a:p>
-            <a:pPr marL="0" indent="0">
-              <a:buNone/>
-            </a:pPr>
-            <a:r>
-              <a:rPr lang="en-US" b="1" dirty="0"/>
-              <a:t>Step 3 – (60%) Assign responsibilities to classes</a:t>
-            </a:r>
-            <a:endParaRPr lang="en-US" dirty="0"/>
-          </a:p>
-          <a:p>
-            <a:pPr lvl="0"/>
-            <a:r>
-              <a:rPr lang="en-US" dirty="0"/>
-              <a:t>Determine how classes need to collaborate to carry out those responsibilities, and what responsibilities those collaborating classes need to have. </a:t>
-            </a:r>
-          </a:p>
-          <a:p>
-            <a:pPr lvl="0"/>
-            <a:r>
-              <a:rPr lang="en-US" dirty="0"/>
-              <a:t>Will inheritance or interfaces help you to organize the responsibilities? </a:t>
-            </a:r>
-          </a:p>
-          <a:p>
-            <a:pPr lvl="0"/>
-            <a:r>
-              <a:rPr lang="en-US" dirty="0"/>
-              <a:t>Keep iterating through this step until all the program’s responsibilities have been assigned to classes. </a:t>
-            </a:r>
-          </a:p>
-          <a:p>
-            <a:pPr lvl="0"/>
-            <a:r>
-              <a:rPr lang="en-US" dirty="0"/>
-              <a:t>Reference Appendix A examples</a:t>
-            </a:r>
-          </a:p>
-          <a:p>
-            <a:pPr marL="0" indent="0">
-              <a:buNone/>
-            </a:pPr>
-            <a:r>
-              <a:rPr lang="en-US" b="1" dirty="0"/>
-              <a:t>Step 4 – (30%) Construct a UML class diagram based on Steps 1 and 2</a:t>
-            </a:r>
-            <a:endParaRPr lang="en-US" dirty="0"/>
-          </a:p>
-          <a:p>
-            <a:pPr lvl="0"/>
-            <a:r>
-              <a:rPr lang="en-US" dirty="0"/>
-              <a:t>Your diagram MUST be computer generated – use </a:t>
-            </a:r>
-            <a:r>
-              <a:rPr lang="en-US" dirty="0" err="1"/>
-              <a:t>PlantUML</a:t>
-            </a:r>
-            <a:endParaRPr lang="en-US" dirty="0"/>
-          </a:p>
-          <a:p>
-            <a:pPr lvl="0"/>
-            <a:r>
-              <a:rPr lang="en-US" dirty="0"/>
-              <a:t>Save your diagram as a PDF, JPG, PNG, or SVG file</a:t>
-            </a:r>
-          </a:p>
-          <a:p>
-            <a:pPr marL="0" indent="0">
-              <a:buNone/>
-            </a:pPr>
-            <a:r>
-              <a:rPr lang="en-US" b="1" dirty="0"/>
-              <a:t>Step 5 – Upload your UML class diagram to the Milestone 0 Moodle assignment</a:t>
-            </a:r>
-            <a:endParaRPr lang="en-US" dirty="0"/>
-          </a:p>
-          <a:p>
-            <a:pPr lvl="0"/>
-            <a:r>
-              <a:rPr lang="en-US" dirty="0"/>
-              <a:t>If you do not do this, then you earn zero percent for M0</a:t>
-            </a:r>
-          </a:p>
-          <a:p>
-            <a:pPr marL="0" indent="0">
-              <a:buNone/>
-            </a:pPr>
-            <a:r>
-              <a:rPr lang="en-US" b="1" dirty="0"/>
-              <a:t>Step 6 – Begin implementation</a:t>
-            </a:r>
-            <a:endParaRPr lang="en-US" dirty="0"/>
-          </a:p>
-          <a:p>
-            <a:pPr lvl="0"/>
-            <a:r>
-              <a:rPr lang="en-US" dirty="0"/>
-              <a:t>Create your classes, commenting and testing your code, milestone by milestone. </a:t>
-            </a:r>
-          </a:p>
-          <a:p>
-            <a:pPr lvl="0"/>
-            <a:r>
-              <a:rPr lang="en-US" dirty="0"/>
-              <a:t>You are always free to work ahead, e.g., if you finish Milestone 1, you can immediately move on to working on Milestone 2</a:t>
-            </a:r>
-          </a:p>
-          <a:p>
-            <a:r>
-              <a:rPr lang="en-US" dirty="0"/>
-              <a:t>Document your code as you go along – use </a:t>
-            </a:r>
-            <a:r>
-              <a:rPr lang="en-US" dirty="0" err="1"/>
-              <a:t>JavaDoc</a:t>
-            </a:r>
-            <a:r>
-              <a:rPr lang="en-US" dirty="0"/>
-              <a:t> comments as well as non-</a:t>
-            </a:r>
-            <a:r>
-              <a:rPr lang="en-US" dirty="0" err="1"/>
-              <a:t>JavaDoc</a:t>
-            </a:r>
-            <a:r>
-              <a:rPr lang="en-US" dirty="0"/>
-              <a:t> comments </a:t>
-            </a:r>
+            <a:r>
+              <a:rPr lang="en-US"/>
+              <a:t>Today's import: </a:t>
+            </a:r>
+            <a:r>
+              <a:rPr lang="en-US" i="1" err="1"/>
+              <a:t>PracticeEventBasedGameLoop</a:t>
+            </a:r>
+            <a:endParaRPr lang="en-US" i="1"/>
+          </a:p>
+          <a:p>
+            <a:r>
+              <a:rPr lang="en-US" err="1"/>
+              <a:t>Subpackage</a:t>
+            </a:r>
+            <a:r>
+              <a:rPr lang="en-US"/>
+              <a:t>: </a:t>
+            </a:r>
+            <a:r>
+              <a:rPr lang="en-US" i="1" err="1"/>
+              <a:t>gameEventLoop</a:t>
+            </a:r>
+            <a:endParaRPr lang="en-US"/>
           </a:p>
         </p:txBody>
       </p:sp>
     </p:spTree>
     <p:extLst>
       <p:ext uri="{BB962C8B-B14F-4D97-AF65-F5344CB8AC3E}">
-        <p14:creationId xmlns:p14="http://schemas.microsoft.com/office/powerpoint/2010/main" val="2952723959"/>
+        <p14:creationId xmlns:p14="http://schemas.microsoft.com/office/powerpoint/2010/main" val="3256047851"/>
       </p:ext>
     </p:extLst>
   </p:cSld>
@@ -7347,7 +7335,217 @@
       </p:grpSpPr>
       <p:sp>
         <p:nvSpPr>
-          <p:cNvPr id="3" name="Content Placeholder 2"/>
+          <p:cNvPr id="2" name="Title 1"/>
+          <p:cNvSpPr>
+            <a:spLocks noGrp="1"/>
+          </p:cNvSpPr>
+          <p:nvPr>
+            <p:ph type="title"/>
+          </p:nvPr>
+        </p:nvSpPr>
+        <p:spPr>
+          <a:xfrm>
+            <a:off x="457200" y="274638"/>
+            <a:ext cx="8229600" cy="411162"/>
+          </a:xfrm>
+        </p:spPr>
+        <p:txBody>
+          <a:bodyPr>
+            <a:normAutofit fontScale="90000"/>
+          </a:bodyPr>
+          <a:lstStyle/>
+          <a:p>
+            <a:r>
+              <a:rPr lang="en-US" sz="2400" b="1"/>
+              <a:t>M0: UML Class Diagram &amp; Shared Calendar Setup (50 points)</a:t>
+            </a:r>
+          </a:p>
+        </p:txBody>
+      </p:sp>
+      <p:pic>
+        <p:nvPicPr>
+          <p:cNvPr id="13" name="Picture 12">
+            <a:extLst>
+              <a:ext uri="{FF2B5EF4-FFF2-40B4-BE49-F238E27FC236}">
+                <a16:creationId xmlns:a16="http://schemas.microsoft.com/office/drawing/2014/main" id="{081CA7F6-9CA6-970E-64B1-AD2F418C22A0}"/>
+              </a:ext>
+            </a:extLst>
+          </p:cNvPr>
+          <p:cNvPicPr>
+            <a:picLocks noChangeAspect="1"/>
+          </p:cNvPicPr>
+          <p:nvPr/>
+        </p:nvPicPr>
+        <p:blipFill rotWithShape="1">
+          <a:blip r:embed="rId3"/>
+          <a:srcRect b="62222"/>
+          <a:stretch/>
+        </p:blipFill>
+        <p:spPr>
+          <a:xfrm>
+            <a:off x="304778" y="1066800"/>
+            <a:ext cx="8534443" cy="3467100"/>
+          </a:xfrm>
+          <a:prstGeom prst="rect">
+            <a:avLst/>
+          </a:prstGeom>
+        </p:spPr>
+      </p:pic>
+    </p:spTree>
+    <p:extLst>
+      <p:ext uri="{BB962C8B-B14F-4D97-AF65-F5344CB8AC3E}">
+        <p14:creationId xmlns:p14="http://schemas.microsoft.com/office/powerpoint/2010/main" val="2952723959"/>
+      </p:ext>
+    </p:extLst>
+  </p:cSld>
+  <p:clrMapOvr>
+    <a:masterClrMapping/>
+  </p:clrMapOvr>
+</p:sld>
+</file>
+
+<file path=ppt/slides/slide14.xml><?xml version="1.0" encoding="utf-8"?>
+<p:sld xmlns:a="http://schemas.openxmlformats.org/drawingml/2006/main" xmlns:r="http://schemas.openxmlformats.org/officeDocument/2006/relationships" xmlns:p="http://schemas.openxmlformats.org/presentationml/2006/main">
+  <p:cSld>
+    <p:spTree>
+      <p:nvGrpSpPr>
+        <p:cNvPr id="1" name=""/>
+        <p:cNvGrpSpPr/>
+        <p:nvPr/>
+      </p:nvGrpSpPr>
+      <p:grpSpPr>
+        <a:xfrm>
+          <a:off x="0" y="0"/>
+          <a:ext cx="0" cy="0"/>
+          <a:chOff x="0" y="0"/>
+          <a:chExt cx="0" cy="0"/>
+        </a:xfrm>
+      </p:grpSpPr>
+      <p:sp>
+        <p:nvSpPr>
+          <p:cNvPr id="2" name="Title 1"/>
+          <p:cNvSpPr>
+            <a:spLocks noGrp="1"/>
+          </p:cNvSpPr>
+          <p:nvPr>
+            <p:ph type="title"/>
+          </p:nvPr>
+        </p:nvSpPr>
+        <p:spPr>
+          <a:xfrm>
+            <a:off x="457200" y="274638"/>
+            <a:ext cx="8229600" cy="411162"/>
+          </a:xfrm>
+        </p:spPr>
+        <p:txBody>
+          <a:bodyPr>
+            <a:normAutofit fontScale="90000"/>
+          </a:bodyPr>
+          <a:lstStyle/>
+          <a:p>
+            <a:r>
+              <a:rPr lang="en-US" sz="2400" b="1"/>
+              <a:t>M0: UML Class Diagram &amp; Shared Calendar Setup (50 points)</a:t>
+            </a:r>
+          </a:p>
+        </p:txBody>
+      </p:sp>
+      <p:pic>
+        <p:nvPicPr>
+          <p:cNvPr id="3" name="Picture 2">
+            <a:extLst>
+              <a:ext uri="{FF2B5EF4-FFF2-40B4-BE49-F238E27FC236}">
+                <a16:creationId xmlns:a16="http://schemas.microsoft.com/office/drawing/2014/main" id="{24AA5F40-7A23-B166-41EC-80D572EEBD7A}"/>
+              </a:ext>
+            </a:extLst>
+          </p:cNvPr>
+          <p:cNvPicPr>
+            <a:picLocks noChangeAspect="1"/>
+          </p:cNvPicPr>
+          <p:nvPr/>
+        </p:nvPicPr>
+        <p:blipFill rotWithShape="1">
+          <a:blip r:embed="rId3"/>
+          <a:srcRect t="37778"/>
+          <a:stretch/>
+        </p:blipFill>
+        <p:spPr>
+          <a:xfrm>
+            <a:off x="533400" y="990600"/>
+            <a:ext cx="7848600" cy="5251610"/>
+          </a:xfrm>
+          <a:prstGeom prst="rect">
+            <a:avLst/>
+          </a:prstGeom>
+        </p:spPr>
+      </p:pic>
+    </p:spTree>
+    <p:extLst>
+      <p:ext uri="{BB962C8B-B14F-4D97-AF65-F5344CB8AC3E}">
+        <p14:creationId xmlns:p14="http://schemas.microsoft.com/office/powerpoint/2010/main" val="2131883320"/>
+      </p:ext>
+    </p:extLst>
+  </p:cSld>
+  <p:clrMapOvr>
+    <a:masterClrMapping/>
+  </p:clrMapOvr>
+</p:sld>
+</file>
+
+<file path=ppt/slides/slide15.xml><?xml version="1.0" encoding="utf-8"?>
+<p:sld xmlns:a="http://schemas.openxmlformats.org/drawingml/2006/main" xmlns:r="http://schemas.openxmlformats.org/officeDocument/2006/relationships" xmlns:p="http://schemas.openxmlformats.org/presentationml/2006/main">
+  <p:cSld>
+    <p:spTree>
+      <p:nvGrpSpPr>
+        <p:cNvPr id="1" name=""/>
+        <p:cNvGrpSpPr/>
+        <p:nvPr/>
+      </p:nvGrpSpPr>
+      <p:grpSpPr>
+        <a:xfrm>
+          <a:off x="0" y="0"/>
+          <a:ext cx="0" cy="0"/>
+          <a:chOff x="0" y="0"/>
+          <a:chExt cx="0" cy="0"/>
+        </a:xfrm>
+      </p:grpSpPr>
+      <p:sp>
+        <p:nvSpPr>
+          <p:cNvPr id="2" name="Title 1">
+            <a:extLst>
+              <a:ext uri="{FF2B5EF4-FFF2-40B4-BE49-F238E27FC236}">
+                <a16:creationId xmlns:a16="http://schemas.microsoft.com/office/drawing/2014/main" id="{506818F5-7CDD-A328-A339-4C6EB00BE488}"/>
+              </a:ext>
+            </a:extLst>
+          </p:cNvPr>
+          <p:cNvSpPr>
+            <a:spLocks noGrp="1"/>
+          </p:cNvSpPr>
+          <p:nvPr>
+            <p:ph type="title"/>
+          </p:nvPr>
+        </p:nvSpPr>
+        <p:spPr/>
+        <p:txBody>
+          <a:bodyPr/>
+          <a:lstStyle/>
+          <a:p>
+            <a:r>
+              <a:rPr lang="en-US"/>
+              <a:t>Plan your first meeting NOW!</a:t>
+            </a:r>
+          </a:p>
+        </p:txBody>
+      </p:sp>
+      <p:sp>
+        <p:nvSpPr>
+          <p:cNvPr id="3" name="Content Placeholder 2">
+            <a:extLst>
+              <a:ext uri="{FF2B5EF4-FFF2-40B4-BE49-F238E27FC236}">
+                <a16:creationId xmlns:a16="http://schemas.microsoft.com/office/drawing/2014/main" id="{E1750474-BC74-3C5D-3638-49A20B18DD0B}"/>
+              </a:ext>
+            </a:extLst>
+          </p:cNvPr>
           <p:cNvSpPr>
             <a:spLocks noGrp="1"/>
           </p:cNvSpPr>
@@ -7357,172 +7555,165 @@
         </p:nvSpPr>
         <p:spPr>
           <a:xfrm>
-            <a:off x="457200" y="838200"/>
-            <a:ext cx="8229600" cy="5287963"/>
+            <a:off x="266700" y="1600200"/>
+            <a:ext cx="8610600" cy="4525963"/>
           </a:xfrm>
         </p:spPr>
         <p:txBody>
-          <a:bodyPr>
-            <a:noAutofit/>
+          <a:bodyPr vert="horz" lIns="91440" tIns="45720" rIns="91440" bIns="45720" rtlCol="0" anchor="t">
+            <a:normAutofit/>
           </a:bodyPr>
           <a:lstStyle/>
           <a:p>
-            <a:pPr marL="0" indent="0">
-              <a:buNone/>
-            </a:pPr>
-            <a:r>
-              <a:rPr lang="en-US" sz="1500" i="1" dirty="0"/>
-              <a:t>Functionality required to earn a 100% for M1</a:t>
-            </a:r>
-            <a:endParaRPr lang="en-US" sz="1500" dirty="0"/>
-          </a:p>
-          <a:p>
-            <a:pPr lvl="0"/>
-            <a:r>
-              <a:rPr lang="en-US" sz="1500" i="1" dirty="0"/>
-              <a:t>At the least, M1 Items 1 – 4 (listed below)</a:t>
-            </a:r>
-            <a:endParaRPr lang="en-US" sz="1500" dirty="0"/>
-          </a:p>
-          <a:p>
-            <a:pPr lvl="0"/>
-            <a:r>
-              <a:rPr lang="en-US" sz="1500" i="1" dirty="0"/>
-              <a:t>Successful completion of all M1 Items (1 through 6) at M1 grading time will be noted </a:t>
-            </a:r>
-            <a:br>
-              <a:rPr lang="en-US" sz="1500" i="1" dirty="0"/>
-            </a:br>
-            <a:r>
-              <a:rPr lang="en-US" sz="1500" i="1" dirty="0"/>
-              <a:t>This successful completion has potential to benefit your overall grade for the project</a:t>
-            </a:r>
-            <a:endParaRPr lang="en-US" sz="1500" dirty="0"/>
-          </a:p>
-          <a:p>
-            <a:pPr marL="0" indent="0">
-              <a:buNone/>
-            </a:pPr>
-            <a:r>
-              <a:rPr lang="en-US" sz="1500" dirty="0"/>
-              <a:t> </a:t>
-            </a:r>
-          </a:p>
-          <a:p>
-            <a:pPr marL="350838" lvl="0" indent="-296863">
-              <a:buFont typeface="+mj-lt"/>
-              <a:buAutoNum type="arabicPeriod"/>
-            </a:pPr>
-            <a:r>
-              <a:rPr lang="en-US" sz="1500" dirty="0"/>
-              <a:t>(Failure to do this step is </a:t>
-            </a:r>
-            <a:r>
-              <a:rPr lang="en-US" sz="1500" dirty="0">
-                <a:sym typeface="Symbol" pitchFamily="2" charset="2"/>
-              </a:rPr>
-              <a:t></a:t>
-            </a:r>
-            <a:r>
-              <a:rPr lang="en-US" sz="1500" dirty="0"/>
-              <a:t>100% for M1) Follow the instructions to rename your project, e.g., if your team’s name is “A_039”, rename from </a:t>
-            </a:r>
-            <a:r>
-              <a:rPr lang="en-US" sz="1500" i="1" dirty="0"/>
-              <a:t>ArcadeGameGit-00</a:t>
-            </a:r>
-            <a:r>
-              <a:rPr lang="en-US" sz="1500" dirty="0"/>
-              <a:t> to </a:t>
-            </a:r>
-            <a:r>
-              <a:rPr lang="en-US" sz="1500" i="1" dirty="0"/>
-              <a:t>ArcadeGameGit-A_039</a:t>
-            </a:r>
-            <a:endParaRPr lang="en-US" sz="1500" dirty="0"/>
-          </a:p>
-          <a:p>
-            <a:pPr marL="350838" lvl="0" indent="-296863">
-              <a:buFont typeface="+mj-lt"/>
-              <a:buAutoNum type="arabicPeriod"/>
-            </a:pPr>
-            <a:r>
-              <a:rPr lang="en-US" sz="1500" dirty="0"/>
-              <a:t>(30% toward M1) The initial game level (Level 1) must load from a file and be displayed by the app</a:t>
-            </a:r>
-          </a:p>
-          <a:p>
-            <a:pPr marL="350838" lvl="0" indent="-296863">
-              <a:buFont typeface="+mj-lt"/>
-              <a:buAutoNum type="arabicPeriod"/>
-            </a:pPr>
-            <a:r>
-              <a:rPr lang="en-US" sz="1500" dirty="0"/>
-              <a:t>(35% toward M1) Left and right movement by the hero controlled by the user using the left and right arrow keys</a:t>
-            </a:r>
-          </a:p>
-          <a:p>
-            <a:pPr marL="350838" lvl="0" indent="-296863">
-              <a:buFont typeface="+mj-lt"/>
-              <a:buAutoNum type="arabicPeriod"/>
-            </a:pPr>
-            <a:r>
-              <a:rPr lang="en-US" sz="1500" dirty="0"/>
-              <a:t>(35% toward M1) Up (flying) movement by the hero controlled by the user using the up-arrow key</a:t>
-            </a:r>
-          </a:p>
-          <a:p>
-            <a:pPr marL="525463" lvl="1" indent="-296863"/>
-            <a:r>
-              <a:rPr lang="en-US" sz="1500" dirty="0"/>
-              <a:t>No automatic movement by your software required for this milestone, this includes falling</a:t>
-            </a:r>
-          </a:p>
-          <a:p>
-            <a:pPr marL="525463" lvl="1" indent="-296863"/>
-            <a:r>
-              <a:rPr lang="en-US" sz="1500" dirty="0"/>
-              <a:t>No </a:t>
-            </a:r>
-            <a:r>
-              <a:rPr lang="en-US" sz="1500" i="1" dirty="0"/>
-              <a:t>diagonal</a:t>
-            </a:r>
-            <a:r>
-              <a:rPr lang="en-US" sz="1500" dirty="0"/>
-              <a:t> movement by hero is required for this milestone, this movement combines left/right movement </a:t>
-            </a:r>
-            <a:r>
-              <a:rPr lang="en-US" sz="1500" i="1" dirty="0"/>
-              <a:t>simultaneously with</a:t>
-            </a:r>
-            <a:r>
-              <a:rPr lang="en-US" sz="1500" dirty="0"/>
-              <a:t> up movement </a:t>
-            </a:r>
-          </a:p>
-          <a:p>
-            <a:pPr marL="350838" lvl="0" indent="-296863">
-              <a:buFont typeface="+mj-lt"/>
-              <a:buAutoNum type="arabicPeriod"/>
-            </a:pPr>
-            <a:r>
-              <a:rPr lang="en-US" sz="1500" dirty="0"/>
-              <a:t>(5% toward M2) Two different levels (Level 1 and Level 2) can be loaded from their respective files</a:t>
-            </a:r>
-          </a:p>
-          <a:p>
-            <a:pPr marL="350838" indent="-296863">
-              <a:buFont typeface="+mj-lt"/>
-              <a:buAutoNum type="arabicPeriod"/>
-            </a:pPr>
-            <a:r>
-              <a:rPr lang="en-US" sz="1500" dirty="0"/>
-              <a:t>(5% toward M2) Switching between levels by pressing the “U” (up) and “D” (down) keys on the keyboard </a:t>
-            </a:r>
-          </a:p>
-        </p:txBody>
-      </p:sp>
+            <a:r>
+              <a:rPr lang="en-US" dirty="0"/>
+              <a:t>What day?</a:t>
+            </a:r>
+          </a:p>
+          <a:p>
+            <a:r>
+              <a:rPr lang="en-US" dirty="0"/>
+              <a:t>What time?</a:t>
+            </a:r>
+            <a:endParaRPr lang="en-US" dirty="0">
+              <a:cs typeface="Calibri"/>
+            </a:endParaRPr>
+          </a:p>
+          <a:p>
+            <a:r>
+              <a:rPr lang="en-US" dirty="0"/>
+              <a:t>Where?</a:t>
+            </a:r>
+            <a:endParaRPr lang="en-US" dirty="0">
+              <a:cs typeface="Calibri"/>
+            </a:endParaRPr>
+          </a:p>
+          <a:p>
+            <a:r>
+              <a:rPr lang="en-US" dirty="0"/>
+              <a:t>Communication? (email/teams/txt/discord/</a:t>
+            </a:r>
+            <a:r>
+              <a:rPr lang="en-US" dirty="0" err="1"/>
+              <a:t>imleagues</a:t>
+            </a:r>
+            <a:r>
+              <a:rPr lang="en-US" dirty="0"/>
+              <a:t>/</a:t>
+            </a:r>
+            <a:r>
+              <a:rPr lang="en-US" dirty="0" err="1"/>
+              <a:t>etc</a:t>
+            </a:r>
+            <a:r>
+              <a:rPr lang="en-US" dirty="0"/>
+              <a:t>)</a:t>
+            </a:r>
+            <a:endParaRPr lang="en-US" dirty="0">
+              <a:cs typeface="Calibri"/>
+            </a:endParaRPr>
+          </a:p>
+          <a:p>
+            <a:r>
+              <a:rPr lang="en-US" dirty="0"/>
+              <a:t>Preparation beforehand?</a:t>
+            </a:r>
+            <a:endParaRPr lang="en-US" dirty="0">
+              <a:cs typeface="Calibri"/>
+            </a:endParaRPr>
+          </a:p>
+          <a:p>
+            <a:pPr lvl="1"/>
+            <a:r>
+              <a:rPr lang="en-US" dirty="0"/>
+              <a:t>I’d recommend people coming with their own list of suggested nouns</a:t>
+            </a:r>
+            <a:endParaRPr lang="en-US" dirty="0">
+              <a:cs typeface="Calibri"/>
+            </a:endParaRPr>
+          </a:p>
+          <a:p>
+            <a:endParaRPr lang="en-US"/>
+          </a:p>
+        </p:txBody>
+      </p:sp>
+      <p:pic>
+        <p:nvPicPr>
+          <p:cNvPr id="1028" name="Picture 4">
+            <a:extLst>
+              <a:ext uri="{FF2B5EF4-FFF2-40B4-BE49-F238E27FC236}">
+                <a16:creationId xmlns:a16="http://schemas.microsoft.com/office/drawing/2014/main" id="{56B28430-AE1F-71CC-FB82-AFD7621D6B3A}"/>
+              </a:ext>
+            </a:extLst>
+          </p:cNvPr>
+          <p:cNvPicPr>
+            <a:picLocks noChangeAspect="1" noChangeArrowheads="1"/>
+          </p:cNvPicPr>
+          <p:nvPr/>
+        </p:nvPicPr>
+        <p:blipFill>
+          <a:blip r:embed="rId2">
+            <a:extLst>
+              <a:ext uri="{28A0092B-C50C-407E-A947-70E740481C1C}">
+                <a14:useLocalDpi xmlns:a14="http://schemas.microsoft.com/office/drawing/2010/main" val="0"/>
+              </a:ext>
+            </a:extLst>
+          </a:blip>
+          <a:srcRect/>
+          <a:stretch>
+            <a:fillRect/>
+          </a:stretch>
+        </p:blipFill>
+        <p:spPr bwMode="auto">
+          <a:xfrm>
+            <a:off x="5092057" y="5430333"/>
+            <a:ext cx="3786808" cy="1514723"/>
+          </a:xfrm>
+          <a:prstGeom prst="rect">
+            <a:avLst/>
+          </a:prstGeom>
+          <a:noFill/>
+          <a:extLst>
+            <a:ext uri="{909E8E84-426E-40DD-AFC4-6F175D3DCCD1}">
+              <a14:hiddenFill xmlns:a14="http://schemas.microsoft.com/office/drawing/2010/main">
+                <a:solidFill>
+                  <a:srgbClr val="FFFFFF"/>
+                </a:solidFill>
+              </a14:hiddenFill>
+            </a:ext>
+          </a:extLst>
+        </p:spPr>
+      </p:pic>
+    </p:spTree>
+    <p:extLst>
+      <p:ext uri="{BB962C8B-B14F-4D97-AF65-F5344CB8AC3E}">
+        <p14:creationId xmlns:p14="http://schemas.microsoft.com/office/powerpoint/2010/main" val="190154878"/>
+      </p:ext>
+    </p:extLst>
+  </p:cSld>
+  <p:clrMapOvr>
+    <a:masterClrMapping/>
+  </p:clrMapOvr>
+</p:sld>
+</file>
+
+<file path=ppt/slides/slide16.xml><?xml version="1.0" encoding="utf-8"?>
+<p:sld xmlns:a="http://schemas.openxmlformats.org/drawingml/2006/main" xmlns:r="http://schemas.openxmlformats.org/officeDocument/2006/relationships" xmlns:p="http://schemas.openxmlformats.org/presentationml/2006/main">
+  <p:cSld>
+    <p:spTree>
+      <p:nvGrpSpPr>
+        <p:cNvPr id="1" name=""/>
+        <p:cNvGrpSpPr/>
+        <p:nvPr/>
+      </p:nvGrpSpPr>
+      <p:grpSpPr>
+        <a:xfrm>
+          <a:off x="0" y="0"/>
+          <a:ext cx="0" cy="0"/>
+          <a:chOff x="0" y="0"/>
+          <a:chExt cx="0" cy="0"/>
+        </a:xfrm>
+      </p:grpSpPr>
       <p:sp>
         <p:nvSpPr>
           <p:cNvPr id="5" name="Title 1">
@@ -7552,9 +7743,85 @@
           <a:lstStyle/>
           <a:p>
             <a:r>
-              <a:rPr lang="en-US" sz="2400" b="1" dirty="0"/>
+              <a:rPr lang="en-US" sz="2400" b="1"/>
               <a:t>M1: Levels and Hero Movement (50 points)</a:t>
             </a:r>
+          </a:p>
+        </p:txBody>
+      </p:sp>
+      <p:pic>
+        <p:nvPicPr>
+          <p:cNvPr id="7" name="Picture 6">
+            <a:extLst>
+              <a:ext uri="{FF2B5EF4-FFF2-40B4-BE49-F238E27FC236}">
+                <a16:creationId xmlns:a16="http://schemas.microsoft.com/office/drawing/2014/main" id="{6EA87882-F2BD-9C86-4EBC-832854B08C32}"/>
+              </a:ext>
+            </a:extLst>
+          </p:cNvPr>
+          <p:cNvPicPr>
+            <a:picLocks noChangeAspect="1"/>
+          </p:cNvPicPr>
+          <p:nvPr/>
+        </p:nvPicPr>
+        <p:blipFill>
+          <a:blip r:embed="rId2"/>
+          <a:stretch>
+            <a:fillRect/>
+          </a:stretch>
+        </p:blipFill>
+        <p:spPr>
+          <a:xfrm>
+            <a:off x="1020146" y="685800"/>
+            <a:ext cx="6860483" cy="6096000"/>
+          </a:xfrm>
+          <a:prstGeom prst="rect">
+            <a:avLst/>
+          </a:prstGeom>
+        </p:spPr>
+      </p:pic>
+      <p:sp>
+        <p:nvSpPr>
+          <p:cNvPr id="8" name="Arrow: Right 7">
+            <a:extLst>
+              <a:ext uri="{FF2B5EF4-FFF2-40B4-BE49-F238E27FC236}">
+                <a16:creationId xmlns:a16="http://schemas.microsoft.com/office/drawing/2014/main" id="{1B65A380-4176-6A85-F0AF-46BEE41A0070}"/>
+              </a:ext>
+            </a:extLst>
+          </p:cNvPr>
+          <p:cNvSpPr/>
+          <p:nvPr/>
+        </p:nvSpPr>
+        <p:spPr>
+          <a:xfrm>
+            <a:off x="254407" y="2743200"/>
+            <a:ext cx="1371600" cy="1219200"/>
+          </a:xfrm>
+          <a:prstGeom prst="rightArrow">
+            <a:avLst/>
+          </a:prstGeom>
+        </p:spPr>
+        <p:style>
+          <a:lnRef idx="2">
+            <a:schemeClr val="accent1">
+              <a:shade val="50000"/>
+            </a:schemeClr>
+          </a:lnRef>
+          <a:fillRef idx="1">
+            <a:schemeClr val="accent1"/>
+          </a:fillRef>
+          <a:effectRef idx="0">
+            <a:schemeClr val="accent1"/>
+          </a:effectRef>
+          <a:fontRef idx="minor">
+            <a:schemeClr val="lt1"/>
+          </a:fontRef>
+        </p:style>
+        <p:txBody>
+          <a:bodyPr rtlCol="0" anchor="ctr"/>
+          <a:lstStyle/>
+          <a:p>
+            <a:pPr algn="ctr"/>
+            <a:endParaRPr lang="en-US"/>
           </a:p>
         </p:txBody>
       </p:sp>
@@ -7571,7 +7838,160 @@
 </p:sld>
 </file>
 
-<file path=ppt/slides/slide14.xml><?xml version="1.0" encoding="utf-8"?>
+<file path=ppt/slides/slide17.xml><?xml version="1.0" encoding="utf-8"?>
+<p:sld xmlns:a="http://schemas.openxmlformats.org/drawingml/2006/main" xmlns:r="http://schemas.openxmlformats.org/officeDocument/2006/relationships" xmlns:p="http://schemas.openxmlformats.org/presentationml/2006/main">
+  <p:cSld>
+    <p:spTree>
+      <p:nvGrpSpPr>
+        <p:cNvPr id="1" name=""/>
+        <p:cNvGrpSpPr/>
+        <p:nvPr/>
+      </p:nvGrpSpPr>
+      <p:grpSpPr>
+        <a:xfrm>
+          <a:off x="0" y="0"/>
+          <a:ext cx="0" cy="0"/>
+          <a:chOff x="0" y="0"/>
+          <a:chExt cx="0" cy="0"/>
+        </a:xfrm>
+      </p:grpSpPr>
+      <p:sp>
+        <p:nvSpPr>
+          <p:cNvPr id="2" name="Title 1">
+            <a:extLst>
+              <a:ext uri="{FF2B5EF4-FFF2-40B4-BE49-F238E27FC236}">
+                <a16:creationId xmlns:a16="http://schemas.microsoft.com/office/drawing/2014/main" id="{C994D7BA-9984-A4D2-E729-9C45B7752071}"/>
+              </a:ext>
+            </a:extLst>
+          </p:cNvPr>
+          <p:cNvSpPr>
+            <a:spLocks noGrp="1"/>
+          </p:cNvSpPr>
+          <p:nvPr>
+            <p:ph type="title"/>
+          </p:nvPr>
+        </p:nvSpPr>
+        <p:spPr/>
+        <p:txBody>
+          <a:bodyPr/>
+          <a:lstStyle/>
+          <a:p>
+            <a:r>
+              <a:rPr lang="en-US"/>
+              <a:t>DNR - SAM</a:t>
+            </a:r>
+          </a:p>
+        </p:txBody>
+      </p:sp>
+      <p:pic>
+        <p:nvPicPr>
+          <p:cNvPr id="5" name="Picture 4">
+            <a:extLst>
+              <a:ext uri="{FF2B5EF4-FFF2-40B4-BE49-F238E27FC236}">
+                <a16:creationId xmlns:a16="http://schemas.microsoft.com/office/drawing/2014/main" id="{3447898E-7CB2-3E23-98F7-E9072C788B53}"/>
+              </a:ext>
+            </a:extLst>
+          </p:cNvPr>
+          <p:cNvPicPr>
+            <a:picLocks noChangeAspect="1"/>
+          </p:cNvPicPr>
+          <p:nvPr/>
+        </p:nvPicPr>
+        <p:blipFill>
+          <a:blip r:embed="rId2"/>
+          <a:stretch>
+            <a:fillRect/>
+          </a:stretch>
+        </p:blipFill>
+        <p:spPr>
+          <a:xfrm>
+            <a:off x="609600" y="4166500"/>
+            <a:ext cx="8478433" cy="2438740"/>
+          </a:xfrm>
+          <a:prstGeom prst="rect">
+            <a:avLst/>
+          </a:prstGeom>
+        </p:spPr>
+      </p:pic>
+      <p:pic>
+        <p:nvPicPr>
+          <p:cNvPr id="7" name="Picture 6">
+            <a:extLst>
+              <a:ext uri="{FF2B5EF4-FFF2-40B4-BE49-F238E27FC236}">
+                <a16:creationId xmlns:a16="http://schemas.microsoft.com/office/drawing/2014/main" id="{DC21089B-C7D7-D05E-FC59-0F3CE9C99E73}"/>
+              </a:ext>
+            </a:extLst>
+          </p:cNvPr>
+          <p:cNvPicPr>
+            <a:picLocks noChangeAspect="1"/>
+          </p:cNvPicPr>
+          <p:nvPr/>
+        </p:nvPicPr>
+        <p:blipFill>
+          <a:blip r:embed="rId3"/>
+          <a:stretch>
+            <a:fillRect/>
+          </a:stretch>
+        </p:blipFill>
+        <p:spPr>
+          <a:xfrm>
+            <a:off x="646043" y="2467859"/>
+            <a:ext cx="8230749" cy="1543265"/>
+          </a:xfrm>
+          <a:prstGeom prst="rect">
+            <a:avLst/>
+          </a:prstGeom>
+        </p:spPr>
+      </p:pic>
+      <p:sp>
+        <p:nvSpPr>
+          <p:cNvPr id="8" name="TextBox 7">
+            <a:extLst>
+              <a:ext uri="{FF2B5EF4-FFF2-40B4-BE49-F238E27FC236}">
+                <a16:creationId xmlns:a16="http://schemas.microsoft.com/office/drawing/2014/main" id="{CF9A7521-E6C4-80AE-FD74-D39B0EBB91DB}"/>
+              </a:ext>
+            </a:extLst>
+          </p:cNvPr>
+          <p:cNvSpPr txBox="1"/>
+          <p:nvPr/>
+        </p:nvSpPr>
+        <p:spPr>
+          <a:xfrm>
+            <a:off x="990600" y="1295400"/>
+            <a:ext cx="7162800" cy="923330"/>
+          </a:xfrm>
+          <a:prstGeom prst="rect">
+            <a:avLst/>
+          </a:prstGeom>
+          <a:noFill/>
+        </p:spPr>
+        <p:txBody>
+          <a:bodyPr wrap="square" rtlCol="0">
+            <a:spAutoFit/>
+          </a:bodyPr>
+          <a:lstStyle/>
+          <a:p>
+            <a:r>
+              <a:rPr lang="en-US" b="1" i="1"/>
+              <a:t>There is NO coding for M0. I recommend you all meet together since it is a critical part of setting up your design and you want to be in sync and in agreement as much as possible!</a:t>
+            </a:r>
+          </a:p>
+        </p:txBody>
+      </p:sp>
+    </p:spTree>
+    <p:extLst>
+      <p:ext uri="{BB962C8B-B14F-4D97-AF65-F5344CB8AC3E}">
+        <p14:creationId xmlns:p14="http://schemas.microsoft.com/office/powerpoint/2010/main" val="3762919470"/>
+      </p:ext>
+    </p:extLst>
+  </p:cSld>
+  <p:clrMapOvr>
+    <a:masterClrMapping/>
+  </p:clrMapOvr>
+</p:sld>
+</file>
+
+<file path=ppt/slides/slide18.xml><?xml version="1.0" encoding="utf-8"?>
 <p:sld xmlns:a="http://schemas.openxmlformats.org/drawingml/2006/main" xmlns:r="http://schemas.openxmlformats.org/officeDocument/2006/relationships" xmlns:p="http://schemas.openxmlformats.org/presentationml/2006/main">
   <p:cSld>
     <p:spTree>
@@ -7799,7 +8219,7 @@
 </p:sld>
 </file>
 
-<file path=ppt/slides/slide15.xml><?xml version="1.0" encoding="utf-8"?>
+<file path=ppt/slides/slide19.xml><?xml version="1.0" encoding="utf-8"?>
 <p:sld xmlns:a="http://schemas.openxmlformats.org/drawingml/2006/main" xmlns:r="http://schemas.openxmlformats.org/officeDocument/2006/relationships" xmlns:p="http://schemas.openxmlformats.org/presentationml/2006/main">
   <p:cSld>
     <p:spTree>
@@ -8647,7 +9067,7 @@
 </p:sld>
 </file>
 
-<file path=ppt/slides/slide16.xml><?xml version="1.0" encoding="utf-8"?>
+<file path=ppt/slides/slide2.xml><?xml version="1.0" encoding="utf-8"?>
 <p:sld xmlns:a="http://schemas.openxmlformats.org/drawingml/2006/main" xmlns:r="http://schemas.openxmlformats.org/officeDocument/2006/relationships" xmlns:p="http://schemas.openxmlformats.org/presentationml/2006/main">
   <p:cSld>
     <p:spTree>
@@ -8680,7 +9100,132 @@
           <a:lstStyle/>
           <a:p>
             <a:r>
-              <a:rPr lang="en-US" dirty="0"/>
+              <a:rPr lang="en-US"/>
+              <a:t>Objectives</a:t>
+            </a:r>
+          </a:p>
+        </p:txBody>
+      </p:sp>
+      <p:sp>
+        <p:nvSpPr>
+          <p:cNvPr id="3" name="Content Placeholder 2"/>
+          <p:cNvSpPr>
+            <a:spLocks noGrp="1"/>
+          </p:cNvSpPr>
+          <p:nvPr>
+            <p:ph idx="1"/>
+          </p:nvPr>
+        </p:nvSpPr>
+        <p:spPr/>
+        <p:txBody>
+          <a:bodyPr>
+            <a:normAutofit/>
+          </a:bodyPr>
+          <a:lstStyle/>
+          <a:p>
+            <a:r>
+              <a:rPr lang="en-US"/>
+              <a:t>Final Project Preparation/Kickoff</a:t>
+            </a:r>
+          </a:p>
+          <a:p>
+            <a:pPr lvl="1"/>
+            <a:r>
+              <a:rPr lang="en-US"/>
+              <a:t>Learn how to avoid common project errors</a:t>
+            </a:r>
+          </a:p>
+          <a:p>
+            <a:pPr lvl="1"/>
+            <a:r>
+              <a:rPr lang="en-US"/>
+              <a:t>Learn how to setup a timer to create events</a:t>
+            </a:r>
+          </a:p>
+          <a:p>
+            <a:pPr lvl="2"/>
+            <a:r>
+              <a:rPr lang="en-US"/>
+              <a:t>Practice with live-coding</a:t>
+            </a:r>
+          </a:p>
+          <a:p>
+            <a:pPr lvl="1"/>
+            <a:r>
+              <a:rPr lang="en-US"/>
+              <a:t>Practice interaction between game elements</a:t>
+            </a:r>
+          </a:p>
+          <a:p>
+            <a:pPr lvl="1"/>
+            <a:r>
+              <a:rPr lang="en-US"/>
+              <a:t>Learn how to read and write from files</a:t>
+            </a:r>
+          </a:p>
+          <a:p>
+            <a:pPr lvl="2"/>
+            <a:r>
+              <a:rPr lang="en-US"/>
+              <a:t>Practice with live-coding</a:t>
+            </a:r>
+          </a:p>
+          <a:p>
+            <a:pPr lvl="2"/>
+            <a:r>
+              <a:rPr lang="en-US"/>
+              <a:t>Required for Milestone 1</a:t>
+            </a:r>
+          </a:p>
+        </p:txBody>
+      </p:sp>
+    </p:spTree>
+    <p:extLst>
+      <p:ext uri="{BB962C8B-B14F-4D97-AF65-F5344CB8AC3E}">
+        <p14:creationId xmlns:p14="http://schemas.microsoft.com/office/powerpoint/2010/main" val="1412677388"/>
+      </p:ext>
+    </p:extLst>
+  </p:cSld>
+  <p:clrMapOvr>
+    <a:masterClrMapping/>
+  </p:clrMapOvr>
+</p:sld>
+</file>
+
+<file path=ppt/slides/slide20.xml><?xml version="1.0" encoding="utf-8"?>
+<p:sld xmlns:a="http://schemas.openxmlformats.org/drawingml/2006/main" xmlns:r="http://schemas.openxmlformats.org/officeDocument/2006/relationships" xmlns:p="http://schemas.openxmlformats.org/presentationml/2006/main">
+  <p:cSld>
+    <p:spTree>
+      <p:nvGrpSpPr>
+        <p:cNvPr id="1" name=""/>
+        <p:cNvGrpSpPr/>
+        <p:nvPr/>
+      </p:nvGrpSpPr>
+      <p:grpSpPr>
+        <a:xfrm>
+          <a:off x="0" y="0"/>
+          <a:ext cx="0" cy="0"/>
+          <a:chOff x="0" y="0"/>
+          <a:chExt cx="0" cy="0"/>
+        </a:xfrm>
+      </p:grpSpPr>
+      <p:sp>
+        <p:nvSpPr>
+          <p:cNvPr id="2" name="Title 1"/>
+          <p:cNvSpPr>
+            <a:spLocks noGrp="1"/>
+          </p:cNvSpPr>
+          <p:nvPr>
+            <p:ph type="title"/>
+          </p:nvPr>
+        </p:nvSpPr>
+        <p:spPr/>
+        <p:txBody>
+          <a:bodyPr/>
+          <a:lstStyle/>
+          <a:p>
+            <a:r>
+              <a:rPr lang="en-US"/>
               <a:t>Live code a level loader</a:t>
             </a:r>
           </a:p>
@@ -8855,14 +9400,14 @@
               </a:spcAft>
             </a:pPr>
             <a:r>
-              <a:rPr lang="en-US" dirty="0"/>
+              <a:rPr lang="en-US"/>
               <a:t>Today's import: </a:t>
             </a:r>
             <a:r>
-              <a:rPr lang="en-US" i="1" dirty="0" err="1"/>
+              <a:rPr lang="en-US" i="1" err="1"/>
               <a:t>PracticeEventBasedGameLoop</a:t>
             </a:r>
-            <a:endParaRPr lang="en-US" i="1" dirty="0"/>
+            <a:endParaRPr lang="en-US" i="1"/>
           </a:p>
           <a:p>
             <a:pPr fontAlgn="auto">
@@ -8871,18 +9416,18 @@
               </a:spcAft>
             </a:pPr>
             <a:r>
-              <a:rPr lang="en-US" dirty="0" err="1"/>
+              <a:rPr lang="en-US" err="1"/>
               <a:t>Subpackage</a:t>
             </a:r>
             <a:r>
-              <a:rPr lang="en-US" dirty="0"/>
+              <a:rPr lang="en-US"/>
               <a:t>: </a:t>
             </a:r>
             <a:r>
-              <a:rPr lang="en-US" i="1" dirty="0" err="1"/>
+              <a:rPr lang="en-US" i="1" err="1"/>
               <a:t>fileIO</a:t>
             </a:r>
-            <a:endParaRPr lang="en-US" i="1" dirty="0"/>
+            <a:endParaRPr lang="en-US" i="1"/>
           </a:p>
         </p:txBody>
       </p:sp>
@@ -8899,7 +9444,7 @@
 </p:sld>
 </file>
 
-<file path=ppt/slides/slide17.xml><?xml version="1.0" encoding="utf-8"?>
+<file path=ppt/slides/slide21.xml><?xml version="1.0" encoding="utf-8"?>
 <p:sld xmlns:a="http://schemas.openxmlformats.org/drawingml/2006/main" xmlns:r="http://schemas.openxmlformats.org/officeDocument/2006/relationships" xmlns:p="http://schemas.openxmlformats.org/presentationml/2006/main">
   <p:cSld>
     <p:spTree>
@@ -8957,7 +9502,7 @@
               </a:lnSpc>
             </a:pPr>
             <a:r>
-              <a:rPr lang="en-US" sz="4400" b="0" strike="noStrike" spc="-1" dirty="0">
+              <a:rPr lang="en-US" sz="4400" b="0" strike="noStrike" spc="-1">
                 <a:solidFill>
                   <a:srgbClr val="000000"/>
                 </a:solidFill>
@@ -8971,7 +9516,7 @@
               </a:rPr>
               <a:t>Exceptions – What, When, Why, How?</a:t>
             </a:r>
-            <a:endParaRPr lang="en-US" sz="1800" b="0" strike="noStrike" spc="-1" dirty="0">
+            <a:endParaRPr lang="en-US" sz="1800" b="0" strike="noStrike" spc="-1">
               <a:solidFill>
                 <a:srgbClr val="000000"/>
               </a:solidFill>
@@ -9031,7 +9576,7 @@
               <a:buChar char="•"/>
             </a:pPr>
             <a:r>
-              <a:rPr lang="en-US" sz="3200" b="0" strike="noStrike" spc="-1" dirty="0">
+              <a:rPr lang="en-US" sz="3200" b="0" strike="noStrike" spc="-1">
                 <a:solidFill>
                   <a:srgbClr val="000000"/>
                 </a:solidFill>
@@ -9055,7 +9600,7 @@
               <a:buChar char="•"/>
             </a:pPr>
             <a:r>
-              <a:rPr lang="en-US" sz="3200" spc="-1" dirty="0" err="1">
+              <a:rPr lang="en-US" sz="3200" spc="-1" err="1">
                 <a:solidFill>
                   <a:srgbClr val="000000"/>
                 </a:solidFill>
@@ -9068,7 +9613,7 @@
               </a:rPr>
               <a:t>ConcurrentModificationException</a:t>
             </a:r>
-            <a:endParaRPr lang="en-US" sz="3200" spc="-1" dirty="0">
+            <a:endParaRPr lang="en-US" sz="3200" spc="-1">
               <a:solidFill>
                 <a:srgbClr val="000000"/>
               </a:solidFill>
@@ -9089,7 +9634,7 @@
               <a:buChar char="•"/>
             </a:pPr>
             <a:r>
-              <a:rPr lang="en-US" sz="3200" spc="-1" dirty="0" err="1">
+              <a:rPr lang="en-US" sz="3200" spc="-1" err="1">
                 <a:solidFill>
                   <a:srgbClr val="000000"/>
                 </a:solidFill>
@@ -9102,7 +9647,7 @@
               </a:rPr>
               <a:t>FileNotFoundException</a:t>
             </a:r>
-            <a:endParaRPr lang="en-US" sz="3200" spc="-1" dirty="0">
+            <a:endParaRPr lang="en-US" sz="3200" spc="-1">
               <a:solidFill>
                 <a:srgbClr val="000000"/>
               </a:solidFill>
@@ -9156,7 +9701,7 @@
 </p:sld>
 </file>
 
-<file path=ppt/slides/slide18.xml><?xml version="1.0" encoding="utf-8"?>
+<file path=ppt/slides/slide22.xml><?xml version="1.0" encoding="utf-8"?>
 <p:sld xmlns:a="http://schemas.openxmlformats.org/drawingml/2006/main" xmlns:r="http://schemas.openxmlformats.org/officeDocument/2006/relationships" xmlns:p="http://schemas.openxmlformats.org/presentationml/2006/main">
   <p:cSld>
     <p:spTree>
@@ -9214,7 +9759,7 @@
               </a:lnSpc>
             </a:pPr>
             <a:r>
-              <a:rPr lang="en-US" sz="4400" b="0" strike="noStrike" spc="-1" dirty="0">
+              <a:rPr lang="en-US" sz="4400" b="0" strike="noStrike" spc="-1">
                 <a:solidFill>
                   <a:srgbClr val="000000"/>
                 </a:solidFill>
@@ -9228,7 +9773,7 @@
               </a:rPr>
               <a:t>Exceptions – What, When, Why, How?</a:t>
             </a:r>
-            <a:endParaRPr lang="en-US" sz="1800" b="0" strike="noStrike" spc="-1" dirty="0">
+            <a:endParaRPr lang="en-US" sz="1800" b="0" strike="noStrike" spc="-1">
               <a:solidFill>
                 <a:srgbClr val="000000"/>
               </a:solidFill>
@@ -9288,7 +9833,7 @@
               <a:buChar char="•"/>
             </a:pPr>
             <a:r>
-              <a:rPr lang="en-US" sz="3200" b="0" strike="noStrike" spc="-1" dirty="0">
+              <a:rPr lang="en-US" sz="3200" b="0" strike="noStrike" spc="-1">
                 <a:solidFill>
                   <a:srgbClr val="000000"/>
                 </a:solidFill>
@@ -9302,7 +9847,7 @@
               </a:rPr>
               <a:t>What:</a:t>
             </a:r>
-            <a:endParaRPr lang="en-US" sz="1800" b="0" strike="noStrike" spc="-1" dirty="0">
+            <a:endParaRPr lang="en-US" sz="1800" b="0" strike="noStrike" spc="-1">
               <a:solidFill>
                 <a:srgbClr val="000000"/>
               </a:solidFill>
@@ -9326,7 +9871,7 @@
               <a:buChar char="–"/>
             </a:pPr>
             <a:r>
-              <a:rPr lang="en-US" sz="2800" b="0" strike="noStrike" spc="-1" dirty="0">
+              <a:rPr lang="en-US" sz="2800" b="0" strike="noStrike" spc="-1">
                 <a:solidFill>
                   <a:srgbClr val="000000"/>
                 </a:solidFill>
@@ -9340,7 +9885,7 @@
               </a:rPr>
               <a:t>Used to signal that something in the code has gone wrong</a:t>
             </a:r>
-            <a:endParaRPr lang="en-US" sz="1800" b="0" strike="noStrike" spc="-1" dirty="0">
+            <a:endParaRPr lang="en-US" sz="1800" b="0" strike="noStrike" spc="-1">
               <a:solidFill>
                 <a:srgbClr val="000000"/>
               </a:solidFill>
@@ -9364,7 +9909,7 @@
               <a:buChar char="•"/>
             </a:pPr>
             <a:r>
-              <a:rPr lang="en-US" sz="3200" b="0" strike="noStrike" spc="-1" dirty="0">
+              <a:rPr lang="en-US" sz="3200" b="0" strike="noStrike" spc="-1">
                 <a:solidFill>
                   <a:srgbClr val="000000"/>
                 </a:solidFill>
@@ -9378,7 +9923,7 @@
               </a:rPr>
               <a:t>When:</a:t>
             </a:r>
-            <a:endParaRPr lang="en-US" sz="1800" b="0" strike="noStrike" spc="-1" dirty="0">
+            <a:endParaRPr lang="en-US" sz="1800" b="0" strike="noStrike" spc="-1">
               <a:solidFill>
                 <a:srgbClr val="000000"/>
               </a:solidFill>
@@ -9402,7 +9947,7 @@
               <a:buChar char="–"/>
             </a:pPr>
             <a:r>
-              <a:rPr lang="en-US" sz="2800" b="0" strike="noStrike" spc="-1" dirty="0">
+              <a:rPr lang="en-US" sz="2800" b="0" strike="noStrike" spc="-1">
                 <a:solidFill>
                   <a:srgbClr val="000000"/>
                 </a:solidFill>
@@ -9416,7 +9961,7 @@
               </a:rPr>
               <a:t>An error has occurred that cannot be handled in the current code</a:t>
             </a:r>
-            <a:endParaRPr lang="en-US" sz="1800" b="0" strike="noStrike" spc="-1" dirty="0">
+            <a:endParaRPr lang="en-US" sz="1800" b="0" strike="noStrike" spc="-1">
               <a:solidFill>
                 <a:srgbClr val="000000"/>
               </a:solidFill>
@@ -9440,7 +9985,7 @@
               <a:buChar char="•"/>
             </a:pPr>
             <a:r>
-              <a:rPr lang="en-US" sz="3200" b="0" strike="noStrike" spc="-1" dirty="0">
+              <a:rPr lang="en-US" sz="3200" b="0" strike="noStrike" spc="-1">
                 <a:solidFill>
                   <a:srgbClr val="000000"/>
                 </a:solidFill>
@@ -9454,7 +9999,7 @@
               </a:rPr>
               <a:t>Why:</a:t>
             </a:r>
-            <a:endParaRPr lang="en-US" sz="1800" b="0" strike="noStrike" spc="-1" dirty="0">
+            <a:endParaRPr lang="en-US" sz="1800" b="0" strike="noStrike" spc="-1">
               <a:solidFill>
                 <a:srgbClr val="000000"/>
               </a:solidFill>
@@ -9478,7 +10023,7 @@
               <a:buChar char="–"/>
             </a:pPr>
             <a:r>
-              <a:rPr lang="en-US" sz="2800" b="0" strike="noStrike" spc="-1" dirty="0">
+              <a:rPr lang="en-US" sz="2800" b="0" strike="noStrike" spc="-1">
                 <a:solidFill>
                   <a:srgbClr val="000000"/>
                 </a:solidFill>
@@ -9492,7 +10037,7 @@
               </a:rPr>
               <a:t>Breaks the execution flow and passes exception up the stack</a:t>
             </a:r>
-            <a:endParaRPr lang="en-US" sz="1800" b="0" strike="noStrike" spc="-1" dirty="0">
+            <a:endParaRPr lang="en-US" sz="1800" b="0" strike="noStrike" spc="-1">
               <a:solidFill>
                 <a:srgbClr val="000000"/>
               </a:solidFill>
@@ -9546,7 +10091,7 @@
 </p:sld>
 </file>
 
-<file path=ppt/slides/slide19.xml><?xml version="1.0" encoding="utf-8"?>
+<file path=ppt/slides/slide23.xml><?xml version="1.0" encoding="utf-8"?>
 <p:sld xmlns:a="http://schemas.openxmlformats.org/drawingml/2006/main" xmlns:r="http://schemas.openxmlformats.org/officeDocument/2006/relationships" xmlns:p="http://schemas.openxmlformats.org/presentationml/2006/main">
   <p:cSld>
     <p:spTree>
@@ -9604,7 +10149,7 @@
               </a:lnSpc>
             </a:pPr>
             <a:r>
-              <a:rPr lang="en-US" sz="4400" b="0" strike="noStrike" spc="-1" dirty="0">
+              <a:rPr lang="en-US" sz="4400" b="0" strike="noStrike" spc="-1">
                 <a:solidFill>
                   <a:srgbClr val="000000"/>
                 </a:solidFill>
@@ -9618,7 +10163,7 @@
               </a:rPr>
               <a:t>Exceptions – How?</a:t>
             </a:r>
-            <a:endParaRPr lang="en-US" sz="1800" b="0" strike="noStrike" spc="-1" dirty="0">
+            <a:endParaRPr lang="en-US" sz="1800" b="0" strike="noStrike" spc="-1">
               <a:solidFill>
                 <a:srgbClr val="000000"/>
               </a:solidFill>
@@ -9678,7 +10223,7 @@
               <a:buChar char="•"/>
             </a:pPr>
             <a:r>
-              <a:rPr lang="en-US" sz="3200" b="0" strike="noStrike" spc="-1" dirty="0">
+              <a:rPr lang="en-US" sz="3200" b="0" strike="noStrike" spc="-1">
                 <a:solidFill>
                   <a:srgbClr val="000000"/>
                 </a:solidFill>
@@ -9692,7 +10237,7 @@
               </a:rPr>
               <a:t>Handling (catching) an exception:</a:t>
             </a:r>
-            <a:endParaRPr lang="en-US" sz="1800" b="0" strike="noStrike" spc="-1" dirty="0">
+            <a:endParaRPr lang="en-US" sz="1800" b="0" strike="noStrike" spc="-1">
               <a:solidFill>
                 <a:srgbClr val="000000"/>
               </a:solidFill>
@@ -9711,7 +10256,7 @@
               </a:lnSpc>
             </a:pPr>
             <a:r>
-              <a:rPr lang="en-US" sz="2800" b="0" strike="noStrike" spc="-1" dirty="0">
+              <a:rPr lang="en-US" sz="2800" b="0" strike="noStrike" spc="-1">
                 <a:solidFill>
                   <a:srgbClr val="000000"/>
                 </a:solidFill>
@@ -9725,7 +10270,7 @@
               </a:rPr>
               <a:t>try {</a:t>
             </a:r>
-            <a:endParaRPr lang="en-US" sz="1800" b="0" strike="noStrike" spc="-1" dirty="0">
+            <a:endParaRPr lang="en-US" sz="1800" b="0" strike="noStrike" spc="-1">
               <a:solidFill>
                 <a:srgbClr val="000000"/>
               </a:solidFill>
@@ -9744,7 +10289,7 @@
               </a:lnSpc>
             </a:pPr>
             <a:r>
-              <a:rPr lang="en-US" sz="2800" b="0" strike="noStrike" spc="-1" dirty="0">
+              <a:rPr lang="en-US" sz="2800" b="0" strike="noStrike" spc="-1">
                 <a:solidFill>
                   <a:srgbClr val="000000"/>
                 </a:solidFill>
@@ -9758,7 +10303,7 @@
               </a:rPr>
               <a:t>	//code that could throw an exception</a:t>
             </a:r>
-            <a:endParaRPr lang="en-US" sz="1800" b="0" strike="noStrike" spc="-1" dirty="0">
+            <a:endParaRPr lang="en-US" sz="1800" b="0" strike="noStrike" spc="-1">
               <a:solidFill>
                 <a:srgbClr val="000000"/>
               </a:solidFill>
@@ -9777,7 +10322,7 @@
               </a:lnSpc>
             </a:pPr>
             <a:r>
-              <a:rPr lang="en-US" sz="2800" b="0" strike="noStrike" spc="-1" dirty="0">
+              <a:rPr lang="en-US" sz="2800" b="0" strike="noStrike" spc="-1">
                 <a:solidFill>
                   <a:srgbClr val="000000"/>
                 </a:solidFill>
@@ -9791,7 +10336,7 @@
               </a:rPr>
               <a:t>}</a:t>
             </a:r>
-            <a:endParaRPr lang="en-US" sz="1800" b="0" strike="noStrike" spc="-1" dirty="0">
+            <a:endParaRPr lang="en-US" sz="1800" b="0" strike="noStrike" spc="-1">
               <a:solidFill>
                 <a:srgbClr val="000000"/>
               </a:solidFill>
@@ -9810,7 +10355,7 @@
               </a:lnSpc>
             </a:pPr>
             <a:r>
-              <a:rPr lang="en-US" sz="2800" b="0" strike="noStrike" spc="-1" dirty="0">
+              <a:rPr lang="en-US" sz="2800" b="0" strike="noStrike" spc="-1">
                 <a:solidFill>
                   <a:srgbClr val="000000"/>
                 </a:solidFill>
@@ -9825,7 +10370,7 @@
               <a:t>catch (</a:t>
             </a:r>
             <a:r>
-              <a:rPr lang="en-US" sz="2800" b="0" strike="noStrike" spc="-1" dirty="0" err="1">
+              <a:rPr lang="en-US" sz="2800" b="0" strike="noStrike" spc="-1" err="1">
                 <a:solidFill>
                   <a:srgbClr val="000000"/>
                 </a:solidFill>
@@ -9840,7 +10385,7 @@
               <a:t>ExceptionType</a:t>
             </a:r>
             <a:r>
-              <a:rPr lang="en-US" sz="2800" b="0" strike="noStrike" spc="-1" dirty="0">
+              <a:rPr lang="en-US" sz="2800" b="0" strike="noStrike" spc="-1">
                 <a:solidFill>
                   <a:srgbClr val="000000"/>
                 </a:solidFill>
@@ -9854,7 +10399,7 @@
               </a:rPr>
               <a:t> ex) {</a:t>
             </a:r>
-            <a:endParaRPr lang="en-US" sz="1800" b="0" strike="noStrike" spc="-1" dirty="0">
+            <a:endParaRPr lang="en-US" sz="1800" b="0" strike="noStrike" spc="-1">
               <a:solidFill>
                 <a:srgbClr val="000000"/>
               </a:solidFill>
@@ -9873,7 +10418,7 @@
               </a:lnSpc>
             </a:pPr>
             <a:r>
-              <a:rPr lang="en-US" sz="2800" b="0" strike="noStrike" spc="-1" dirty="0">
+              <a:rPr lang="en-US" sz="2800" b="0" strike="noStrike" spc="-1">
                 <a:solidFill>
                   <a:srgbClr val="000000"/>
                 </a:solidFill>
@@ -9887,7 +10432,7 @@
               </a:rPr>
               <a:t>	//code to handle exception</a:t>
             </a:r>
-            <a:endParaRPr lang="en-US" sz="1800" b="0" strike="noStrike" spc="-1" dirty="0">
+            <a:endParaRPr lang="en-US" sz="1800" b="0" strike="noStrike" spc="-1">
               <a:solidFill>
                 <a:srgbClr val="000000"/>
               </a:solidFill>
@@ -9906,7 +10451,7 @@
               </a:lnSpc>
             </a:pPr>
             <a:r>
-              <a:rPr lang="en-US" sz="2800" b="0" strike="noStrike" spc="-1" dirty="0">
+              <a:rPr lang="en-US" sz="2800" b="0" strike="noStrike" spc="-1">
                 <a:solidFill>
                   <a:srgbClr val="000000"/>
                 </a:solidFill>
@@ -9920,7 +10465,7 @@
               </a:rPr>
               <a:t>}</a:t>
             </a:r>
-            <a:endParaRPr lang="en-US" sz="1800" b="0" strike="noStrike" spc="-1" dirty="0">
+            <a:endParaRPr lang="en-US" sz="1800" b="0" strike="noStrike" spc="-1">
               <a:solidFill>
                 <a:srgbClr val="000000"/>
               </a:solidFill>
@@ -9944,7 +10489,7 @@
               <a:buChar char="•"/>
             </a:pPr>
             <a:r>
-              <a:rPr lang="en-US" sz="3200" b="0" strike="noStrike" spc="-1" dirty="0">
+              <a:rPr lang="en-US" sz="3200" b="0" strike="noStrike" spc="-1">
                 <a:solidFill>
                   <a:srgbClr val="000000"/>
                 </a:solidFill>
@@ -9958,7 +10503,7 @@
               </a:rPr>
               <a:t>When caught you can:</a:t>
             </a:r>
-            <a:endParaRPr lang="en-US" sz="1800" b="0" strike="noStrike" spc="-1" dirty="0">
+            <a:endParaRPr lang="en-US" sz="1800" b="0" strike="noStrike" spc="-1">
               <a:solidFill>
                 <a:srgbClr val="000000"/>
               </a:solidFill>
@@ -9982,7 +10527,7 @@
               <a:buChar char="–"/>
             </a:pPr>
             <a:r>
-              <a:rPr lang="en-US" sz="2800" b="0" strike="noStrike" spc="-1" dirty="0">
+              <a:rPr lang="en-US" sz="2800" b="0" strike="noStrike" spc="-1">
                 <a:solidFill>
                   <a:srgbClr val="000000"/>
                 </a:solidFill>
@@ -9996,7 +10541,7 @@
               </a:rPr>
               <a:t>Recover from the error OR exit gracefully</a:t>
             </a:r>
-            <a:endParaRPr lang="en-US" sz="1800" b="0" strike="noStrike" spc="-1" dirty="0">
+            <a:endParaRPr lang="en-US" sz="1800" b="0" strike="noStrike" spc="-1">
               <a:solidFill>
                 <a:srgbClr val="000000"/>
               </a:solidFill>
@@ -10014,7 +10559,7 @@
                 <a:spcPct val="100000"/>
               </a:lnSpc>
             </a:pPr>
-            <a:endParaRPr lang="en-US" sz="1800" b="0" strike="noStrike" spc="-1" dirty="0">
+            <a:endParaRPr lang="en-US" sz="1800" b="0" strike="noStrike" spc="-1">
               <a:solidFill>
                 <a:srgbClr val="000000"/>
               </a:solidFill>
@@ -10068,132 +10613,7 @@
 </p:sld>
 </file>
 
-<file path=ppt/slides/slide2.xml><?xml version="1.0" encoding="utf-8"?>
-<p:sld xmlns:a="http://schemas.openxmlformats.org/drawingml/2006/main" xmlns:r="http://schemas.openxmlformats.org/officeDocument/2006/relationships" xmlns:p="http://schemas.openxmlformats.org/presentationml/2006/main">
-  <p:cSld>
-    <p:spTree>
-      <p:nvGrpSpPr>
-        <p:cNvPr id="1" name=""/>
-        <p:cNvGrpSpPr/>
-        <p:nvPr/>
-      </p:nvGrpSpPr>
-      <p:grpSpPr>
-        <a:xfrm>
-          <a:off x="0" y="0"/>
-          <a:ext cx="0" cy="0"/>
-          <a:chOff x="0" y="0"/>
-          <a:chExt cx="0" cy="0"/>
-        </a:xfrm>
-      </p:grpSpPr>
-      <p:sp>
-        <p:nvSpPr>
-          <p:cNvPr id="2" name="Title 1"/>
-          <p:cNvSpPr>
-            <a:spLocks noGrp="1"/>
-          </p:cNvSpPr>
-          <p:nvPr>
-            <p:ph type="title"/>
-          </p:nvPr>
-        </p:nvSpPr>
-        <p:spPr/>
-        <p:txBody>
-          <a:bodyPr/>
-          <a:lstStyle/>
-          <a:p>
-            <a:r>
-              <a:rPr lang="en-US" dirty="0"/>
-              <a:t>Objectives</a:t>
-            </a:r>
-          </a:p>
-        </p:txBody>
-      </p:sp>
-      <p:sp>
-        <p:nvSpPr>
-          <p:cNvPr id="3" name="Content Placeholder 2"/>
-          <p:cNvSpPr>
-            <a:spLocks noGrp="1"/>
-          </p:cNvSpPr>
-          <p:nvPr>
-            <p:ph idx="1"/>
-          </p:nvPr>
-        </p:nvSpPr>
-        <p:spPr/>
-        <p:txBody>
-          <a:bodyPr>
-            <a:normAutofit/>
-          </a:bodyPr>
-          <a:lstStyle/>
-          <a:p>
-            <a:r>
-              <a:rPr lang="en-US" dirty="0"/>
-              <a:t>Final Project Preparation/Kickoff</a:t>
-            </a:r>
-          </a:p>
-          <a:p>
-            <a:pPr lvl="1"/>
-            <a:r>
-              <a:rPr lang="en-US" dirty="0"/>
-              <a:t>Learn how to avoid common project errors</a:t>
-            </a:r>
-          </a:p>
-          <a:p>
-            <a:pPr lvl="1"/>
-            <a:r>
-              <a:rPr lang="en-US" dirty="0"/>
-              <a:t>Learn how to setup a timer to create events</a:t>
-            </a:r>
-          </a:p>
-          <a:p>
-            <a:pPr lvl="2"/>
-            <a:r>
-              <a:rPr lang="en-US" dirty="0"/>
-              <a:t>Practice with live-coding</a:t>
-            </a:r>
-          </a:p>
-          <a:p>
-            <a:pPr lvl="1"/>
-            <a:r>
-              <a:rPr lang="en-US" dirty="0"/>
-              <a:t>Practice interaction between game elements</a:t>
-            </a:r>
-          </a:p>
-          <a:p>
-            <a:pPr lvl="1"/>
-            <a:r>
-              <a:rPr lang="en-US" dirty="0"/>
-              <a:t>Learn how to read and write from files</a:t>
-            </a:r>
-          </a:p>
-          <a:p>
-            <a:pPr lvl="2"/>
-            <a:r>
-              <a:rPr lang="en-US" dirty="0"/>
-              <a:t>Practice with live-coding</a:t>
-            </a:r>
-          </a:p>
-          <a:p>
-            <a:pPr lvl="2"/>
-            <a:r>
-              <a:rPr lang="en-US" dirty="0"/>
-              <a:t>Required for Milestone 1</a:t>
-            </a:r>
-          </a:p>
-        </p:txBody>
-      </p:sp>
-    </p:spTree>
-    <p:extLst>
-      <p:ext uri="{BB962C8B-B14F-4D97-AF65-F5344CB8AC3E}">
-        <p14:creationId xmlns:p14="http://schemas.microsoft.com/office/powerpoint/2010/main" val="1412677388"/>
-      </p:ext>
-    </p:extLst>
-  </p:cSld>
-  <p:clrMapOvr>
-    <a:masterClrMapping/>
-  </p:clrMapOvr>
-</p:sld>
-</file>
-
-<file path=ppt/slides/slide20.xml><?xml version="1.0" encoding="utf-8"?>
+<file path=ppt/slides/slide24.xml><?xml version="1.0" encoding="utf-8"?>
 <p:sld xmlns:a="http://schemas.openxmlformats.org/drawingml/2006/main" xmlns:r="http://schemas.openxmlformats.org/officeDocument/2006/relationships" xmlns:p="http://schemas.openxmlformats.org/presentationml/2006/main">
   <p:cSld>
     <p:spTree>
@@ -10256,7 +10676,7 @@
               <a:buChar char="•"/>
             </a:pPr>
             <a:r>
-              <a:rPr lang="en-US" sz="3200" b="0" strike="noStrike" spc="-1" dirty="0">
+              <a:rPr lang="en-US" sz="3200" b="0" strike="noStrike" spc="-1">
                 <a:solidFill>
                   <a:srgbClr val="000000"/>
                 </a:solidFill>
@@ -10271,7 +10691,7 @@
               <a:t>Java has two sorts of </a:t>
             </a:r>
             <a:r>
-              <a:rPr lang="en-US" sz="3200" b="0" strike="noStrike" spc="-1" dirty="0">
+              <a:rPr lang="en-US" sz="3200" b="0" strike="noStrike" spc="-1">
                 <a:solidFill>
                   <a:srgbClr val="800000"/>
                 </a:solidFill>
@@ -10285,7 +10705,7 @@
               </a:rPr>
               <a:t>exceptions</a:t>
             </a:r>
-            <a:endParaRPr lang="en-US" sz="1800" b="0" strike="noStrike" spc="-1" dirty="0">
+            <a:endParaRPr lang="en-US" sz="1800" b="0" strike="noStrike" spc="-1">
               <a:solidFill>
                 <a:srgbClr val="000000"/>
               </a:solidFill>
@@ -10303,7 +10723,7 @@
                 <a:spcPct val="100000"/>
               </a:lnSpc>
             </a:pPr>
-            <a:endParaRPr lang="en-US" sz="1800" b="0" strike="noStrike" spc="-1" dirty="0">
+            <a:endParaRPr lang="en-US" sz="1800" b="0" strike="noStrike" spc="-1">
               <a:solidFill>
                 <a:srgbClr val="000000"/>
               </a:solidFill>
@@ -10327,7 +10747,7 @@
               <a:buAutoNum type="arabicPeriod"/>
             </a:pPr>
             <a:r>
-              <a:rPr lang="en-US" sz="3200" b="1" strike="noStrike" spc="-1" dirty="0">
+              <a:rPr lang="en-US" sz="3200" b="1" strike="noStrike" spc="-1">
                 <a:solidFill>
                   <a:srgbClr val="800000"/>
                 </a:solidFill>
@@ -10342,7 +10762,7 @@
               <a:t>Checked exceptions</a:t>
             </a:r>
             <a:r>
-              <a:rPr lang="en-US" sz="3200" b="0" strike="noStrike" spc="-1" dirty="0">
+              <a:rPr lang="en-US" sz="3200" b="0" strike="noStrike" spc="-1">
                 <a:solidFill>
                   <a:srgbClr val="000000"/>
                 </a:solidFill>
@@ -10357,7 +10777,7 @@
               <a:t>: compiler </a:t>
             </a:r>
             <a:r>
-              <a:rPr lang="en-US" sz="3200" b="1" u="sng" strike="noStrike" spc="-1" dirty="0">
+              <a:rPr lang="en-US" sz="3200" b="1" u="sng" strike="noStrike" spc="-1">
                 <a:solidFill>
                   <a:srgbClr val="000000"/>
                 </a:solidFill>
@@ -10372,7 +10792,7 @@
               <a:t>checks</a:t>
             </a:r>
             <a:r>
-              <a:rPr lang="en-US" sz="3200" b="0" strike="noStrike" spc="-1" dirty="0">
+              <a:rPr lang="en-US" sz="3200" b="0" strike="noStrike" spc="-1">
                 <a:solidFill>
                   <a:srgbClr val="000000"/>
                 </a:solidFill>
@@ -10386,7 +10806,7 @@
               </a:rPr>
               <a:t> that calling code isn’t ignoring the problem</a:t>
             </a:r>
-            <a:endParaRPr lang="en-US" sz="1800" b="0" strike="noStrike" spc="-1" dirty="0">
+            <a:endParaRPr lang="en-US" sz="1800" b="0" strike="noStrike" spc="-1">
               <a:solidFill>
                 <a:srgbClr val="000000"/>
               </a:solidFill>
@@ -10410,7 +10830,7 @@
               <a:buChar char="–"/>
             </a:pPr>
             <a:r>
-              <a:rPr lang="en-US" sz="2800" b="0" strike="noStrike" spc="-1" dirty="0">
+              <a:rPr lang="en-US" sz="2800" b="0" strike="noStrike" spc="-1">
                 <a:solidFill>
                   <a:srgbClr val="000000"/>
                 </a:solidFill>
@@ -10425,7 +10845,7 @@
               <a:t>Used for </a:t>
             </a:r>
             <a:r>
-              <a:rPr lang="en-US" sz="2800" b="1" strike="noStrike" spc="-1" dirty="0">
+              <a:rPr lang="en-US" sz="2800" b="1" strike="noStrike" spc="-1">
                 <a:solidFill>
                   <a:srgbClr val="800000"/>
                 </a:solidFill>
@@ -10440,7 +10860,7 @@
               <a:t>expected</a:t>
             </a:r>
             <a:r>
-              <a:rPr lang="en-US" sz="2800" b="0" strike="noStrike" spc="-1" dirty="0">
+              <a:rPr lang="en-US" sz="2800" b="0" strike="noStrike" spc="-1">
                 <a:solidFill>
                   <a:srgbClr val="800000"/>
                 </a:solidFill>
@@ -10455,7 +10875,7 @@
               <a:t> </a:t>
             </a:r>
             <a:r>
-              <a:rPr lang="en-US" sz="2800" b="0" strike="noStrike" spc="-1" dirty="0">
+              <a:rPr lang="en-US" sz="2800" b="0" strike="noStrike" spc="-1">
                 <a:solidFill>
                   <a:srgbClr val="000000"/>
                 </a:solidFill>
@@ -10482,7 +10902,7 @@
               <a:buChar char="–"/>
             </a:pPr>
             <a:r>
-              <a:rPr lang="en-US" sz="2800" spc="-1" dirty="0">
+              <a:rPr lang="en-US" sz="2800" spc="-1">
                 <a:solidFill>
                   <a:srgbClr val="000000"/>
                 </a:solidFill>
@@ -10497,7 +10917,7 @@
               <a:t>Example: </a:t>
             </a:r>
             <a:r>
-              <a:rPr lang="en-US" sz="2800" spc="-1" dirty="0" err="1">
+              <a:rPr lang="en-US" sz="2800" spc="-1" err="1">
                 <a:solidFill>
                   <a:srgbClr val="000000"/>
                 </a:solidFill>
@@ -10510,7 +10930,7 @@
               </a:rPr>
               <a:t>FileNotFoundException</a:t>
             </a:r>
-            <a:endParaRPr lang="en-US" sz="2800" spc="-1" dirty="0">
+            <a:endParaRPr lang="en-US" sz="2800" spc="-1">
               <a:solidFill>
                 <a:srgbClr val="000000"/>
               </a:solidFill>
@@ -10533,7 +10953,7 @@
               <a:buFont typeface="Arial"/>
               <a:buChar char="–"/>
             </a:pPr>
-            <a:endParaRPr lang="en-US" sz="1800" b="0" strike="noStrike" spc="-1" dirty="0">
+            <a:endParaRPr lang="en-US" sz="1800" b="0" strike="noStrike" spc="-1">
               <a:solidFill>
                 <a:srgbClr val="000000"/>
               </a:solidFill>
@@ -10557,7 +10977,7 @@
               <a:buAutoNum type="arabicPeriod" startAt="2"/>
             </a:pPr>
             <a:r>
-              <a:rPr lang="en-US" sz="3200" b="1" strike="noStrike" spc="-1" dirty="0">
+              <a:rPr lang="en-US" sz="3200" b="1" strike="noStrike" spc="-1">
                 <a:solidFill>
                   <a:srgbClr val="800000"/>
                 </a:solidFill>
@@ -10572,7 +10992,7 @@
               <a:t>Unchecked exceptions</a:t>
             </a:r>
             <a:r>
-              <a:rPr lang="en-US" sz="3200" b="0" strike="noStrike" spc="-1" dirty="0">
+              <a:rPr lang="en-US" sz="3200" b="0" strike="noStrike" spc="-1">
                 <a:solidFill>
                   <a:srgbClr val="000000"/>
                 </a:solidFill>
@@ -10586,7 +11006,7 @@
               </a:rPr>
               <a:t>: compiler lets us ignore these if we want</a:t>
             </a:r>
-            <a:endParaRPr lang="en-US" sz="1800" b="0" strike="noStrike" spc="-1" dirty="0">
+            <a:endParaRPr lang="en-US" sz="1800" b="0" strike="noStrike" spc="-1">
               <a:solidFill>
                 <a:srgbClr val="000000"/>
               </a:solidFill>
@@ -10610,7 +11030,7 @@
               <a:buChar char="–"/>
             </a:pPr>
             <a:r>
-              <a:rPr lang="en-US" sz="2800" b="0" strike="noStrike" spc="-1" dirty="0">
+              <a:rPr lang="en-US" sz="2800" b="0" strike="noStrike" spc="-1">
                 <a:solidFill>
                   <a:srgbClr val="000000"/>
                 </a:solidFill>
@@ -10624,7 +11044,7 @@
               </a:rPr>
               <a:t>Used for fatal or avoidable problems</a:t>
             </a:r>
-            <a:endParaRPr lang="en-US" sz="1800" b="0" strike="noStrike" spc="-1" dirty="0">
+            <a:endParaRPr lang="en-US" sz="1800" b="0" strike="noStrike" spc="-1">
               <a:solidFill>
                 <a:srgbClr val="000000"/>
               </a:solidFill>
@@ -10648,7 +11068,7 @@
               <a:buChar char="–"/>
             </a:pPr>
             <a:r>
-              <a:rPr lang="en-US" sz="2800" b="0" strike="noStrike" spc="-1" dirty="0">
+              <a:rPr lang="en-US" sz="2800" b="0" strike="noStrike" spc="-1">
                 <a:solidFill>
                   <a:srgbClr val="000000"/>
                 </a:solidFill>
@@ -10663,7 +11083,7 @@
               <a:t>Are subclasses of </a:t>
             </a:r>
             <a:r>
-              <a:rPr lang="en-US" sz="2800" b="0" strike="noStrike" spc="-1" dirty="0" err="1">
+              <a:rPr lang="en-US" sz="2800" b="0" strike="noStrike" spc="-1" err="1">
                 <a:solidFill>
                   <a:srgbClr val="000000"/>
                 </a:solidFill>
@@ -10678,7 +11098,7 @@
               <a:t>RunTimeException</a:t>
             </a:r>
             <a:r>
-              <a:rPr lang="en-US" sz="2800" b="0" strike="noStrike" spc="-1" dirty="0">
+              <a:rPr lang="en-US" sz="2800" b="0" strike="noStrike" spc="-1">
                 <a:solidFill>
                   <a:srgbClr val="000000"/>
                 </a:solidFill>
@@ -10702,7 +11122,7 @@
               <a:buChar char="–"/>
             </a:pPr>
             <a:r>
-              <a:rPr lang="en-US" sz="2800" spc="-1" dirty="0">
+              <a:rPr lang="en-US" sz="2800" spc="-1">
                 <a:solidFill>
                   <a:srgbClr val="000000"/>
                 </a:solidFill>
@@ -10716,7 +11136,7 @@
               <a:t>Example: </a:t>
             </a:r>
             <a:r>
-              <a:rPr lang="en-US" sz="2800" spc="-1" dirty="0" err="1">
+              <a:rPr lang="en-US" sz="2800" spc="-1" err="1">
                 <a:solidFill>
                   <a:srgbClr val="000000"/>
                 </a:solidFill>
@@ -10729,7 +11149,7 @@
               </a:rPr>
               <a:t>ConcurrentModificationException</a:t>
             </a:r>
-            <a:endParaRPr lang="en-US" sz="2800" spc="-1" dirty="0">
+            <a:endParaRPr lang="en-US" sz="2800" spc="-1">
               <a:solidFill>
                 <a:srgbClr val="000000"/>
               </a:solidFill>
@@ -10752,7 +11172,7 @@
               <a:buFont typeface="Arial"/>
               <a:buChar char="–"/>
             </a:pPr>
-            <a:endParaRPr lang="en-US" sz="1800" b="0" strike="noStrike" spc="-1" dirty="0">
+            <a:endParaRPr lang="en-US" sz="1800" b="0" strike="noStrike" spc="-1">
               <a:solidFill>
                 <a:srgbClr val="000000"/>
               </a:solidFill>
@@ -11069,7 +11489,7 @@
 </p:sld>
 </file>
 
-<file path=ppt/slides/slide21.xml><?xml version="1.0" encoding="utf-8"?>
+<file path=ppt/slides/slide25.xml><?xml version="1.0" encoding="utf-8"?>
 <p:sld xmlns:a="http://schemas.openxmlformats.org/drawingml/2006/main" xmlns:r="http://schemas.openxmlformats.org/officeDocument/2006/relationships" xmlns:p="http://schemas.openxmlformats.org/presentationml/2006/main">
   <p:cSld>
     <p:spTree>
@@ -11105,7 +11525,7 @@
               <a:defRPr/>
             </a:pPr>
             <a:r>
-              <a:rPr lang="en-US" dirty="0">
+              <a:rPr lang="en-US">
                 <a:ea typeface="+mj-ea"/>
                 <a:cs typeface="+mj-cs"/>
               </a:rPr>
@@ -11130,13 +11550,13 @@
           <a:lstStyle/>
           <a:p>
             <a:r>
-              <a:rPr lang="en-US" dirty="0"/>
+              <a:rPr lang="en-US"/>
               <a:t>Work time</a:t>
             </a:r>
           </a:p>
           <a:p>
             <a:r>
-              <a:rPr lang="en-US" i="1" dirty="0"/>
+              <a:rPr lang="en-US" i="1"/>
               <a:t>Be sure everyone is getting a chance to drive.</a:t>
             </a:r>
           </a:p>
@@ -11184,7 +11604,7 @@
           <a:lstStyle/>
           <a:p>
             <a:r>
-              <a:rPr lang="en-US" dirty="0"/>
+              <a:rPr lang="en-US"/>
               <a:t>Final Project Introduction</a:t>
             </a:r>
           </a:p>
@@ -11200,12 +11620,73 @@
             <p:ph idx="1"/>
           </p:nvPr>
         </p:nvSpPr>
-        <p:spPr/>
+        <p:spPr>
+          <a:xfrm>
+            <a:off x="457200" y="1169756"/>
+            <a:ext cx="8229600" cy="1295400"/>
+          </a:xfrm>
+        </p:spPr>
         <p:txBody>
           <a:bodyPr/>
           <a:lstStyle/>
           <a:p>
-            <a:endParaRPr lang="en-US"/>
+            <a:r>
+              <a:rPr lang="en-US" sz="2000" dirty="0"/>
+              <a:t>Winter 2022-23 Team Sheet:</a:t>
+            </a:r>
+          </a:p>
+          <a:p>
+            <a:r>
+              <a:rPr lang="en-US" sz="2000" dirty="0"/>
+              <a:t>Insert link here to new final projects teams</a:t>
+            </a:r>
+          </a:p>
+          <a:p>
+            <a:endParaRPr lang="en-US" dirty="0"/>
+          </a:p>
+        </p:txBody>
+      </p:sp>
+      <p:sp>
+        <p:nvSpPr>
+          <p:cNvPr id="4" name="TextBox 3">
+            <a:extLst>
+              <a:ext uri="{FF2B5EF4-FFF2-40B4-BE49-F238E27FC236}">
+                <a16:creationId xmlns:a16="http://schemas.microsoft.com/office/drawing/2014/main" id="{7EA54C1E-576D-A63D-95A2-8C1918F37A63}"/>
+              </a:ext>
+            </a:extLst>
+          </p:cNvPr>
+          <p:cNvSpPr txBox="1"/>
+          <p:nvPr/>
+        </p:nvSpPr>
+        <p:spPr>
+          <a:xfrm>
+            <a:off x="1515979" y="2887579"/>
+            <a:ext cx="5570621" cy="923330"/>
+          </a:xfrm>
+          <a:prstGeom prst="rect">
+            <a:avLst/>
+          </a:prstGeom>
+          <a:noFill/>
+        </p:spPr>
+        <p:txBody>
+          <a:bodyPr wrap="square" rtlCol="0">
+            <a:spAutoFit/>
+          </a:bodyPr>
+          <a:lstStyle/>
+          <a:p>
+            <a:r>
+              <a:rPr lang="en-US" dirty="0"/>
+              <a:t>Insert screenshots of teams here</a:t>
+            </a:r>
+          </a:p>
+          <a:p>
+            <a:endParaRPr lang="en-US" dirty="0"/>
+          </a:p>
+          <a:p>
+            <a:r>
+              <a:rPr lang="en-US" dirty="0"/>
+              <a:t>For arcade and GARP</a:t>
+            </a:r>
           </a:p>
         </p:txBody>
       </p:sp>
@@ -11241,7 +11722,13 @@
       </p:grpSpPr>
       <p:sp>
         <p:nvSpPr>
-          <p:cNvPr id="2" name="Title 1"/>
+          <p:cNvPr id="2" name="Title 1">
+            <a:extLst>
+              <a:ext uri="{FF2B5EF4-FFF2-40B4-BE49-F238E27FC236}">
+                <a16:creationId xmlns:a16="http://schemas.microsoft.com/office/drawing/2014/main" id="{E96628A5-0DEC-1EA9-1950-2FBBBC0DDB26}"/>
+              </a:ext>
+            </a:extLst>
+          </p:cNvPr>
           <p:cNvSpPr>
             <a:spLocks noGrp="1"/>
           </p:cNvSpPr>
@@ -11251,19 +11738,27 @@
         </p:nvSpPr>
         <p:spPr/>
         <p:txBody>
-          <a:bodyPr/>
+          <a:bodyPr>
+            <a:normAutofit fontScale="90000"/>
+          </a:bodyPr>
           <a:lstStyle/>
           <a:p>
             <a:r>
-              <a:rPr lang="en-US" dirty="0"/>
-              <a:t>Threads</a:t>
-            </a:r>
-          </a:p>
-        </p:txBody>
-      </p:sp>
-      <p:sp>
-        <p:nvSpPr>
-          <p:cNvPr id="3" name="Content Placeholder 2"/>
+              <a:rPr lang="en-US"/>
+              <a:t>Project Specifications (Link on Moodle)</a:t>
+            </a:r>
+          </a:p>
+        </p:txBody>
+      </p:sp>
+      <p:sp>
+        <p:nvSpPr>
+          <p:cNvPr id="3" name="Content Placeholder 2">
+            <a:extLst>
+              <a:ext uri="{FF2B5EF4-FFF2-40B4-BE49-F238E27FC236}">
+                <a16:creationId xmlns:a16="http://schemas.microsoft.com/office/drawing/2014/main" id="{7FB6827D-9B94-60EB-24C5-FE003D6BBF7E}"/>
+              </a:ext>
+            </a:extLst>
+          </p:cNvPr>
           <p:cNvSpPr>
             <a:spLocks noGrp="1"/>
           </p:cNvSpPr>
@@ -11271,85 +11766,99 @@
             <p:ph idx="1"/>
           </p:nvPr>
         </p:nvSpPr>
+        <p:spPr/>
+        <p:txBody>
+          <a:bodyPr>
+            <a:normAutofit lnSpcReduction="10000"/>
+          </a:bodyPr>
+          <a:lstStyle/>
+          <a:p>
+            <a:r>
+              <a:rPr lang="en-US">
+                <a:hlinkClick r:id="rId2"/>
+              </a:rPr>
+              <a:t>CSSE220 Joust Team Project</a:t>
+            </a:r>
+            <a:endParaRPr lang="en-US"/>
+          </a:p>
+          <a:p>
+            <a:endParaRPr lang="en-US">
+              <a:hlinkClick r:id="rId3"/>
+            </a:endParaRPr>
+          </a:p>
+          <a:p>
+            <a:endParaRPr lang="en-US">
+              <a:hlinkClick r:id="rId3"/>
+            </a:endParaRPr>
+          </a:p>
+          <a:p>
+            <a:endParaRPr lang="en-US">
+              <a:hlinkClick r:id="rId3"/>
+            </a:endParaRPr>
+          </a:p>
+          <a:p>
+            <a:endParaRPr lang="en-US">
+              <a:hlinkClick r:id="rId3"/>
+            </a:endParaRPr>
+          </a:p>
+          <a:p>
+            <a:endParaRPr lang="en-US">
+              <a:hlinkClick r:id="rId3"/>
+            </a:endParaRPr>
+          </a:p>
+          <a:p>
+            <a:endParaRPr lang="en-US">
+              <a:hlinkClick r:id="rId3"/>
+            </a:endParaRPr>
+          </a:p>
+          <a:p>
+            <a:r>
+              <a:rPr lang="en-US">
+                <a:hlinkClick r:id="rId3"/>
+              </a:rPr>
+              <a:t>CSSE220 Genetic Algorithm Research Project</a:t>
+            </a:r>
+            <a:endParaRPr lang="en-US"/>
+          </a:p>
+          <a:p>
+            <a:endParaRPr lang="en-US"/>
+          </a:p>
+        </p:txBody>
+      </p:sp>
+      <p:pic>
+        <p:nvPicPr>
+          <p:cNvPr id="5" name="Picture 4">
+            <a:extLst>
+              <a:ext uri="{FF2B5EF4-FFF2-40B4-BE49-F238E27FC236}">
+                <a16:creationId xmlns:a16="http://schemas.microsoft.com/office/drawing/2014/main" id="{C919835D-657C-8DA8-81AF-8C6263D50E7F}"/>
+              </a:ext>
+            </a:extLst>
+          </p:cNvPr>
+          <p:cNvPicPr>
+            <a:picLocks noChangeAspect="1"/>
+          </p:cNvPicPr>
+          <p:nvPr/>
+        </p:nvPicPr>
+        <p:blipFill>
+          <a:blip r:embed="rId4"/>
+          <a:stretch>
+            <a:fillRect/>
+          </a:stretch>
+        </p:blipFill>
         <p:spPr>
           <a:xfrm>
-            <a:off x="426156" y="1392238"/>
-            <a:ext cx="8413044" cy="4779962"/>
+            <a:off x="1371600" y="2209800"/>
+            <a:ext cx="3564900" cy="2895600"/>
           </a:xfrm>
+          <a:prstGeom prst="rect">
+            <a:avLst/>
+          </a:prstGeom>
         </p:spPr>
-        <p:txBody>
-          <a:bodyPr>
-            <a:normAutofit fontScale="92500"/>
-          </a:bodyPr>
-          <a:lstStyle/>
-          <a:p>
-            <a:r>
-              <a:rPr lang="en-US" dirty="0"/>
-              <a:t>Computers can run more than one thread of execution at the same time</a:t>
-            </a:r>
-          </a:p>
-          <a:p>
-            <a:pPr lvl="1"/>
-            <a:r>
-              <a:rPr lang="en-US" dirty="0"/>
-              <a:t>Even single core processor can simulate this by timesharing (more about this in future courses)</a:t>
-            </a:r>
-          </a:p>
-          <a:p>
-            <a:r>
-              <a:rPr lang="en-US" dirty="0"/>
-              <a:t>Main starts every Java program</a:t>
-            </a:r>
-          </a:p>
-          <a:p>
-            <a:r>
-              <a:rPr lang="en-US" dirty="0"/>
-              <a:t>Graphics start a </a:t>
-            </a:r>
-            <a:r>
-              <a:rPr lang="en-US" i="1" dirty="0"/>
-              <a:t>separate</a:t>
-            </a:r>
-            <a:r>
-              <a:rPr lang="en-US" dirty="0"/>
-              <a:t> thread</a:t>
-            </a:r>
-          </a:p>
-          <a:p>
-            <a:r>
-              <a:rPr lang="en-US" dirty="0"/>
-              <a:t>Multiple threads can create very painful problems </a:t>
-            </a:r>
-          </a:p>
-          <a:p>
-            <a:pPr lvl="1"/>
-            <a:r>
-              <a:rPr lang="en-US" dirty="0"/>
-              <a:t>Can be hard to debug (race conditions)</a:t>
-            </a:r>
-          </a:p>
-          <a:p>
-            <a:pPr lvl="1"/>
-            <a:r>
-              <a:rPr lang="en-US" dirty="0"/>
-              <a:t>Example include </a:t>
-            </a:r>
-            <a:r>
-              <a:rPr lang="en-US" dirty="0" err="1"/>
-              <a:t>ConcurrentModificationExceptions</a:t>
-            </a:r>
-            <a:endParaRPr lang="en-US" dirty="0"/>
-          </a:p>
-          <a:p>
-            <a:pPr lvl="1"/>
-            <a:endParaRPr lang="en-US" dirty="0"/>
-          </a:p>
-        </p:txBody>
-      </p:sp>
+      </p:pic>
     </p:spTree>
     <p:extLst>
       <p:ext uri="{BB962C8B-B14F-4D97-AF65-F5344CB8AC3E}">
-        <p14:creationId xmlns:p14="http://schemas.microsoft.com/office/powerpoint/2010/main" val="2476839187"/>
+        <p14:creationId xmlns:p14="http://schemas.microsoft.com/office/powerpoint/2010/main" val="2808992108"/>
       </p:ext>
     </p:extLst>
   </p:cSld>
@@ -11392,15 +11901,8 @@
           <a:lstStyle/>
           <a:p>
             <a:r>
-              <a:rPr lang="en-US" dirty="0">
-                <a:latin typeface="Courier New" panose="02070309020205020404" pitchFamily="49" charset="0"/>
-                <a:cs typeface="Courier New" panose="02070309020205020404" pitchFamily="49" charset="0"/>
-              </a:rPr>
-              <a:t>main</a:t>
-            </a:r>
-            <a:r>
-              <a:rPr lang="en-US" dirty="0"/>
-              <a:t>'s and Graphics' Threads</a:t>
+              <a:rPr lang="en-US"/>
+              <a:t>Threads</a:t>
             </a:r>
           </a:p>
         </p:txBody>
@@ -11417,6 +11919,212 @@
         </p:nvSpPr>
         <p:spPr>
           <a:xfrm>
+            <a:off x="426156" y="1392238"/>
+            <a:ext cx="8413044" cy="4779962"/>
+          </a:xfrm>
+        </p:spPr>
+        <p:txBody>
+          <a:bodyPr vert="horz" lIns="91440" tIns="45720" rIns="91440" bIns="45720" rtlCol="0" anchor="t">
+            <a:normAutofit fontScale="92500" lnSpcReduction="10000"/>
+          </a:bodyPr>
+          <a:lstStyle/>
+          <a:p>
+            <a:r>
+              <a:rPr lang="en-US" dirty="0"/>
+              <a:t>Computers can run more than one thread of execution at the same time</a:t>
+            </a:r>
+          </a:p>
+          <a:p>
+            <a:pPr lvl="1"/>
+            <a:r>
+              <a:rPr lang="en-US" dirty="0"/>
+              <a:t>Even single core processor can simulate this by timesharing (more about this in future courses)</a:t>
+            </a:r>
+            <a:endParaRPr lang="en-US" dirty="0">
+              <a:cs typeface="Calibri"/>
+            </a:endParaRPr>
+          </a:p>
+          <a:p>
+            <a:r>
+              <a:rPr lang="en-US" dirty="0"/>
+              <a:t>Main starts every Java program</a:t>
+            </a:r>
+            <a:endParaRPr lang="en-US" dirty="0">
+              <a:cs typeface="Calibri"/>
+            </a:endParaRPr>
+          </a:p>
+          <a:p>
+            <a:r>
+              <a:rPr lang="en-US" dirty="0"/>
+              <a:t>Graphics start a </a:t>
+            </a:r>
+            <a:r>
+              <a:rPr lang="en-US" i="1" dirty="0"/>
+              <a:t>separate</a:t>
+            </a:r>
+            <a:r>
+              <a:rPr lang="en-US" dirty="0"/>
+              <a:t> thread</a:t>
+            </a:r>
+            <a:endParaRPr lang="en-US" dirty="0">
+              <a:cs typeface="Calibri"/>
+            </a:endParaRPr>
+          </a:p>
+          <a:p>
+            <a:r>
+              <a:rPr lang="en-US" dirty="0"/>
+              <a:t>Multiple threads can create very painful problems </a:t>
+            </a:r>
+            <a:endParaRPr lang="en-US" dirty="0">
+              <a:cs typeface="Calibri"/>
+            </a:endParaRPr>
+          </a:p>
+          <a:p>
+            <a:pPr lvl="1"/>
+            <a:r>
+              <a:rPr lang="en-US" dirty="0"/>
+              <a:t>Can be hard to debug (race conditions)</a:t>
+            </a:r>
+            <a:endParaRPr lang="en-US" dirty="0">
+              <a:cs typeface="Calibri"/>
+            </a:endParaRPr>
+          </a:p>
+          <a:p>
+            <a:pPr lvl="1"/>
+            <a:r>
+              <a:rPr lang="en-US" dirty="0"/>
+              <a:t>Example include </a:t>
+            </a:r>
+            <a:r>
+              <a:rPr lang="en-US" dirty="0" err="1"/>
+              <a:t>ConcurrentModificationExceptions</a:t>
+            </a:r>
+            <a:endParaRPr lang="en-US" dirty="0"/>
+          </a:p>
+          <a:p>
+            <a:pPr lvl="1"/>
+            <a:r>
+              <a:rPr lang="en-US" dirty="0">
+                <a:cs typeface="Calibri"/>
+              </a:rPr>
+              <a:t>Join Daniel </a:t>
+            </a:r>
+            <a:r>
+              <a:rPr lang="en-US" dirty="0" err="1">
+                <a:cs typeface="Calibri"/>
+              </a:rPr>
+              <a:t>Ignram</a:t>
+            </a:r>
+            <a:r>
+              <a:rPr lang="en-US" dirty="0">
+                <a:cs typeface="Calibri"/>
+              </a:rPr>
+              <a:t> we </a:t>
+            </a:r>
+            <a:r>
+              <a:rPr lang="en-US" dirty="0" err="1">
+                <a:cs typeface="Calibri"/>
+              </a:rPr>
+              <a:t>welcom</a:t>
+            </a:r>
+            <a:r>
+              <a:rPr lang="en-US" dirty="0">
+                <a:cs typeface="Calibri"/>
+              </a:rPr>
+              <a:t> </a:t>
+            </a:r>
+            <a:r>
+              <a:rPr lang="en-US" dirty="0" err="1">
+                <a:cs typeface="Calibri"/>
+              </a:rPr>
+              <a:t>efree</a:t>
+            </a:r>
+            <a:r>
+              <a:rPr lang="en-US" dirty="0">
+                <a:cs typeface="Calibri"/>
+              </a:rPr>
+              <a:t> agents</a:t>
+            </a:r>
+          </a:p>
+          <a:p>
+            <a:pPr lvl="1"/>
+            <a:endParaRPr lang="en-US">
+              <a:cs typeface="Calibri"/>
+            </a:endParaRPr>
+          </a:p>
+        </p:txBody>
+      </p:sp>
+    </p:spTree>
+    <p:extLst>
+      <p:ext uri="{BB962C8B-B14F-4D97-AF65-F5344CB8AC3E}">
+        <p14:creationId xmlns:p14="http://schemas.microsoft.com/office/powerpoint/2010/main" val="2476839187"/>
+      </p:ext>
+    </p:extLst>
+  </p:cSld>
+  <p:clrMapOvr>
+    <a:masterClrMapping/>
+  </p:clrMapOvr>
+</p:sld>
+</file>
+
+<file path=ppt/slides/slide6.xml><?xml version="1.0" encoding="utf-8"?>
+<p:sld xmlns:a="http://schemas.openxmlformats.org/drawingml/2006/main" xmlns:r="http://schemas.openxmlformats.org/officeDocument/2006/relationships" xmlns:p="http://schemas.openxmlformats.org/presentationml/2006/main">
+  <p:cSld>
+    <p:spTree>
+      <p:nvGrpSpPr>
+        <p:cNvPr id="1" name=""/>
+        <p:cNvGrpSpPr/>
+        <p:nvPr/>
+      </p:nvGrpSpPr>
+      <p:grpSpPr>
+        <a:xfrm>
+          <a:off x="0" y="0"/>
+          <a:ext cx="0" cy="0"/>
+          <a:chOff x="0" y="0"/>
+          <a:chExt cx="0" cy="0"/>
+        </a:xfrm>
+      </p:grpSpPr>
+      <p:sp>
+        <p:nvSpPr>
+          <p:cNvPr id="2" name="Title 1"/>
+          <p:cNvSpPr>
+            <a:spLocks noGrp="1"/>
+          </p:cNvSpPr>
+          <p:nvPr>
+            <p:ph type="title"/>
+          </p:nvPr>
+        </p:nvSpPr>
+        <p:spPr/>
+        <p:txBody>
+          <a:bodyPr/>
+          <a:lstStyle/>
+          <a:p>
+            <a:r>
+              <a:rPr lang="en-US" b="1">
+                <a:latin typeface="Courier New" panose="02070309020205020404" pitchFamily="49" charset="0"/>
+                <a:cs typeface="Courier New" panose="02070309020205020404" pitchFamily="49" charset="0"/>
+              </a:rPr>
+              <a:t>main</a:t>
+            </a:r>
+            <a:r>
+              <a:rPr lang="en-US"/>
+              <a:t>'s and Graphics' Threads</a:t>
+            </a:r>
+          </a:p>
+        </p:txBody>
+      </p:sp>
+      <p:sp>
+        <p:nvSpPr>
+          <p:cNvPr id="3" name="Content Placeholder 2"/>
+          <p:cNvSpPr>
+            <a:spLocks noGrp="1"/>
+          </p:cNvSpPr>
+          <p:nvPr>
+            <p:ph idx="1"/>
+          </p:nvPr>
+        </p:nvSpPr>
+        <p:spPr>
+          <a:xfrm>
             <a:off x="457200" y="1600200"/>
             <a:ext cx="3810000" cy="4525963"/>
           </a:xfrm>
@@ -11428,67 +12136,67 @@
           <a:lstStyle/>
           <a:p>
             <a:r>
-              <a:rPr lang="en-US" sz="1800" dirty="0"/>
+              <a:rPr lang="en-US" sz="1800"/>
               <a:t>Every program starts in </a:t>
             </a:r>
             <a:r>
-              <a:rPr lang="en-US" sz="1800" dirty="0">
+              <a:rPr lang="en-US" sz="1800">
                 <a:latin typeface="Courier New" panose="02070309020205020404" pitchFamily="49" charset="0"/>
                 <a:cs typeface="Courier New" panose="02070309020205020404" pitchFamily="49" charset="0"/>
               </a:rPr>
               <a:t>main</a:t>
             </a:r>
             <a:r>
-              <a:rPr lang="en-US" sz="1800" dirty="0"/>
+              <a:rPr lang="en-US" sz="1800"/>
               <a:t> and begins executing one statement at a time</a:t>
             </a:r>
           </a:p>
           <a:p>
             <a:r>
-              <a:rPr lang="en-US" sz="1800" dirty="0"/>
+              <a:rPr lang="en-US" sz="1800"/>
               <a:t>When a </a:t>
             </a:r>
             <a:r>
-              <a:rPr lang="en-US" sz="1800" dirty="0" err="1"/>
+              <a:rPr lang="en-US" sz="1800" err="1"/>
               <a:t>JFrame</a:t>
             </a:r>
             <a:r>
-              <a:rPr lang="en-US" sz="1800" dirty="0"/>
+              <a:rPr lang="en-US" sz="1800"/>
               <a:t> is created there is a second thread that starts running (at the same time, i.e., in parallel) and it will continue to run even if our </a:t>
             </a:r>
             <a:r>
-              <a:rPr lang="en-US" sz="1800" dirty="0">
+              <a:rPr lang="en-US" sz="1800">
                 <a:latin typeface="Courier New" panose="02070309020205020404" pitchFamily="49" charset="0"/>
                 <a:cs typeface="Courier New" panose="02070309020205020404" pitchFamily="49" charset="0"/>
               </a:rPr>
               <a:t>main</a:t>
             </a:r>
             <a:r>
-              <a:rPr lang="en-US" sz="1800" dirty="0"/>
+              <a:rPr lang="en-US" sz="1800"/>
               <a:t> thread completes exits</a:t>
             </a:r>
           </a:p>
           <a:p>
             <a:r>
-              <a:rPr lang="en-US" sz="1800" dirty="0"/>
+              <a:rPr lang="en-US" sz="1800"/>
               <a:t>The setting for JFrame </a:t>
             </a:r>
             <a:r>
-              <a:rPr lang="en-US" sz="1600" dirty="0" err="1">
+              <a:rPr lang="en-US" sz="1600" err="1">
                 <a:latin typeface="Courier New" panose="02070309020205020404" pitchFamily="49" charset="0"/>
                 <a:cs typeface="Courier New" panose="02070309020205020404" pitchFamily="49" charset="0"/>
               </a:rPr>
               <a:t>setDefaultCloseOperation</a:t>
             </a:r>
             <a:r>
-              <a:rPr lang="en-US" sz="1600" dirty="0">
+              <a:rPr lang="en-US" sz="1600">
                 <a:latin typeface="Courier New" panose="02070309020205020404" pitchFamily="49" charset="0"/>
                 <a:cs typeface="Courier New" panose="02070309020205020404" pitchFamily="49" charset="0"/>
               </a:rPr>
               <a:t>()</a:t>
             </a:r>
             <a:r>
-              <a:rPr lang="en-US" sz="1800" dirty="0"/>
+              <a:rPr lang="en-US" sz="1800"/>
               <a:t> determines if the Java Graphics thread continues to run after closing the window.</a:t>
             </a:r>
           </a:p>
@@ -11627,25 +12335,25 @@
           <a:lstStyle/>
           <a:p>
             <a:r>
-              <a:rPr lang="en-US" sz="2000" dirty="0">
+              <a:rPr lang="en-US" sz="2000">
                 <a:latin typeface="Courier New" panose="02070309020205020404" pitchFamily="49" charset="0"/>
                 <a:cs typeface="Courier New" panose="02070309020205020404" pitchFamily="49" charset="0"/>
               </a:rPr>
               <a:t>main</a:t>
             </a:r>
             <a:r>
-              <a:rPr lang="en-US" sz="2000" dirty="0">
+              <a:rPr lang="en-US" sz="2000">
                 <a:latin typeface="Times New Roman" panose="02020603050405020304" pitchFamily="18" charset="0"/>
                 <a:cs typeface="Times New Roman" panose="02020603050405020304" pitchFamily="18" charset="0"/>
               </a:rPr>
               <a:t>'s</a:t>
             </a:r>
             <a:r>
-              <a:rPr lang="en-US" sz="2000" dirty="0"/>
+              <a:rPr lang="en-US" sz="2000"/>
               <a:t> t</a:t>
             </a:r>
             <a:r>
-              <a:rPr lang="en-US" dirty="0"/>
+              <a:rPr lang="en-US"/>
               <a:t>hread of control</a:t>
             </a:r>
           </a:p>
@@ -11682,13 +12390,13 @@
           <a:lstStyle/>
           <a:p>
             <a:r>
-              <a:rPr lang="en-US" dirty="0"/>
+              <a:rPr lang="en-US"/>
               <a:t>Java Graphics' </a:t>
             </a:r>
           </a:p>
           <a:p>
             <a:r>
-              <a:rPr lang="en-US" dirty="0"/>
+              <a:rPr lang="en-US"/>
               <a:t>thread of control</a:t>
             </a:r>
           </a:p>
@@ -11725,10 +12433,10 @@
           <a:lstStyle/>
           <a:p>
             <a:r>
-              <a:rPr lang="en-US" dirty="0" err="1"/>
+              <a:rPr lang="en-US" err="1"/>
               <a:t>JFrame.EXIT_ON_CLOSE</a:t>
             </a:r>
-            <a:endParaRPr lang="en-US" dirty="0"/>
+            <a:endParaRPr lang="en-US"/>
           </a:p>
         </p:txBody>
       </p:sp>
@@ -11803,7 +12511,7 @@
           <a:lstStyle/>
           <a:p>
             <a:r>
-              <a:rPr lang="en-US" dirty="0"/>
+              <a:rPr lang="en-US"/>
               <a:t>Time</a:t>
             </a:r>
           </a:p>
@@ -11822,7 +12530,7 @@
 </p:sld>
 </file>
 
-<file path=ppt/slides/slide6.xml><?xml version="1.0" encoding="utf-8"?>
+<file path=ppt/slides/slide7.xml><?xml version="1.0" encoding="utf-8"?>
 <p:sld xmlns:a="http://schemas.openxmlformats.org/drawingml/2006/main" xmlns:r="http://schemas.openxmlformats.org/officeDocument/2006/relationships" xmlns:p="http://schemas.openxmlformats.org/presentationml/2006/main">
   <p:cSld>
     <p:spTree>
@@ -11857,7 +12565,7 @@
           <a:lstStyle/>
           <a:p>
             <a:r>
-              <a:rPr lang="en-US" dirty="0"/>
+              <a:rPr lang="en-US"/>
               <a:t>Concurrent Modification Exceptions</a:t>
             </a:r>
           </a:p>
@@ -11881,26 +12589,26 @@
           <a:lstStyle/>
           <a:p>
             <a:r>
-              <a:rPr lang="en-US" dirty="0"/>
+              <a:rPr lang="en-US"/>
               <a:t>Happens when you try to change something that is being used</a:t>
             </a:r>
           </a:p>
           <a:p>
             <a:r>
-              <a:rPr lang="en-US" dirty="0"/>
+              <a:rPr lang="en-US"/>
               <a:t>Example:</a:t>
             </a:r>
           </a:p>
           <a:p>
             <a:pPr lvl="1"/>
             <a:r>
-              <a:rPr lang="en-US" dirty="0"/>
+              <a:rPr lang="en-US"/>
               <a:t>Removing something from a list while the list is itself being iterated through (drawing/updating)</a:t>
             </a:r>
           </a:p>
           <a:p>
             <a:r>
-              <a:rPr lang="en-US" dirty="0"/>
+              <a:rPr lang="en-US"/>
               <a:t>Why?</a:t>
             </a:r>
           </a:p>
@@ -12039,7 +12747,7 @@
           <a:lstStyle/>
           <a:p>
             <a:r>
-              <a:rPr lang="en-US" dirty="0"/>
+              <a:rPr lang="en-US"/>
               <a:t>Main Thread</a:t>
             </a:r>
           </a:p>
@@ -12076,7 +12784,7 @@
           <a:lstStyle/>
           <a:p>
             <a:r>
-              <a:rPr lang="en-US" dirty="0"/>
+              <a:rPr lang="en-US"/>
               <a:t>Java Graphics Thread</a:t>
             </a:r>
           </a:p>
@@ -12110,11 +12818,11 @@
           <a:lstStyle/>
           <a:p>
             <a:r>
-              <a:rPr lang="en-US" dirty="0" err="1"/>
+              <a:rPr lang="en-US" err="1"/>
               <a:t>myList.remove</a:t>
             </a:r>
             <a:r>
-              <a:rPr lang="en-US" dirty="0"/>
+              <a:rPr lang="en-US"/>
               <a:t>(0);</a:t>
             </a:r>
           </a:p>
@@ -12151,43 +12859,43 @@
           <a:lstStyle/>
           <a:p>
             <a:r>
-              <a:rPr lang="en-US" dirty="0"/>
+              <a:rPr lang="en-US"/>
               <a:t>for (Item </a:t>
             </a:r>
             <a:r>
-              <a:rPr lang="en-US" dirty="0" err="1"/>
+              <a:rPr lang="en-US" err="1"/>
               <a:t>item</a:t>
             </a:r>
             <a:r>
-              <a:rPr lang="en-US" dirty="0"/>
+              <a:rPr lang="en-US"/>
               <a:t>: </a:t>
             </a:r>
             <a:r>
-              <a:rPr lang="en-US" dirty="0" err="1"/>
+              <a:rPr lang="en-US" err="1"/>
               <a:t>myList</a:t>
             </a:r>
             <a:r>
-              <a:rPr lang="en-US" dirty="0"/>
+              <a:rPr lang="en-US"/>
               <a:t>){</a:t>
             </a:r>
           </a:p>
           <a:p>
             <a:r>
-              <a:rPr lang="en-US" dirty="0"/>
+              <a:rPr lang="en-US"/>
               <a:t>   </a:t>
             </a:r>
             <a:r>
-              <a:rPr lang="en-US" dirty="0" err="1"/>
+              <a:rPr lang="en-US" err="1"/>
               <a:t>item.draw</a:t>
             </a:r>
             <a:r>
-              <a:rPr lang="en-US" dirty="0"/>
+              <a:rPr lang="en-US"/>
               <a:t>();</a:t>
             </a:r>
           </a:p>
           <a:p>
             <a:r>
-              <a:rPr lang="en-US" dirty="0"/>
+              <a:rPr lang="en-US"/>
               <a:t>}</a:t>
             </a:r>
           </a:p>
@@ -12367,7 +13075,7 @@
 </p:sld>
 </file>
 
-<file path=ppt/slides/slide7.xml><?xml version="1.0" encoding="utf-8"?>
+<file path=ppt/slides/slide8.xml><?xml version="1.0" encoding="utf-8"?>
 <p:sld xmlns:a="http://schemas.openxmlformats.org/drawingml/2006/main" xmlns:r="http://schemas.openxmlformats.org/officeDocument/2006/relationships" xmlns:p="http://schemas.openxmlformats.org/presentationml/2006/main">
   <p:cSld>
     <p:spTree>
@@ -12413,62 +13121,62 @@
               <a:defRPr sz="1800"/>
             </a:pPr>
             <a:r>
-              <a:rPr lang="en-US" sz="4000" i="1" dirty="0">
+              <a:rPr lang="en-US" sz="4000" i="1">
                 <a:latin typeface="Arial" panose="020B0604020202020204" pitchFamily="34" charset="0"/>
                 <a:cs typeface="Arial" panose="020B0604020202020204" pitchFamily="34" charset="0"/>
               </a:rPr>
               <a:t>for</a:t>
             </a:r>
             <a:r>
-              <a:rPr lang="en-US" sz="4000" dirty="0">
+              <a:rPr lang="en-US" sz="4000">
                 <a:latin typeface="Arial" panose="020B0604020202020204" pitchFamily="34" charset="0"/>
                 <a:cs typeface="Arial" panose="020B0604020202020204" pitchFamily="34" charset="0"/>
               </a:rPr>
               <a:t> </a:t>
             </a:r>
             <a:r>
-              <a:rPr sz="4000" dirty="0">
+              <a:rPr sz="4000">
                 <a:latin typeface="Arial" panose="020B0604020202020204" pitchFamily="34" charset="0"/>
                 <a:cs typeface="Arial" panose="020B0604020202020204" pitchFamily="34" charset="0"/>
               </a:rPr>
               <a:t>Loop</a:t>
             </a:r>
             <a:r>
-              <a:rPr lang="en-US" sz="4000" dirty="0">
+              <a:rPr lang="en-US" sz="4000">
                 <a:latin typeface="Arial" panose="020B0604020202020204" pitchFamily="34" charset="0"/>
                 <a:cs typeface="Arial" panose="020B0604020202020204" pitchFamily="34" charset="0"/>
               </a:rPr>
               <a:t>s</a:t>
             </a:r>
             <a:r>
-              <a:rPr sz="4000" dirty="0">
+              <a:rPr sz="4000">
                 <a:latin typeface="Arial" panose="020B0604020202020204" pitchFamily="34" charset="0"/>
                 <a:cs typeface="Arial" panose="020B0604020202020204" pitchFamily="34" charset="0"/>
               </a:rPr>
               <a:t> </a:t>
             </a:r>
             <a:r>
-              <a:rPr lang="en-US" sz="4000" dirty="0">
+              <a:rPr lang="en-US" sz="4000">
                 <a:latin typeface="Arial" panose="020B0604020202020204" pitchFamily="34" charset="0"/>
                 <a:cs typeface="Arial" panose="020B0604020202020204" pitchFamily="34" charset="0"/>
               </a:rPr>
               <a:t>and</a:t>
             </a:r>
             <a:r>
-              <a:rPr sz="4000" dirty="0">
+              <a:rPr sz="4000">
                 <a:latin typeface="Arial" panose="020B0604020202020204" pitchFamily="34" charset="0"/>
                 <a:cs typeface="Arial" panose="020B0604020202020204" pitchFamily="34" charset="0"/>
               </a:rPr>
               <a:t> </a:t>
             </a:r>
             <a:r>
-              <a:rPr lang="en-US" sz="4000" dirty="0" err="1">
+              <a:rPr lang="en-US" sz="4000" err="1">
                 <a:latin typeface="Arial" panose="020B0604020202020204" pitchFamily="34" charset="0"/>
                 <a:cs typeface="Arial" panose="020B0604020202020204" pitchFamily="34" charset="0"/>
               </a:rPr>
               <a:t>ArrayList</a:t>
             </a:r>
-            <a:endParaRPr sz="4000" dirty="0">
+            <a:endParaRPr sz="4000">
               <a:latin typeface="Arial" panose="020B0604020202020204" pitchFamily="34" charset="0"/>
               <a:cs typeface="Arial" panose="020B0604020202020204" pitchFamily="34" charset="0"/>
             </a:endParaRPr>
@@ -12588,8 +13296,8 @@
             <a:pPr lvl="0"/>
             <a:fld id="{86CB4B4D-7CA3-9044-876B-883B54F8677D}" type="slidenum">
               <a:rPr lang="en-US" smtClean="0"/>
-              <a:pPr/>
-              <a:t>7</a:t>
+              <a:pPr lvl="0"/>
+              <a:t>8</a:t>
             </a:fld>
             <a:endParaRPr lang="en-US"/>
           </a:p>
@@ -12639,7 +13347,7 @@
 </p:sld>
 </file>
 
-<file path=ppt/slides/slide8.xml><?xml version="1.0" encoding="utf-8"?>
+<file path=ppt/slides/slide9.xml><?xml version="1.0" encoding="utf-8"?>
 <p:sld xmlns:a="http://schemas.openxmlformats.org/drawingml/2006/main" xmlns:r="http://schemas.openxmlformats.org/officeDocument/2006/relationships" xmlns:p="http://schemas.openxmlformats.org/presentationml/2006/main">
   <p:cSld>
     <p:spTree>
@@ -12685,13 +13393,13 @@
               <a:defRPr sz="1800"/>
             </a:pPr>
             <a:r>
-              <a:rPr lang="en-US" sz="4000" i="1" dirty="0">
+              <a:rPr lang="en-US" sz="4000" i="1">
                 <a:latin typeface="Arial" panose="020B0604020202020204" pitchFamily="34" charset="0"/>
                 <a:cs typeface="Arial" panose="020B0604020202020204" pitchFamily="34" charset="0"/>
               </a:rPr>
               <a:t>Concurrent Modification Error</a:t>
             </a:r>
-            <a:endParaRPr sz="4000" dirty="0">
+            <a:endParaRPr sz="4000">
               <a:latin typeface="Arial" panose="020B0604020202020204" pitchFamily="34" charset="0"/>
               <a:cs typeface="Arial" panose="020B0604020202020204" pitchFamily="34" charset="0"/>
             </a:endParaRPr>
@@ -12811,8 +13519,8 @@
             <a:pPr lvl="0"/>
             <a:fld id="{86CB4B4D-7CA3-9044-876B-883B54F8677D}" type="slidenum">
               <a:rPr lang="en-US" smtClean="0"/>
-              <a:pPr/>
-              <a:t>8</a:t>
+              <a:pPr lvl="0"/>
+              <a:t>9</a:t>
             </a:fld>
             <a:endParaRPr lang="en-US"/>
           </a:p>
@@ -12916,7 +13624,7 @@
               <a:tabLst/>
             </a:pPr>
             <a:r>
-              <a:rPr kumimoji="0" lang="en-US" sz="1800" b="0" i="0" u="none" strike="noStrike" cap="none" spc="0" normalizeH="0" baseline="0" dirty="0">
+              <a:rPr kumimoji="0" lang="en-US" sz="1800" b="0" i="0" u="none" strike="noStrike" cap="none" spc="0" normalizeH="0" baseline="0">
                 <a:ln>
                   <a:noFill/>
                 </a:ln>
@@ -12951,7 +13659,7 @@
               <a:tabLst/>
             </a:pPr>
             <a:r>
-              <a:rPr kumimoji="0" lang="en-US" sz="1800" b="0" i="0" u="none" strike="noStrike" cap="none" spc="0" normalizeH="0" baseline="0" dirty="0">
+              <a:rPr kumimoji="0" lang="en-US" sz="1800" b="0" i="0" u="none" strike="noStrike" cap="none" spc="0" normalizeH="0" baseline="0">
                 <a:ln>
                   <a:noFill/>
                 </a:ln>
@@ -12968,7 +13676,7 @@
               <a:t>for enhanced </a:t>
             </a:r>
             <a:r>
-              <a:rPr kumimoji="0" lang="en-US" sz="1800" b="0" i="1" u="none" strike="noStrike" cap="none" spc="0" normalizeH="0" baseline="0" dirty="0">
+              <a:rPr kumimoji="0" lang="en-US" sz="1800" b="0" i="1" u="none" strike="noStrike" cap="none" spc="0" normalizeH="0" baseline="0">
                 <a:ln>
                   <a:noFill/>
                 </a:ln>
@@ -12985,7 +13693,7 @@
               <a:t>for</a:t>
             </a:r>
             <a:r>
-              <a:rPr kumimoji="0" lang="en-US" sz="1800" b="0" u="none" strike="noStrike" cap="none" spc="0" normalizeH="0" baseline="0" dirty="0">
+              <a:rPr kumimoji="0" lang="en-US" sz="1800" b="0" u="none" strike="noStrike" cap="none" spc="0" normalizeH="0" baseline="0">
                 <a:ln>
                   <a:noFill/>
                 </a:ln>
@@ -13020,7 +13728,7 @@
               <a:tabLst/>
             </a:pPr>
             <a:r>
-              <a:rPr kumimoji="0" lang="en-US" sz="1800" b="0" u="none" strike="noStrike" cap="none" spc="0" normalizeH="0" baseline="0" dirty="0">
+              <a:rPr kumimoji="0" lang="en-US" sz="1800" b="0" u="none" strike="noStrike" cap="none" spc="0" normalizeH="0" baseline="0">
                 <a:ln>
                   <a:noFill/>
                 </a:ln>
@@ -13054,7 +13762,7 @@
               <a:buNone/>
               <a:tabLst/>
             </a:pPr>
-            <a:endParaRPr lang="en-US" dirty="0">
+            <a:endParaRPr lang="en-US">
               <a:solidFill>
                 <a:srgbClr val="000000"/>
               </a:solidFill>
@@ -13078,7 +13786,7 @@
               <a:tabLst/>
             </a:pPr>
             <a:r>
-              <a:rPr kumimoji="0" lang="en-US" sz="1800" b="0" u="none" strike="noStrike" cap="none" spc="0" normalizeH="0" baseline="0" dirty="0">
+              <a:rPr kumimoji="0" lang="en-US" sz="1800" b="0" u="none" strike="noStrike" cap="none" spc="0" normalizeH="0" baseline="0">
                 <a:ln>
                   <a:noFill/>
                 </a:ln>
@@ -13095,7 +13803,7 @@
               <a:t>But enhanced </a:t>
             </a:r>
             <a:r>
-              <a:rPr kumimoji="0" lang="en-US" sz="1800" b="0" i="1" u="none" strike="noStrike" cap="none" spc="0" normalizeH="0" baseline="0" dirty="0">
+              <a:rPr kumimoji="0" lang="en-US" sz="1800" b="0" i="1" u="none" strike="noStrike" cap="none" spc="0" normalizeH="0" baseline="0">
                 <a:ln>
                   <a:noFill/>
                 </a:ln>
@@ -13112,7 +13820,7 @@
               <a:t>for</a:t>
             </a:r>
             <a:r>
-              <a:rPr kumimoji="0" lang="en-US" sz="1800" b="0" u="none" strike="noStrike" cap="none" spc="0" normalizeH="0" baseline="0" dirty="0">
+              <a:rPr kumimoji="0" lang="en-US" sz="1800" b="0" u="none" strike="noStrike" cap="none" spc="0" normalizeH="0" baseline="0">
                 <a:ln>
                   <a:noFill/>
                 </a:ln>
@@ -13147,7 +13855,7 @@
               <a:tabLst/>
             </a:pPr>
             <a:r>
-              <a:rPr kumimoji="0" lang="en-US" sz="1800" b="0" u="none" strike="noStrike" cap="none" spc="0" normalizeH="0" baseline="0" dirty="0">
+              <a:rPr kumimoji="0" lang="en-US" sz="1800" b="0" u="none" strike="noStrike" cap="none" spc="0" normalizeH="0" baseline="0">
                 <a:ln>
                   <a:noFill/>
                 </a:ln>
@@ -13182,14 +13890,14 @@
               <a:tabLst/>
             </a:pPr>
             <a:r>
-              <a:rPr lang="en-US" i="0" dirty="0">
+              <a:rPr lang="en-US" i="0">
                 <a:solidFill>
                   <a:srgbClr val="000000"/>
                 </a:solidFill>
               </a:rPr>
               <a:t>'a'</a:t>
             </a:r>
-            <a:endParaRPr kumimoji="0" lang="en-US" sz="1800" b="0" i="0" u="none" strike="noStrike" cap="none" spc="0" normalizeH="0" baseline="0" dirty="0">
+            <a:endParaRPr kumimoji="0" lang="en-US" sz="1800" b="0" i="0" u="none" strike="noStrike" cap="none" spc="0" normalizeH="0" baseline="0">
               <a:ln>
                 <a:noFill/>
               </a:ln>
@@ -13246,112 +13954,6 @@
     <p:extLst>
       <p:ext uri="{BB962C8B-B14F-4D97-AF65-F5344CB8AC3E}">
         <p14:creationId xmlns:p14="http://schemas.microsoft.com/office/powerpoint/2010/main" val="3349389267"/>
-      </p:ext>
-    </p:extLst>
-  </p:cSld>
-  <p:clrMapOvr>
-    <a:masterClrMapping/>
-  </p:clrMapOvr>
-</p:sld>
-</file>
-
-<file path=ppt/slides/slide9.xml><?xml version="1.0" encoding="utf-8"?>
-<p:sld xmlns:a="http://schemas.openxmlformats.org/drawingml/2006/main" xmlns:r="http://schemas.openxmlformats.org/officeDocument/2006/relationships" xmlns:p="http://schemas.openxmlformats.org/presentationml/2006/main">
-  <p:cSld>
-    <p:spTree>
-      <p:nvGrpSpPr>
-        <p:cNvPr id="1" name=""/>
-        <p:cNvGrpSpPr/>
-        <p:nvPr/>
-      </p:nvGrpSpPr>
-      <p:grpSpPr>
-        <a:xfrm>
-          <a:off x="0" y="0"/>
-          <a:ext cx="0" cy="0"/>
-          <a:chOff x="0" y="0"/>
-          <a:chExt cx="0" cy="0"/>
-        </a:xfrm>
-      </p:grpSpPr>
-      <p:sp>
-        <p:nvSpPr>
-          <p:cNvPr id="2" name="Title 1"/>
-          <p:cNvSpPr>
-            <a:spLocks noGrp="1"/>
-          </p:cNvSpPr>
-          <p:nvPr>
-            <p:ph type="title"/>
-          </p:nvPr>
-        </p:nvSpPr>
-        <p:spPr/>
-        <p:txBody>
-          <a:bodyPr/>
-          <a:lstStyle/>
-          <a:p>
-            <a:r>
-              <a:rPr lang="en-US" dirty="0"/>
-              <a:t>Timer</a:t>
-            </a:r>
-          </a:p>
-        </p:txBody>
-      </p:sp>
-      <p:sp>
-        <p:nvSpPr>
-          <p:cNvPr id="3" name="Content Placeholder 2"/>
-          <p:cNvSpPr>
-            <a:spLocks noGrp="1"/>
-          </p:cNvSpPr>
-          <p:nvPr>
-            <p:ph idx="1"/>
-          </p:nvPr>
-        </p:nvSpPr>
-        <p:spPr/>
-        <p:txBody>
-          <a:bodyPr/>
-          <a:lstStyle/>
-          <a:p>
-            <a:r>
-              <a:rPr lang="en-US" dirty="0"/>
-              <a:t>An alternative to a thread that waits/sleeps</a:t>
-            </a:r>
-          </a:p>
-          <a:p>
-            <a:r>
-              <a:rPr lang="en-US" dirty="0"/>
-              <a:t>Creates events periodically</a:t>
-            </a:r>
-          </a:p>
-          <a:p>
-            <a:r>
-              <a:rPr lang="en-US" dirty="0"/>
-              <a:t>Allows main thread to finish</a:t>
-            </a:r>
-          </a:p>
-          <a:p>
-            <a:r>
-              <a:rPr lang="en-US" dirty="0"/>
-              <a:t>Designed to work in same thread as graphics</a:t>
-            </a:r>
-          </a:p>
-          <a:p>
-            <a:r>
-              <a:rPr lang="en-US" dirty="0"/>
-              <a:t>Superior approach for </a:t>
-            </a:r>
-            <a:r>
-              <a:rPr lang="en-US" dirty="0" err="1"/>
-              <a:t>ArcadeGame</a:t>
-            </a:r>
-            <a:r>
-              <a:rPr lang="en-US" dirty="0"/>
-              <a:t> project</a:t>
-            </a:r>
-          </a:p>
-        </p:txBody>
-      </p:sp>
-    </p:spTree>
-    <p:extLst>
-      <p:ext uri="{BB962C8B-B14F-4D97-AF65-F5344CB8AC3E}">
-        <p14:creationId xmlns:p14="http://schemas.microsoft.com/office/powerpoint/2010/main" val="1386020521"/>
       </p:ext>
     </p:extLst>
   </p:cSld>
@@ -14207,4 +14809,245 @@
   <a:objectDefaults/>
   <a:extraClrSchemeLst/>
 </a:theme>
+</file>
+
+<file path=customXml/item1.xml><?xml version="1.0" encoding="utf-8"?>
+<ct:contentTypeSchema xmlns:ct="http://schemas.microsoft.com/office/2006/metadata/contentType" xmlns:ma="http://schemas.microsoft.com/office/2006/metadata/properties/metaAttributes" ct:_="" ma:_="" ma:contentTypeName="Document" ma:contentTypeID="0x0101004285D81DBE5F5A448E892B34D6B8CF20" ma:contentTypeVersion="8" ma:contentTypeDescription="Create a new document." ma:contentTypeScope="" ma:versionID="ecce54155d2ea7caa9aed06c8b6b9867">
+  <xsd:schema xmlns:xsd="http://www.w3.org/2001/XMLSchema" xmlns:xs="http://www.w3.org/2001/XMLSchema" xmlns:p="http://schemas.microsoft.com/office/2006/metadata/properties" xmlns:ns2="08600313-7276-4ca7-b5d3-7d86193ee0ac" xmlns:ns3="820f9cb1-409d-4c4b-8197-1d4f7dd48124" targetNamespace="http://schemas.microsoft.com/office/2006/metadata/properties" ma:root="true" ma:fieldsID="bfd7385540b70b2fe84ac888cc214377" ns2:_="" ns3:_="">
+    <xsd:import namespace="08600313-7276-4ca7-b5d3-7d86193ee0ac"/>
+    <xsd:import namespace="820f9cb1-409d-4c4b-8197-1d4f7dd48124"/>
+    <xsd:element name="properties">
+      <xsd:complexType>
+        <xsd:sequence>
+          <xsd:element name="documentManagement">
+            <xsd:complexType>
+              <xsd:all>
+                <xsd:element ref="ns2:MediaServiceMetadata" minOccurs="0"/>
+                <xsd:element ref="ns2:MediaServiceFastMetadata" minOccurs="0"/>
+                <xsd:element ref="ns2:lcf76f155ced4ddcb4097134ff3c332f" minOccurs="0"/>
+                <xsd:element ref="ns3:TaxCatchAll" minOccurs="0"/>
+                <xsd:element ref="ns2:MediaServiceGenerationTime" minOccurs="0"/>
+                <xsd:element ref="ns2:MediaServiceEventHashCode" minOccurs="0"/>
+                <xsd:element ref="ns2:MediaServiceOCR" minOccurs="0"/>
+              </xsd:all>
+            </xsd:complexType>
+          </xsd:element>
+        </xsd:sequence>
+      </xsd:complexType>
+    </xsd:element>
+  </xsd:schema>
+  <xsd:schema xmlns:xsd="http://www.w3.org/2001/XMLSchema" xmlns:xs="http://www.w3.org/2001/XMLSchema" xmlns:dms="http://schemas.microsoft.com/office/2006/documentManagement/types" xmlns:pc="http://schemas.microsoft.com/office/infopath/2007/PartnerControls" targetNamespace="08600313-7276-4ca7-b5d3-7d86193ee0ac" elementFormDefault="qualified">
+    <xsd:import namespace="http://schemas.microsoft.com/office/2006/documentManagement/types"/>
+    <xsd:import namespace="http://schemas.microsoft.com/office/infopath/2007/PartnerControls"/>
+    <xsd:element name="MediaServiceMetadata" ma:index="8" nillable="true" ma:displayName="MediaServiceMetadata" ma:hidden="true" ma:internalName="MediaServiceMetadata" ma:readOnly="true">
+      <xsd:simpleType>
+        <xsd:restriction base="dms:Note"/>
+      </xsd:simpleType>
+    </xsd:element>
+    <xsd:element name="MediaServiceFastMetadata" ma:index="9" nillable="true" ma:displayName="MediaServiceFastMetadata" ma:hidden="true" ma:internalName="MediaServiceFastMetadata" ma:readOnly="true">
+      <xsd:simpleType>
+        <xsd:restriction base="dms:Note"/>
+      </xsd:simpleType>
+    </xsd:element>
+    <xsd:element name="lcf76f155ced4ddcb4097134ff3c332f" ma:index="11" nillable="true" ma:taxonomy="true" ma:internalName="lcf76f155ced4ddcb4097134ff3c332f" ma:taxonomyFieldName="MediaServiceImageTags" ma:displayName="Image Tags" ma:readOnly="false" ma:fieldId="{5cf76f15-5ced-4ddc-b409-7134ff3c332f}" ma:taxonomyMulti="true" ma:sspId="71a83542-6b13-4414-947d-2211b265f7bc" ma:termSetId="09814cd3-568e-fe90-9814-8d621ff8fb84" ma:anchorId="fba54fb3-c3e1-fe81-a776-ca4b69148c4d" ma:open="true" ma:isKeyword="false">
+      <xsd:complexType>
+        <xsd:sequence>
+          <xsd:element ref="pc:Terms" minOccurs="0" maxOccurs="1"/>
+        </xsd:sequence>
+      </xsd:complexType>
+    </xsd:element>
+    <xsd:element name="MediaServiceGenerationTime" ma:index="13" nillable="true" ma:displayName="MediaServiceGenerationTime" ma:hidden="true" ma:internalName="MediaServiceGenerationTime" ma:readOnly="true">
+      <xsd:simpleType>
+        <xsd:restriction base="dms:Text"/>
+      </xsd:simpleType>
+    </xsd:element>
+    <xsd:element name="MediaServiceEventHashCode" ma:index="14" nillable="true" ma:displayName="MediaServiceEventHashCode" ma:hidden="true" ma:internalName="MediaServiceEventHashCode" ma:readOnly="true">
+      <xsd:simpleType>
+        <xsd:restriction base="dms:Text"/>
+      </xsd:simpleType>
+    </xsd:element>
+    <xsd:element name="MediaServiceOCR" ma:index="15" nillable="true" ma:displayName="Extracted Text" ma:internalName="MediaServiceOCR" ma:readOnly="true">
+      <xsd:simpleType>
+        <xsd:restriction base="dms:Note">
+          <xsd:maxLength value="255"/>
+        </xsd:restriction>
+      </xsd:simpleType>
+    </xsd:element>
+  </xsd:schema>
+  <xsd:schema xmlns:xsd="http://www.w3.org/2001/XMLSchema" xmlns:xs="http://www.w3.org/2001/XMLSchema" xmlns:dms="http://schemas.microsoft.com/office/2006/documentManagement/types" xmlns:pc="http://schemas.microsoft.com/office/infopath/2007/PartnerControls" targetNamespace="820f9cb1-409d-4c4b-8197-1d4f7dd48124" elementFormDefault="qualified">
+    <xsd:import namespace="http://schemas.microsoft.com/office/2006/documentManagement/types"/>
+    <xsd:import namespace="http://schemas.microsoft.com/office/infopath/2007/PartnerControls"/>
+    <xsd:element name="TaxCatchAll" ma:index="12" nillable="true" ma:displayName="Taxonomy Catch All Column" ma:hidden="true" ma:list="{5e4b8413-bde8-45bb-ad7f-2c4efb398c4d}" ma:internalName="TaxCatchAll" ma:showField="CatchAllData" ma:web="820f9cb1-409d-4c4b-8197-1d4f7dd48124">
+      <xsd:complexType>
+        <xsd:complexContent>
+          <xsd:extension base="dms:MultiChoiceLookup">
+            <xsd:sequence>
+              <xsd:element name="Value" type="dms:Lookup" maxOccurs="unbounded" minOccurs="0" nillable="true"/>
+            </xsd:sequence>
+          </xsd:extension>
+        </xsd:complexContent>
+      </xsd:complexType>
+    </xsd:element>
+  </xsd:schema>
+  <xsd:schema xmlns="http://schemas.openxmlformats.org/package/2006/metadata/core-properties" xmlns:xsd="http://www.w3.org/2001/XMLSchema" xmlns:xsi="http://www.w3.org/2001/XMLSchema-instance" xmlns:dc="http://purl.org/dc/elements/1.1/" xmlns:dcterms="http://purl.org/dc/terms/" xmlns:odoc="http://schemas.microsoft.com/internal/obd" targetNamespace="http://schemas.openxmlformats.org/package/2006/metadata/core-properties" elementFormDefault="qualified" attributeFormDefault="unqualified" blockDefault="#all">
+    <xsd:import namespace="http://purl.org/dc/elements/1.1/" schemaLocation="http://dublincore.org/schemas/xmls/qdc/2003/04/02/dc.xsd"/>
+    <xsd:import namespace="http://purl.org/dc/terms/" schemaLocation="http://dublincore.org/schemas/xmls/qdc/2003/04/02/dcterms.xsd"/>
+    <xsd:element name="coreProperties" type="CT_coreProperties"/>
+    <xsd:complexType name="CT_coreProperties">
+      <xsd:all>
+        <xsd:element ref="dc:creator" minOccurs="0" maxOccurs="1"/>
+        <xsd:element ref="dcterms:created" minOccurs="0" maxOccurs="1"/>
+        <xsd:element ref="dc:identifier" minOccurs="0" maxOccurs="1"/>
+        <xsd:element name="contentType" minOccurs="0" maxOccurs="1" type="xsd:string" ma:index="0" ma:displayName="Content Type"/>
+        <xsd:element ref="dc:title" minOccurs="0" maxOccurs="1" ma:index="4" ma:displayName="Title"/>
+        <xsd:element ref="dc:subject" minOccurs="0" maxOccurs="1"/>
+        <xsd:element ref="dc:description" minOccurs="0" maxOccurs="1"/>
+        <xsd:element name="keywords" minOccurs="0" maxOccurs="1" type="xsd:string"/>
+        <xsd:element ref="dc:language" minOccurs="0" maxOccurs="1"/>
+        <xsd:element name="category" minOccurs="0" maxOccurs="1" type="xsd:string"/>
+        <xsd:element name="version" minOccurs="0" maxOccurs="1" type="xsd:string"/>
+        <xsd:element name="revision" minOccurs="0" maxOccurs="1" type="xsd:string">
+          <xsd:annotation>
+            <xsd:documentation>
+                        This value indicates the number of saves or revisions. The application is responsible for updating this value after each revision.
+                    </xsd:documentation>
+          </xsd:annotation>
+        </xsd:element>
+        <xsd:element name="lastModifiedBy" minOccurs="0" maxOccurs="1" type="xsd:string"/>
+        <xsd:element ref="dcterms:modified" minOccurs="0" maxOccurs="1"/>
+        <xsd:element name="contentStatus" minOccurs="0" maxOccurs="1" type="xsd:string"/>
+      </xsd:all>
+    </xsd:complexType>
+  </xsd:schema>
+  <xs:schema xmlns:pc="http://schemas.microsoft.com/office/infopath/2007/PartnerControls" xmlns:xs="http://www.w3.org/2001/XMLSchema" targetNamespace="http://schemas.microsoft.com/office/infopath/2007/PartnerControls" elementFormDefault="qualified" attributeFormDefault="unqualified">
+    <xs:element name="Person">
+      <xs:complexType>
+        <xs:sequence>
+          <xs:element ref="pc:DisplayName" minOccurs="0"/>
+          <xs:element ref="pc:AccountId" minOccurs="0"/>
+          <xs:element ref="pc:AccountType" minOccurs="0"/>
+        </xs:sequence>
+      </xs:complexType>
+    </xs:element>
+    <xs:element name="DisplayName" type="xs:string"/>
+    <xs:element name="AccountId" type="xs:string"/>
+    <xs:element name="AccountType" type="xs:string"/>
+    <xs:element name="BDCAssociatedEntity">
+      <xs:complexType>
+        <xs:sequence>
+          <xs:element ref="pc:BDCEntity" minOccurs="0" maxOccurs="unbounded"/>
+        </xs:sequence>
+        <xs:attribute ref="pc:EntityNamespace"/>
+        <xs:attribute ref="pc:EntityName"/>
+        <xs:attribute ref="pc:SystemInstanceName"/>
+        <xs:attribute ref="pc:AssociationName"/>
+      </xs:complexType>
+    </xs:element>
+    <xs:attribute name="EntityNamespace" type="xs:string"/>
+    <xs:attribute name="EntityName" type="xs:string"/>
+    <xs:attribute name="SystemInstanceName" type="xs:string"/>
+    <xs:attribute name="AssociationName" type="xs:string"/>
+    <xs:element name="BDCEntity">
+      <xs:complexType>
+        <xs:sequence>
+          <xs:element ref="pc:EntityDisplayName" minOccurs="0"/>
+          <xs:element ref="pc:EntityInstanceReference" minOccurs="0"/>
+          <xs:element ref="pc:EntityId1" minOccurs="0"/>
+          <xs:element ref="pc:EntityId2" minOccurs="0"/>
+          <xs:element ref="pc:EntityId3" minOccurs="0"/>
+          <xs:element ref="pc:EntityId4" minOccurs="0"/>
+          <xs:element ref="pc:EntityId5" minOccurs="0"/>
+        </xs:sequence>
+      </xs:complexType>
+    </xs:element>
+    <xs:element name="EntityDisplayName" type="xs:string"/>
+    <xs:element name="EntityInstanceReference" type="xs:string"/>
+    <xs:element name="EntityId1" type="xs:string"/>
+    <xs:element name="EntityId2" type="xs:string"/>
+    <xs:element name="EntityId3" type="xs:string"/>
+    <xs:element name="EntityId4" type="xs:string"/>
+    <xs:element name="EntityId5" type="xs:string"/>
+    <xs:element name="Terms">
+      <xs:complexType>
+        <xs:sequence>
+          <xs:element ref="pc:TermInfo" minOccurs="0" maxOccurs="unbounded"/>
+        </xs:sequence>
+      </xs:complexType>
+    </xs:element>
+    <xs:element name="TermInfo">
+      <xs:complexType>
+        <xs:sequence>
+          <xs:element ref="pc:TermName" minOccurs="0"/>
+          <xs:element ref="pc:TermId" minOccurs="0"/>
+        </xs:sequence>
+      </xs:complexType>
+    </xs:element>
+    <xs:element name="TermName" type="xs:string"/>
+    <xs:element name="TermId" type="xs:string"/>
+  </xs:schema>
+</ct:contentTypeSchema>
+</file>
+
+<file path=customXml/item2.xml><?xml version="1.0" encoding="utf-8"?>
+<?mso-contentType ?>
+<FormTemplates xmlns="http://schemas.microsoft.com/sharepoint/v3/contenttype/forms">
+  <Display>DocumentLibraryForm</Display>
+  <Edit>DocumentLibraryForm</Edit>
+  <New>DocumentLibraryForm</New>
+</FormTemplates>
+</file>
+
+<file path=customXml/item3.xml><?xml version="1.0" encoding="utf-8"?>
+<p:properties xmlns:p="http://schemas.microsoft.com/office/2006/metadata/properties" xmlns:xsi="http://www.w3.org/2001/XMLSchema-instance" xmlns:pc="http://schemas.microsoft.com/office/infopath/2007/PartnerControls">
+  <documentManagement>
+    <TaxCatchAll xmlns="820f9cb1-409d-4c4b-8197-1d4f7dd48124" xsi:nil="true"/>
+    <lcf76f155ced4ddcb4097134ff3c332f xmlns="08600313-7276-4ca7-b5d3-7d86193ee0ac">
+      <Terms xmlns="http://schemas.microsoft.com/office/infopath/2007/PartnerControls"/>
+    </lcf76f155ced4ddcb4097134ff3c332f>
+  </documentManagement>
+</p:properties>
+</file>
+
+<file path=customXml/itemProps1.xml><?xml version="1.0" encoding="utf-8"?>
+<ds:datastoreItem xmlns:ds="http://schemas.openxmlformats.org/officeDocument/2006/customXml" ds:itemID="{54EB4FC6-A2A2-40B0-A84A-BBFCE3674D6D}">
+  <ds:schemaRefs>
+    <ds:schemaRef ds:uri="08600313-7276-4ca7-b5d3-7d86193ee0ac"/>
+    <ds:schemaRef ds:uri="820f9cb1-409d-4c4b-8197-1d4f7dd48124"/>
+    <ds:schemaRef ds:uri="http://purl.org/dc/elements/1.1/"/>
+    <ds:schemaRef ds:uri="http://purl.org/dc/terms/"/>
+    <ds:schemaRef ds:uri="http://schemas.microsoft.com/internal/obd"/>
+    <ds:schemaRef ds:uri="http://schemas.microsoft.com/office/2006/documentManagement/types"/>
+    <ds:schemaRef ds:uri="http://schemas.microsoft.com/office/2006/metadata/contentType"/>
+    <ds:schemaRef ds:uri="http://schemas.microsoft.com/office/2006/metadata/properties"/>
+    <ds:schemaRef ds:uri="http://schemas.microsoft.com/office/2006/metadata/properties/metaAttributes"/>
+    <ds:schemaRef ds:uri="http://schemas.microsoft.com/office/infopath/2007/PartnerControls"/>
+    <ds:schemaRef ds:uri="http://schemas.openxmlformats.org/package/2006/metadata/core-properties"/>
+    <ds:schemaRef ds:uri="http://www.w3.org/2001/XMLSchema"/>
+  </ds:schemaRefs>
+</ds:datastoreItem>
+</file>
+
+<file path=customXml/itemProps2.xml><?xml version="1.0" encoding="utf-8"?>
+<ds:datastoreItem xmlns:ds="http://schemas.openxmlformats.org/officeDocument/2006/customXml" ds:itemID="{2A7C915E-4009-47CE-94D4-97E75DE59B25}">
+  <ds:schemaRefs>
+    <ds:schemaRef ds:uri="http://schemas.microsoft.com/sharepoint/v3/contenttype/forms"/>
+  </ds:schemaRefs>
+</ds:datastoreItem>
+</file>
+
+<file path=customXml/itemProps3.xml><?xml version="1.0" encoding="utf-8"?>
+<ds:datastoreItem xmlns:ds="http://schemas.openxmlformats.org/officeDocument/2006/customXml" ds:itemID="{5A9CC447-D9E4-472B-8F77-5984014F62A7}">
+  <ds:schemaRefs>
+    <ds:schemaRef ds:uri="08600313-7276-4ca7-b5d3-7d86193ee0ac"/>
+    <ds:schemaRef ds:uri="820f9cb1-409d-4c4b-8197-1d4f7dd48124"/>
+    <ds:schemaRef ds:uri="http://purl.org/dc/dcmitype/"/>
+    <ds:schemaRef ds:uri="http://purl.org/dc/elements/1.1/"/>
+    <ds:schemaRef ds:uri="http://purl.org/dc/terms/"/>
+    <ds:schemaRef ds:uri="http://schemas.microsoft.com/office/2006/documentManagement/types"/>
+    <ds:schemaRef ds:uri="http://schemas.microsoft.com/office/2006/metadata/properties"/>
+    <ds:schemaRef ds:uri="http://schemas.microsoft.com/office/infopath/2007/PartnerControls"/>
+    <ds:schemaRef ds:uri="http://schemas.openxmlformats.org/package/2006/metadata/core-properties"/>
+    <ds:schemaRef ds:uri="http://www.w3.org/XML/1998/namespace"/>
+  </ds:schemaRefs>
+</ds:datastoreItem>
 </file>